--- a/dubbo/Dubbo 分析之API配置 v1.0 (二).pptx
+++ b/dubbo/Dubbo 分析之API配置 v1.0 (二).pptx
@@ -12,16 +12,21 @@
     <p:sldId id="375" r:id="rId4"/>
     <p:sldId id="314" r:id="rId5"/>
     <p:sldId id="313" r:id="rId6"/>
-    <p:sldId id="399" r:id="rId7"/>
+    <p:sldId id="406" r:id="rId7"/>
     <p:sldId id="316" r:id="rId8"/>
     <p:sldId id="318" r:id="rId9"/>
     <p:sldId id="320" r:id="rId10"/>
     <p:sldId id="321" r:id="rId11"/>
-    <p:sldId id="403" r:id="rId12"/>
-    <p:sldId id="404" r:id="rId13"/>
-    <p:sldId id="400" r:id="rId15"/>
-    <p:sldId id="401" r:id="rId16"/>
-    <p:sldId id="402" r:id="rId17"/>
+    <p:sldId id="407" r:id="rId12"/>
+    <p:sldId id="401" r:id="rId13"/>
+    <p:sldId id="402" r:id="rId15"/>
+    <p:sldId id="408" r:id="rId16"/>
+    <p:sldId id="409" r:id="rId17"/>
+    <p:sldId id="410" r:id="rId18"/>
+    <p:sldId id="411" r:id="rId19"/>
+    <p:sldId id="412" r:id="rId20"/>
+    <p:sldId id="413" r:id="rId21"/>
+    <p:sldId id="414" r:id="rId22"/>
   </p:sldIdLst>
   <p:sldSz cx="12192000" cy="6858000"/>
   <p:notesSz cx="6858000" cy="9144000"/>
@@ -504,33 +509,13 @@
           <a:p>
             <a:r>
               <a:rPr lang="en-US" altLang="zh-CN"/>
-              <a:t>1. StubProxyFactoryWrapper</a:t>
+              <a:t>1. </a:t>
             </a:r>
             <a:r>
               <a:rPr lang="zh-CN" altLang="en-US"/>
-              <a:t>实现了ProxyFactory接口</a:t>
-            </a:r>
-            <a:r>
-              <a:rPr lang="en-US" altLang="zh-CN"/>
-              <a:t>, </a:t>
-            </a:r>
-            <a:r>
-              <a:rPr lang="zh-CN" altLang="en-US"/>
-              <a:t>是JavassistProxyFactory包装类</a:t>
-            </a:r>
-            <a:r>
-              <a:rPr lang="en-US" altLang="zh-CN"/>
-              <a:t>(</a:t>
-            </a:r>
-            <a:r>
-              <a:rPr lang="zh-CN" altLang="en-US"/>
-              <a:t>包装器设计模式</a:t>
-            </a:r>
-            <a:r>
-              <a:rPr lang="en-US" altLang="zh-CN"/>
-              <a:t>)</a:t>
-            </a:r>
-            <a:endParaRPr lang="en-US" altLang="zh-CN"/>
+              <a:t>进一步初始化 ReferenceConfig 对象。</a:t>
+            </a:r>
+            <a:endParaRPr lang="zh-CN" altLang="en-US"/>
           </a:p>
           <a:p>
             <a:r>
@@ -539,97 +524,20 @@
             </a:r>
             <a:r>
               <a:rPr lang="zh-CN" altLang="en-US"/>
-              <a:t>通过包装器模式</a:t>
-            </a:r>
+              <a:t>校验 ReferenceConfig 对象的配置项。</a:t>
+            </a:r>
+            <a:endParaRPr lang="zh-CN" altLang="en-US"/>
+          </a:p>
+          <a:p>
             <a:r>
               <a:rPr lang="en-US" altLang="zh-CN"/>
-              <a:t>, </a:t>
+              <a:t>3. </a:t>
             </a:r>
             <a:r>
               <a:rPr lang="zh-CN" altLang="en-US"/>
-              <a:t>内部会运用</a:t>
-            </a:r>
-            <a:r>
-              <a:rPr lang="en-US" altLang="zh-CN"/>
-              <a:t>dubbo SPI</a:t>
-            </a:r>
-            <a:r>
-              <a:rPr lang="zh-CN" altLang="en-US"/>
-              <a:t>，根据</a:t>
-            </a:r>
-            <a:r>
-              <a:rPr lang="en-US" altLang="zh-CN"/>
-              <a:t>URL</a:t>
-            </a:r>
-            <a:r>
-              <a:rPr lang="zh-CN" altLang="en-US"/>
-              <a:t>来获取对应匹配的拓展对象</a:t>
-            </a:r>
-            <a:r>
-              <a:rPr lang="en-US" altLang="zh-CN"/>
-              <a:t>, </a:t>
-            </a:r>
-            <a:r>
-              <a:rPr lang="zh-CN" altLang="en-US"/>
-              <a:t>创建</a:t>
-            </a:r>
-            <a:r>
-              <a:rPr lang="en-US" altLang="zh-CN"/>
-              <a:t>invoker</a:t>
-            </a:r>
-            <a:r>
-              <a:rPr lang="zh-CN" altLang="en-US"/>
-              <a:t>对象</a:t>
-            </a:r>
-            <a:r>
-              <a:rPr lang="en-US" altLang="zh-CN"/>
-              <a:t>(</a:t>
-            </a:r>
-            <a:r>
-              <a:rPr lang="zh-CN" altLang="en-US"/>
-              <a:t>这里是</a:t>
-            </a:r>
-            <a:r>
-              <a:rPr lang="en-US" altLang="zh-CN"/>
-              <a:t>AbstractProxtInvoker</a:t>
-            </a:r>
-            <a:r>
-              <a:rPr lang="en-US" altLang="zh-CN"/>
-              <a:t>)</a:t>
-            </a:r>
-            <a:endParaRPr lang="en-US" altLang="zh-CN"/>
-          </a:p>
-          <a:p>
-            <a:r>
-              <a:rPr lang="en-US" altLang="zh-CN"/>
-              <a:t>3. AbstractProxyInvoker(proxy, type , url) </a:t>
-            </a:r>
-            <a:r>
-              <a:rPr lang="zh-CN" altLang="en-US"/>
-              <a:t>参数的意思是</a:t>
+              <a:t>使用 ReferenceConfig 对象，生成 Dubbo URL 对象数组。</a:t>
             </a:r>
             <a:endParaRPr lang="zh-CN" altLang="en-US"/>
-          </a:p>
-          <a:p>
-            <a:r>
-              <a:rPr lang="en-US" altLang="zh-CN"/>
-              <a:t>    3.1 proxy: 接口对应具体实现的代理对象</a:t>
-            </a:r>
-            <a:endParaRPr lang="en-US" altLang="zh-CN"/>
-          </a:p>
-          <a:p>
-            <a:r>
-              <a:rPr lang="en-US" altLang="zh-CN"/>
-              <a:t>    3.2 type: 接口全路径类名</a:t>
-            </a:r>
-            <a:endParaRPr lang="en-US" altLang="zh-CN"/>
-          </a:p>
-          <a:p>
-            <a:r>
-              <a:rPr lang="en-US" altLang="zh-CN"/>
-              <a:t>    3.3 url: 暴露服务时生成的URL信息</a:t>
-            </a:r>
-            <a:endParaRPr lang="en-US" altLang="zh-CN"/>
           </a:p>
           <a:p>
             <a:r>
@@ -638,25 +546,7 @@
             </a:r>
             <a:r>
               <a:rPr lang="zh-CN" altLang="en-US"/>
-              <a:t>服务暴露的流程如下</a:t>
-            </a:r>
-            <a:r>
-              <a:rPr lang="en-US" altLang="zh-CN"/>
-              <a:t>:</a:t>
-            </a:r>
-            <a:endParaRPr lang="zh-CN" altLang="en-US"/>
-          </a:p>
-          <a:p>
-            <a:r>
-              <a:rPr lang="zh-CN" altLang="en-US"/>
-              <a:t>    ProtocolFilterWrapper--&gt;List&lt;Filter&gt;--&gt;ProtocolListenerWrapper--&gt;InJvmProtocol--&gt;</a:t>
-            </a:r>
-            <a:endParaRPr lang="zh-CN" altLang="en-US"/>
-          </a:p>
-          <a:p>
-            <a:r>
-              <a:rPr lang="zh-CN" altLang="en-US"/>
-              <a:t>    InJvmExporter-&gt;ListenerExporterWrapper--&gt;ExporterListener</a:t>
+              <a:t>使用 Dubbo URL 对象，应用服务</a:t>
             </a:r>
             <a:endParaRPr lang="zh-CN" altLang="en-US"/>
           </a:p>
@@ -702,47 +592,6 @@
         <p:txBody>
           <a:bodyPr/>
           <a:p>
-            <a:r>
-              <a:rPr lang="en-US" altLang="zh-CN"/>
-              <a:t>1. </a:t>
-            </a:r>
-            <a:r>
-              <a:rPr lang="zh-CN" altLang="en-US"/>
-              <a:t>进一步初始化 ReferenceConfig 对象。</a:t>
-            </a:r>
-            <a:endParaRPr lang="zh-CN" altLang="en-US"/>
-          </a:p>
-          <a:p>
-            <a:r>
-              <a:rPr lang="en-US" altLang="zh-CN"/>
-              <a:t>2. </a:t>
-            </a:r>
-            <a:r>
-              <a:rPr lang="zh-CN" altLang="en-US"/>
-              <a:t>校验 ReferenceConfig 对象的配置项。</a:t>
-            </a:r>
-            <a:endParaRPr lang="zh-CN" altLang="en-US"/>
-          </a:p>
-          <a:p>
-            <a:r>
-              <a:rPr lang="en-US" altLang="zh-CN"/>
-              <a:t>3. </a:t>
-            </a:r>
-            <a:r>
-              <a:rPr lang="zh-CN" altLang="en-US"/>
-              <a:t>使用 ReferenceConfig 对象，生成 Dubbo URL 对象数组。</a:t>
-            </a:r>
-            <a:endParaRPr lang="zh-CN" altLang="en-US"/>
-          </a:p>
-          <a:p>
-            <a:r>
-              <a:rPr lang="en-US" altLang="zh-CN"/>
-              <a:t>4. </a:t>
-            </a:r>
-            <a:r>
-              <a:rPr lang="zh-CN" altLang="en-US"/>
-              <a:t>使用 Dubbo URL 对象，应用服务</a:t>
-            </a:r>
             <a:endParaRPr lang="zh-CN" altLang="en-US"/>
           </a:p>
         </p:txBody>
@@ -786,6 +635,1319 @@
         <p:spPr/>
         <p:txBody>
           <a:bodyPr/>
+          <a:p>
+            <a:r>
+              <a:rPr lang="en-US" altLang="zh-CN"/>
+              <a:t>1. StubProxyFactoryWrapper</a:t>
+            </a:r>
+            <a:r>
+              <a:rPr lang="zh-CN" altLang="en-US"/>
+              <a:t>实现了ProxyFactory接口</a:t>
+            </a:r>
+            <a:r>
+              <a:rPr lang="en-US" altLang="zh-CN"/>
+              <a:t>, </a:t>
+            </a:r>
+            <a:r>
+              <a:rPr lang="zh-CN" altLang="en-US"/>
+              <a:t>是JavassistProxyFactory包装类</a:t>
+            </a:r>
+            <a:r>
+              <a:rPr lang="en-US" altLang="zh-CN"/>
+              <a:t>(</a:t>
+            </a:r>
+            <a:r>
+              <a:rPr lang="zh-CN" altLang="en-US"/>
+              <a:t>包装器设计模式</a:t>
+            </a:r>
+            <a:r>
+              <a:rPr lang="en-US" altLang="zh-CN"/>
+              <a:t>)</a:t>
+            </a:r>
+            <a:endParaRPr lang="en-US" altLang="zh-CN"/>
+          </a:p>
+          <a:p>
+            <a:r>
+              <a:rPr lang="en-US" altLang="zh-CN"/>
+              <a:t>2. </a:t>
+            </a:r>
+            <a:r>
+              <a:rPr lang="zh-CN" altLang="en-US"/>
+              <a:t>通过包装器模式</a:t>
+            </a:r>
+            <a:r>
+              <a:rPr lang="en-US" altLang="zh-CN"/>
+              <a:t>, </a:t>
+            </a:r>
+            <a:r>
+              <a:rPr lang="zh-CN" altLang="en-US"/>
+              <a:t>内部会运用</a:t>
+            </a:r>
+            <a:r>
+              <a:rPr lang="en-US" altLang="zh-CN"/>
+              <a:t>dubbo SPI</a:t>
+            </a:r>
+            <a:r>
+              <a:rPr lang="zh-CN" altLang="en-US"/>
+              <a:t>，根据</a:t>
+            </a:r>
+            <a:r>
+              <a:rPr lang="en-US" altLang="zh-CN"/>
+              <a:t>URL</a:t>
+            </a:r>
+            <a:r>
+              <a:rPr lang="zh-CN" altLang="en-US"/>
+              <a:t>来获取对应匹配的拓展对象</a:t>
+            </a:r>
+            <a:r>
+              <a:rPr lang="en-US" altLang="zh-CN"/>
+              <a:t>, </a:t>
+            </a:r>
+            <a:r>
+              <a:rPr lang="zh-CN" altLang="en-US"/>
+              <a:t>创建</a:t>
+            </a:r>
+            <a:r>
+              <a:rPr lang="en-US" altLang="zh-CN"/>
+              <a:t>invoker</a:t>
+            </a:r>
+            <a:r>
+              <a:rPr lang="zh-CN" altLang="en-US"/>
+              <a:t>对象</a:t>
+            </a:r>
+            <a:r>
+              <a:rPr lang="en-US" altLang="zh-CN"/>
+              <a:t>(</a:t>
+            </a:r>
+            <a:r>
+              <a:rPr lang="zh-CN" altLang="en-US"/>
+              <a:t>这里是</a:t>
+            </a:r>
+            <a:r>
+              <a:rPr lang="en-US" altLang="zh-CN"/>
+              <a:t>AbstractProxtInvoker</a:t>
+            </a:r>
+            <a:r>
+              <a:rPr lang="en-US" altLang="zh-CN"/>
+              <a:t>)</a:t>
+            </a:r>
+            <a:endParaRPr lang="en-US" altLang="zh-CN"/>
+          </a:p>
+          <a:p>
+            <a:r>
+              <a:rPr lang="en-US" altLang="zh-CN"/>
+              <a:t>3. AbstractProxyInvoker(proxy, type , url) </a:t>
+            </a:r>
+            <a:r>
+              <a:rPr lang="zh-CN" altLang="en-US"/>
+              <a:t>参数的意思是</a:t>
+            </a:r>
+            <a:endParaRPr lang="zh-CN" altLang="en-US"/>
+          </a:p>
+          <a:p>
+            <a:r>
+              <a:rPr lang="en-US" altLang="zh-CN"/>
+              <a:t>    3.1 proxy: 接口对应具体实现的代理对象</a:t>
+            </a:r>
+            <a:endParaRPr lang="en-US" altLang="zh-CN"/>
+          </a:p>
+          <a:p>
+            <a:r>
+              <a:rPr lang="en-US" altLang="zh-CN"/>
+              <a:t>    3.2 type: 接口全路径类名</a:t>
+            </a:r>
+            <a:endParaRPr lang="en-US" altLang="zh-CN"/>
+          </a:p>
+          <a:p>
+            <a:r>
+              <a:rPr lang="en-US" altLang="zh-CN"/>
+              <a:t>    3.3 url: 暴露服务时生成的URL信息</a:t>
+            </a:r>
+            <a:endParaRPr lang="en-US" altLang="zh-CN"/>
+          </a:p>
+          <a:p>
+            <a:r>
+              <a:rPr lang="en-US" altLang="zh-CN"/>
+              <a:t>4. </a:t>
+            </a:r>
+            <a:r>
+              <a:rPr lang="zh-CN" altLang="en-US"/>
+              <a:t>服务暴露的流程如下</a:t>
+            </a:r>
+            <a:r>
+              <a:rPr lang="en-US" altLang="zh-CN"/>
+              <a:t>:</a:t>
+            </a:r>
+            <a:endParaRPr lang="zh-CN" altLang="en-US"/>
+          </a:p>
+          <a:p>
+            <a:r>
+              <a:rPr lang="zh-CN" altLang="en-US"/>
+              <a:t>    ProtocolFilterWrapper--&gt;List&lt;Filter&gt;--&gt;ProtocolListenerWrapper--&gt;InJvmProtocol--&gt;</a:t>
+            </a:r>
+            <a:endParaRPr lang="zh-CN" altLang="en-US"/>
+          </a:p>
+          <a:p>
+            <a:r>
+              <a:rPr lang="zh-CN" altLang="en-US"/>
+              <a:t>    InJvmExporter-&gt;ListenerExporterWrapper--&gt;ExporterListener</a:t>
+            </a:r>
+            <a:endParaRPr lang="zh-CN" altLang="en-US"/>
+          </a:p>
+        </p:txBody>
+      </p:sp>
+    </p:spTree>
+  </p:cSld>
+  <p:clrMapOvr>
+    <a:masterClrMapping/>
+  </p:clrMapOvr>
+</p:notes>
+</file>
+
+<file path=ppt/notesSlides/notesSlide4.xml><?xml version="1.0" encoding="utf-8"?>
+<p:notes xmlns:a="http://schemas.openxmlformats.org/drawingml/2006/main" xmlns:r="http://schemas.openxmlformats.org/officeDocument/2006/relationships" xmlns:p="http://schemas.openxmlformats.org/presentationml/2006/main">
+  <p:cSld>
+    <p:spTree>
+      <p:nvGrpSpPr>
+        <p:cNvPr id="1" name=""/>
+        <p:cNvGrpSpPr/>
+        <p:nvPr/>
+      </p:nvGrpSpPr>
+      <p:grpSpPr/>
+      <p:sp>
+        <p:nvSpPr>
+          <p:cNvPr id="2" name="幻灯片图像占位符 1"/>
+          <p:cNvSpPr/>
+          <p:nvPr>
+            <p:ph type="sldImg" idx="2"/>
+          </p:nvPr>
+        </p:nvSpPr>
+        <p:spPr/>
+      </p:sp>
+      <p:sp>
+        <p:nvSpPr>
+          <p:cNvPr id="3" name="文本占位符 2"/>
+          <p:cNvSpPr/>
+          <p:nvPr>
+            <p:ph type="body" idx="3"/>
+          </p:nvPr>
+        </p:nvSpPr>
+        <p:spPr/>
+        <p:txBody>
+          <a:bodyPr/>
+          <a:p>
+            <a:r>
+              <a:rPr lang="en-US" altLang="zh-CN"/>
+              <a:t>1. 创建invoker的步骤</a:t>
+            </a:r>
+            <a:endParaRPr lang="en-US" altLang="zh-CN"/>
+          </a:p>
+          <a:p>
+            <a:r>
+              <a:rPr lang="en-US" altLang="zh-CN"/>
+              <a:t>    1.1 系统启动时, 会根据dubbo SPI创建proxyFactory代理对象(ProxyFactory$Adaptive)</a:t>
+            </a:r>
+            <a:endParaRPr lang="en-US" altLang="zh-CN"/>
+          </a:p>
+          <a:p>
+            <a:r>
+              <a:rPr lang="en-US" altLang="zh-CN"/>
+              <a:t>	(默认是javassistProxyFactory, 现在存在StubProxyFactoryWrapper、JdkProxyFactory、JavassistProxyFactory三种)</a:t>
+            </a:r>
+            <a:endParaRPr lang="en-US" altLang="zh-CN"/>
+          </a:p>
+          <a:p>
+            <a:r>
+              <a:rPr lang="en-US" altLang="zh-CN"/>
+              <a:t>    1.2 根据url分析解析出需要的proxyFactory对象, 这里使用的是包装器方式的StubProxyFactoryWrapper&lt;这个类包装了ProxyFactory, 实际就是JavassistProxyFactor </a:t>
+            </a:r>
+            <a:endParaRPr lang="en-US" altLang="zh-CN"/>
+          </a:p>
+          <a:p>
+            <a:r>
+              <a:rPr lang="en-US" altLang="zh-CN"/>
+              <a:t>    1.3 运用JavassistProxyFactory.getInvoker(proxy, type, url)方法创建invoker(AbstractProxyInvoker)对象</a:t>
+            </a:r>
+            <a:endParaRPr lang="en-US" altLang="zh-CN"/>
+          </a:p>
+          <a:p>
+            <a:endParaRPr lang="en-US" altLang="zh-CN"/>
+          </a:p>
+          <a:p>
+            <a:r>
+              <a:rPr lang="en-US" altLang="zh-CN"/>
+              <a:t>2. </a:t>
+            </a:r>
+            <a:r>
+              <a:rPr lang="zh-CN" altLang="en-US"/>
+              <a:t>远程服务暴露的步骤</a:t>
+            </a:r>
+            <a:endParaRPr lang="zh-CN" altLang="en-US"/>
+          </a:p>
+          <a:p>
+            <a:r>
+              <a:rPr lang="zh-CN" altLang="en-US"/>
+              <a:t>    </a:t>
+            </a:r>
+            <a:r>
+              <a:rPr lang="en-US" altLang="zh-CN"/>
+              <a:t>2.1 </a:t>
+            </a:r>
+            <a:r>
+              <a:rPr lang="zh-CN" altLang="en-US"/>
+              <a:t>系统启动时会根据</a:t>
+            </a:r>
+            <a:r>
+              <a:rPr lang="en-US" altLang="zh-CN"/>
+              <a:t>dubbo SPI</a:t>
+            </a:r>
+            <a:r>
+              <a:rPr lang="zh-CN" altLang="en-US"/>
+              <a:t>创建</a:t>
+            </a:r>
+            <a:r>
+              <a:rPr lang="en-US" altLang="zh-CN"/>
+              <a:t>protocol</a:t>
+            </a:r>
+            <a:r>
+              <a:rPr lang="zh-CN" altLang="en-US"/>
+              <a:t>的代理对象</a:t>
+            </a:r>
+            <a:r>
+              <a:rPr lang="en-US" altLang="zh-CN"/>
+              <a:t>,Protocol$Adaptive</a:t>
+            </a:r>
+            <a:endParaRPr lang="en-US" altLang="zh-CN"/>
+          </a:p>
+          <a:p>
+            <a:r>
+              <a:rPr lang="en-US" altLang="zh-CN"/>
+              <a:t>    2.2 </a:t>
+            </a:r>
+            <a:r>
+              <a:rPr lang="zh-CN" altLang="en-US"/>
+              <a:t>通过</a:t>
+            </a:r>
+            <a:r>
+              <a:rPr lang="en-US" altLang="zh-CN"/>
+              <a:t>AbstractProxyInvoker.getUrl() </a:t>
+            </a:r>
+            <a:r>
+              <a:rPr lang="zh-CN" altLang="en-US"/>
+              <a:t>方法获取协议类型</a:t>
+            </a:r>
+            <a:r>
+              <a:rPr lang="en-US" altLang="zh-CN"/>
+              <a:t>, </a:t>
+            </a:r>
+            <a:r>
+              <a:rPr lang="zh-CN" altLang="en-US"/>
+              <a:t>这里是</a:t>
+            </a:r>
+            <a:r>
+              <a:rPr lang="en-US" altLang="zh-CN"/>
+              <a:t>dubbo</a:t>
+            </a:r>
+            <a:endParaRPr lang="en-US" altLang="zh-CN"/>
+          </a:p>
+          <a:p>
+            <a:r>
+              <a:rPr lang="en-US" altLang="zh-CN"/>
+              <a:t>    2.3 </a:t>
+            </a:r>
+            <a:r>
+              <a:rPr lang="zh-CN" altLang="en-US"/>
+              <a:t>依次调用</a:t>
+            </a:r>
+            <a:r>
+              <a:rPr lang="en-US" altLang="zh-CN"/>
+              <a:t>ProtocolListenerWrapper-&gt;ProtocolFilterWrapper-&gt;DubboProtocol-&gt;DubboExporter-&gt;</a:t>
+            </a:r>
+            <a:r>
+              <a:rPr lang="en-US" altLang="zh-CN">
+                <a:sym typeface="+mn-ea"/>
+              </a:rPr>
+              <a:t>ListenerExporterWrapper</a:t>
+            </a:r>
+            <a:r>
+              <a:rPr lang="zh-CN" altLang="en-US">
+                <a:sym typeface="+mn-ea"/>
+              </a:rPr>
+              <a:t>的</a:t>
+            </a:r>
+            <a:r>
+              <a:rPr lang="en-US" altLang="zh-CN">
+                <a:sym typeface="+mn-ea"/>
+              </a:rPr>
+              <a:t>exporter</a:t>
+            </a:r>
+            <a:r>
+              <a:rPr lang="zh-CN" altLang="en-US">
+                <a:sym typeface="+mn-ea"/>
+              </a:rPr>
+              <a:t>方法进行服务调用</a:t>
+            </a:r>
+            <a:endParaRPr lang="en-US" altLang="zh-CN"/>
+          </a:p>
+          <a:p>
+            <a:endParaRPr lang="en-US" altLang="zh-CN"/>
+          </a:p>
+          <a:p>
+            <a:r>
+              <a:rPr lang="en-US" altLang="zh-CN"/>
+              <a:t>3. </a:t>
+            </a:r>
+            <a:r>
+              <a:rPr lang="zh-CN" altLang="en-US"/>
+              <a:t>向</a:t>
+            </a:r>
+            <a:r>
+              <a:rPr lang="zh-CN" altLang="en-US"/>
+              <a:t>注册中心注册服务提供者</a:t>
+            </a:r>
+            <a:r>
+              <a:rPr lang="en-US" altLang="zh-CN"/>
+              <a:t>URL</a:t>
+            </a:r>
+            <a:endParaRPr lang="en-US" altLang="zh-CN"/>
+          </a:p>
+          <a:p>
+            <a:endParaRPr lang="en-US" altLang="zh-CN"/>
+          </a:p>
+          <a:p>
+            <a:r>
+              <a:rPr lang="en-US" altLang="zh-CN"/>
+              <a:t>4. </a:t>
+            </a:r>
+            <a:r>
+              <a:rPr lang="zh-CN" altLang="en-US"/>
+              <a:t>向注册中心订阅配置规则</a:t>
+            </a:r>
+            <a:endParaRPr lang="zh-CN" altLang="en-US"/>
+          </a:p>
+        </p:txBody>
+      </p:sp>
+    </p:spTree>
+  </p:cSld>
+  <p:clrMapOvr>
+    <a:masterClrMapping/>
+  </p:clrMapOvr>
+</p:notes>
+</file>
+
+<file path=ppt/notesSlides/notesSlide5.xml><?xml version="1.0" encoding="utf-8"?>
+<p:notes xmlns:a="http://schemas.openxmlformats.org/drawingml/2006/main" xmlns:r="http://schemas.openxmlformats.org/officeDocument/2006/relationships" xmlns:p="http://schemas.openxmlformats.org/presentationml/2006/main">
+  <p:cSld>
+    <p:spTree>
+      <p:nvGrpSpPr>
+        <p:cNvPr id="1" name=""/>
+        <p:cNvGrpSpPr/>
+        <p:nvPr/>
+      </p:nvGrpSpPr>
+      <p:grpSpPr/>
+      <p:sp>
+        <p:nvSpPr>
+          <p:cNvPr id="2" name="幻灯片图像占位符 1"/>
+          <p:cNvSpPr/>
+          <p:nvPr>
+            <p:ph type="sldImg" idx="2"/>
+          </p:nvPr>
+        </p:nvSpPr>
+        <p:spPr/>
+      </p:sp>
+      <p:sp>
+        <p:nvSpPr>
+          <p:cNvPr id="3" name="文本占位符 2"/>
+          <p:cNvSpPr/>
+          <p:nvPr>
+            <p:ph type="body" idx="3"/>
+          </p:nvPr>
+        </p:nvSpPr>
+        <p:spPr/>
+        <p:txBody>
+          <a:bodyPr/>
+          <a:p>
+            <a:r>
+              <a:rPr lang="en-US" altLang="zh-CN"/>
+              <a:t>1. </a:t>
+            </a:r>
+            <a:r>
+              <a:rPr lang="zh-CN" altLang="en-US"/>
+              <a:t>通过</a:t>
+            </a:r>
+            <a:r>
+              <a:rPr lang="en-US" altLang="zh-CN"/>
+              <a:t>checkDefault()</a:t>
+            </a:r>
+            <a:r>
+              <a:rPr lang="zh-CN" altLang="en-US"/>
+              <a:t>加载默认</a:t>
+            </a:r>
+            <a:r>
+              <a:rPr lang="en-US" altLang="zh-CN"/>
+              <a:t>Config</a:t>
+            </a:r>
+            <a:r>
+              <a:rPr lang="zh-CN" altLang="en-US"/>
+              <a:t>对应的</a:t>
+            </a:r>
+            <a:r>
+              <a:rPr lang="en-US" altLang="zh-CN"/>
+              <a:t>properties</a:t>
+            </a:r>
+            <a:r>
+              <a:rPr lang="zh-CN" altLang="en-US"/>
+              <a:t>信息</a:t>
+            </a:r>
+            <a:r>
+              <a:rPr lang="en-US" altLang="zh-CN"/>
+              <a:t>, </a:t>
+            </a:r>
+            <a:r>
+              <a:rPr lang="zh-CN" altLang="en-US"/>
+              <a:t>消费方默认</a:t>
+            </a:r>
+            <a:r>
+              <a:rPr lang="en-US" altLang="zh-CN"/>
+              <a:t>ConsumerConfig</a:t>
+            </a:r>
+            <a:endParaRPr lang="zh-CN" altLang="en-US"/>
+          </a:p>
+          <a:p>
+            <a:r>
+              <a:rPr lang="en-US" altLang="zh-CN"/>
+              <a:t>2. </a:t>
+            </a:r>
+            <a:r>
+              <a:rPr lang="zh-CN" altLang="en-US"/>
+              <a:t>直接通过</a:t>
+            </a:r>
+            <a:r>
+              <a:rPr lang="en-US" altLang="zh-CN"/>
+              <a:t>appendProperties(config)</a:t>
+            </a:r>
+            <a:r>
+              <a:rPr lang="zh-CN" altLang="en-US"/>
+              <a:t>方法加载</a:t>
+            </a:r>
+            <a:r>
+              <a:rPr lang="en-US" altLang="zh-CN"/>
+              <a:t>ReferenceConfig</a:t>
+            </a:r>
+            <a:r>
+              <a:rPr lang="zh-CN" altLang="en-US"/>
+              <a:t>对应的</a:t>
+            </a:r>
+            <a:r>
+              <a:rPr lang="en-US" altLang="zh-CN"/>
+              <a:t>properties</a:t>
+            </a:r>
+            <a:r>
+              <a:rPr lang="zh-CN" altLang="en-US"/>
+              <a:t>信息</a:t>
+            </a:r>
+            <a:endParaRPr lang="zh-CN" altLang="en-US"/>
+          </a:p>
+          <a:p>
+            <a:r>
+              <a:rPr lang="en-US" altLang="zh-CN"/>
+              <a:t>3. </a:t>
+            </a:r>
+            <a:r>
+              <a:rPr lang="zh-CN" altLang="en-US"/>
+              <a:t>校验是否是</a:t>
+            </a:r>
+            <a:r>
+              <a:rPr lang="en-US" altLang="zh-CN"/>
+              <a:t>GenericService</a:t>
+            </a:r>
+            <a:r>
+              <a:rPr lang="zh-CN" altLang="en-US"/>
+              <a:t>类</a:t>
+            </a:r>
+            <a:endParaRPr lang="zh-CN" altLang="en-US"/>
+          </a:p>
+          <a:p>
+            <a:r>
+              <a:rPr lang="en-US" altLang="zh-CN"/>
+              <a:t>4. </a:t>
+            </a:r>
+            <a:r>
+              <a:rPr lang="zh-CN" altLang="en-US"/>
+              <a:t>解析配置文件的信息</a:t>
+            </a:r>
+            <a:r>
+              <a:rPr lang="en-US" altLang="zh-CN"/>
+              <a:t>resolveFile</a:t>
+            </a:r>
+            <a:endParaRPr lang="en-US" altLang="zh-CN"/>
+          </a:p>
+          <a:p>
+            <a:r>
+              <a:rPr lang="en-US" altLang="zh-CN"/>
+              <a:t>    4.1 dubbo.resolve.file</a:t>
+            </a:r>
+            <a:endParaRPr lang="en-US" altLang="zh-CN"/>
+          </a:p>
+          <a:p>
+            <a:r>
+              <a:rPr lang="en-US" altLang="zh-CN"/>
+              <a:t>    4.2 dubbo-resolve.properties</a:t>
+            </a:r>
+            <a:endParaRPr lang="en-US" altLang="zh-CN"/>
+          </a:p>
+          <a:p>
+            <a:r>
+              <a:rPr lang="en-US" altLang="zh-CN"/>
+              <a:t>5. </a:t>
+            </a:r>
+            <a:r>
+              <a:rPr lang="zh-CN" altLang="en-US"/>
+              <a:t>再次校验</a:t>
+            </a:r>
+            <a:r>
+              <a:rPr lang="en-US" altLang="zh-CN"/>
+              <a:t>applilcation</a:t>
+            </a:r>
+            <a:r>
+              <a:rPr lang="zh-CN" altLang="en-US"/>
+              <a:t>的配置、校验是否是</a:t>
+            </a:r>
+            <a:r>
+              <a:rPr lang="en-US" altLang="zh-CN"/>
+              <a:t>stub</a:t>
+            </a:r>
+            <a:r>
+              <a:rPr lang="zh-CN" altLang="en-US"/>
+              <a:t>本地接口、校验是否是</a:t>
+            </a:r>
+            <a:r>
+              <a:rPr lang="en-US" altLang="zh-CN"/>
+              <a:t>Mock</a:t>
+            </a:r>
+            <a:r>
+              <a:rPr lang="zh-CN" altLang="en-US"/>
+              <a:t>测试接口</a:t>
+            </a:r>
+            <a:endParaRPr lang="zh-CN" altLang="en-US"/>
+          </a:p>
+          <a:p>
+            <a:r>
+              <a:rPr lang="zh-CN" altLang="en-US"/>
+              <a:t>    </a:t>
+            </a:r>
+            <a:r>
+              <a:rPr lang="en-US" altLang="zh-CN"/>
+              <a:t>checkApplication(), checkStuc(interafceClass)</a:t>
+            </a:r>
+            <a:r>
+              <a:rPr lang="zh-CN" altLang="en-US"/>
+              <a:t>、</a:t>
+            </a:r>
+            <a:r>
+              <a:rPr lang="en-US" altLang="zh-CN"/>
+              <a:t>checkMock(interfaceClass)</a:t>
+            </a:r>
+            <a:endParaRPr lang="en-US" altLang="zh-CN"/>
+          </a:p>
+          <a:p>
+            <a:r>
+              <a:rPr lang="en-US" altLang="zh-CN"/>
+              <a:t>6. </a:t>
+            </a:r>
+            <a:r>
+              <a:rPr lang="zh-CN" altLang="en-US"/>
+              <a:t>通过</a:t>
+            </a:r>
+            <a:r>
+              <a:rPr lang="en-US" altLang="zh-CN"/>
+              <a:t>checkProxy()</a:t>
+            </a:r>
+            <a:r>
+              <a:rPr lang="zh-CN" altLang="en-US"/>
+              <a:t>进行代理对象创建</a:t>
+            </a:r>
+            <a:endParaRPr lang="zh-CN" altLang="en-US"/>
+          </a:p>
+          <a:p>
+            <a:r>
+              <a:rPr lang="en-US" altLang="zh-CN"/>
+              <a:t>7. </a:t>
+            </a:r>
+            <a:r>
+              <a:rPr lang="zh-CN" altLang="en-US"/>
+              <a:t>通过</a:t>
+            </a:r>
+            <a:r>
+              <a:rPr lang="en-US" altLang="zh-CN"/>
+              <a:t>Dubbo Spi</a:t>
+            </a:r>
+            <a:r>
+              <a:rPr lang="zh-CN" altLang="en-US"/>
+              <a:t>按照下面的流程对服务对应</a:t>
+            </a:r>
+            <a:r>
+              <a:rPr lang="en-US" altLang="zh-CN"/>
+              <a:t>invker</a:t>
+            </a:r>
+            <a:r>
+              <a:rPr lang="zh-CN" altLang="en-US"/>
+              <a:t>引用</a:t>
+            </a:r>
+            <a:endParaRPr lang="zh-CN" altLang="en-US"/>
+          </a:p>
+          <a:p>
+            <a:r>
+              <a:rPr lang="zh-CN" altLang="en-US"/>
+              <a:t>    </a:t>
+            </a:r>
+            <a:r>
+              <a:rPr lang="en-US" altLang="zh-CN"/>
+              <a:t>Protocol$Adaptive.refer()--&gt;ProtocolFilterWrapper.refer()--&gt;ProtocolListenerWrapper.refer()--&gt;InJvmProtocol--&gt;InJvmInvoker</a:t>
+            </a:r>
+            <a:endParaRPr lang="en-US" altLang="zh-CN"/>
+          </a:p>
+          <a:p>
+            <a:r>
+              <a:rPr lang="zh-CN" altLang="en-US"/>
+              <a:t>    </a:t>
+            </a:r>
+            <a:r>
+              <a:rPr lang="en-US" altLang="zh-CN"/>
+              <a:t>--&gt;</a:t>
+            </a:r>
+            <a:r>
+              <a:rPr lang="zh-CN" altLang="en-US"/>
+              <a:t>获取</a:t>
+            </a:r>
+            <a:r>
+              <a:rPr lang="en-US" altLang="zh-CN"/>
+              <a:t>InvokerListener</a:t>
+            </a:r>
+            <a:r>
+              <a:rPr lang="zh-CN" altLang="en-US"/>
+              <a:t>数组</a:t>
+            </a:r>
+            <a:r>
+              <a:rPr lang="en-US" altLang="zh-CN"/>
+              <a:t>--&gt;</a:t>
+            </a:r>
+            <a:r>
+              <a:rPr lang="zh-CN" altLang="en-US"/>
+              <a:t>创建</a:t>
+            </a:r>
+            <a:r>
+              <a:rPr lang="en-US" altLang="zh-CN"/>
+              <a:t>ListenerInvokerWrapper--&gt;buildInvokerChain(invoker:Invoker,key:String,group:String)</a:t>
+            </a:r>
+            <a:endParaRPr lang="en-US" altLang="zh-CN"/>
+          </a:p>
+          <a:p>
+            <a:r>
+              <a:rPr lang="en-US" altLang="zh-CN"/>
+              <a:t>8. </a:t>
+            </a:r>
+            <a:r>
+              <a:rPr lang="zh-CN" altLang="en-US"/>
+              <a:t>通过</a:t>
+            </a:r>
+            <a:r>
+              <a:rPr lang="en-US" altLang="zh-CN"/>
+              <a:t>getProxy(invoker)</a:t>
+            </a:r>
+            <a:r>
+              <a:rPr lang="zh-CN" altLang="en-US"/>
+              <a:t>获得对应的服务对象</a:t>
+            </a:r>
+            <a:r>
+              <a:rPr lang="en-US" altLang="zh-CN"/>
+              <a:t>(</a:t>
+            </a:r>
+            <a:r>
+              <a:rPr lang="zh-CN" altLang="en-US"/>
+              <a:t>可以理解为发起请求调用</a:t>
+            </a:r>
+            <a:r>
+              <a:rPr lang="en-US" altLang="zh-CN"/>
+              <a:t>, </a:t>
+            </a:r>
+            <a:r>
+              <a:rPr lang="zh-CN" altLang="en-US"/>
+              <a:t>服务提供者接收到请求后会处理并返回结果</a:t>
+            </a:r>
+            <a:r>
+              <a:rPr lang="en-US" altLang="zh-CN"/>
+              <a:t>)</a:t>
+            </a:r>
+            <a:endParaRPr lang="en-US" altLang="zh-CN"/>
+          </a:p>
+        </p:txBody>
+      </p:sp>
+    </p:spTree>
+  </p:cSld>
+  <p:clrMapOvr>
+    <a:masterClrMapping/>
+  </p:clrMapOvr>
+</p:notes>
+</file>
+
+<file path=ppt/notesSlides/notesSlide6.xml><?xml version="1.0" encoding="utf-8"?>
+<p:notes xmlns:a="http://schemas.openxmlformats.org/drawingml/2006/main" xmlns:r="http://schemas.openxmlformats.org/officeDocument/2006/relationships" xmlns:p="http://schemas.openxmlformats.org/presentationml/2006/main">
+  <p:cSld>
+    <p:spTree>
+      <p:nvGrpSpPr>
+        <p:cNvPr id="1" name=""/>
+        <p:cNvGrpSpPr/>
+        <p:nvPr/>
+      </p:nvGrpSpPr>
+      <p:grpSpPr/>
+      <p:sp>
+        <p:nvSpPr>
+          <p:cNvPr id="2" name="幻灯片图像占位符 1"/>
+          <p:cNvSpPr/>
+          <p:nvPr>
+            <p:ph type="sldImg" idx="2"/>
+          </p:nvPr>
+        </p:nvSpPr>
+        <p:spPr/>
+      </p:sp>
+      <p:sp>
+        <p:nvSpPr>
+          <p:cNvPr id="3" name="文本占位符 2"/>
+          <p:cNvSpPr/>
+          <p:nvPr>
+            <p:ph type="body" idx="3"/>
+          </p:nvPr>
+        </p:nvSpPr>
+        <p:spPr/>
+        <p:txBody>
+          <a:bodyPr/>
+          <a:p>
+            <a:r>
+              <a:rPr lang="en-US" altLang="zh-CN">
+                <a:sym typeface="+mn-ea"/>
+              </a:rPr>
+              <a:t>1. </a:t>
+            </a:r>
+            <a:r>
+              <a:rPr lang="zh-CN" altLang="en-US">
+                <a:sym typeface="+mn-ea"/>
+              </a:rPr>
+              <a:t>通过</a:t>
+            </a:r>
+            <a:r>
+              <a:rPr lang="en-US" altLang="zh-CN">
+                <a:sym typeface="+mn-ea"/>
+              </a:rPr>
+              <a:t>checkDefault()</a:t>
+            </a:r>
+            <a:r>
+              <a:rPr lang="zh-CN" altLang="en-US">
+                <a:sym typeface="+mn-ea"/>
+              </a:rPr>
+              <a:t>加载默认</a:t>
+            </a:r>
+            <a:r>
+              <a:rPr lang="en-US" altLang="zh-CN">
+                <a:sym typeface="+mn-ea"/>
+              </a:rPr>
+              <a:t>Config</a:t>
+            </a:r>
+            <a:r>
+              <a:rPr lang="zh-CN" altLang="en-US">
+                <a:sym typeface="+mn-ea"/>
+              </a:rPr>
+              <a:t>对应的</a:t>
+            </a:r>
+            <a:r>
+              <a:rPr lang="en-US" altLang="zh-CN">
+                <a:sym typeface="+mn-ea"/>
+              </a:rPr>
+              <a:t>properties</a:t>
+            </a:r>
+            <a:r>
+              <a:rPr lang="zh-CN" altLang="en-US">
+                <a:sym typeface="+mn-ea"/>
+              </a:rPr>
+              <a:t>信息</a:t>
+            </a:r>
+            <a:r>
+              <a:rPr lang="en-US" altLang="zh-CN">
+                <a:sym typeface="+mn-ea"/>
+              </a:rPr>
+              <a:t>, </a:t>
+            </a:r>
+            <a:r>
+              <a:rPr lang="zh-CN" altLang="en-US">
+                <a:sym typeface="+mn-ea"/>
+              </a:rPr>
+              <a:t>消费方默认</a:t>
+            </a:r>
+            <a:r>
+              <a:rPr lang="en-US" altLang="zh-CN">
+                <a:sym typeface="+mn-ea"/>
+              </a:rPr>
+              <a:t>ConsumerConfig</a:t>
+            </a:r>
+            <a:endParaRPr lang="zh-CN" altLang="en-US"/>
+          </a:p>
+          <a:p>
+            <a:r>
+              <a:rPr lang="en-US" altLang="zh-CN">
+                <a:sym typeface="+mn-ea"/>
+              </a:rPr>
+              <a:t>2. </a:t>
+            </a:r>
+            <a:r>
+              <a:rPr lang="zh-CN" altLang="en-US">
+                <a:sym typeface="+mn-ea"/>
+              </a:rPr>
+              <a:t>直接通过</a:t>
+            </a:r>
+            <a:r>
+              <a:rPr lang="en-US" altLang="zh-CN">
+                <a:sym typeface="+mn-ea"/>
+              </a:rPr>
+              <a:t>appendProperties(config)</a:t>
+            </a:r>
+            <a:r>
+              <a:rPr lang="zh-CN" altLang="en-US">
+                <a:sym typeface="+mn-ea"/>
+              </a:rPr>
+              <a:t>方法加载</a:t>
+            </a:r>
+            <a:r>
+              <a:rPr lang="en-US" altLang="zh-CN">
+                <a:sym typeface="+mn-ea"/>
+              </a:rPr>
+              <a:t>ReferenceConfig</a:t>
+            </a:r>
+            <a:r>
+              <a:rPr lang="zh-CN" altLang="en-US">
+                <a:sym typeface="+mn-ea"/>
+              </a:rPr>
+              <a:t>对应的</a:t>
+            </a:r>
+            <a:r>
+              <a:rPr lang="en-US" altLang="zh-CN">
+                <a:sym typeface="+mn-ea"/>
+              </a:rPr>
+              <a:t>properties</a:t>
+            </a:r>
+            <a:r>
+              <a:rPr lang="zh-CN" altLang="en-US">
+                <a:sym typeface="+mn-ea"/>
+              </a:rPr>
+              <a:t>信息</a:t>
+            </a:r>
+            <a:endParaRPr lang="zh-CN" altLang="en-US"/>
+          </a:p>
+          <a:p>
+            <a:r>
+              <a:rPr lang="en-US" altLang="zh-CN">
+                <a:sym typeface="+mn-ea"/>
+              </a:rPr>
+              <a:t>3. </a:t>
+            </a:r>
+            <a:r>
+              <a:rPr lang="zh-CN" altLang="en-US">
+                <a:sym typeface="+mn-ea"/>
+              </a:rPr>
+              <a:t>校验是否是</a:t>
+            </a:r>
+            <a:r>
+              <a:rPr lang="en-US" altLang="zh-CN">
+                <a:sym typeface="+mn-ea"/>
+              </a:rPr>
+              <a:t>GenericService</a:t>
+            </a:r>
+            <a:r>
+              <a:rPr lang="zh-CN" altLang="en-US">
+                <a:sym typeface="+mn-ea"/>
+              </a:rPr>
+              <a:t>类</a:t>
+            </a:r>
+            <a:endParaRPr lang="zh-CN" altLang="en-US"/>
+          </a:p>
+          <a:p>
+            <a:r>
+              <a:rPr lang="en-US" altLang="zh-CN">
+                <a:sym typeface="+mn-ea"/>
+              </a:rPr>
+              <a:t>4. </a:t>
+            </a:r>
+            <a:r>
+              <a:rPr lang="zh-CN" altLang="en-US">
+                <a:sym typeface="+mn-ea"/>
+              </a:rPr>
+              <a:t>解析配置文件的信息</a:t>
+            </a:r>
+            <a:r>
+              <a:rPr lang="en-US" altLang="zh-CN">
+                <a:sym typeface="+mn-ea"/>
+              </a:rPr>
+              <a:t>resolveFile</a:t>
+            </a:r>
+            <a:endParaRPr lang="en-US" altLang="zh-CN"/>
+          </a:p>
+          <a:p>
+            <a:r>
+              <a:rPr lang="en-US" altLang="zh-CN">
+                <a:sym typeface="+mn-ea"/>
+              </a:rPr>
+              <a:t>    4.1 dubbo.resolve.file</a:t>
+            </a:r>
+            <a:endParaRPr lang="en-US" altLang="zh-CN"/>
+          </a:p>
+          <a:p>
+            <a:r>
+              <a:rPr lang="en-US" altLang="zh-CN">
+                <a:sym typeface="+mn-ea"/>
+              </a:rPr>
+              <a:t>    4.2 dubbo-resolve.properties</a:t>
+            </a:r>
+            <a:endParaRPr lang="en-US" altLang="zh-CN"/>
+          </a:p>
+          <a:p>
+            <a:r>
+              <a:rPr lang="en-US" altLang="zh-CN">
+                <a:sym typeface="+mn-ea"/>
+              </a:rPr>
+              <a:t>5. </a:t>
+            </a:r>
+            <a:r>
+              <a:rPr lang="zh-CN" altLang="en-US">
+                <a:sym typeface="+mn-ea"/>
+              </a:rPr>
+              <a:t>再次校验</a:t>
+            </a:r>
+            <a:r>
+              <a:rPr lang="en-US" altLang="zh-CN">
+                <a:sym typeface="+mn-ea"/>
+              </a:rPr>
+              <a:t>applilcation</a:t>
+            </a:r>
+            <a:r>
+              <a:rPr lang="zh-CN" altLang="en-US">
+                <a:sym typeface="+mn-ea"/>
+              </a:rPr>
+              <a:t>的配置、校验是否是</a:t>
+            </a:r>
+            <a:r>
+              <a:rPr lang="en-US" altLang="zh-CN">
+                <a:sym typeface="+mn-ea"/>
+              </a:rPr>
+              <a:t>stub</a:t>
+            </a:r>
+            <a:r>
+              <a:rPr lang="zh-CN" altLang="en-US">
+                <a:sym typeface="+mn-ea"/>
+              </a:rPr>
+              <a:t>本地接口、校验是否是</a:t>
+            </a:r>
+            <a:r>
+              <a:rPr lang="en-US" altLang="zh-CN">
+                <a:sym typeface="+mn-ea"/>
+              </a:rPr>
+              <a:t>Mock</a:t>
+            </a:r>
+            <a:r>
+              <a:rPr lang="zh-CN" altLang="en-US">
+                <a:sym typeface="+mn-ea"/>
+              </a:rPr>
+              <a:t>测试接口</a:t>
+            </a:r>
+            <a:endParaRPr lang="zh-CN" altLang="en-US"/>
+          </a:p>
+          <a:p>
+            <a:r>
+              <a:rPr lang="zh-CN" altLang="en-US">
+                <a:sym typeface="+mn-ea"/>
+              </a:rPr>
+              <a:t>    </a:t>
+            </a:r>
+            <a:r>
+              <a:rPr lang="en-US" altLang="zh-CN">
+                <a:sym typeface="+mn-ea"/>
+              </a:rPr>
+              <a:t>checkApplication(), checkStuc(interafceClass)</a:t>
+            </a:r>
+            <a:r>
+              <a:rPr lang="zh-CN" altLang="en-US">
+                <a:sym typeface="+mn-ea"/>
+              </a:rPr>
+              <a:t>、</a:t>
+            </a:r>
+            <a:r>
+              <a:rPr lang="en-US" altLang="zh-CN">
+                <a:sym typeface="+mn-ea"/>
+              </a:rPr>
+              <a:t>checkMock(interfaceClass)</a:t>
+            </a:r>
+            <a:endParaRPr lang="en-US" altLang="zh-CN"/>
+          </a:p>
+          <a:p>
+            <a:r>
+              <a:rPr lang="en-US" altLang="zh-CN">
+                <a:sym typeface="+mn-ea"/>
+              </a:rPr>
+              <a:t>6. </a:t>
+            </a:r>
+            <a:r>
+              <a:rPr lang="zh-CN" altLang="en-US">
+                <a:sym typeface="+mn-ea"/>
+              </a:rPr>
+              <a:t>通过</a:t>
+            </a:r>
+            <a:r>
+              <a:rPr lang="en-US" altLang="zh-CN">
+                <a:sym typeface="+mn-ea"/>
+              </a:rPr>
+              <a:t>checkProxy()</a:t>
+            </a:r>
+            <a:r>
+              <a:rPr lang="zh-CN" altLang="en-US">
+                <a:sym typeface="+mn-ea"/>
+              </a:rPr>
+              <a:t>进行代理对象创建</a:t>
+            </a:r>
+            <a:endParaRPr lang="zh-CN" altLang="en-US"/>
+          </a:p>
+          <a:p>
+            <a:r>
+              <a:rPr lang="en-US" altLang="zh-CN">
+                <a:sym typeface="+mn-ea"/>
+              </a:rPr>
+              <a:t>7. </a:t>
+            </a:r>
+            <a:r>
+              <a:rPr lang="zh-CN" altLang="en-US">
+                <a:sym typeface="+mn-ea"/>
+              </a:rPr>
+              <a:t>通过</a:t>
+            </a:r>
+            <a:r>
+              <a:rPr lang="en-US" altLang="zh-CN">
+                <a:sym typeface="+mn-ea"/>
+              </a:rPr>
+              <a:t>Dubbo Spi</a:t>
+            </a:r>
+            <a:r>
+              <a:rPr lang="zh-CN" altLang="en-US">
+                <a:sym typeface="+mn-ea"/>
+              </a:rPr>
+              <a:t>按照下面的流程对服务对应</a:t>
+            </a:r>
+            <a:r>
+              <a:rPr lang="en-US" altLang="zh-CN">
+                <a:sym typeface="+mn-ea"/>
+              </a:rPr>
+              <a:t>invker</a:t>
+            </a:r>
+            <a:r>
+              <a:rPr lang="zh-CN" altLang="en-US">
+                <a:sym typeface="+mn-ea"/>
+              </a:rPr>
+              <a:t>引用</a:t>
+            </a:r>
+            <a:endParaRPr lang="zh-CN" altLang="en-US"/>
+          </a:p>
+          <a:p>
+            <a:r>
+              <a:rPr lang="zh-CN" altLang="en-US">
+                <a:sym typeface="+mn-ea"/>
+              </a:rPr>
+              <a:t>    </a:t>
+            </a:r>
+            <a:r>
+              <a:rPr lang="en-US" altLang="zh-CN">
+                <a:sym typeface="+mn-ea"/>
+              </a:rPr>
+              <a:t>Protocol$Adaptive.refer()--&gt;ProtocolFilterWrapper.refer()--&gt;ProtocolListenerWrapper.refer()--&gt;RegistryProtocol(</a:t>
+            </a:r>
+            <a:r>
+              <a:rPr lang="zh-CN" altLang="en-US">
+                <a:sym typeface="+mn-ea"/>
+              </a:rPr>
+              <a:t>进行</a:t>
+            </a:r>
+            <a:r>
+              <a:rPr lang="en-US" altLang="zh-CN">
+                <a:sym typeface="+mn-ea"/>
+              </a:rPr>
+              <a:t>UR</a:t>
+            </a:r>
+            <a:r>
+              <a:rPr lang="zh-CN" altLang="en-US">
+                <a:sym typeface="+mn-ea"/>
+              </a:rPr>
+              <a:t>路径转换的</a:t>
+            </a:r>
+            <a:r>
+              <a:rPr lang="en-US" altLang="zh-CN">
+                <a:sym typeface="+mn-ea"/>
+              </a:rPr>
+              <a:t>)--&gt;RegistryDirectory</a:t>
+            </a:r>
+            <a:endParaRPr lang="en-US" altLang="zh-CN">
+              <a:sym typeface="+mn-ea"/>
+            </a:endParaRPr>
+          </a:p>
+          <a:p>
+            <a:r>
+              <a:rPr lang="en-US" altLang="zh-CN">
+                <a:sym typeface="+mn-ea"/>
+              </a:rPr>
+              <a:t>    --&gt;FailBackRegistry--&gt;Cluster$Adaptive--&gt;FailOverClusterInvoker--&gt;Dubbo</a:t>
+            </a:r>
+            <a:r>
+              <a:rPr lang="en-US" altLang="zh-CN">
+                <a:sym typeface="+mn-ea"/>
+              </a:rPr>
+              <a:t>Protocol--&gt;DubboInvoker</a:t>
+            </a:r>
+            <a:endParaRPr lang="en-US" altLang="zh-CN">
+              <a:sym typeface="+mn-ea"/>
+            </a:endParaRPr>
+          </a:p>
+          <a:p>
+            <a:r>
+              <a:rPr lang="en-US" altLang="zh-CN">
+                <a:sym typeface="+mn-ea"/>
+              </a:rPr>
+              <a:t>8. </a:t>
+            </a:r>
+            <a:r>
+              <a:rPr lang="en-US" altLang="zh-CN" b="1">
+                <a:sym typeface="+mn-ea"/>
+              </a:rPr>
+              <a:t>RegistryDirectory</a:t>
+            </a:r>
+            <a:r>
+              <a:rPr lang="zh-CN" altLang="en-US" b="1">
+                <a:sym typeface="+mn-ea"/>
+              </a:rPr>
+              <a:t>起到的作用</a:t>
+            </a:r>
+            <a:endParaRPr lang="zh-CN" altLang="en-US" b="1">
+              <a:sym typeface="+mn-ea"/>
+            </a:endParaRPr>
+          </a:p>
+          <a:p>
+            <a:r>
+              <a:rPr lang="zh-CN" altLang="en-US" b="1">
+                <a:sym typeface="+mn-ea"/>
+              </a:rPr>
+              <a:t>    </a:t>
+            </a:r>
+            <a:r>
+              <a:rPr lang="en-US" altLang="zh-CN" b="1">
+                <a:sym typeface="+mn-ea"/>
+              </a:rPr>
+              <a:t>8.1 </a:t>
+            </a:r>
+            <a:r>
+              <a:rPr lang="zh-CN" altLang="en-US" b="1">
+                <a:sym typeface="+mn-ea"/>
+              </a:rPr>
+              <a:t>向注册中心注册自己 </a:t>
+            </a:r>
+            <a:r>
+              <a:rPr lang="en-US" altLang="zh-CN" b="1">
+                <a:sym typeface="+mn-ea"/>
+              </a:rPr>
+              <a:t>-- </a:t>
+            </a:r>
+            <a:r>
+              <a:rPr lang="en-US" altLang="zh-CN" b="1">
+                <a:sym typeface="+mn-ea"/>
+              </a:rPr>
+              <a:t>subscribe(url)</a:t>
+            </a:r>
+            <a:endParaRPr lang="en-US" altLang="zh-CN" b="1">
+              <a:sym typeface="+mn-ea"/>
+            </a:endParaRPr>
+          </a:p>
+          <a:p>
+            <a:r>
+              <a:rPr lang="en-US" altLang="zh-CN" b="1">
+                <a:sym typeface="+mn-ea"/>
+              </a:rPr>
+              <a:t>    8.2 </a:t>
+            </a:r>
+            <a:r>
+              <a:rPr lang="zh-CN" altLang="en-US" b="1">
+                <a:sym typeface="+mn-ea"/>
+              </a:rPr>
+              <a:t>向注册中心订阅服务提供者列表 </a:t>
+            </a:r>
+            <a:r>
+              <a:rPr lang="en-US" altLang="zh-CN" b="1">
+                <a:sym typeface="+mn-ea"/>
+              </a:rPr>
+              <a:t>-- Set&lt;NotifyListener&gt;</a:t>
+            </a:r>
+            <a:endParaRPr lang="en-US" altLang="zh-CN" b="1">
+              <a:sym typeface="+mn-ea"/>
+            </a:endParaRPr>
+          </a:p>
+          <a:p>
+            <a:r>
+              <a:rPr lang="en-US" altLang="zh-CN">
+                <a:sym typeface="+mn-ea"/>
+              </a:rPr>
+              <a:t>9. </a:t>
+            </a:r>
+            <a:r>
+              <a:rPr lang="zh-CN" altLang="en-US">
+                <a:sym typeface="+mn-ea"/>
+              </a:rPr>
+              <a:t>通过</a:t>
+            </a:r>
+            <a:r>
+              <a:rPr lang="en-US" altLang="zh-CN">
+                <a:sym typeface="+mn-ea"/>
+              </a:rPr>
+              <a:t>getProxy(invoker)</a:t>
+            </a:r>
+            <a:r>
+              <a:rPr lang="zh-CN" altLang="en-US">
+                <a:sym typeface="+mn-ea"/>
+              </a:rPr>
+              <a:t>获得对应的服务对象</a:t>
+            </a:r>
+            <a:r>
+              <a:rPr lang="en-US" altLang="zh-CN">
+                <a:sym typeface="+mn-ea"/>
+              </a:rPr>
+              <a:t>(</a:t>
+            </a:r>
+            <a:r>
+              <a:rPr lang="zh-CN" altLang="en-US">
+                <a:sym typeface="+mn-ea"/>
+              </a:rPr>
+              <a:t>可以理解为发起请求调用</a:t>
+            </a:r>
+            <a:r>
+              <a:rPr lang="en-US" altLang="zh-CN">
+                <a:sym typeface="+mn-ea"/>
+              </a:rPr>
+              <a:t>, </a:t>
+            </a:r>
+            <a:r>
+              <a:rPr lang="zh-CN" altLang="en-US">
+                <a:sym typeface="+mn-ea"/>
+              </a:rPr>
+              <a:t>服务提供者接收到请求后会处理并返回结果</a:t>
+            </a:r>
+            <a:r>
+              <a:rPr lang="en-US" altLang="zh-CN">
+                <a:sym typeface="+mn-ea"/>
+              </a:rPr>
+              <a:t>)</a:t>
+            </a:r>
+            <a:endParaRPr lang="en-US" altLang="zh-CN"/>
+          </a:p>
           <a:p>
             <a:endParaRPr lang="zh-CN" altLang="en-US"/>
           </a:p>
@@ -8471,579 +9633,6 @@
       </p:grpSpPr>
       <p:sp>
         <p:nvSpPr>
-          <p:cNvPr id="2" name="标题 1"/>
-          <p:cNvSpPr>
-            <a:spLocks noGrp="1"/>
-          </p:cNvSpPr>
-          <p:nvPr>
-            <p:ph type="title"/>
-          </p:nvPr>
-        </p:nvSpPr>
-        <p:spPr>
-          <a:xfrm>
-            <a:off x="1769110" y="645160"/>
-            <a:ext cx="9894570" cy="627380"/>
-          </a:xfrm>
-        </p:spPr>
-        <p:txBody>
-          <a:bodyPr>
-            <a:normAutofit fontScale="90000"/>
-          </a:bodyPr>
-          <a:lstStyle/>
-          <a:p>
-            <a:r>
-              <a:rPr lang="en-US" altLang="zh-CN" sz="3000" dirty="0">
-                <a:sym typeface="+mn-ea"/>
-              </a:rPr>
-              <a:t>dubbo Api</a:t>
-            </a:r>
-            <a:r>
-              <a:rPr lang="zh-CN" altLang="en-US" sz="3000" dirty="0">
-                <a:sym typeface="+mn-ea"/>
-              </a:rPr>
-              <a:t>配置之服务提供者</a:t>
-            </a:r>
-            <a:r>
-              <a:rPr lang="en-US" altLang="zh-CN" sz="3000" dirty="0">
-                <a:sym typeface="+mn-ea"/>
-              </a:rPr>
-              <a:t>(</a:t>
-            </a:r>
-            <a:r>
-              <a:rPr lang="zh-CN" altLang="en-US" sz="3000" dirty="0">
-                <a:sym typeface="+mn-ea"/>
-              </a:rPr>
-              <a:t>五</a:t>
-            </a:r>
-            <a:r>
-              <a:rPr lang="en-US" altLang="zh-CN" sz="3000" dirty="0">
-                <a:sym typeface="+mn-ea"/>
-              </a:rPr>
-              <a:t>) -- </a:t>
-            </a:r>
-            <a:r>
-              <a:rPr lang="zh-CN" altLang="en-US" sz="3000" dirty="0">
-                <a:sym typeface="+mn-ea"/>
-              </a:rPr>
-              <a:t>本地</a:t>
-            </a:r>
-            <a:r>
-              <a:rPr lang="en-US" altLang="zh-CN" sz="3000" dirty="0">
-                <a:sym typeface="+mn-ea"/>
-              </a:rPr>
-              <a:t>(INJvm)</a:t>
-            </a:r>
-            <a:r>
-              <a:rPr lang="zh-CN" altLang="en-US" sz="3000" dirty="0">
-                <a:sym typeface="+mn-ea"/>
-              </a:rPr>
-              <a:t>暴露服务</a:t>
-            </a:r>
-            <a:endParaRPr lang="zh-CN" altLang="en-US" sz="3000" dirty="0">
-              <a:sym typeface="+mn-ea"/>
-            </a:endParaRPr>
-          </a:p>
-        </p:txBody>
-      </p:sp>
-      <p:sp>
-        <p:nvSpPr>
-          <p:cNvPr id="3" name="副标题 2"/>
-          <p:cNvSpPr>
-            <a:spLocks noGrp="1"/>
-          </p:cNvSpPr>
-          <p:nvPr>
-            <p:ph idx="1"/>
-          </p:nvPr>
-        </p:nvSpPr>
-        <p:spPr>
-          <a:xfrm>
-            <a:off x="726440" y="1272540"/>
-            <a:ext cx="4528820" cy="5403215"/>
-          </a:xfrm>
-        </p:spPr>
-        <p:txBody>
-          <a:bodyPr>
-            <a:normAutofit fontScale="90000"/>
-          </a:bodyPr>
-          <a:lstStyle/>
-          <a:p>
-            <a:pPr marL="0" indent="0">
-              <a:buNone/>
-            </a:pPr>
-            <a:r>
-              <a:rPr lang="en-US" altLang="zh-CN" dirty="0"/>
-              <a:t>1. protocal</a:t>
-            </a:r>
-            <a:r>
-              <a:rPr lang="zh-CN" altLang="en-US" dirty="0"/>
-              <a:t>和</a:t>
-            </a:r>
-            <a:r>
-              <a:rPr lang="en-US" altLang="zh-CN" dirty="0"/>
-              <a:t>proxyFactory</a:t>
-            </a:r>
-            <a:r>
-              <a:rPr lang="zh-CN" altLang="en-US" dirty="0"/>
-              <a:t>都是静态属性</a:t>
-            </a:r>
-            <a:r>
-              <a:rPr lang="en-US" altLang="zh-CN" dirty="0"/>
-              <a:t>, </a:t>
-            </a:r>
-            <a:r>
-              <a:rPr lang="zh-CN" altLang="en-US" dirty="0"/>
-              <a:t>通过</a:t>
-            </a:r>
-            <a:r>
-              <a:rPr lang="en-US" altLang="zh-CN" dirty="0"/>
-              <a:t>dubbo SPI</a:t>
-            </a:r>
-            <a:r>
-              <a:rPr lang="zh-CN" altLang="en-US" dirty="0"/>
-              <a:t>获得对应信息</a:t>
-            </a:r>
-            <a:r>
-              <a:rPr lang="en-US" altLang="zh-CN" dirty="0"/>
-              <a:t>(</a:t>
-            </a:r>
-            <a:r>
-              <a:rPr lang="zh-CN" altLang="en-US" b="1" dirty="0">
-                <a:solidFill>
-                  <a:srgbClr val="FF0000"/>
-                </a:solidFill>
-              </a:rPr>
-              <a:t>实际上是代理对象</a:t>
-            </a:r>
-            <a:r>
-              <a:rPr lang="en-US" altLang="zh-CN" dirty="0"/>
-              <a:t>)</a:t>
-            </a:r>
-            <a:endParaRPr lang="zh-CN" altLang="en-US" dirty="0"/>
-          </a:p>
-          <a:p>
-            <a:pPr marL="0" indent="0">
-              <a:buNone/>
-            </a:pPr>
-            <a:r>
-              <a:rPr lang="en-US" altLang="zh-CN" dirty="0"/>
-              <a:t>2. </a:t>
-            </a:r>
-            <a:r>
-              <a:rPr lang="zh-CN" altLang="en-US" dirty="0"/>
-              <a:t>创建新的本地</a:t>
-            </a:r>
-            <a:r>
-              <a:rPr lang="en-US" altLang="zh-CN" dirty="0"/>
-              <a:t>(local -- InJvm)</a:t>
-            </a:r>
-            <a:r>
-              <a:rPr lang="zh-CN" altLang="en-US" dirty="0"/>
-              <a:t>Dubbo URL 对象</a:t>
-            </a:r>
-            <a:r>
-              <a:rPr lang="en-US" altLang="zh-CN" dirty="0"/>
-              <a:t>, </a:t>
-            </a:r>
-            <a:r>
-              <a:rPr lang="zh-CN" altLang="en-US" dirty="0"/>
-              <a:t>并设置</a:t>
-            </a:r>
-            <a:r>
-              <a:rPr lang="en-US" altLang="zh-CN" dirty="0"/>
-              <a:t>protocol=inJvm</a:t>
-            </a:r>
-            <a:r>
-              <a:rPr lang="zh-CN" altLang="en-US" dirty="0"/>
-              <a:t>、</a:t>
-            </a:r>
-            <a:r>
-              <a:rPr lang="en-US" altLang="zh-CN" dirty="0"/>
-              <a:t> host=127.0.0.1</a:t>
-            </a:r>
-            <a:r>
-              <a:rPr lang="zh-CN" altLang="en-US" dirty="0"/>
-              <a:t>、</a:t>
-            </a:r>
-            <a:r>
-              <a:rPr lang="en-US" altLang="zh-CN" dirty="0"/>
-              <a:t>port=0</a:t>
-            </a:r>
-            <a:r>
-              <a:rPr lang="zh-CN" altLang="en-US" dirty="0"/>
-              <a:t>属性信息</a:t>
-            </a:r>
-            <a:endParaRPr lang="zh-CN" altLang="en-US" dirty="0"/>
-          </a:p>
-          <a:p>
-            <a:pPr marL="0" indent="0">
-              <a:buNone/>
-            </a:pPr>
-            <a:r>
-              <a:rPr lang="en-US" altLang="zh-CN" dirty="0"/>
-              <a:t>3. </a:t>
-            </a:r>
-            <a:r>
-              <a:rPr lang="zh-CN" altLang="en-US" dirty="0"/>
-              <a:t>添加服务的真实类名</a:t>
-            </a:r>
-            <a:r>
-              <a:rPr lang="en-US" altLang="zh-CN" dirty="0"/>
-              <a:t>, </a:t>
-            </a:r>
-            <a:r>
-              <a:rPr lang="zh-CN" altLang="en-US" dirty="0"/>
-              <a:t>比如</a:t>
-            </a:r>
-            <a:r>
-              <a:rPr lang="en-US" altLang="zh-CN" dirty="0"/>
-              <a:t>DemoServiceImpl, </a:t>
-            </a:r>
-            <a:r>
-              <a:rPr lang="zh-CN" altLang="en-US" dirty="0"/>
-              <a:t>用于</a:t>
-            </a:r>
-            <a:r>
-              <a:rPr lang="en-US" altLang="zh-CN" dirty="0"/>
-              <a:t>RestProtocol</a:t>
-            </a:r>
-            <a:r>
-              <a:rPr lang="zh-CN" altLang="en-US" dirty="0"/>
-              <a:t>中</a:t>
-            </a:r>
-            <a:endParaRPr lang="zh-CN" altLang="en-US" dirty="0"/>
-          </a:p>
-          <a:p>
-            <a:pPr marL="0" indent="0">
-              <a:buNone/>
-            </a:pPr>
-            <a:r>
-              <a:rPr lang="en-US" altLang="zh-CN" dirty="0"/>
-              <a:t>4. </a:t>
-            </a:r>
-            <a:r>
-              <a:rPr lang="zh-CN" altLang="en-US" dirty="0"/>
-              <a:t>通过</a:t>
-            </a:r>
-            <a:r>
-              <a:rPr lang="en-US" altLang="zh-CN" dirty="0"/>
-              <a:t>getInvoker</a:t>
-            </a:r>
-            <a:r>
-              <a:rPr lang="zh-CN" altLang="en-US" dirty="0"/>
-              <a:t>创建</a:t>
-            </a:r>
-            <a:r>
-              <a:rPr lang="en-US" altLang="zh-CN" dirty="0"/>
-              <a:t>Invoker</a:t>
-            </a:r>
-            <a:r>
-              <a:rPr lang="zh-CN" altLang="en-US" dirty="0"/>
-              <a:t>对象</a:t>
-            </a:r>
-            <a:r>
-              <a:rPr lang="en-US" altLang="zh-CN" dirty="0"/>
-              <a:t>(invoker.url</a:t>
-            </a:r>
-            <a:r>
-              <a:rPr lang="zh-CN" altLang="en-US" dirty="0"/>
-              <a:t>获得</a:t>
-            </a:r>
-            <a:r>
-              <a:rPr lang="en-US" altLang="zh-CN" dirty="0"/>
-              <a:t>URL</a:t>
-            </a:r>
-            <a:r>
-              <a:rPr lang="zh-CN" altLang="en-US" dirty="0"/>
-              <a:t>信息</a:t>
-            </a:r>
-            <a:r>
-              <a:rPr lang="en-US" altLang="zh-CN" dirty="0"/>
-              <a:t>, </a:t>
-            </a:r>
-            <a:r>
-              <a:rPr lang="zh-CN" altLang="en-US" dirty="0"/>
-              <a:t>在</a:t>
-            </a:r>
-            <a:r>
-              <a:rPr lang="en-US" altLang="zh-CN" dirty="0"/>
-              <a:t>URL</a:t>
-            </a:r>
-            <a:r>
-              <a:rPr lang="zh-CN" altLang="en-US" dirty="0"/>
-              <a:t>中获得</a:t>
-            </a:r>
-            <a:r>
-              <a:rPr lang="en-US" altLang="zh-CN" dirty="0"/>
-              <a:t>Protocol</a:t>
-            </a:r>
-            <a:r>
-              <a:rPr lang="zh-CN" altLang="en-US" dirty="0"/>
-              <a:t>对应拓展实现</a:t>
-            </a:r>
-            <a:r>
-              <a:rPr lang="en-US" altLang="zh-CN" dirty="0"/>
-              <a:t>, </a:t>
-            </a:r>
-            <a:r>
-              <a:rPr lang="zh-CN" altLang="en-US" dirty="0"/>
-              <a:t>比如</a:t>
-            </a:r>
-            <a:r>
-              <a:rPr lang="en-US" altLang="zh-CN" dirty="0"/>
-              <a:t>InJvmProtocol</a:t>
-            </a:r>
-            <a:r>
-              <a:rPr lang="en-US" altLang="zh-CN" dirty="0"/>
-              <a:t>)</a:t>
-            </a:r>
-            <a:endParaRPr lang="zh-CN" altLang="en-US" dirty="0"/>
-          </a:p>
-          <a:p>
-            <a:pPr marL="0" indent="0">
-              <a:buNone/>
-            </a:pPr>
-            <a:r>
-              <a:rPr lang="en-US" altLang="zh-CN" dirty="0"/>
-              <a:t>5. </a:t>
-            </a:r>
-            <a:r>
-              <a:rPr lang="zh-CN" altLang="en-US" dirty="0"/>
-              <a:t>通过</a:t>
-            </a:r>
-            <a:r>
-              <a:rPr lang="en-US" altLang="zh-CN" dirty="0"/>
-              <a:t>export()</a:t>
-            </a:r>
-            <a:r>
-              <a:rPr lang="zh-CN" altLang="en-US" dirty="0"/>
-              <a:t>将服务对外暴露</a:t>
-            </a:r>
-            <a:endParaRPr lang="zh-CN" altLang="en-US" dirty="0"/>
-          </a:p>
-          <a:p>
-            <a:pPr marL="0" indent="0">
-              <a:buNone/>
-            </a:pPr>
-            <a:r>
-              <a:rPr lang="en-US" altLang="zh-CN" dirty="0"/>
-              <a:t>6. </a:t>
-            </a:r>
-            <a:r>
-              <a:rPr lang="zh-CN" altLang="en-US" dirty="0"/>
-              <a:t>将</a:t>
-            </a:r>
-            <a:r>
-              <a:rPr lang="en-US" altLang="zh-CN" dirty="0"/>
-              <a:t>export</a:t>
-            </a:r>
-            <a:r>
-              <a:rPr lang="zh-CN" altLang="en-US" dirty="0"/>
-              <a:t>缓存在exporters中</a:t>
-            </a:r>
-            <a:endParaRPr lang="zh-CN" altLang="en-US" dirty="0"/>
-          </a:p>
-          <a:p>
-            <a:pPr marL="0" indent="0">
-              <a:buNone/>
-            </a:pPr>
-            <a:r>
-              <a:rPr lang="en-US" altLang="zh-CN" dirty="0"/>
-              <a:t>NOTE:</a:t>
-            </a:r>
-            <a:endParaRPr lang="en-US" altLang="zh-CN" dirty="0"/>
-          </a:p>
-          <a:p>
-            <a:pPr marL="0" indent="0">
-              <a:buNone/>
-            </a:pPr>
-            <a:r>
-              <a:rPr lang="en-US" altLang="zh-CN" dirty="0"/>
-              <a:t>export()</a:t>
-            </a:r>
-            <a:r>
-              <a:rPr lang="zh-CN" altLang="en-US" dirty="0"/>
-              <a:t>的调用顺序是Protocol$Adaptive =&gt; ProtocolFilterWrapper =&gt; ProtocolListenerWrapper =&gt; InjvmProtocol </a:t>
-            </a:r>
-            <a:endParaRPr lang="zh-CN" altLang="en-US" dirty="0"/>
-          </a:p>
-        </p:txBody>
-      </p:sp>
-      <p:pic>
-        <p:nvPicPr>
-          <p:cNvPr id="5" name="图片 4"/>
-          <p:cNvPicPr>
-            <a:picLocks noChangeAspect="1"/>
-          </p:cNvPicPr>
-          <p:nvPr/>
-        </p:nvPicPr>
-        <p:blipFill>
-          <a:blip r:embed="rId1"/>
-          <a:stretch>
-            <a:fillRect/>
-          </a:stretch>
-        </p:blipFill>
-        <p:spPr>
-          <a:xfrm>
-            <a:off x="4973320" y="1059815"/>
-            <a:ext cx="7371080" cy="5879465"/>
-          </a:xfrm>
-          <a:prstGeom prst="rect">
-            <a:avLst/>
-          </a:prstGeom>
-        </p:spPr>
-      </p:pic>
-    </p:spTree>
-  </p:cSld>
-  <p:clrMapOvr>
-    <a:masterClrMapping/>
-  </p:clrMapOvr>
-</p:sld>
-</file>
-
-<file path=ppt/slides/slide11.xml><?xml version="1.0" encoding="utf-8"?>
-<p:sld xmlns:a="http://schemas.openxmlformats.org/drawingml/2006/main" xmlns:r="http://schemas.openxmlformats.org/officeDocument/2006/relationships" xmlns:p="http://schemas.openxmlformats.org/presentationml/2006/main">
-  <p:cSld>
-    <p:spTree>
-      <p:nvGrpSpPr>
-        <p:cNvPr id="1" name=""/>
-        <p:cNvGrpSpPr/>
-        <p:nvPr/>
-      </p:nvGrpSpPr>
-      <p:grpSpPr>
-        <a:xfrm>
-          <a:off x="0" y="0"/>
-          <a:ext cx="0" cy="0"/>
-          <a:chOff x="0" y="0"/>
-          <a:chExt cx="0" cy="0"/>
-        </a:xfrm>
-      </p:grpSpPr>
-      <p:sp>
-        <p:nvSpPr>
-          <p:cNvPr id="2" name="标题 1"/>
-          <p:cNvSpPr>
-            <a:spLocks noGrp="1"/>
-          </p:cNvSpPr>
-          <p:nvPr>
-            <p:ph type="title"/>
-          </p:nvPr>
-        </p:nvSpPr>
-        <p:spPr>
-          <a:xfrm>
-            <a:off x="1769110" y="645160"/>
-            <a:ext cx="9894570" cy="627380"/>
-          </a:xfrm>
-        </p:spPr>
-        <p:txBody>
-          <a:bodyPr>
-            <a:normAutofit fontScale="90000"/>
-          </a:bodyPr>
-          <a:lstStyle/>
-          <a:p>
-            <a:r>
-              <a:rPr lang="en-US" altLang="zh-CN" sz="3000" dirty="0">
-                <a:sym typeface="+mn-ea"/>
-              </a:rPr>
-              <a:t>dubbo Api</a:t>
-            </a:r>
-            <a:r>
-              <a:rPr lang="zh-CN" altLang="en-US" sz="3000" dirty="0">
-                <a:sym typeface="+mn-ea"/>
-              </a:rPr>
-              <a:t>配置之服务提供者</a:t>
-            </a:r>
-            <a:r>
-              <a:rPr lang="en-US" altLang="zh-CN" sz="3000" dirty="0">
-                <a:sym typeface="+mn-ea"/>
-              </a:rPr>
-              <a:t>(</a:t>
-            </a:r>
-            <a:r>
-              <a:rPr lang="zh-CN" altLang="en-US" sz="3000" dirty="0">
-                <a:sym typeface="+mn-ea"/>
-              </a:rPr>
-              <a:t>六</a:t>
-            </a:r>
-            <a:r>
-              <a:rPr lang="en-US" altLang="zh-CN" sz="3000" dirty="0">
-                <a:sym typeface="+mn-ea"/>
-              </a:rPr>
-              <a:t>) -- </a:t>
-            </a:r>
-            <a:r>
-              <a:rPr lang="zh-CN" altLang="en-US" sz="3000" dirty="0">
-                <a:sym typeface="+mn-ea"/>
-              </a:rPr>
-              <a:t>本地</a:t>
-            </a:r>
-            <a:r>
-              <a:rPr lang="en-US" altLang="zh-CN" sz="3000" dirty="0">
-                <a:sym typeface="+mn-ea"/>
-              </a:rPr>
-              <a:t>(INJvm)</a:t>
-            </a:r>
-            <a:r>
-              <a:rPr lang="zh-CN" altLang="en-US" sz="3000" dirty="0">
-                <a:sym typeface="+mn-ea"/>
-              </a:rPr>
-              <a:t>暴露服务</a:t>
-            </a:r>
-            <a:endParaRPr lang="zh-CN" altLang="en-US" sz="3000" dirty="0">
-              <a:sym typeface="+mn-ea"/>
-            </a:endParaRPr>
-          </a:p>
-        </p:txBody>
-      </p:sp>
-      <p:pic>
-        <p:nvPicPr>
-          <p:cNvPr id="7" name="图片 6"/>
-          <p:cNvPicPr>
-            <a:picLocks noChangeAspect="1"/>
-          </p:cNvPicPr>
-          <p:nvPr/>
-        </p:nvPicPr>
-        <p:blipFill>
-          <a:blip r:embed="rId1"/>
-          <a:stretch>
-            <a:fillRect/>
-          </a:stretch>
-        </p:blipFill>
-        <p:spPr>
-          <a:xfrm>
-            <a:off x="871855" y="1238250"/>
-            <a:ext cx="11144250" cy="5552440"/>
-          </a:xfrm>
-          <a:prstGeom prst="rect">
-            <a:avLst/>
-          </a:prstGeom>
-        </p:spPr>
-      </p:pic>
-    </p:spTree>
-  </p:cSld>
-  <p:clrMapOvr>
-    <a:masterClrMapping/>
-  </p:clrMapOvr>
-</p:sld>
-</file>
-
-<file path=ppt/slides/slide12.xml><?xml version="1.0" encoding="utf-8"?>
-<p:sld xmlns:a="http://schemas.openxmlformats.org/drawingml/2006/main" xmlns:r="http://schemas.openxmlformats.org/officeDocument/2006/relationships" xmlns:p="http://schemas.openxmlformats.org/presentationml/2006/main">
-  <p:cSld>
-    <p:spTree>
-      <p:nvGrpSpPr>
-        <p:cNvPr id="1" name=""/>
-        <p:cNvGrpSpPr/>
-        <p:nvPr/>
-      </p:nvGrpSpPr>
-      <p:grpSpPr>
-        <a:xfrm>
-          <a:off x="0" y="0"/>
-          <a:ext cx="0" cy="0"/>
-          <a:chOff x="0" y="0"/>
-          <a:chExt cx="0" cy="0"/>
-        </a:xfrm>
-      </p:grpSpPr>
-      <p:sp>
-        <p:nvSpPr>
           <p:cNvPr id="4" name="标题 1"/>
           <p:cNvSpPr>
             <a:spLocks noGrp="1"/>
@@ -9166,7 +9755,7 @@
         </p:nvGrpSpPr>
         <p:grpSpPr>
           <a:xfrm>
-            <a:off x="2332996" y="3688873"/>
+            <a:off x="2133606" y="2721133"/>
             <a:ext cx="398354" cy="584773"/>
             <a:chOff x="0" y="-68864"/>
             <a:chExt cx="398353" cy="584772"/>
@@ -9264,7 +9853,7 @@
         </p:nvGrpSpPr>
         <p:grpSpPr>
           <a:xfrm>
-            <a:off x="2346331" y="2546082"/>
+            <a:off x="2075821" y="1578977"/>
             <a:ext cx="398354" cy="584773"/>
             <a:chOff x="0" y="-68864"/>
             <a:chExt cx="398353" cy="584772"/>
@@ -9362,7 +9951,7 @@
         </p:nvSpPr>
         <p:spPr>
           <a:xfrm>
-            <a:off x="2976423" y="2603104"/>
+            <a:off x="2705913" y="1635999"/>
             <a:ext cx="2541270" cy="460375"/>
           </a:xfrm>
           <a:prstGeom prst="rect">
@@ -9391,7 +9980,6 @@
             </a:pPr>
             <a:r>
               <a:rPr lang="en-US" altLang="zh-CN" sz="2400" b="1" dirty="0" smtClean="0">
-                <a:ln/>
                 <a:solidFill>
                   <a:schemeClr val="tx1"/>
                 </a:solidFill>
@@ -9411,7 +9999,6 @@
             </a:r>
             <a:r>
               <a:rPr lang="zh-CN" altLang="en-US" sz="2400" b="1" dirty="0" smtClean="0">
-                <a:ln/>
                 <a:solidFill>
                   <a:schemeClr val="tx1"/>
                 </a:solidFill>
@@ -9430,7 +10017,6 @@
               <a:t>基本知识</a:t>
             </a:r>
             <a:endParaRPr lang="zh-CN" altLang="en-US" sz="2400" b="1" dirty="0" smtClean="0">
-              <a:ln/>
               <a:solidFill>
                 <a:schemeClr val="tx1"/>
               </a:solidFill>
@@ -9457,7 +10043,7 @@
         </p:nvSpPr>
         <p:spPr>
           <a:xfrm>
-            <a:off x="2976423" y="3750424"/>
+            <a:off x="2705913" y="2783319"/>
             <a:ext cx="3973195" cy="460375"/>
           </a:xfrm>
           <a:prstGeom prst="rect">
@@ -9486,6 +10072,7 @@
             </a:pPr>
             <a:r>
               <a:rPr lang="en-US" altLang="zh-CN" sz="2400" b="1" dirty="0" smtClean="0">
+                <a:ln/>
                 <a:solidFill>
                   <a:schemeClr val="tx1"/>
                 </a:solidFill>
@@ -9505,6 +10092,7 @@
             </a:r>
             <a:r>
               <a:rPr lang="zh-CN" altLang="en-US" sz="2400" b="1" dirty="0" smtClean="0">
+                <a:ln/>
                 <a:solidFill>
                   <a:schemeClr val="tx1"/>
                 </a:solidFill>
@@ -9520,28 +10108,10 @@
                 <a:cs typeface="微软雅黑" panose="020B0503020204020204" charset="-122"/>
                 <a:sym typeface="微软雅黑" panose="020B0503020204020204" charset="-122"/>
               </a:rPr>
-              <a:t>服务提供者</a:t>
-            </a:r>
-            <a:r>
-              <a:rPr lang="zh-CN" altLang="en-US" sz="2400" b="1" dirty="0" smtClean="0">
-                <a:solidFill>
-                  <a:schemeClr val="tx1"/>
-                </a:solidFill>
-                <a:effectLst>
-                  <a:outerShdw blurRad="38100" dist="19050" dir="2700000" algn="tl" rotWithShape="0">
-                    <a:schemeClr val="dk1">
-                      <a:alpha val="40000"/>
-                    </a:schemeClr>
-                  </a:outerShdw>
-                </a:effectLst>
-                <a:latin typeface="微软雅黑" panose="020B0503020204020204" charset="-122"/>
-                <a:ea typeface="微软雅黑" panose="020B0503020204020204" charset="-122"/>
-                <a:cs typeface="微软雅黑" panose="020B0503020204020204" charset="-122"/>
-                <a:sym typeface="微软雅黑" panose="020B0503020204020204" charset="-122"/>
-              </a:rPr>
-              <a:t>暴露</a:t>
+              <a:t>服务提供者暴露</a:t>
             </a:r>
             <a:endParaRPr lang="zh-CN" altLang="en-US" sz="2400" b="1" dirty="0" smtClean="0">
+              <a:ln/>
               <a:solidFill>
                 <a:schemeClr val="tx1"/>
               </a:solidFill>
@@ -9568,7 +10138,7 @@
         </p:nvSpPr>
         <p:spPr>
           <a:xfrm>
-            <a:off x="2976423" y="4917554"/>
+            <a:off x="2705913" y="3950449"/>
             <a:ext cx="3973195" cy="460375"/>
           </a:xfrm>
           <a:prstGeom prst="rect">
@@ -9662,7 +10232,7 @@
         </p:nvGrpSpPr>
         <p:grpSpPr>
           <a:xfrm>
-            <a:off x="2346331" y="4794377"/>
+            <a:off x="2075821" y="3827272"/>
             <a:ext cx="398354" cy="582295"/>
             <a:chOff x="0" y="-67625"/>
             <a:chExt cx="398353" cy="582294"/>
@@ -9752,6 +10322,195 @@
           </p:txBody>
         </p:sp>
       </p:grpSp>
+      <p:sp>
+        <p:nvSpPr>
+          <p:cNvPr id="18" name="文本框 27"/>
+          <p:cNvSpPr txBox="1"/>
+          <p:nvPr/>
+        </p:nvSpPr>
+        <p:spPr>
+          <a:xfrm>
+            <a:off x="2705913" y="5001374"/>
+            <a:ext cx="3058795" cy="460375"/>
+          </a:xfrm>
+          <a:prstGeom prst="rect">
+            <a:avLst/>
+          </a:prstGeom>
+          <a:ln w="12700">
+            <a:miter lim="400000"/>
+          </a:ln>
+        </p:spPr>
+        <p:txBody>
+          <a:bodyPr wrap="none" lIns="45719" rIns="45719">
+            <a:spAutoFit/>
+            <a:scene3d>
+              <a:camera prst="orthographicFront"/>
+              <a:lightRig rig="threePt" dir="t"/>
+            </a:scene3d>
+          </a:bodyPr>
+          <a:p>
+            <a:pPr>
+              <a:defRPr>
+                <a:solidFill>
+                  <a:srgbClr val="2E8FD4"/>
+                </a:solidFill>
+              </a:defRPr>
+            </a:pPr>
+            <a:r>
+              <a:rPr lang="en-US" altLang="zh-CN" sz="2400" b="1" dirty="0" smtClean="0">
+                <a:solidFill>
+                  <a:schemeClr val="tx1"/>
+                </a:solidFill>
+                <a:effectLst>
+                  <a:outerShdw blurRad="38100" dist="19050" dir="2700000" algn="tl" rotWithShape="0">
+                    <a:schemeClr val="dk1">
+                      <a:alpha val="40000"/>
+                    </a:schemeClr>
+                  </a:outerShdw>
+                </a:effectLst>
+                <a:latin typeface="微软雅黑" panose="020B0503020204020204" charset="-122"/>
+                <a:ea typeface="微软雅黑" panose="020B0503020204020204" charset="-122"/>
+                <a:cs typeface="微软雅黑" panose="020B0503020204020204" charset="-122"/>
+                <a:sym typeface="微软雅黑" panose="020B0503020204020204" charset="-122"/>
+              </a:rPr>
+              <a:t>Dubbo Api </a:t>
+            </a:r>
+            <a:r>
+              <a:rPr lang="zh-CN" altLang="en-US" sz="2400" b="1" dirty="0" smtClean="0">
+                <a:solidFill>
+                  <a:schemeClr val="tx1"/>
+                </a:solidFill>
+                <a:effectLst>
+                  <a:outerShdw blurRad="38100" dist="19050" dir="2700000" algn="tl" rotWithShape="0">
+                    <a:schemeClr val="dk1">
+                      <a:alpha val="40000"/>
+                    </a:schemeClr>
+                  </a:outerShdw>
+                </a:effectLst>
+                <a:latin typeface="微软雅黑" panose="020B0503020204020204" charset="-122"/>
+                <a:ea typeface="微软雅黑" panose="020B0503020204020204" charset="-122"/>
+                <a:cs typeface="微软雅黑" panose="020B0503020204020204" charset="-122"/>
+                <a:sym typeface="微软雅黑" panose="020B0503020204020204" charset="-122"/>
+              </a:rPr>
+              <a:t>服务引用</a:t>
+            </a:r>
+            <a:endParaRPr lang="zh-CN" altLang="en-US" sz="2400" b="1" dirty="0" smtClean="0">
+              <a:solidFill>
+                <a:schemeClr val="tx1"/>
+              </a:solidFill>
+              <a:effectLst>
+                <a:outerShdw blurRad="38100" dist="19050" dir="2700000" algn="tl" rotWithShape="0">
+                  <a:schemeClr val="dk1">
+                    <a:alpha val="40000"/>
+                  </a:schemeClr>
+                </a:outerShdw>
+              </a:effectLst>
+              <a:latin typeface="微软雅黑" panose="020B0503020204020204" charset="-122"/>
+              <a:ea typeface="微软雅黑" panose="020B0503020204020204" charset="-122"/>
+              <a:cs typeface="微软雅黑" panose="020B0503020204020204" charset="-122"/>
+              <a:sym typeface="微软雅黑" panose="020B0503020204020204" charset="-122"/>
+            </a:endParaRPr>
+          </a:p>
+        </p:txBody>
+      </p:sp>
+      <p:grpSp>
+        <p:nvGrpSpPr>
+          <p:cNvPr id="19" name="椭圆 15"/>
+          <p:cNvGrpSpPr/>
+          <p:nvPr/>
+        </p:nvGrpSpPr>
+        <p:grpSpPr>
+          <a:xfrm>
+            <a:off x="2075821" y="4878197"/>
+            <a:ext cx="398354" cy="582295"/>
+            <a:chOff x="0" y="-67625"/>
+            <a:chExt cx="398353" cy="582294"/>
+          </a:xfrm>
+        </p:grpSpPr>
+        <p:sp>
+          <p:nvSpPr>
+            <p:cNvPr id="20" name="圆形"/>
+            <p:cNvSpPr/>
+            <p:nvPr/>
+          </p:nvSpPr>
+          <p:spPr>
+            <a:xfrm>
+              <a:off x="0" y="24343"/>
+              <a:ext cx="398353" cy="398354"/>
+            </a:xfrm>
+            <a:prstGeom prst="ellipse">
+              <a:avLst/>
+            </a:prstGeom>
+            <a:solidFill>
+              <a:srgbClr val="2E8FD4"/>
+            </a:solidFill>
+            <a:ln w="12700" cap="flat">
+              <a:noFill/>
+              <a:miter lim="400000"/>
+            </a:ln>
+            <a:effectLst/>
+          </p:spPr>
+          <p:txBody>
+            <a:bodyPr wrap="square" lIns="45719" tIns="45719" rIns="45719" bIns="45719" numCol="1" anchor="ctr">
+              <a:noAutofit/>
+            </a:bodyPr>
+            <a:lstStyle/>
+            <a:p>
+              <a:pPr algn="ctr">
+                <a:defRPr sz="2400">
+                  <a:solidFill>
+                    <a:srgbClr val="FFFFFF"/>
+                  </a:solidFill>
+                </a:defRPr>
+              </a:pPr>
+              <a:endParaRPr sz="3200" b="1"/>
+            </a:p>
+          </p:txBody>
+        </p:sp>
+        <p:sp>
+          <p:nvSpPr>
+            <p:cNvPr id="21" name="2"/>
+            <p:cNvSpPr txBox="1"/>
+            <p:nvPr/>
+          </p:nvSpPr>
+          <p:spPr>
+            <a:xfrm>
+              <a:off x="58337" y="-67625"/>
+              <a:ext cx="281679" cy="582294"/>
+            </a:xfrm>
+            <a:prstGeom prst="rect">
+              <a:avLst/>
+            </a:prstGeom>
+            <a:noFill/>
+            <a:ln w="12700" cap="flat">
+              <a:noFill/>
+              <a:miter lim="400000"/>
+            </a:ln>
+            <a:effectLst/>
+          </p:spPr>
+          <p:txBody>
+            <a:bodyPr wrap="square" lIns="45719" tIns="45719" rIns="45719" bIns="45719" numCol="1" anchor="ctr">
+              <a:spAutoFit/>
+            </a:bodyPr>
+            <a:lstStyle>
+              <a:lvl1pPr algn="ctr">
+                <a:defRPr sz="2400">
+                  <a:solidFill>
+                    <a:srgbClr val="FFFFFF"/>
+                  </a:solidFill>
+                </a:defRPr>
+              </a:lvl1pPr>
+            </a:lstStyle>
+            <a:p>
+              <a:r>
+                <a:rPr lang="en-US" sz="3200" b="1"/>
+                <a:t>4</a:t>
+              </a:r>
+              <a:endParaRPr lang="en-US" sz="3200" b="1"/>
+            </a:p>
+          </p:txBody>
+        </p:sp>
+      </p:grpSp>
     </p:spTree>
   </p:cSld>
   <p:clrMapOvr>
@@ -9760,7 +10519,7 @@
 </p:sld>
 </file>
 
-<file path=ppt/slides/slide13.xml><?xml version="1.0" encoding="utf-8"?>
+<file path=ppt/slides/slide11.xml><?xml version="1.0" encoding="utf-8"?>
 <p:sld xmlns:a="http://schemas.openxmlformats.org/drawingml/2006/main" xmlns:r="http://schemas.openxmlformats.org/officeDocument/2006/relationships" xmlns:p="http://schemas.openxmlformats.org/presentationml/2006/main">
   <p:cSld>
     <p:spTree>
@@ -9845,7 +10604,7 @@
         </p:nvSpPr>
         <p:spPr>
           <a:xfrm>
-            <a:off x="726440" y="1386840"/>
+            <a:off x="739775" y="1308100"/>
             <a:ext cx="10049510" cy="5424170"/>
           </a:xfrm>
         </p:spPr>
@@ -10076,7 +10835,7 @@
 </p:sld>
 </file>
 
-<file path=ppt/slides/slide14.xml><?xml version="1.0" encoding="utf-8"?>
+<file path=ppt/slides/slide12.xml><?xml version="1.0" encoding="utf-8"?>
 <p:sld xmlns:a="http://schemas.openxmlformats.org/drawingml/2006/main" xmlns:r="http://schemas.openxmlformats.org/officeDocument/2006/relationships" xmlns:p="http://schemas.openxmlformats.org/presentationml/2006/main">
   <p:cSld>
     <p:spTree>
@@ -10446,7 +11205,7 @@
 </p:sld>
 </file>
 
-<file path=ppt/slides/slide2.xml><?xml version="1.0" encoding="utf-8"?>
+<file path=ppt/slides/slide13.xml><?xml version="1.0" encoding="utf-8"?>
 <p:sld xmlns:a="http://schemas.openxmlformats.org/drawingml/2006/main" xmlns:r="http://schemas.openxmlformats.org/officeDocument/2006/relationships" xmlns:p="http://schemas.openxmlformats.org/presentationml/2006/main">
   <p:cSld>
     <p:spTree>
@@ -10587,7 +11346,7 @@
         </p:nvGrpSpPr>
         <p:grpSpPr>
           <a:xfrm>
-            <a:off x="2332996" y="3688873"/>
+            <a:off x="2133606" y="2721133"/>
             <a:ext cx="398354" cy="584773"/>
             <a:chOff x="0" y="-68864"/>
             <a:chExt cx="398353" cy="584772"/>
@@ -10685,7 +11444,7 @@
         </p:nvGrpSpPr>
         <p:grpSpPr>
           <a:xfrm>
-            <a:off x="2346331" y="2546082"/>
+            <a:off x="2075821" y="1578977"/>
             <a:ext cx="398354" cy="584773"/>
             <a:chOff x="0" y="-68864"/>
             <a:chExt cx="398353" cy="584772"/>
@@ -10783,7 +11542,7 @@
         </p:nvSpPr>
         <p:spPr>
           <a:xfrm>
-            <a:off x="2976423" y="2603104"/>
+            <a:off x="2705913" y="1635999"/>
             <a:ext cx="2541270" cy="460375"/>
           </a:xfrm>
           <a:prstGeom prst="rect">
@@ -10796,6 +11555,10 @@
         <p:txBody>
           <a:bodyPr wrap="none" lIns="45719" rIns="45719">
             <a:spAutoFit/>
+            <a:scene3d>
+              <a:camera prst="orthographicFront"/>
+              <a:lightRig rig="threePt" dir="t"/>
+            </a:scene3d>
           </a:bodyPr>
           <a:lstStyle/>
           <a:p>
@@ -10809,13 +11572,13 @@
             <a:r>
               <a:rPr lang="en-US" altLang="zh-CN" sz="2400" b="1" dirty="0" smtClean="0">
                 <a:solidFill>
-                  <a:schemeClr val="accent1"/>
+                  <a:schemeClr val="tx1"/>
                 </a:solidFill>
                 <a:effectLst>
-                  <a:outerShdw blurRad="38100" dist="25400" dir="5400000" algn="ctr" rotWithShape="0">
-                    <a:srgbClr val="6E747A">
-                      <a:alpha val="43000"/>
-                    </a:srgbClr>
+                  <a:outerShdw blurRad="38100" dist="19050" dir="2700000" algn="tl" rotWithShape="0">
+                    <a:schemeClr val="dk1">
+                      <a:alpha val="40000"/>
+                    </a:schemeClr>
                   </a:outerShdw>
                 </a:effectLst>
                 <a:latin typeface="微软雅黑" panose="020B0503020204020204" charset="-122"/>
@@ -10828,13 +11591,13 @@
             <a:r>
               <a:rPr lang="zh-CN" altLang="en-US" sz="2400" b="1" dirty="0" smtClean="0">
                 <a:solidFill>
-                  <a:schemeClr val="accent1"/>
+                  <a:schemeClr val="tx1"/>
                 </a:solidFill>
                 <a:effectLst>
-                  <a:outerShdw blurRad="38100" dist="25400" dir="5400000" algn="ctr" rotWithShape="0">
-                    <a:srgbClr val="6E747A">
-                      <a:alpha val="43000"/>
-                    </a:srgbClr>
+                  <a:outerShdw blurRad="38100" dist="19050" dir="2700000" algn="tl" rotWithShape="0">
+                    <a:schemeClr val="dk1">
+                      <a:alpha val="40000"/>
+                    </a:schemeClr>
                   </a:outerShdw>
                 </a:effectLst>
                 <a:latin typeface="微软雅黑" panose="020B0503020204020204" charset="-122"/>
@@ -10846,13 +11609,13 @@
             </a:r>
             <a:endParaRPr lang="zh-CN" altLang="en-US" sz="2400" b="1" dirty="0" smtClean="0">
               <a:solidFill>
-                <a:schemeClr val="accent1"/>
+                <a:schemeClr val="tx1"/>
               </a:solidFill>
               <a:effectLst>
-                <a:outerShdw blurRad="38100" dist="25400" dir="5400000" algn="ctr" rotWithShape="0">
-                  <a:srgbClr val="6E747A">
-                    <a:alpha val="43000"/>
-                  </a:srgbClr>
+                <a:outerShdw blurRad="38100" dist="19050" dir="2700000" algn="tl" rotWithShape="0">
+                  <a:schemeClr val="dk1">
+                    <a:alpha val="40000"/>
+                  </a:schemeClr>
                 </a:outerShdw>
               </a:effectLst>
               <a:latin typeface="微软雅黑" panose="020B0503020204020204" charset="-122"/>
@@ -10871,7 +11634,7 @@
         </p:nvSpPr>
         <p:spPr>
           <a:xfrm>
-            <a:off x="2976423" y="3750424"/>
+            <a:off x="2705913" y="2783319"/>
             <a:ext cx="3973195" cy="460375"/>
           </a:xfrm>
           <a:prstGeom prst="rect">
@@ -10934,26 +11697,7 @@
                 <a:cs typeface="微软雅黑" panose="020B0503020204020204" charset="-122"/>
                 <a:sym typeface="微软雅黑" panose="020B0503020204020204" charset="-122"/>
               </a:rPr>
-              <a:t>服务提供者</a:t>
-            </a:r>
-            <a:r>
-              <a:rPr lang="zh-CN" altLang="en-US" sz="2400" b="1" dirty="0" smtClean="0">
-                <a:solidFill>
-                  <a:schemeClr val="tx1"/>
-                </a:solidFill>
-                <a:effectLst>
-                  <a:outerShdw blurRad="38100" dist="19050" dir="2700000" algn="tl" rotWithShape="0">
-                    <a:schemeClr val="dk1">
-                      <a:alpha val="40000"/>
-                    </a:schemeClr>
-                  </a:outerShdw>
-                </a:effectLst>
-                <a:latin typeface="微软雅黑" panose="020B0503020204020204" charset="-122"/>
-                <a:ea typeface="微软雅黑" panose="020B0503020204020204" charset="-122"/>
-                <a:cs typeface="微软雅黑" panose="020B0503020204020204" charset="-122"/>
-                <a:sym typeface="微软雅黑" panose="020B0503020204020204" charset="-122"/>
-              </a:rPr>
-              <a:t>暴露</a:t>
+              <a:t>服务提供者暴露</a:t>
             </a:r>
             <a:endParaRPr lang="zh-CN" altLang="en-US" sz="2400" b="1" dirty="0" smtClean="0">
               <a:solidFill>
@@ -10982,7 +11726,7 @@
         </p:nvSpPr>
         <p:spPr>
           <a:xfrm>
-            <a:off x="2976423" y="4917554"/>
+            <a:off x="2705913" y="3950449"/>
             <a:ext cx="3973195" cy="460375"/>
           </a:xfrm>
           <a:prstGeom prst="rect">
@@ -11010,6 +11754,7 @@
             </a:pPr>
             <a:r>
               <a:rPr lang="en-US" altLang="zh-CN" sz="2400" b="1" dirty="0" smtClean="0">
+                <a:ln/>
                 <a:solidFill>
                   <a:schemeClr val="tx1"/>
                 </a:solidFill>
@@ -11029,6 +11774,7 @@
             </a:r>
             <a:r>
               <a:rPr lang="zh-CN" altLang="en-US" sz="2400" b="1" dirty="0" smtClean="0">
+                <a:ln/>
                 <a:solidFill>
                   <a:schemeClr val="tx1"/>
                 </a:solidFill>
@@ -11044,28 +11790,10 @@
                 <a:cs typeface="微软雅黑" panose="020B0503020204020204" charset="-122"/>
                 <a:sym typeface="微软雅黑" panose="020B0503020204020204" charset="-122"/>
               </a:rPr>
-              <a:t>服务消费者</a:t>
-            </a:r>
-            <a:r>
-              <a:rPr lang="zh-CN" altLang="en-US" sz="2400" b="1" dirty="0" smtClean="0">
-                <a:solidFill>
-                  <a:schemeClr val="tx1"/>
-                </a:solidFill>
-                <a:effectLst>
-                  <a:outerShdw blurRad="38100" dist="19050" dir="2700000" algn="tl" rotWithShape="0">
-                    <a:schemeClr val="dk1">
-                      <a:alpha val="40000"/>
-                    </a:schemeClr>
-                  </a:outerShdw>
-                </a:effectLst>
-                <a:latin typeface="微软雅黑" panose="020B0503020204020204" charset="-122"/>
-                <a:ea typeface="微软雅黑" panose="020B0503020204020204" charset="-122"/>
-                <a:cs typeface="微软雅黑" panose="020B0503020204020204" charset="-122"/>
-                <a:sym typeface="微软雅黑" panose="020B0503020204020204" charset="-122"/>
-              </a:rPr>
-              <a:t>暴露</a:t>
+              <a:t>服务消费者暴露</a:t>
             </a:r>
             <a:endParaRPr lang="zh-CN" altLang="en-US" sz="2400" b="1" dirty="0" smtClean="0">
+              <a:ln/>
               <a:solidFill>
                 <a:schemeClr val="tx1"/>
               </a:solidFill>
@@ -11092,7 +11820,7 @@
         </p:nvGrpSpPr>
         <p:grpSpPr>
           <a:xfrm>
-            <a:off x="2346331" y="4794377"/>
+            <a:off x="2075821" y="3827272"/>
             <a:ext cx="398354" cy="582295"/>
             <a:chOff x="0" y="-67625"/>
             <a:chExt cx="398353" cy="582294"/>
@@ -11182,6 +11910,218 @@
           </p:txBody>
         </p:sp>
       </p:grpSp>
+      <p:sp>
+        <p:nvSpPr>
+          <p:cNvPr id="18" name="文本框 27"/>
+          <p:cNvSpPr txBox="1"/>
+          <p:nvPr/>
+        </p:nvSpPr>
+        <p:spPr>
+          <a:xfrm>
+            <a:off x="2705913" y="5001374"/>
+            <a:ext cx="3973195" cy="460375"/>
+          </a:xfrm>
+          <a:prstGeom prst="rect">
+            <a:avLst/>
+          </a:prstGeom>
+          <a:ln w="12700">
+            <a:miter lim="400000"/>
+          </a:ln>
+        </p:spPr>
+        <p:txBody>
+          <a:bodyPr wrap="none" lIns="45719" rIns="45719">
+            <a:spAutoFit/>
+            <a:scene3d>
+              <a:camera prst="orthographicFront"/>
+              <a:lightRig rig="threePt" dir="t"/>
+            </a:scene3d>
+          </a:bodyPr>
+          <a:p>
+            <a:pPr>
+              <a:defRPr>
+                <a:solidFill>
+                  <a:srgbClr val="2E8FD4"/>
+                </a:solidFill>
+              </a:defRPr>
+            </a:pPr>
+            <a:r>
+              <a:rPr lang="en-US" altLang="zh-CN" sz="2400" b="1" dirty="0" smtClean="0">
+                <a:ln/>
+                <a:solidFill>
+                  <a:schemeClr val="accent1"/>
+                </a:solidFill>
+                <a:effectLst>
+                  <a:outerShdw blurRad="38100" dist="25400" dir="5400000" algn="ctr" rotWithShape="0">
+                    <a:srgbClr val="6E747A">
+                      <a:alpha val="43000"/>
+                    </a:srgbClr>
+                  </a:outerShdw>
+                </a:effectLst>
+                <a:latin typeface="微软雅黑" panose="020B0503020204020204" charset="-122"/>
+                <a:ea typeface="微软雅黑" panose="020B0503020204020204" charset="-122"/>
+                <a:cs typeface="微软雅黑" panose="020B0503020204020204" charset="-122"/>
+                <a:sym typeface="微软雅黑" panose="020B0503020204020204" charset="-122"/>
+              </a:rPr>
+              <a:t>Dubbo Api </a:t>
+            </a:r>
+            <a:r>
+              <a:rPr lang="zh-CN" altLang="en-US" sz="2400" b="1" dirty="0" smtClean="0">
+                <a:ln/>
+                <a:solidFill>
+                  <a:schemeClr val="accent1"/>
+                </a:solidFill>
+                <a:effectLst>
+                  <a:outerShdw blurRad="38100" dist="25400" dir="5400000" algn="ctr" rotWithShape="0">
+                    <a:srgbClr val="6E747A">
+                      <a:alpha val="43000"/>
+                    </a:srgbClr>
+                  </a:outerShdw>
+                </a:effectLst>
+                <a:latin typeface="微软雅黑" panose="020B0503020204020204" charset="-122"/>
+                <a:ea typeface="微软雅黑" panose="020B0503020204020204" charset="-122"/>
+                <a:cs typeface="微软雅黑" panose="020B0503020204020204" charset="-122"/>
+                <a:sym typeface="微软雅黑" panose="020B0503020204020204" charset="-122"/>
+              </a:rPr>
+              <a:t>服务暴露、</a:t>
+            </a:r>
+            <a:r>
+              <a:rPr lang="zh-CN" altLang="en-US" sz="2400" b="1" dirty="0" smtClean="0">
+                <a:ln/>
+                <a:solidFill>
+                  <a:schemeClr val="accent1"/>
+                </a:solidFill>
+                <a:effectLst>
+                  <a:outerShdw blurRad="38100" dist="25400" dir="5400000" algn="ctr" rotWithShape="0">
+                    <a:srgbClr val="6E747A">
+                      <a:alpha val="43000"/>
+                    </a:srgbClr>
+                  </a:outerShdw>
+                </a:effectLst>
+                <a:latin typeface="微软雅黑" panose="020B0503020204020204" charset="-122"/>
+                <a:ea typeface="微软雅黑" panose="020B0503020204020204" charset="-122"/>
+                <a:cs typeface="微软雅黑" panose="020B0503020204020204" charset="-122"/>
+                <a:sym typeface="微软雅黑" panose="020B0503020204020204" charset="-122"/>
+              </a:rPr>
+              <a:t>引用</a:t>
+            </a:r>
+            <a:endParaRPr lang="zh-CN" altLang="en-US" sz="2400" b="1" dirty="0" smtClean="0">
+              <a:ln/>
+              <a:solidFill>
+                <a:schemeClr val="accent1"/>
+              </a:solidFill>
+              <a:effectLst>
+                <a:outerShdw blurRad="38100" dist="25400" dir="5400000" algn="ctr" rotWithShape="0">
+                  <a:srgbClr val="6E747A">
+                    <a:alpha val="43000"/>
+                  </a:srgbClr>
+                </a:outerShdw>
+              </a:effectLst>
+              <a:latin typeface="微软雅黑" panose="020B0503020204020204" charset="-122"/>
+              <a:ea typeface="微软雅黑" panose="020B0503020204020204" charset="-122"/>
+              <a:cs typeface="微软雅黑" panose="020B0503020204020204" charset="-122"/>
+              <a:sym typeface="微软雅黑" panose="020B0503020204020204" charset="-122"/>
+            </a:endParaRPr>
+          </a:p>
+        </p:txBody>
+      </p:sp>
+      <p:grpSp>
+        <p:nvGrpSpPr>
+          <p:cNvPr id="19" name="椭圆 15"/>
+          <p:cNvGrpSpPr/>
+          <p:nvPr/>
+        </p:nvGrpSpPr>
+        <p:grpSpPr>
+          <a:xfrm>
+            <a:off x="2075821" y="4878197"/>
+            <a:ext cx="398354" cy="582295"/>
+            <a:chOff x="0" y="-67625"/>
+            <a:chExt cx="398353" cy="582294"/>
+          </a:xfrm>
+        </p:grpSpPr>
+        <p:sp>
+          <p:nvSpPr>
+            <p:cNvPr id="20" name="圆形"/>
+            <p:cNvSpPr/>
+            <p:nvPr/>
+          </p:nvSpPr>
+          <p:spPr>
+            <a:xfrm>
+              <a:off x="0" y="24343"/>
+              <a:ext cx="398353" cy="398354"/>
+            </a:xfrm>
+            <a:prstGeom prst="ellipse">
+              <a:avLst/>
+            </a:prstGeom>
+            <a:solidFill>
+              <a:srgbClr val="2E8FD4"/>
+            </a:solidFill>
+            <a:ln w="12700" cap="flat">
+              <a:noFill/>
+              <a:miter lim="400000"/>
+            </a:ln>
+            <a:effectLst/>
+          </p:spPr>
+          <p:txBody>
+            <a:bodyPr wrap="square" lIns="45719" tIns="45719" rIns="45719" bIns="45719" numCol="1" anchor="ctr">
+              <a:noAutofit/>
+            </a:bodyPr>
+            <a:lstStyle/>
+            <a:p>
+              <a:pPr algn="ctr">
+                <a:defRPr sz="2400">
+                  <a:solidFill>
+                    <a:srgbClr val="FFFFFF"/>
+                  </a:solidFill>
+                </a:defRPr>
+              </a:pPr>
+              <a:endParaRPr sz="3200" b="1"/>
+            </a:p>
+          </p:txBody>
+        </p:sp>
+        <p:sp>
+          <p:nvSpPr>
+            <p:cNvPr id="21" name="2"/>
+            <p:cNvSpPr txBox="1"/>
+            <p:nvPr/>
+          </p:nvSpPr>
+          <p:spPr>
+            <a:xfrm>
+              <a:off x="58337" y="-67625"/>
+              <a:ext cx="281679" cy="582294"/>
+            </a:xfrm>
+            <a:prstGeom prst="rect">
+              <a:avLst/>
+            </a:prstGeom>
+            <a:noFill/>
+            <a:ln w="12700" cap="flat">
+              <a:noFill/>
+              <a:miter lim="400000"/>
+            </a:ln>
+            <a:effectLst/>
+          </p:spPr>
+          <p:txBody>
+            <a:bodyPr wrap="square" lIns="45719" tIns="45719" rIns="45719" bIns="45719" numCol="1" anchor="ctr">
+              <a:spAutoFit/>
+            </a:bodyPr>
+            <a:lstStyle>
+              <a:lvl1pPr algn="ctr">
+                <a:defRPr sz="2400">
+                  <a:solidFill>
+                    <a:srgbClr val="FFFFFF"/>
+                  </a:solidFill>
+                </a:defRPr>
+              </a:lvl1pPr>
+            </a:lstStyle>
+            <a:p>
+              <a:r>
+                <a:rPr lang="en-US" sz="3200" b="1"/>
+                <a:t>4</a:t>
+              </a:r>
+              <a:endParaRPr lang="en-US" sz="3200" b="1"/>
+            </a:p>
+          </p:txBody>
+        </p:sp>
+      </p:grpSp>
     </p:spTree>
   </p:cSld>
   <p:clrMapOvr>
@@ -11190,7 +12130,7 @@
 </p:sld>
 </file>
 
-<file path=ppt/slides/slide3.xml><?xml version="1.0" encoding="utf-8"?>
+<file path=ppt/slides/slide14.xml><?xml version="1.0" encoding="utf-8"?>
 <p:sld xmlns:a="http://schemas.openxmlformats.org/drawingml/2006/main" xmlns:r="http://schemas.openxmlformats.org/officeDocument/2006/relationships" xmlns:p="http://schemas.openxmlformats.org/presentationml/2006/main">
   <p:cSld>
     <p:spTree>
@@ -11209,487 +12149,791 @@
       </p:grpSpPr>
       <p:sp>
         <p:nvSpPr>
-          <p:cNvPr id="4" name="标题 1"/>
+          <p:cNvPr id="2" name="标题 1"/>
           <p:cNvSpPr>
             <a:spLocks noGrp="1"/>
           </p:cNvSpPr>
-          <p:nvPr/>
+          <p:nvPr>
+            <p:ph type="title"/>
+          </p:nvPr>
         </p:nvSpPr>
         <p:spPr>
           <a:xfrm>
-            <a:off x="1582080" y="619731"/>
-            <a:ext cx="8782438" cy="742235"/>
+            <a:off x="1769110" y="645160"/>
+            <a:ext cx="9894570" cy="627380"/>
+          </a:xfrm>
+        </p:spPr>
+        <p:txBody>
+          <a:bodyPr>
+            <a:normAutofit fontScale="90000"/>
+          </a:bodyPr>
+          <a:lstStyle/>
+          <a:p>
+            <a:r>
+              <a:rPr lang="en-US" altLang="zh-CN" sz="3000" dirty="0">
+                <a:sym typeface="+mn-ea"/>
+              </a:rPr>
+              <a:t>dubbo Api</a:t>
+            </a:r>
+            <a:r>
+              <a:rPr lang="zh-CN" altLang="en-US" sz="3000" dirty="0">
+                <a:sym typeface="+mn-ea"/>
+              </a:rPr>
+              <a:t>本地</a:t>
+            </a:r>
+            <a:r>
+              <a:rPr lang="en-US" altLang="zh-CN" sz="3000" dirty="0">
+                <a:sym typeface="+mn-ea"/>
+              </a:rPr>
+              <a:t>(INJvm)</a:t>
+            </a:r>
+            <a:r>
+              <a:rPr lang="zh-CN" altLang="en-US" sz="3000" dirty="0">
+                <a:sym typeface="+mn-ea"/>
+              </a:rPr>
+              <a:t>暴露服务</a:t>
+            </a:r>
+            <a:endParaRPr lang="zh-CN" altLang="en-US" sz="3000" dirty="0">
+              <a:sym typeface="+mn-ea"/>
+            </a:endParaRPr>
+          </a:p>
+        </p:txBody>
+      </p:sp>
+      <p:sp>
+        <p:nvSpPr>
+          <p:cNvPr id="3" name="副标题 2"/>
+          <p:cNvSpPr>
+            <a:spLocks noGrp="1"/>
+          </p:cNvSpPr>
+          <p:nvPr>
+            <p:ph idx="1"/>
+          </p:nvPr>
+        </p:nvSpPr>
+        <p:spPr>
+          <a:xfrm>
+            <a:off x="726440" y="1272540"/>
+            <a:ext cx="4528820" cy="5403215"/>
+          </a:xfrm>
+        </p:spPr>
+        <p:txBody>
+          <a:bodyPr>
+            <a:normAutofit fontScale="90000"/>
+          </a:bodyPr>
+          <a:lstStyle/>
+          <a:p>
+            <a:pPr marL="0" indent="0">
+              <a:buNone/>
+            </a:pPr>
+            <a:r>
+              <a:rPr lang="en-US" altLang="zh-CN" dirty="0"/>
+              <a:t>1. protocal</a:t>
+            </a:r>
+            <a:r>
+              <a:rPr lang="zh-CN" altLang="en-US" dirty="0"/>
+              <a:t>和</a:t>
+            </a:r>
+            <a:r>
+              <a:rPr lang="en-US" altLang="zh-CN" dirty="0"/>
+              <a:t>proxyFactory</a:t>
+            </a:r>
+            <a:r>
+              <a:rPr lang="zh-CN" altLang="en-US" dirty="0"/>
+              <a:t>都是静态属性</a:t>
+            </a:r>
+            <a:r>
+              <a:rPr lang="en-US" altLang="zh-CN" dirty="0"/>
+              <a:t>, </a:t>
+            </a:r>
+            <a:r>
+              <a:rPr lang="zh-CN" altLang="en-US" dirty="0"/>
+              <a:t>通过</a:t>
+            </a:r>
+            <a:r>
+              <a:rPr lang="en-US" altLang="zh-CN" dirty="0"/>
+              <a:t>dubbo SPI</a:t>
+            </a:r>
+            <a:r>
+              <a:rPr lang="zh-CN" altLang="en-US" dirty="0"/>
+              <a:t>获得对应信息</a:t>
+            </a:r>
+            <a:r>
+              <a:rPr lang="en-US" altLang="zh-CN" dirty="0"/>
+              <a:t>(</a:t>
+            </a:r>
+            <a:r>
+              <a:rPr lang="zh-CN" altLang="en-US" b="1" dirty="0">
+                <a:solidFill>
+                  <a:srgbClr val="FF0000"/>
+                </a:solidFill>
+              </a:rPr>
+              <a:t>实际上是代理对象</a:t>
+            </a:r>
+            <a:r>
+              <a:rPr lang="en-US" altLang="zh-CN" dirty="0"/>
+              <a:t>)</a:t>
+            </a:r>
+            <a:endParaRPr lang="zh-CN" altLang="en-US" dirty="0"/>
+          </a:p>
+          <a:p>
+            <a:pPr marL="0" indent="0">
+              <a:buNone/>
+            </a:pPr>
+            <a:r>
+              <a:rPr lang="en-US" altLang="zh-CN" dirty="0"/>
+              <a:t>2. </a:t>
+            </a:r>
+            <a:r>
+              <a:rPr lang="zh-CN" altLang="en-US" dirty="0"/>
+              <a:t>创建新的本地</a:t>
+            </a:r>
+            <a:r>
+              <a:rPr lang="en-US" altLang="zh-CN" dirty="0"/>
+              <a:t>(local -- InJvm)</a:t>
+            </a:r>
+            <a:r>
+              <a:rPr lang="zh-CN" altLang="en-US" dirty="0"/>
+              <a:t>Dubbo URL 对象</a:t>
+            </a:r>
+            <a:r>
+              <a:rPr lang="en-US" altLang="zh-CN" dirty="0"/>
+              <a:t>, </a:t>
+            </a:r>
+            <a:r>
+              <a:rPr lang="zh-CN" altLang="en-US" dirty="0"/>
+              <a:t>并设置</a:t>
+            </a:r>
+            <a:r>
+              <a:rPr lang="en-US" altLang="zh-CN" dirty="0"/>
+              <a:t>protocol=inJvm</a:t>
+            </a:r>
+            <a:r>
+              <a:rPr lang="zh-CN" altLang="en-US" dirty="0"/>
+              <a:t>、</a:t>
+            </a:r>
+            <a:r>
+              <a:rPr lang="en-US" altLang="zh-CN" dirty="0"/>
+              <a:t> host=127.0.0.1</a:t>
+            </a:r>
+            <a:r>
+              <a:rPr lang="zh-CN" altLang="en-US" dirty="0"/>
+              <a:t>、</a:t>
+            </a:r>
+            <a:r>
+              <a:rPr lang="en-US" altLang="zh-CN" dirty="0"/>
+              <a:t>port=0</a:t>
+            </a:r>
+            <a:r>
+              <a:rPr lang="zh-CN" altLang="en-US" dirty="0"/>
+              <a:t>属性信息</a:t>
+            </a:r>
+            <a:endParaRPr lang="zh-CN" altLang="en-US" dirty="0"/>
+          </a:p>
+          <a:p>
+            <a:pPr marL="0" indent="0">
+              <a:buNone/>
+            </a:pPr>
+            <a:r>
+              <a:rPr lang="en-US" altLang="zh-CN" dirty="0"/>
+              <a:t>3. </a:t>
+            </a:r>
+            <a:r>
+              <a:rPr lang="zh-CN" altLang="en-US" dirty="0"/>
+              <a:t>添加服务的真实类名</a:t>
+            </a:r>
+            <a:r>
+              <a:rPr lang="en-US" altLang="zh-CN" dirty="0"/>
+              <a:t>, </a:t>
+            </a:r>
+            <a:r>
+              <a:rPr lang="zh-CN" altLang="en-US" dirty="0"/>
+              <a:t>比如</a:t>
+            </a:r>
+            <a:r>
+              <a:rPr lang="en-US" altLang="zh-CN" dirty="0"/>
+              <a:t>DemoServiceImpl, </a:t>
+            </a:r>
+            <a:r>
+              <a:rPr lang="zh-CN" altLang="en-US" dirty="0"/>
+              <a:t>用于</a:t>
+            </a:r>
+            <a:r>
+              <a:rPr lang="en-US" altLang="zh-CN" dirty="0"/>
+              <a:t>RestProtocol</a:t>
+            </a:r>
+            <a:r>
+              <a:rPr lang="zh-CN" altLang="en-US" dirty="0"/>
+              <a:t>中</a:t>
+            </a:r>
+            <a:endParaRPr lang="zh-CN" altLang="en-US" dirty="0"/>
+          </a:p>
+          <a:p>
+            <a:pPr marL="0" indent="0">
+              <a:buNone/>
+            </a:pPr>
+            <a:r>
+              <a:rPr lang="en-US" altLang="zh-CN" dirty="0"/>
+              <a:t>4. </a:t>
+            </a:r>
+            <a:r>
+              <a:rPr lang="zh-CN" altLang="en-US" dirty="0"/>
+              <a:t>通过</a:t>
+            </a:r>
+            <a:r>
+              <a:rPr lang="en-US" altLang="zh-CN" dirty="0"/>
+              <a:t>getInvoker</a:t>
+            </a:r>
+            <a:r>
+              <a:rPr lang="zh-CN" altLang="en-US" dirty="0"/>
+              <a:t>创建</a:t>
+            </a:r>
+            <a:r>
+              <a:rPr lang="en-US" altLang="zh-CN" dirty="0"/>
+              <a:t>Invoker</a:t>
+            </a:r>
+            <a:r>
+              <a:rPr lang="zh-CN" altLang="en-US" dirty="0"/>
+              <a:t>对象</a:t>
+            </a:r>
+            <a:r>
+              <a:rPr lang="en-US" altLang="zh-CN" dirty="0"/>
+              <a:t>(invoker.url</a:t>
+            </a:r>
+            <a:r>
+              <a:rPr lang="zh-CN" altLang="en-US" dirty="0"/>
+              <a:t>获得</a:t>
+            </a:r>
+            <a:r>
+              <a:rPr lang="en-US" altLang="zh-CN" dirty="0"/>
+              <a:t>URL</a:t>
+            </a:r>
+            <a:r>
+              <a:rPr lang="zh-CN" altLang="en-US" dirty="0"/>
+              <a:t>信息</a:t>
+            </a:r>
+            <a:r>
+              <a:rPr lang="en-US" altLang="zh-CN" dirty="0"/>
+              <a:t>, </a:t>
+            </a:r>
+            <a:r>
+              <a:rPr lang="zh-CN" altLang="en-US" dirty="0"/>
+              <a:t>在</a:t>
+            </a:r>
+            <a:r>
+              <a:rPr lang="en-US" altLang="zh-CN" dirty="0"/>
+              <a:t>URL</a:t>
+            </a:r>
+            <a:r>
+              <a:rPr lang="zh-CN" altLang="en-US" dirty="0"/>
+              <a:t>中获得</a:t>
+            </a:r>
+            <a:r>
+              <a:rPr lang="en-US" altLang="zh-CN" dirty="0"/>
+              <a:t>Protocol</a:t>
+            </a:r>
+            <a:r>
+              <a:rPr lang="zh-CN" altLang="en-US" dirty="0"/>
+              <a:t>对应拓展实现</a:t>
+            </a:r>
+            <a:r>
+              <a:rPr lang="en-US" altLang="zh-CN" dirty="0"/>
+              <a:t>, </a:t>
+            </a:r>
+            <a:r>
+              <a:rPr lang="zh-CN" altLang="en-US" dirty="0"/>
+              <a:t>比如</a:t>
+            </a:r>
+            <a:r>
+              <a:rPr lang="en-US" altLang="zh-CN" dirty="0"/>
+              <a:t>InJvmProtocol</a:t>
+            </a:r>
+            <a:r>
+              <a:rPr lang="en-US" altLang="zh-CN" dirty="0"/>
+              <a:t>)</a:t>
+            </a:r>
+            <a:endParaRPr lang="zh-CN" altLang="en-US" dirty="0"/>
+          </a:p>
+          <a:p>
+            <a:pPr marL="0" indent="0">
+              <a:buNone/>
+            </a:pPr>
+            <a:r>
+              <a:rPr lang="en-US" altLang="zh-CN" dirty="0"/>
+              <a:t>5. </a:t>
+            </a:r>
+            <a:r>
+              <a:rPr lang="zh-CN" altLang="en-US" dirty="0"/>
+              <a:t>通过</a:t>
+            </a:r>
+            <a:r>
+              <a:rPr lang="en-US" altLang="zh-CN" dirty="0"/>
+              <a:t>export()</a:t>
+            </a:r>
+            <a:r>
+              <a:rPr lang="zh-CN" altLang="en-US" dirty="0"/>
+              <a:t>将服务对外暴露</a:t>
+            </a:r>
+            <a:endParaRPr lang="zh-CN" altLang="en-US" dirty="0"/>
+          </a:p>
+          <a:p>
+            <a:pPr marL="0" indent="0">
+              <a:buNone/>
+            </a:pPr>
+            <a:r>
+              <a:rPr lang="en-US" altLang="zh-CN" dirty="0"/>
+              <a:t>6. </a:t>
+            </a:r>
+            <a:r>
+              <a:rPr lang="zh-CN" altLang="en-US" dirty="0"/>
+              <a:t>将</a:t>
+            </a:r>
+            <a:r>
+              <a:rPr lang="en-US" altLang="zh-CN" dirty="0"/>
+              <a:t>export</a:t>
+            </a:r>
+            <a:r>
+              <a:rPr lang="zh-CN" altLang="en-US" dirty="0"/>
+              <a:t>缓存在exporters中</a:t>
+            </a:r>
+            <a:endParaRPr lang="zh-CN" altLang="en-US" dirty="0"/>
+          </a:p>
+          <a:p>
+            <a:pPr marL="0" indent="0">
+              <a:buNone/>
+            </a:pPr>
+            <a:r>
+              <a:rPr lang="en-US" altLang="zh-CN" dirty="0"/>
+              <a:t>NOTE:</a:t>
+            </a:r>
+            <a:endParaRPr lang="en-US" altLang="zh-CN" dirty="0"/>
+          </a:p>
+          <a:p>
+            <a:pPr marL="0" indent="0">
+              <a:buNone/>
+            </a:pPr>
+            <a:r>
+              <a:rPr lang="en-US" altLang="zh-CN" dirty="0"/>
+              <a:t>export()</a:t>
+            </a:r>
+            <a:r>
+              <a:rPr lang="zh-CN" altLang="en-US" dirty="0"/>
+              <a:t>的调用顺序是Protocol$Adaptive =&gt; ProtocolFilterWrapper =&gt; ProtocolListenerWrapper =&gt; InjvmProtocol </a:t>
+            </a:r>
+            <a:endParaRPr lang="zh-CN" altLang="en-US" dirty="0"/>
+          </a:p>
+        </p:txBody>
+      </p:sp>
+      <p:pic>
+        <p:nvPicPr>
+          <p:cNvPr id="5" name="图片 4"/>
+          <p:cNvPicPr>
+            <a:picLocks noChangeAspect="1"/>
+          </p:cNvPicPr>
+          <p:nvPr/>
+        </p:nvPicPr>
+        <p:blipFill>
+          <a:blip r:embed="rId1"/>
+          <a:stretch>
+            <a:fillRect/>
+          </a:stretch>
+        </p:blipFill>
+        <p:spPr>
+          <a:xfrm>
+            <a:off x="4973320" y="1059815"/>
+            <a:ext cx="7371080" cy="5879465"/>
           </a:xfrm>
           <a:prstGeom prst="rect">
             <a:avLst/>
           </a:prstGeom>
         </p:spPr>
-        <p:txBody>
-          <a:bodyPr vert="horz" lIns="91440" tIns="45720" rIns="91440" bIns="45720" rtlCol="0" anchor="t">
-            <a:normAutofit fontScale="90000"/>
-          </a:bodyPr>
-          <a:lstStyle>
-            <a:lvl1pPr algn="l" defTabSz="457200" rtl="0" eaLnBrk="1" latinLnBrk="0" hangingPunct="1">
-              <a:spcBef>
-                <a:spcPct val="0"/>
-              </a:spcBef>
-              <a:buNone/>
-              <a:defRPr sz="3600" kern="1200">
-                <a:solidFill>
-                  <a:schemeClr val="tx1">
-                    <a:lumMod val="85000"/>
-                    <a:lumOff val="15000"/>
-                  </a:schemeClr>
-                </a:solidFill>
-                <a:latin typeface="+mj-lt"/>
-                <a:ea typeface="+mj-ea"/>
-                <a:cs typeface="+mj-cs"/>
-              </a:defRPr>
-            </a:lvl1pPr>
-            <a:lvl2pPr eaLnBrk="1" hangingPunct="1">
-              <a:defRPr>
-                <a:solidFill>
-                  <a:schemeClr val="tx2"/>
-                </a:solidFill>
-              </a:defRPr>
-            </a:lvl2pPr>
-            <a:lvl3pPr eaLnBrk="1" hangingPunct="1">
-              <a:defRPr>
-                <a:solidFill>
-                  <a:schemeClr val="tx2"/>
-                </a:solidFill>
-              </a:defRPr>
-            </a:lvl3pPr>
-            <a:lvl4pPr eaLnBrk="1" hangingPunct="1">
-              <a:defRPr>
-                <a:solidFill>
-                  <a:schemeClr val="tx2"/>
-                </a:solidFill>
-              </a:defRPr>
-            </a:lvl4pPr>
-            <a:lvl5pPr eaLnBrk="1" hangingPunct="1">
-              <a:defRPr>
-                <a:solidFill>
-                  <a:schemeClr val="tx2"/>
-                </a:solidFill>
-              </a:defRPr>
-            </a:lvl5pPr>
-            <a:lvl6pPr eaLnBrk="1" hangingPunct="1">
-              <a:defRPr>
-                <a:solidFill>
-                  <a:schemeClr val="tx2"/>
-                </a:solidFill>
-              </a:defRPr>
-            </a:lvl6pPr>
-            <a:lvl7pPr eaLnBrk="1" hangingPunct="1">
-              <a:defRPr>
-                <a:solidFill>
-                  <a:schemeClr val="tx2"/>
-                </a:solidFill>
-              </a:defRPr>
-            </a:lvl7pPr>
-            <a:lvl8pPr eaLnBrk="1" hangingPunct="1">
-              <a:defRPr>
-                <a:solidFill>
-                  <a:schemeClr val="tx2"/>
-                </a:solidFill>
-              </a:defRPr>
-            </a:lvl8pPr>
-            <a:lvl9pPr eaLnBrk="1" hangingPunct="1">
-              <a:defRPr>
-                <a:solidFill>
-                  <a:schemeClr val="tx2"/>
-                </a:solidFill>
-              </a:defRPr>
-            </a:lvl9pPr>
-          </a:lstStyle>
-          <a:p>
-            <a:r>
-              <a:rPr lang="en-US" altLang="zh-CN" dirty="0"/>
-              <a:t>Dubbo Api</a:t>
-            </a:r>
-            <a:r>
-              <a:rPr lang="zh-CN" altLang="en-US" dirty="0"/>
-              <a:t>配置分类</a:t>
-            </a:r>
-            <a:endParaRPr lang="zh-CN" altLang="en-US" dirty="0"/>
-          </a:p>
-        </p:txBody>
-      </p:sp>
+      </p:pic>
+    </p:spTree>
+  </p:cSld>
+  <p:clrMapOvr>
+    <a:masterClrMapping/>
+  </p:clrMapOvr>
+</p:sld>
+</file>
+
+<file path=ppt/slides/slide15.xml><?xml version="1.0" encoding="utf-8"?>
+<p:sld xmlns:a="http://schemas.openxmlformats.org/drawingml/2006/main" xmlns:r="http://schemas.openxmlformats.org/officeDocument/2006/relationships" xmlns:p="http://schemas.openxmlformats.org/presentationml/2006/main">
+  <p:cSld>
+    <p:spTree>
+      <p:nvGrpSpPr>
+        <p:cNvPr id="1" name=""/>
+        <p:cNvGrpSpPr/>
+        <p:nvPr/>
+      </p:nvGrpSpPr>
+      <p:grpSpPr>
+        <a:xfrm>
+          <a:off x="0" y="0"/>
+          <a:ext cx="0" cy="0"/>
+          <a:chOff x="0" y="0"/>
+          <a:chExt cx="0" cy="0"/>
+        </a:xfrm>
+      </p:grpSpPr>
       <p:sp>
         <p:nvSpPr>
           <p:cNvPr id="2" name="标题 1"/>
           <p:cNvSpPr>
             <a:spLocks noGrp="1"/>
           </p:cNvSpPr>
-          <p:nvPr/>
+          <p:nvPr>
+            <p:ph type="title"/>
+          </p:nvPr>
         </p:nvSpPr>
         <p:spPr>
           <a:xfrm>
-            <a:off x="594995" y="1362075"/>
-            <a:ext cx="6508750" cy="2157095"/>
+            <a:off x="1769110" y="645160"/>
+            <a:ext cx="9894570" cy="627380"/>
+          </a:xfrm>
+        </p:spPr>
+        <p:txBody>
+          <a:bodyPr>
+            <a:normAutofit fontScale="90000"/>
+          </a:bodyPr>
+          <a:lstStyle/>
+          <a:p>
+            <a:r>
+              <a:rPr lang="en-US" altLang="zh-CN" sz="3000" dirty="0">
+                <a:sym typeface="+mn-ea"/>
+              </a:rPr>
+              <a:t>dubbo Api</a:t>
+            </a:r>
+            <a:r>
+              <a:rPr lang="zh-CN" altLang="en-US" sz="3000" dirty="0">
+                <a:sym typeface="+mn-ea"/>
+              </a:rPr>
+              <a:t>本地</a:t>
+            </a:r>
+            <a:r>
+              <a:rPr lang="en-US" altLang="zh-CN" sz="3000" dirty="0">
+                <a:sym typeface="+mn-ea"/>
+              </a:rPr>
+              <a:t>(INJvm)</a:t>
+            </a:r>
+            <a:r>
+              <a:rPr lang="zh-CN" altLang="en-US" sz="3000" dirty="0">
+                <a:sym typeface="+mn-ea"/>
+              </a:rPr>
+              <a:t>暴露服务</a:t>
+            </a:r>
+            <a:endParaRPr lang="zh-CN" altLang="en-US" sz="3000" dirty="0">
+              <a:sym typeface="+mn-ea"/>
+            </a:endParaRPr>
+          </a:p>
+        </p:txBody>
+      </p:sp>
+      <p:pic>
+        <p:nvPicPr>
+          <p:cNvPr id="7" name="图片 6"/>
+          <p:cNvPicPr>
+            <a:picLocks noChangeAspect="1"/>
+          </p:cNvPicPr>
+          <p:nvPr/>
+        </p:nvPicPr>
+        <p:blipFill>
+          <a:blip r:embed="rId1"/>
+          <a:stretch>
+            <a:fillRect/>
+          </a:stretch>
+        </p:blipFill>
+        <p:spPr>
+          <a:xfrm>
+            <a:off x="871855" y="1238250"/>
+            <a:ext cx="11144250" cy="5552440"/>
           </a:xfrm>
           <a:prstGeom prst="rect">
             <a:avLst/>
           </a:prstGeom>
         </p:spPr>
+      </p:pic>
+    </p:spTree>
+  </p:cSld>
+  <p:clrMapOvr>
+    <a:masterClrMapping/>
+  </p:clrMapOvr>
+</p:sld>
+</file>
+
+<file path=ppt/slides/slide16.xml><?xml version="1.0" encoding="utf-8"?>
+<p:sld xmlns:a="http://schemas.openxmlformats.org/drawingml/2006/main" xmlns:r="http://schemas.openxmlformats.org/officeDocument/2006/relationships" xmlns:p="http://schemas.openxmlformats.org/presentationml/2006/main">
+  <p:cSld>
+    <p:spTree>
+      <p:nvGrpSpPr>
+        <p:cNvPr id="1" name=""/>
+        <p:cNvGrpSpPr/>
+        <p:nvPr/>
+      </p:nvGrpSpPr>
+      <p:grpSpPr>
+        <a:xfrm>
+          <a:off x="0" y="0"/>
+          <a:ext cx="0" cy="0"/>
+          <a:chOff x="0" y="0"/>
+          <a:chExt cx="0" cy="0"/>
+        </a:xfrm>
+      </p:grpSpPr>
+      <p:sp>
+        <p:nvSpPr>
+          <p:cNvPr id="2" name="标题 1"/>
+          <p:cNvSpPr>
+            <a:spLocks noGrp="1"/>
+          </p:cNvSpPr>
+          <p:nvPr>
+            <p:ph type="title"/>
+          </p:nvPr>
+        </p:nvSpPr>
+        <p:spPr>
+          <a:xfrm>
+            <a:off x="1769110" y="645160"/>
+            <a:ext cx="9894570" cy="627380"/>
+          </a:xfrm>
+        </p:spPr>
         <p:txBody>
-          <a:bodyPr vert="horz" lIns="91440" tIns="45720" rIns="91440" bIns="45720" rtlCol="0" anchor="b">
-            <a:normAutofit lnSpcReduction="20000"/>
+          <a:bodyPr>
+            <a:normAutofit fontScale="90000"/>
           </a:bodyPr>
-          <a:lstStyle>
-            <a:lvl1pPr algn="l" defTabSz="457200" rtl="0" eaLnBrk="1" latinLnBrk="0" hangingPunct="1">
-              <a:spcBef>
-                <a:spcPct val="0"/>
-              </a:spcBef>
-              <a:buNone/>
-              <a:defRPr sz="5400" kern="1200">
-                <a:solidFill>
-                  <a:schemeClr val="tx1">
-                    <a:lumMod val="85000"/>
-                    <a:lumOff val="15000"/>
-                  </a:schemeClr>
-                </a:solidFill>
-                <a:latin typeface="+mj-lt"/>
-                <a:ea typeface="+mj-ea"/>
-                <a:cs typeface="+mj-cs"/>
-              </a:defRPr>
-            </a:lvl1pPr>
-            <a:lvl2pPr eaLnBrk="1" hangingPunct="1">
-              <a:defRPr>
-                <a:solidFill>
-                  <a:schemeClr val="tx2"/>
-                </a:solidFill>
-              </a:defRPr>
-            </a:lvl2pPr>
-            <a:lvl3pPr eaLnBrk="1" hangingPunct="1">
-              <a:defRPr>
-                <a:solidFill>
-                  <a:schemeClr val="tx2"/>
-                </a:solidFill>
-              </a:defRPr>
-            </a:lvl3pPr>
-            <a:lvl4pPr eaLnBrk="1" hangingPunct="1">
-              <a:defRPr>
-                <a:solidFill>
-                  <a:schemeClr val="tx2"/>
-                </a:solidFill>
-              </a:defRPr>
-            </a:lvl4pPr>
-            <a:lvl5pPr eaLnBrk="1" hangingPunct="1">
-              <a:defRPr>
-                <a:solidFill>
-                  <a:schemeClr val="tx2"/>
-                </a:solidFill>
-              </a:defRPr>
-            </a:lvl5pPr>
-            <a:lvl6pPr eaLnBrk="1" hangingPunct="1">
-              <a:defRPr>
-                <a:solidFill>
-                  <a:schemeClr val="tx2"/>
-                </a:solidFill>
-              </a:defRPr>
-            </a:lvl6pPr>
-            <a:lvl7pPr eaLnBrk="1" hangingPunct="1">
-              <a:defRPr>
-                <a:solidFill>
-                  <a:schemeClr val="tx2"/>
-                </a:solidFill>
-              </a:defRPr>
-            </a:lvl7pPr>
-            <a:lvl8pPr eaLnBrk="1" hangingPunct="1">
-              <a:defRPr>
-                <a:solidFill>
-                  <a:schemeClr val="tx2"/>
-                </a:solidFill>
-              </a:defRPr>
-            </a:lvl8pPr>
-            <a:lvl9pPr eaLnBrk="1" hangingPunct="1">
-              <a:defRPr>
-                <a:solidFill>
-                  <a:schemeClr val="tx2"/>
-                </a:solidFill>
-              </a:defRPr>
-            </a:lvl9pPr>
-          </a:lstStyle>
-          <a:p>
-            <a:pPr lvl="0" algn="just"/>
-            <a:r>
-              <a:rPr lang="en-US" sz="1800" dirty="0">
-                <a:solidFill>
-                  <a:schemeClr val="tx1">
-                    <a:lumMod val="65000"/>
-                    <a:lumOff val="35000"/>
-                  </a:schemeClr>
-                </a:solidFill>
-                <a:latin typeface="+mn-lt"/>
-                <a:ea typeface="+mn-ea"/>
-                <a:cs typeface="+mn-cs"/>
-              </a:rPr>
-              <a:t>1. </a:t>
-            </a:r>
-            <a:r>
-              <a:rPr sz="1800" dirty="0">
-                <a:solidFill>
-                  <a:schemeClr val="tx1">
-                    <a:lumMod val="65000"/>
-                    <a:lumOff val="35000"/>
-                  </a:schemeClr>
-                </a:solidFill>
-                <a:latin typeface="+mn-lt"/>
-                <a:ea typeface="+mn-ea"/>
-                <a:cs typeface="+mn-cs"/>
-              </a:rPr>
-              <a:t>application-shared</a:t>
-            </a:r>
-            <a:endParaRPr sz="1800" dirty="0">
-              <a:solidFill>
-                <a:schemeClr val="tx1">
-                  <a:lumMod val="65000"/>
-                  <a:lumOff val="35000"/>
-                </a:schemeClr>
-              </a:solidFill>
-              <a:latin typeface="+mn-lt"/>
-              <a:ea typeface="+mn-ea"/>
-              <a:cs typeface="+mn-cs"/>
+          <a:lstStyle/>
+          <a:p>
+            <a:r>
+              <a:rPr lang="en-US" altLang="zh-CN" sz="3000" dirty="0">
+                <a:sym typeface="+mn-ea"/>
+              </a:rPr>
+              <a:t>dubbo Api</a:t>
+            </a:r>
+            <a:r>
+              <a:rPr lang="zh-CN" altLang="en-US" sz="3000" dirty="0">
+                <a:sym typeface="+mn-ea"/>
+              </a:rPr>
+              <a:t>远程</a:t>
+            </a:r>
+            <a:r>
+              <a:rPr lang="en-US" altLang="zh-CN" sz="3000" dirty="0">
+                <a:sym typeface="+mn-ea"/>
+              </a:rPr>
+              <a:t>(Dubbo</a:t>
+            </a:r>
+            <a:r>
+              <a:rPr lang="en-US" altLang="zh-CN" sz="3000" dirty="0">
+                <a:sym typeface="+mn-ea"/>
+              </a:rPr>
+              <a:t>)</a:t>
+            </a:r>
+            <a:r>
+              <a:rPr lang="zh-CN" altLang="en-US" sz="3000" dirty="0">
+                <a:sym typeface="+mn-ea"/>
+              </a:rPr>
+              <a:t>暴露服务</a:t>
+            </a:r>
+            <a:endParaRPr lang="zh-CN" altLang="en-US" sz="3000" dirty="0">
+              <a:sym typeface="+mn-ea"/>
             </a:endParaRPr>
           </a:p>
-          <a:p>
-            <a:pPr lvl="0" algn="just"/>
-            <a:r>
-              <a:rPr lang="en-US" sz="1800" dirty="0">
-                <a:solidFill>
-                  <a:schemeClr val="tx1">
-                    <a:lumMod val="65000"/>
-                    <a:lumOff val="35000"/>
-                  </a:schemeClr>
-                </a:solidFill>
-                <a:latin typeface="+mn-lt"/>
-                <a:ea typeface="+mn-ea"/>
-                <a:cs typeface="+mn-cs"/>
-              </a:rPr>
-              <a:t>	ApplicationConfig, RegistryCondig, MonitorConfig</a:t>
-            </a:r>
-            <a:endParaRPr sz="1800" dirty="0">
-              <a:solidFill>
-                <a:schemeClr val="tx1">
-                  <a:lumMod val="65000"/>
-                  <a:lumOff val="35000"/>
-                </a:schemeClr>
-              </a:solidFill>
-              <a:latin typeface="+mn-lt"/>
-              <a:ea typeface="+mn-ea"/>
-              <a:cs typeface="+mn-cs"/>
+        </p:txBody>
+      </p:sp>
+      <p:pic>
+        <p:nvPicPr>
+          <p:cNvPr id="4" name="图片 3"/>
+          <p:cNvPicPr>
+            <a:picLocks noChangeAspect="1"/>
+          </p:cNvPicPr>
+          <p:nvPr/>
+        </p:nvPicPr>
+        <p:blipFill>
+          <a:blip r:embed="rId1"/>
+          <a:stretch>
+            <a:fillRect/>
+          </a:stretch>
+        </p:blipFill>
+        <p:spPr>
+          <a:xfrm>
+            <a:off x="1109980" y="1272540"/>
+            <a:ext cx="10809605" cy="5184140"/>
+          </a:xfrm>
+          <a:prstGeom prst="rect">
+            <a:avLst/>
+          </a:prstGeom>
+        </p:spPr>
+      </p:pic>
+    </p:spTree>
+  </p:cSld>
+  <p:clrMapOvr>
+    <a:masterClrMapping/>
+  </p:clrMapOvr>
+</p:sld>
+</file>
+
+<file path=ppt/slides/slide17.xml><?xml version="1.0" encoding="utf-8"?>
+<p:sld xmlns:a="http://schemas.openxmlformats.org/drawingml/2006/main" xmlns:r="http://schemas.openxmlformats.org/officeDocument/2006/relationships" xmlns:p="http://schemas.openxmlformats.org/presentationml/2006/main">
+  <p:cSld>
+    <p:spTree>
+      <p:nvGrpSpPr>
+        <p:cNvPr id="1" name=""/>
+        <p:cNvGrpSpPr/>
+        <p:nvPr/>
+      </p:nvGrpSpPr>
+      <p:grpSpPr>
+        <a:xfrm>
+          <a:off x="0" y="0"/>
+          <a:ext cx="0" cy="0"/>
+          <a:chOff x="0" y="0"/>
+          <a:chExt cx="0" cy="0"/>
+        </a:xfrm>
+      </p:grpSpPr>
+      <p:sp>
+        <p:nvSpPr>
+          <p:cNvPr id="2" name="标题 1"/>
+          <p:cNvSpPr>
+            <a:spLocks noGrp="1"/>
+          </p:cNvSpPr>
+          <p:nvPr>
+            <p:ph type="title"/>
+          </p:nvPr>
+        </p:nvSpPr>
+        <p:spPr>
+          <a:xfrm>
+            <a:off x="1769110" y="645160"/>
+            <a:ext cx="9894570" cy="627380"/>
+          </a:xfrm>
+        </p:spPr>
+        <p:txBody>
+          <a:bodyPr>
+            <a:normAutofit fontScale="90000"/>
+          </a:bodyPr>
+          <a:lstStyle/>
+          <a:p>
+            <a:r>
+              <a:rPr lang="en-US" altLang="zh-CN" sz="3000" dirty="0">
+                <a:sym typeface="+mn-ea"/>
+              </a:rPr>
+              <a:t>dubbo Api</a:t>
+            </a:r>
+            <a:r>
+              <a:rPr lang="zh-CN" altLang="en-US" sz="3000" dirty="0">
+                <a:sym typeface="+mn-ea"/>
+              </a:rPr>
+              <a:t>本地服务</a:t>
+            </a:r>
+            <a:r>
+              <a:rPr lang="en-US" altLang="zh-CN" sz="3000" dirty="0">
+                <a:sym typeface="+mn-ea"/>
+              </a:rPr>
+              <a:t>(INJvm)</a:t>
+            </a:r>
+            <a:r>
+              <a:rPr lang="zh-CN" altLang="en-US" sz="3000" dirty="0">
+                <a:sym typeface="+mn-ea"/>
+              </a:rPr>
+              <a:t>引用</a:t>
+            </a:r>
+            <a:endParaRPr lang="zh-CN" altLang="en-US" sz="3000" dirty="0">
+              <a:sym typeface="+mn-ea"/>
             </a:endParaRPr>
           </a:p>
-          <a:p>
-            <a:pPr lvl="0" algn="just"/>
-            <a:r>
-              <a:rPr lang="en-US" sz="1800" dirty="0">
-                <a:solidFill>
-                  <a:schemeClr val="tx1">
-                    <a:lumMod val="65000"/>
-                    <a:lumOff val="35000"/>
-                  </a:schemeClr>
-                </a:solidFill>
-                <a:latin typeface="+mn-lt"/>
-                <a:ea typeface="+mn-ea"/>
-                <a:cs typeface="+mn-cs"/>
-              </a:rPr>
-              <a:t>2. </a:t>
-            </a:r>
-            <a:r>
-              <a:rPr sz="1800" dirty="0">
-                <a:solidFill>
-                  <a:schemeClr val="tx1">
-                    <a:lumMod val="65000"/>
-                    <a:lumOff val="35000"/>
-                  </a:schemeClr>
-                </a:solidFill>
-                <a:latin typeface="+mn-lt"/>
-                <a:ea typeface="+mn-ea"/>
-                <a:cs typeface="+mn-cs"/>
-              </a:rPr>
-              <a:t>provider-side</a:t>
-            </a:r>
-            <a:endParaRPr sz="1800" dirty="0">
-              <a:solidFill>
-                <a:schemeClr val="tx1">
-                  <a:lumMod val="65000"/>
-                  <a:lumOff val="35000"/>
-                </a:schemeClr>
-              </a:solidFill>
-              <a:latin typeface="+mn-lt"/>
-              <a:ea typeface="+mn-ea"/>
-              <a:cs typeface="+mn-cs"/>
-            </a:endParaRPr>
-          </a:p>
-          <a:p>
-            <a:pPr lvl="0" algn="just"/>
-            <a:r>
-              <a:rPr lang="en-US" sz="1800" dirty="0">
-                <a:solidFill>
-                  <a:schemeClr val="tx1">
-                    <a:lumMod val="65000"/>
-                    <a:lumOff val="35000"/>
-                  </a:schemeClr>
-                </a:solidFill>
-                <a:latin typeface="+mn-lt"/>
-                <a:ea typeface="+mn-ea"/>
-                <a:cs typeface="+mn-cs"/>
-              </a:rPr>
-              <a:t>	ProtocolConfig, ProviderConfig, ServiceConfig</a:t>
-            </a:r>
-            <a:endParaRPr sz="1800" dirty="0">
-              <a:solidFill>
-                <a:schemeClr val="tx1">
-                  <a:lumMod val="65000"/>
-                  <a:lumOff val="35000"/>
-                </a:schemeClr>
-              </a:solidFill>
-              <a:latin typeface="+mn-lt"/>
-              <a:ea typeface="+mn-ea"/>
-              <a:cs typeface="+mn-cs"/>
-            </a:endParaRPr>
-          </a:p>
-          <a:p>
-            <a:pPr lvl="0" algn="just"/>
-            <a:r>
-              <a:rPr lang="en-US" sz="1800" dirty="0">
-                <a:solidFill>
-                  <a:schemeClr val="tx1">
-                    <a:lumMod val="65000"/>
-                    <a:lumOff val="35000"/>
-                  </a:schemeClr>
-                </a:solidFill>
-                <a:latin typeface="+mn-lt"/>
-                <a:ea typeface="+mn-ea"/>
-                <a:cs typeface="+mn-cs"/>
-              </a:rPr>
-              <a:t>3. </a:t>
-            </a:r>
-            <a:r>
-              <a:rPr sz="1800" dirty="0">
-                <a:solidFill>
-                  <a:schemeClr val="tx1">
-                    <a:lumMod val="65000"/>
-                    <a:lumOff val="35000"/>
-                  </a:schemeClr>
-                </a:solidFill>
-                <a:latin typeface="+mn-lt"/>
-                <a:ea typeface="+mn-ea"/>
-                <a:cs typeface="+mn-cs"/>
-              </a:rPr>
-              <a:t>consumer-side</a:t>
-            </a:r>
-            <a:endParaRPr sz="1800" dirty="0">
-              <a:solidFill>
-                <a:schemeClr val="tx1">
-                  <a:lumMod val="65000"/>
-                  <a:lumOff val="35000"/>
-                </a:schemeClr>
-              </a:solidFill>
-              <a:latin typeface="+mn-lt"/>
-              <a:ea typeface="+mn-ea"/>
-              <a:cs typeface="+mn-cs"/>
-            </a:endParaRPr>
-          </a:p>
-          <a:p>
-            <a:pPr lvl="0" algn="just"/>
-            <a:r>
-              <a:rPr lang="en-US" sz="1800" dirty="0">
-                <a:solidFill>
-                  <a:schemeClr val="tx1">
-                    <a:lumMod val="65000"/>
-                    <a:lumOff val="35000"/>
-                  </a:schemeClr>
-                </a:solidFill>
-                <a:latin typeface="+mn-lt"/>
-                <a:ea typeface="+mn-ea"/>
-                <a:cs typeface="+mn-cs"/>
-              </a:rPr>
-              <a:t>	ConsumerConfig, ReferenceConfig</a:t>
-            </a:r>
-            <a:endParaRPr sz="1800" dirty="0">
-              <a:solidFill>
-                <a:schemeClr val="tx1">
-                  <a:lumMod val="65000"/>
-                  <a:lumOff val="35000"/>
-                </a:schemeClr>
-              </a:solidFill>
-              <a:latin typeface="+mn-lt"/>
-              <a:ea typeface="+mn-ea"/>
-              <a:cs typeface="+mn-cs"/>
-            </a:endParaRPr>
-          </a:p>
-          <a:p>
-            <a:pPr lvl="0" algn="just"/>
-            <a:r>
-              <a:rPr lang="en-US" sz="1800" dirty="0">
-                <a:solidFill>
-                  <a:schemeClr val="tx1">
-                    <a:lumMod val="65000"/>
-                    <a:lumOff val="35000"/>
-                  </a:schemeClr>
-                </a:solidFill>
-                <a:latin typeface="+mn-lt"/>
-                <a:ea typeface="+mn-ea"/>
-                <a:cs typeface="+mn-cs"/>
-              </a:rPr>
-              <a:t>4. </a:t>
-            </a:r>
-            <a:r>
-              <a:rPr sz="1800" dirty="0">
-                <a:solidFill>
-                  <a:schemeClr val="tx1">
-                    <a:lumMod val="65000"/>
-                    <a:lumOff val="35000"/>
-                  </a:schemeClr>
-                </a:solidFill>
-                <a:latin typeface="+mn-lt"/>
-                <a:ea typeface="+mn-ea"/>
-                <a:cs typeface="+mn-cs"/>
-              </a:rPr>
-              <a:t>sub-config</a:t>
-            </a:r>
-            <a:endParaRPr sz="1800" dirty="0">
-              <a:solidFill>
-                <a:schemeClr val="tx1">
-                  <a:lumMod val="65000"/>
-                  <a:lumOff val="35000"/>
-                </a:schemeClr>
-              </a:solidFill>
-              <a:latin typeface="+mn-lt"/>
-              <a:ea typeface="+mn-ea"/>
-              <a:cs typeface="+mn-cs"/>
-            </a:endParaRPr>
-          </a:p>
-          <a:p>
-            <a:pPr lvl="0" algn="just"/>
-            <a:r>
-              <a:rPr lang="en-US" sz="1800" dirty="0">
-                <a:solidFill>
-                  <a:schemeClr val="tx1">
-                    <a:lumMod val="65000"/>
-                    <a:lumOff val="35000"/>
-                  </a:schemeClr>
-                </a:solidFill>
-                <a:latin typeface="+mn-lt"/>
-                <a:ea typeface="+mn-ea"/>
-                <a:cs typeface="+mn-cs"/>
-              </a:rPr>
-              <a:t>	ArgumentConfig, MethodConfig</a:t>
-            </a:r>
-            <a:endParaRPr lang="en-US" sz="1800" dirty="0">
-              <a:solidFill>
-                <a:schemeClr val="tx1">
-                  <a:lumMod val="65000"/>
-                  <a:lumOff val="35000"/>
-                </a:schemeClr>
-              </a:solidFill>
-              <a:latin typeface="+mn-lt"/>
-              <a:ea typeface="+mn-ea"/>
-              <a:cs typeface="+mn-cs"/>
+        </p:txBody>
+      </p:sp>
+      <p:pic>
+        <p:nvPicPr>
+          <p:cNvPr id="4" name="图片 3"/>
+          <p:cNvPicPr>
+            <a:picLocks noChangeAspect="1"/>
+          </p:cNvPicPr>
+          <p:nvPr/>
+        </p:nvPicPr>
+        <p:blipFill>
+          <a:blip r:embed="rId1"/>
+          <a:stretch>
+            <a:fillRect/>
+          </a:stretch>
+        </p:blipFill>
+        <p:spPr>
+          <a:xfrm>
+            <a:off x="304800" y="1272540"/>
+            <a:ext cx="11582400" cy="5506720"/>
+          </a:xfrm>
+          <a:prstGeom prst="rect">
+            <a:avLst/>
+          </a:prstGeom>
+        </p:spPr>
+      </p:pic>
+    </p:spTree>
+  </p:cSld>
+  <p:clrMapOvr>
+    <a:masterClrMapping/>
+  </p:clrMapOvr>
+</p:sld>
+</file>
+
+<file path=ppt/slides/slide18.xml><?xml version="1.0" encoding="utf-8"?>
+<p:sld xmlns:a="http://schemas.openxmlformats.org/drawingml/2006/main" xmlns:r="http://schemas.openxmlformats.org/officeDocument/2006/relationships" xmlns:p="http://schemas.openxmlformats.org/presentationml/2006/main">
+  <p:cSld>
+    <p:spTree>
+      <p:nvGrpSpPr>
+        <p:cNvPr id="1" name=""/>
+        <p:cNvGrpSpPr/>
+        <p:nvPr/>
+      </p:nvGrpSpPr>
+      <p:grpSpPr>
+        <a:xfrm>
+          <a:off x="0" y="0"/>
+          <a:ext cx="0" cy="0"/>
+          <a:chOff x="0" y="0"/>
+          <a:chExt cx="0" cy="0"/>
+        </a:xfrm>
+      </p:grpSpPr>
+      <p:sp>
+        <p:nvSpPr>
+          <p:cNvPr id="2" name="标题 1"/>
+          <p:cNvSpPr>
+            <a:spLocks noGrp="1"/>
+          </p:cNvSpPr>
+          <p:nvPr>
+            <p:ph type="title"/>
+          </p:nvPr>
+        </p:nvSpPr>
+        <p:spPr>
+          <a:xfrm>
+            <a:off x="1769110" y="645160"/>
+            <a:ext cx="9894570" cy="627380"/>
+          </a:xfrm>
+        </p:spPr>
+        <p:txBody>
+          <a:bodyPr>
+            <a:normAutofit fontScale="90000"/>
+          </a:bodyPr>
+          <a:lstStyle/>
+          <a:p>
+            <a:r>
+              <a:rPr lang="en-US" altLang="zh-CN" sz="3000" dirty="0">
+                <a:sym typeface="+mn-ea"/>
+              </a:rPr>
+              <a:t>dubbo Api</a:t>
+            </a:r>
+            <a:r>
+              <a:rPr lang="zh-CN" altLang="en-US" sz="3000" dirty="0">
+                <a:sym typeface="+mn-ea"/>
+              </a:rPr>
+              <a:t>远程服务</a:t>
+            </a:r>
+            <a:r>
+              <a:rPr lang="en-US" altLang="zh-CN" sz="3000" dirty="0">
+                <a:sym typeface="+mn-ea"/>
+              </a:rPr>
+              <a:t>(Dubbo</a:t>
+            </a:r>
+            <a:r>
+              <a:rPr lang="en-US" altLang="zh-CN" sz="3000" dirty="0">
+                <a:sym typeface="+mn-ea"/>
+              </a:rPr>
+              <a:t>)</a:t>
+            </a:r>
+            <a:r>
+              <a:rPr lang="zh-CN" altLang="en-US" sz="3000" dirty="0">
+                <a:sym typeface="+mn-ea"/>
+              </a:rPr>
+              <a:t>引用</a:t>
+            </a:r>
+            <a:endParaRPr lang="zh-CN" altLang="en-US" sz="3000" dirty="0">
+              <a:sym typeface="+mn-ea"/>
             </a:endParaRPr>
           </a:p>
         </p:txBody>
@@ -11710,8 +12954,8 @@
         </p:blipFill>
         <p:spPr>
           <a:xfrm>
-            <a:off x="6427470" y="2223770"/>
-            <a:ext cx="5457825" cy="4333875"/>
+            <a:off x="1640840" y="1386840"/>
+            <a:ext cx="7856220" cy="5403215"/>
           </a:xfrm>
           <a:prstGeom prst="rect">
             <a:avLst/>
@@ -11726,7 +12970,7 @@
 </p:sld>
 </file>
 
-<file path=ppt/slides/slide4.xml><?xml version="1.0" encoding="utf-8"?>
+<file path=ppt/slides/slide19.xml><?xml version="1.0" encoding="utf-8"?>
 <p:sld xmlns:a="http://schemas.openxmlformats.org/drawingml/2006/main" xmlns:r="http://schemas.openxmlformats.org/officeDocument/2006/relationships" xmlns:p="http://schemas.openxmlformats.org/presentationml/2006/main">
   <p:cSld>
     <p:spTree>
@@ -11745,347 +12989,47 @@
       </p:grpSpPr>
       <p:sp>
         <p:nvSpPr>
-          <p:cNvPr id="4" name="标题 1"/>
+          <p:cNvPr id="2" name="标题 1"/>
           <p:cNvSpPr>
             <a:spLocks noGrp="1"/>
           </p:cNvSpPr>
-          <p:nvPr/>
+          <p:nvPr>
+            <p:ph type="title"/>
+          </p:nvPr>
         </p:nvSpPr>
         <p:spPr>
           <a:xfrm>
-            <a:off x="432095" y="560041"/>
-            <a:ext cx="8782438" cy="742235"/>
+            <a:off x="1769110" y="645160"/>
+            <a:ext cx="9894570" cy="627380"/>
           </a:xfrm>
-          <a:prstGeom prst="rect">
-            <a:avLst/>
-          </a:prstGeom>
         </p:spPr>
         <p:txBody>
-          <a:bodyPr vert="horz" lIns="91440" tIns="45720" rIns="91440" bIns="45720" rtlCol="0" anchor="t">
+          <a:bodyPr>
             <a:normAutofit fontScale="90000"/>
           </a:bodyPr>
-          <a:lstStyle>
-            <a:lvl1pPr algn="l" defTabSz="457200" rtl="0" eaLnBrk="1" latinLnBrk="0" hangingPunct="1">
-              <a:spcBef>
-                <a:spcPct val="0"/>
-              </a:spcBef>
-              <a:buNone/>
-              <a:defRPr sz="3600" kern="1200">
-                <a:solidFill>
-                  <a:schemeClr val="tx1">
-                    <a:lumMod val="85000"/>
-                    <a:lumOff val="15000"/>
-                  </a:schemeClr>
-                </a:solidFill>
-                <a:latin typeface="+mj-lt"/>
-                <a:ea typeface="+mj-ea"/>
-                <a:cs typeface="+mj-cs"/>
-              </a:defRPr>
-            </a:lvl1pPr>
-            <a:lvl2pPr eaLnBrk="1" hangingPunct="1">
-              <a:defRPr>
-                <a:solidFill>
-                  <a:schemeClr val="tx2"/>
-                </a:solidFill>
-              </a:defRPr>
-            </a:lvl2pPr>
-            <a:lvl3pPr eaLnBrk="1" hangingPunct="1">
-              <a:defRPr>
-                <a:solidFill>
-                  <a:schemeClr val="tx2"/>
-                </a:solidFill>
-              </a:defRPr>
-            </a:lvl3pPr>
-            <a:lvl4pPr eaLnBrk="1" hangingPunct="1">
-              <a:defRPr>
-                <a:solidFill>
-                  <a:schemeClr val="tx2"/>
-                </a:solidFill>
-              </a:defRPr>
-            </a:lvl4pPr>
-            <a:lvl5pPr eaLnBrk="1" hangingPunct="1">
-              <a:defRPr>
-                <a:solidFill>
-                  <a:schemeClr val="tx2"/>
-                </a:solidFill>
-              </a:defRPr>
-            </a:lvl5pPr>
-            <a:lvl6pPr eaLnBrk="1" hangingPunct="1">
-              <a:defRPr>
-                <a:solidFill>
-                  <a:schemeClr val="tx2"/>
-                </a:solidFill>
-              </a:defRPr>
-            </a:lvl6pPr>
-            <a:lvl7pPr eaLnBrk="1" hangingPunct="1">
-              <a:defRPr>
-                <a:solidFill>
-                  <a:schemeClr val="tx2"/>
-                </a:solidFill>
-              </a:defRPr>
-            </a:lvl7pPr>
-            <a:lvl8pPr eaLnBrk="1" hangingPunct="1">
-              <a:defRPr>
-                <a:solidFill>
-                  <a:schemeClr val="tx2"/>
-                </a:solidFill>
-              </a:defRPr>
-            </a:lvl8pPr>
-            <a:lvl9pPr eaLnBrk="1" hangingPunct="1">
-              <a:defRPr>
-                <a:solidFill>
-                  <a:schemeClr val="tx2"/>
-                </a:solidFill>
-              </a:defRPr>
-            </a:lvl9pPr>
-          </a:lstStyle>
-          <a:p>
-            <a:r>
-              <a:rPr lang="en-US" dirty="0">
+          <a:lstStyle/>
+          <a:p>
+            <a:r>
+              <a:rPr lang="en-US" altLang="zh-CN" sz="3000" dirty="0">
                 <a:sym typeface="+mn-ea"/>
               </a:rPr>
-              <a:t>dubbo config</a:t>
-            </a:r>
-            <a:r>
-              <a:rPr lang="zh-CN" altLang="en-US" dirty="0">
+              <a:t>dubbo Api</a:t>
+            </a:r>
+            <a:r>
+              <a:rPr lang="zh-CN" altLang="en-US" sz="3000" dirty="0">
                 <a:sym typeface="+mn-ea"/>
               </a:rPr>
-              <a:t>类继承关系图</a:t>
-            </a:r>
-            <a:endParaRPr lang="zh-CN" altLang="en-US" dirty="0"/>
-          </a:p>
-          <a:p>
-            <a:endParaRPr lang="zh-CN" altLang="en-US" dirty="0"/>
-          </a:p>
-        </p:txBody>
-      </p:sp>
-      <p:sp>
-        <p:nvSpPr>
-          <p:cNvPr id="3" name="标题 1"/>
-          <p:cNvSpPr>
-            <a:spLocks noGrp="1"/>
-          </p:cNvSpPr>
-          <p:nvPr/>
-        </p:nvSpPr>
-        <p:spPr>
-          <a:xfrm>
-            <a:off x="9214485" y="2258060"/>
-            <a:ext cx="2825750" cy="2703195"/>
-          </a:xfrm>
-          <a:prstGeom prst="rect">
-            <a:avLst/>
-          </a:prstGeom>
-        </p:spPr>
-        <p:txBody>
-          <a:bodyPr vert="horz" lIns="91440" tIns="45720" rIns="91440" bIns="45720" rtlCol="0" anchor="b">
-            <a:normAutofit/>
-          </a:bodyPr>
-          <a:lstStyle>
-            <a:lvl1pPr algn="l" defTabSz="457200" rtl="0" eaLnBrk="1" latinLnBrk="0" hangingPunct="1">
-              <a:spcBef>
-                <a:spcPct val="0"/>
-              </a:spcBef>
-              <a:buNone/>
-              <a:defRPr sz="5400" kern="1200">
-                <a:solidFill>
-                  <a:schemeClr val="tx1">
-                    <a:lumMod val="85000"/>
-                    <a:lumOff val="15000"/>
-                  </a:schemeClr>
-                </a:solidFill>
-                <a:latin typeface="+mj-lt"/>
-                <a:ea typeface="+mj-ea"/>
-                <a:cs typeface="+mj-cs"/>
-              </a:defRPr>
-            </a:lvl1pPr>
-            <a:lvl2pPr eaLnBrk="1" hangingPunct="1">
-              <a:defRPr>
-                <a:solidFill>
-                  <a:schemeClr val="tx2"/>
-                </a:solidFill>
-              </a:defRPr>
-            </a:lvl2pPr>
-            <a:lvl3pPr eaLnBrk="1" hangingPunct="1">
-              <a:defRPr>
-                <a:solidFill>
-                  <a:schemeClr val="tx2"/>
-                </a:solidFill>
-              </a:defRPr>
-            </a:lvl3pPr>
-            <a:lvl4pPr eaLnBrk="1" hangingPunct="1">
-              <a:defRPr>
-                <a:solidFill>
-                  <a:schemeClr val="tx2"/>
-                </a:solidFill>
-              </a:defRPr>
-            </a:lvl4pPr>
-            <a:lvl5pPr eaLnBrk="1" hangingPunct="1">
-              <a:defRPr>
-                <a:solidFill>
-                  <a:schemeClr val="tx2"/>
-                </a:solidFill>
-              </a:defRPr>
-            </a:lvl5pPr>
-            <a:lvl6pPr eaLnBrk="1" hangingPunct="1">
-              <a:defRPr>
-                <a:solidFill>
-                  <a:schemeClr val="tx2"/>
-                </a:solidFill>
-              </a:defRPr>
-            </a:lvl6pPr>
-            <a:lvl7pPr eaLnBrk="1" hangingPunct="1">
-              <a:defRPr>
-                <a:solidFill>
-                  <a:schemeClr val="tx2"/>
-                </a:solidFill>
-              </a:defRPr>
-            </a:lvl7pPr>
-            <a:lvl8pPr eaLnBrk="1" hangingPunct="1">
-              <a:defRPr>
-                <a:solidFill>
-                  <a:schemeClr val="tx2"/>
-                </a:solidFill>
-              </a:defRPr>
-            </a:lvl8pPr>
-            <a:lvl9pPr eaLnBrk="1" hangingPunct="1">
-              <a:defRPr>
-                <a:solidFill>
-                  <a:schemeClr val="tx2"/>
-                </a:solidFill>
-              </a:defRPr>
-            </a:lvl9pPr>
-          </a:lstStyle>
-          <a:p>
-            <a:pPr algn="l"/>
-            <a:r>
-              <a:rPr lang="en-US" sz="1800" dirty="0">
-                <a:solidFill>
-                  <a:schemeClr val="tx1">
-                    <a:lumMod val="65000"/>
-                    <a:lumOff val="35000"/>
-                  </a:schemeClr>
-                </a:solidFill>
-                <a:latin typeface="+mn-lt"/>
-                <a:ea typeface="+mn-ea"/>
-                <a:cs typeface="+mn-cs"/>
-              </a:rPr>
-              <a:t>1. </a:t>
-            </a:r>
-            <a:r>
-              <a:rPr sz="1800" dirty="0">
-                <a:solidFill>
-                  <a:schemeClr val="tx1">
-                    <a:lumMod val="65000"/>
-                    <a:lumOff val="35000"/>
-                  </a:schemeClr>
-                </a:solidFill>
-                <a:latin typeface="+mn-lt"/>
-                <a:ea typeface="+mn-ea"/>
-                <a:cs typeface="+mn-cs"/>
-              </a:rPr>
-              <a:t>红勾部分，application-shared</a:t>
-            </a:r>
-            <a:endParaRPr sz="1800" dirty="0">
-              <a:solidFill>
-                <a:schemeClr val="tx1">
-                  <a:lumMod val="65000"/>
-                  <a:lumOff val="35000"/>
-                </a:schemeClr>
-              </a:solidFill>
-              <a:latin typeface="+mn-lt"/>
-              <a:ea typeface="+mn-ea"/>
-              <a:cs typeface="+mn-cs"/>
-            </a:endParaRPr>
-          </a:p>
-          <a:p>
-            <a:pPr algn="l"/>
-            <a:r>
-              <a:rPr lang="en-US" sz="1800" dirty="0">
-                <a:solidFill>
-                  <a:schemeClr val="tx1">
-                    <a:lumMod val="65000"/>
-                    <a:lumOff val="35000"/>
-                  </a:schemeClr>
-                </a:solidFill>
-                <a:latin typeface="+mn-lt"/>
-                <a:ea typeface="+mn-ea"/>
-                <a:cs typeface="+mn-cs"/>
-              </a:rPr>
-              <a:t>2. 黄框部分，provider-side</a:t>
-            </a:r>
-            <a:endParaRPr lang="en-US" sz="1800" dirty="0">
-              <a:solidFill>
-                <a:schemeClr val="tx1">
-                  <a:lumMod val="65000"/>
-                  <a:lumOff val="35000"/>
-                </a:schemeClr>
-              </a:solidFill>
-              <a:latin typeface="+mn-lt"/>
-              <a:ea typeface="+mn-ea"/>
-              <a:cs typeface="+mn-cs"/>
-            </a:endParaRPr>
-          </a:p>
-          <a:p>
-            <a:pPr algn="l"/>
-            <a:r>
-              <a:rPr lang="en-US" sz="1800" dirty="0">
-                <a:solidFill>
-                  <a:schemeClr val="tx1">
-                    <a:lumMod val="65000"/>
-                    <a:lumOff val="35000"/>
-                  </a:schemeClr>
-                </a:solidFill>
-                <a:latin typeface="+mn-lt"/>
-                <a:ea typeface="+mn-ea"/>
-                <a:cs typeface="+mn-cs"/>
-              </a:rPr>
-              <a:t>3.红框部分，consumer-side</a:t>
-            </a:r>
-            <a:endParaRPr lang="en-US" sz="1800" dirty="0">
-              <a:solidFill>
-                <a:schemeClr val="tx1">
-                  <a:lumMod val="65000"/>
-                  <a:lumOff val="35000"/>
-                </a:schemeClr>
-              </a:solidFill>
-              <a:latin typeface="+mn-lt"/>
-              <a:ea typeface="+mn-ea"/>
-              <a:cs typeface="+mn-cs"/>
-            </a:endParaRPr>
-          </a:p>
-          <a:p>
-            <a:pPr algn="l"/>
-            <a:r>
-              <a:rPr lang="en-US" sz="1800" dirty="0">
-                <a:solidFill>
-                  <a:schemeClr val="tx1">
-                    <a:lumMod val="65000"/>
-                    <a:lumOff val="35000"/>
-                  </a:schemeClr>
-                </a:solidFill>
-                <a:latin typeface="+mn-lt"/>
-                <a:ea typeface="+mn-ea"/>
-                <a:cs typeface="+mn-cs"/>
-              </a:rPr>
-              <a:t>4. 其他部分，sub-config</a:t>
-            </a:r>
-            <a:endParaRPr lang="en-US" sz="1800" dirty="0">
-              <a:solidFill>
-                <a:schemeClr val="tx1">
-                  <a:lumMod val="65000"/>
-                  <a:lumOff val="35000"/>
-                </a:schemeClr>
-              </a:solidFill>
-              <a:latin typeface="+mn-lt"/>
-              <a:ea typeface="+mn-ea"/>
-              <a:cs typeface="+mn-cs"/>
+              <a:t>服务引用调用链路流程图</a:t>
+            </a:r>
+            <a:endParaRPr lang="zh-CN" altLang="en-US" sz="3000" dirty="0">
+              <a:sym typeface="+mn-ea"/>
             </a:endParaRPr>
           </a:p>
         </p:txBody>
       </p:sp>
       <p:pic>
         <p:nvPicPr>
-          <p:cNvPr id="6" name="图片 5"/>
+          <p:cNvPr id="4" name="图片 3"/>
           <p:cNvPicPr>
             <a:picLocks noChangeAspect="1"/>
           </p:cNvPicPr>
@@ -12099,8 +13043,8 @@
         </p:blipFill>
         <p:spPr>
           <a:xfrm>
-            <a:off x="594995" y="1446530"/>
-            <a:ext cx="8456295" cy="4801870"/>
+            <a:off x="1504315" y="1272540"/>
+            <a:ext cx="9183370" cy="5372100"/>
           </a:xfrm>
           <a:prstGeom prst="rect">
             <a:avLst/>
@@ -12115,7 +13059,7 @@
 </p:sld>
 </file>
 
-<file path=ppt/slides/slide5.xml><?xml version="1.0" encoding="utf-8"?>
+<file path=ppt/slides/slide2.xml><?xml version="1.0" encoding="utf-8"?>
 <p:sld xmlns:a="http://schemas.openxmlformats.org/drawingml/2006/main" xmlns:r="http://schemas.openxmlformats.org/officeDocument/2006/relationships" xmlns:p="http://schemas.openxmlformats.org/presentationml/2006/main">
   <p:cSld>
     <p:spTree>
@@ -12256,7 +13200,7 @@
         </p:nvGrpSpPr>
         <p:grpSpPr>
           <a:xfrm>
-            <a:off x="2332996" y="3688873"/>
+            <a:off x="2062486" y="2721768"/>
             <a:ext cx="398354" cy="584773"/>
             <a:chOff x="0" y="-68864"/>
             <a:chExt cx="398353" cy="584772"/>
@@ -12354,7 +13298,7 @@
         </p:nvGrpSpPr>
         <p:grpSpPr>
           <a:xfrm>
-            <a:off x="2346331" y="2546082"/>
+            <a:off x="2075821" y="1578977"/>
             <a:ext cx="398354" cy="584773"/>
             <a:chOff x="0" y="-68864"/>
             <a:chExt cx="398353" cy="584772"/>
@@ -12452,7 +13396,7 @@
         </p:nvSpPr>
         <p:spPr>
           <a:xfrm>
-            <a:off x="2976423" y="2603104"/>
+            <a:off x="2705913" y="1635999"/>
             <a:ext cx="2541270" cy="460375"/>
           </a:xfrm>
           <a:prstGeom prst="rect">
@@ -12465,10 +13409,6 @@
         <p:txBody>
           <a:bodyPr wrap="none" lIns="45719" rIns="45719">
             <a:spAutoFit/>
-            <a:scene3d>
-              <a:camera prst="orthographicFront"/>
-              <a:lightRig rig="threePt" dir="t"/>
-            </a:scene3d>
           </a:bodyPr>
           <a:lstStyle/>
           <a:p>
@@ -12481,15 +13421,14 @@
             </a:pPr>
             <a:r>
               <a:rPr lang="en-US" altLang="zh-CN" sz="2400" b="1" dirty="0" smtClean="0">
-                <a:ln/>
-                <a:solidFill>
-                  <a:schemeClr val="tx1"/>
+                <a:solidFill>
+                  <a:schemeClr val="accent1"/>
                 </a:solidFill>
                 <a:effectLst>
-                  <a:outerShdw blurRad="38100" dist="19050" dir="2700000" algn="tl" rotWithShape="0">
-                    <a:schemeClr val="dk1">
-                      <a:alpha val="40000"/>
-                    </a:schemeClr>
+                  <a:outerShdw blurRad="38100" dist="25400" dir="5400000" algn="ctr" rotWithShape="0">
+                    <a:srgbClr val="6E747A">
+                      <a:alpha val="43000"/>
+                    </a:srgbClr>
                   </a:outerShdw>
                 </a:effectLst>
                 <a:latin typeface="微软雅黑" panose="020B0503020204020204" charset="-122"/>
@@ -12501,15 +13440,14 @@
             </a:r>
             <a:r>
               <a:rPr lang="zh-CN" altLang="en-US" sz="2400" b="1" dirty="0" smtClean="0">
-                <a:ln/>
-                <a:solidFill>
-                  <a:schemeClr val="tx1"/>
+                <a:solidFill>
+                  <a:schemeClr val="accent1"/>
                 </a:solidFill>
                 <a:effectLst>
-                  <a:outerShdw blurRad="38100" dist="19050" dir="2700000" algn="tl" rotWithShape="0">
-                    <a:schemeClr val="dk1">
-                      <a:alpha val="40000"/>
-                    </a:schemeClr>
+                  <a:outerShdw blurRad="38100" dist="25400" dir="5400000" algn="ctr" rotWithShape="0">
+                    <a:srgbClr val="6E747A">
+                      <a:alpha val="43000"/>
+                    </a:srgbClr>
                   </a:outerShdw>
                 </a:effectLst>
                 <a:latin typeface="微软雅黑" panose="020B0503020204020204" charset="-122"/>
@@ -12520,15 +13458,14 @@
               <a:t>基本知识</a:t>
             </a:r>
             <a:endParaRPr lang="zh-CN" altLang="en-US" sz="2400" b="1" dirty="0" smtClean="0">
-              <a:ln/>
               <a:solidFill>
-                <a:schemeClr val="tx1"/>
+                <a:schemeClr val="accent1"/>
               </a:solidFill>
               <a:effectLst>
-                <a:outerShdw blurRad="38100" dist="19050" dir="2700000" algn="tl" rotWithShape="0">
-                  <a:schemeClr val="dk1">
-                    <a:alpha val="40000"/>
-                  </a:schemeClr>
+                <a:outerShdw blurRad="38100" dist="25400" dir="5400000" algn="ctr" rotWithShape="0">
+                  <a:srgbClr val="6E747A">
+                    <a:alpha val="43000"/>
+                  </a:srgbClr>
                 </a:outerShdw>
               </a:effectLst>
               <a:latin typeface="微软雅黑" panose="020B0503020204020204" charset="-122"/>
@@ -12547,7 +13484,7 @@
         </p:nvSpPr>
         <p:spPr>
           <a:xfrm>
-            <a:off x="2976423" y="3750424"/>
+            <a:off x="2705913" y="2783319"/>
             <a:ext cx="3973195" cy="460375"/>
           </a:xfrm>
           <a:prstGeom prst="rect">
@@ -12576,15 +13513,14 @@
             </a:pPr>
             <a:r>
               <a:rPr lang="en-US" altLang="zh-CN" sz="2400" b="1" dirty="0" smtClean="0">
-                <a:ln/>
-                <a:solidFill>
-                  <a:schemeClr val="accent1"/>
+                <a:solidFill>
+                  <a:schemeClr val="tx1"/>
                 </a:solidFill>
                 <a:effectLst>
-                  <a:outerShdw blurRad="38100" dist="25400" dir="5400000" algn="ctr" rotWithShape="0">
-                    <a:srgbClr val="6E747A">
-                      <a:alpha val="43000"/>
-                    </a:srgbClr>
+                  <a:outerShdw blurRad="38100" dist="19050" dir="2700000" algn="tl" rotWithShape="0">
+                    <a:schemeClr val="dk1">
+                      <a:alpha val="40000"/>
+                    </a:schemeClr>
                   </a:outerShdw>
                 </a:effectLst>
                 <a:latin typeface="微软雅黑" panose="020B0503020204020204" charset="-122"/>
@@ -12596,15 +13532,14 @@
             </a:r>
             <a:r>
               <a:rPr lang="zh-CN" altLang="en-US" sz="2400" b="1" dirty="0" smtClean="0">
-                <a:ln/>
-                <a:solidFill>
-                  <a:schemeClr val="accent1"/>
+                <a:solidFill>
+                  <a:schemeClr val="tx1"/>
                 </a:solidFill>
                 <a:effectLst>
-                  <a:outerShdw blurRad="38100" dist="25400" dir="5400000" algn="ctr" rotWithShape="0">
-                    <a:srgbClr val="6E747A">
-                      <a:alpha val="43000"/>
-                    </a:srgbClr>
+                  <a:outerShdw blurRad="38100" dist="19050" dir="2700000" algn="tl" rotWithShape="0">
+                    <a:schemeClr val="dk1">
+                      <a:alpha val="40000"/>
+                    </a:schemeClr>
                   </a:outerShdw>
                 </a:effectLst>
                 <a:latin typeface="微软雅黑" panose="020B0503020204020204" charset="-122"/>
@@ -12612,18 +13547,36 @@
                 <a:cs typeface="微软雅黑" panose="020B0503020204020204" charset="-122"/>
                 <a:sym typeface="微软雅黑" panose="020B0503020204020204" charset="-122"/>
               </a:rPr>
-              <a:t>服务提供者暴露</a:t>
+              <a:t>服务提供者</a:t>
+            </a:r>
+            <a:r>
+              <a:rPr lang="zh-CN" altLang="en-US" sz="2400" b="1" dirty="0" smtClean="0">
+                <a:solidFill>
+                  <a:schemeClr val="tx1"/>
+                </a:solidFill>
+                <a:effectLst>
+                  <a:outerShdw blurRad="38100" dist="19050" dir="2700000" algn="tl" rotWithShape="0">
+                    <a:schemeClr val="dk1">
+                      <a:alpha val="40000"/>
+                    </a:schemeClr>
+                  </a:outerShdw>
+                </a:effectLst>
+                <a:latin typeface="微软雅黑" panose="020B0503020204020204" charset="-122"/>
+                <a:ea typeface="微软雅黑" panose="020B0503020204020204" charset="-122"/>
+                <a:cs typeface="微软雅黑" panose="020B0503020204020204" charset="-122"/>
+                <a:sym typeface="微软雅黑" panose="020B0503020204020204" charset="-122"/>
+              </a:rPr>
+              <a:t>暴露</a:t>
             </a:r>
             <a:endParaRPr lang="zh-CN" altLang="en-US" sz="2400" b="1" dirty="0" smtClean="0">
-              <a:ln/>
               <a:solidFill>
-                <a:schemeClr val="accent1"/>
+                <a:schemeClr val="tx1"/>
               </a:solidFill>
               <a:effectLst>
-                <a:outerShdw blurRad="38100" dist="25400" dir="5400000" algn="ctr" rotWithShape="0">
-                  <a:srgbClr val="6E747A">
-                    <a:alpha val="43000"/>
-                  </a:srgbClr>
+                <a:outerShdw blurRad="38100" dist="19050" dir="2700000" algn="tl" rotWithShape="0">
+                  <a:schemeClr val="dk1">
+                    <a:alpha val="40000"/>
+                  </a:schemeClr>
                 </a:outerShdw>
               </a:effectLst>
               <a:latin typeface="微软雅黑" panose="020B0503020204020204" charset="-122"/>
@@ -12642,7 +13595,7 @@
         </p:nvSpPr>
         <p:spPr>
           <a:xfrm>
-            <a:off x="2976423" y="4917554"/>
+            <a:off x="2705913" y="3950449"/>
             <a:ext cx="3973195" cy="460375"/>
           </a:xfrm>
           <a:prstGeom prst="rect">
@@ -12752,7 +13705,7 @@
         </p:nvGrpSpPr>
         <p:grpSpPr>
           <a:xfrm>
-            <a:off x="2346331" y="4794377"/>
+            <a:off x="2075821" y="3827272"/>
             <a:ext cx="398354" cy="582295"/>
             <a:chOff x="0" y="-67625"/>
             <a:chExt cx="398353" cy="582294"/>
@@ -12836,6 +13789,2044 @@
               <a:r>
                 <a:rPr lang="en-US" sz="3200" b="1"/>
                 <a:t>3</a:t>
+              </a:r>
+              <a:endParaRPr lang="en-US" sz="3200" b="1"/>
+            </a:p>
+          </p:txBody>
+        </p:sp>
+      </p:grpSp>
+      <p:sp>
+        <p:nvSpPr>
+          <p:cNvPr id="18" name="文本框 27"/>
+          <p:cNvSpPr txBox="1"/>
+          <p:nvPr/>
+        </p:nvSpPr>
+        <p:spPr>
+          <a:xfrm>
+            <a:off x="2705913" y="5001374"/>
+            <a:ext cx="3058795" cy="460375"/>
+          </a:xfrm>
+          <a:prstGeom prst="rect">
+            <a:avLst/>
+          </a:prstGeom>
+          <a:ln w="12700">
+            <a:miter lim="400000"/>
+          </a:ln>
+        </p:spPr>
+        <p:txBody>
+          <a:bodyPr wrap="none" lIns="45719" rIns="45719">
+            <a:spAutoFit/>
+            <a:scene3d>
+              <a:camera prst="orthographicFront"/>
+              <a:lightRig rig="threePt" dir="t"/>
+            </a:scene3d>
+          </a:bodyPr>
+          <a:p>
+            <a:pPr>
+              <a:defRPr>
+                <a:solidFill>
+                  <a:srgbClr val="2E8FD4"/>
+                </a:solidFill>
+              </a:defRPr>
+            </a:pPr>
+            <a:r>
+              <a:rPr lang="en-US" altLang="zh-CN" sz="2400" b="1" dirty="0" smtClean="0">
+                <a:solidFill>
+                  <a:schemeClr val="tx1"/>
+                </a:solidFill>
+                <a:effectLst>
+                  <a:outerShdw blurRad="38100" dist="19050" dir="2700000" algn="tl" rotWithShape="0">
+                    <a:schemeClr val="dk1">
+                      <a:alpha val="40000"/>
+                    </a:schemeClr>
+                  </a:outerShdw>
+                </a:effectLst>
+                <a:latin typeface="微软雅黑" panose="020B0503020204020204" charset="-122"/>
+                <a:ea typeface="微软雅黑" panose="020B0503020204020204" charset="-122"/>
+                <a:cs typeface="微软雅黑" panose="020B0503020204020204" charset="-122"/>
+                <a:sym typeface="微软雅黑" panose="020B0503020204020204" charset="-122"/>
+              </a:rPr>
+              <a:t>Dubbo Api </a:t>
+            </a:r>
+            <a:r>
+              <a:rPr lang="zh-CN" altLang="en-US" sz="2400" b="1" dirty="0" smtClean="0">
+                <a:solidFill>
+                  <a:schemeClr val="tx1"/>
+                </a:solidFill>
+                <a:effectLst>
+                  <a:outerShdw blurRad="38100" dist="19050" dir="2700000" algn="tl" rotWithShape="0">
+                    <a:schemeClr val="dk1">
+                      <a:alpha val="40000"/>
+                    </a:schemeClr>
+                  </a:outerShdw>
+                </a:effectLst>
+                <a:latin typeface="微软雅黑" panose="020B0503020204020204" charset="-122"/>
+                <a:ea typeface="微软雅黑" panose="020B0503020204020204" charset="-122"/>
+                <a:cs typeface="微软雅黑" panose="020B0503020204020204" charset="-122"/>
+                <a:sym typeface="微软雅黑" panose="020B0503020204020204" charset="-122"/>
+              </a:rPr>
+              <a:t>服务引用</a:t>
+            </a:r>
+            <a:endParaRPr lang="zh-CN" altLang="en-US" sz="2400" b="1" dirty="0" smtClean="0">
+              <a:solidFill>
+                <a:schemeClr val="tx1"/>
+              </a:solidFill>
+              <a:effectLst>
+                <a:outerShdw blurRad="38100" dist="19050" dir="2700000" algn="tl" rotWithShape="0">
+                  <a:schemeClr val="dk1">
+                    <a:alpha val="40000"/>
+                  </a:schemeClr>
+                </a:outerShdw>
+              </a:effectLst>
+              <a:latin typeface="微软雅黑" panose="020B0503020204020204" charset="-122"/>
+              <a:ea typeface="微软雅黑" panose="020B0503020204020204" charset="-122"/>
+              <a:cs typeface="微软雅黑" panose="020B0503020204020204" charset="-122"/>
+              <a:sym typeface="微软雅黑" panose="020B0503020204020204" charset="-122"/>
+            </a:endParaRPr>
+          </a:p>
+        </p:txBody>
+      </p:sp>
+      <p:grpSp>
+        <p:nvGrpSpPr>
+          <p:cNvPr id="19" name="椭圆 15"/>
+          <p:cNvGrpSpPr/>
+          <p:nvPr/>
+        </p:nvGrpSpPr>
+        <p:grpSpPr>
+          <a:xfrm>
+            <a:off x="2075821" y="4878197"/>
+            <a:ext cx="398354" cy="582295"/>
+            <a:chOff x="0" y="-67625"/>
+            <a:chExt cx="398353" cy="582294"/>
+          </a:xfrm>
+        </p:grpSpPr>
+        <p:sp>
+          <p:nvSpPr>
+            <p:cNvPr id="20" name="圆形"/>
+            <p:cNvSpPr/>
+            <p:nvPr/>
+          </p:nvSpPr>
+          <p:spPr>
+            <a:xfrm>
+              <a:off x="0" y="24343"/>
+              <a:ext cx="398353" cy="398354"/>
+            </a:xfrm>
+            <a:prstGeom prst="ellipse">
+              <a:avLst/>
+            </a:prstGeom>
+            <a:solidFill>
+              <a:srgbClr val="2E8FD4"/>
+            </a:solidFill>
+            <a:ln w="12700" cap="flat">
+              <a:noFill/>
+              <a:miter lim="400000"/>
+            </a:ln>
+            <a:effectLst/>
+          </p:spPr>
+          <p:txBody>
+            <a:bodyPr wrap="square" lIns="45719" tIns="45719" rIns="45719" bIns="45719" numCol="1" anchor="ctr">
+              <a:noAutofit/>
+            </a:bodyPr>
+            <a:lstStyle/>
+            <a:p>
+              <a:pPr algn="ctr">
+                <a:defRPr sz="2400">
+                  <a:solidFill>
+                    <a:srgbClr val="FFFFFF"/>
+                  </a:solidFill>
+                </a:defRPr>
+              </a:pPr>
+              <a:endParaRPr sz="3200" b="1"/>
+            </a:p>
+          </p:txBody>
+        </p:sp>
+        <p:sp>
+          <p:nvSpPr>
+            <p:cNvPr id="21" name="2"/>
+            <p:cNvSpPr txBox="1"/>
+            <p:nvPr/>
+          </p:nvSpPr>
+          <p:spPr>
+            <a:xfrm>
+              <a:off x="58337" y="-67625"/>
+              <a:ext cx="281679" cy="582294"/>
+            </a:xfrm>
+            <a:prstGeom prst="rect">
+              <a:avLst/>
+            </a:prstGeom>
+            <a:noFill/>
+            <a:ln w="12700" cap="flat">
+              <a:noFill/>
+              <a:miter lim="400000"/>
+            </a:ln>
+            <a:effectLst/>
+          </p:spPr>
+          <p:txBody>
+            <a:bodyPr wrap="square" lIns="45719" tIns="45719" rIns="45719" bIns="45719" numCol="1" anchor="ctr">
+              <a:spAutoFit/>
+            </a:bodyPr>
+            <a:lstStyle>
+              <a:lvl1pPr algn="ctr">
+                <a:defRPr sz="2400">
+                  <a:solidFill>
+                    <a:srgbClr val="FFFFFF"/>
+                  </a:solidFill>
+                </a:defRPr>
+              </a:lvl1pPr>
+            </a:lstStyle>
+            <a:p>
+              <a:r>
+                <a:rPr lang="en-US" sz="3200" b="1"/>
+                <a:t>4</a:t>
+              </a:r>
+              <a:endParaRPr lang="en-US" sz="3200" b="1"/>
+            </a:p>
+          </p:txBody>
+        </p:sp>
+      </p:grpSp>
+    </p:spTree>
+  </p:cSld>
+  <p:clrMapOvr>
+    <a:masterClrMapping/>
+  </p:clrMapOvr>
+</p:sld>
+</file>
+
+<file path=ppt/slides/slide3.xml><?xml version="1.0" encoding="utf-8"?>
+<p:sld xmlns:a="http://schemas.openxmlformats.org/drawingml/2006/main" xmlns:r="http://schemas.openxmlformats.org/officeDocument/2006/relationships" xmlns:p="http://schemas.openxmlformats.org/presentationml/2006/main">
+  <p:cSld>
+    <p:spTree>
+      <p:nvGrpSpPr>
+        <p:cNvPr id="1" name=""/>
+        <p:cNvGrpSpPr/>
+        <p:nvPr/>
+      </p:nvGrpSpPr>
+      <p:grpSpPr>
+        <a:xfrm>
+          <a:off x="0" y="0"/>
+          <a:ext cx="0" cy="0"/>
+          <a:chOff x="0" y="0"/>
+          <a:chExt cx="0" cy="0"/>
+        </a:xfrm>
+      </p:grpSpPr>
+      <p:sp>
+        <p:nvSpPr>
+          <p:cNvPr id="4" name="标题 1"/>
+          <p:cNvSpPr>
+            <a:spLocks noGrp="1"/>
+          </p:cNvSpPr>
+          <p:nvPr/>
+        </p:nvSpPr>
+        <p:spPr>
+          <a:xfrm>
+            <a:off x="1582080" y="619731"/>
+            <a:ext cx="8782438" cy="742235"/>
+          </a:xfrm>
+          <a:prstGeom prst="rect">
+            <a:avLst/>
+          </a:prstGeom>
+        </p:spPr>
+        <p:txBody>
+          <a:bodyPr vert="horz" lIns="91440" tIns="45720" rIns="91440" bIns="45720" rtlCol="0" anchor="t">
+            <a:normAutofit fontScale="90000"/>
+          </a:bodyPr>
+          <a:lstStyle>
+            <a:lvl1pPr algn="l" defTabSz="457200" rtl="0" eaLnBrk="1" latinLnBrk="0" hangingPunct="1">
+              <a:spcBef>
+                <a:spcPct val="0"/>
+              </a:spcBef>
+              <a:buNone/>
+              <a:defRPr sz="3600" kern="1200">
+                <a:solidFill>
+                  <a:schemeClr val="tx1">
+                    <a:lumMod val="85000"/>
+                    <a:lumOff val="15000"/>
+                  </a:schemeClr>
+                </a:solidFill>
+                <a:latin typeface="+mj-lt"/>
+                <a:ea typeface="+mj-ea"/>
+                <a:cs typeface="+mj-cs"/>
+              </a:defRPr>
+            </a:lvl1pPr>
+            <a:lvl2pPr eaLnBrk="1" hangingPunct="1">
+              <a:defRPr>
+                <a:solidFill>
+                  <a:schemeClr val="tx2"/>
+                </a:solidFill>
+              </a:defRPr>
+            </a:lvl2pPr>
+            <a:lvl3pPr eaLnBrk="1" hangingPunct="1">
+              <a:defRPr>
+                <a:solidFill>
+                  <a:schemeClr val="tx2"/>
+                </a:solidFill>
+              </a:defRPr>
+            </a:lvl3pPr>
+            <a:lvl4pPr eaLnBrk="1" hangingPunct="1">
+              <a:defRPr>
+                <a:solidFill>
+                  <a:schemeClr val="tx2"/>
+                </a:solidFill>
+              </a:defRPr>
+            </a:lvl4pPr>
+            <a:lvl5pPr eaLnBrk="1" hangingPunct="1">
+              <a:defRPr>
+                <a:solidFill>
+                  <a:schemeClr val="tx2"/>
+                </a:solidFill>
+              </a:defRPr>
+            </a:lvl5pPr>
+            <a:lvl6pPr eaLnBrk="1" hangingPunct="1">
+              <a:defRPr>
+                <a:solidFill>
+                  <a:schemeClr val="tx2"/>
+                </a:solidFill>
+              </a:defRPr>
+            </a:lvl6pPr>
+            <a:lvl7pPr eaLnBrk="1" hangingPunct="1">
+              <a:defRPr>
+                <a:solidFill>
+                  <a:schemeClr val="tx2"/>
+                </a:solidFill>
+              </a:defRPr>
+            </a:lvl7pPr>
+            <a:lvl8pPr eaLnBrk="1" hangingPunct="1">
+              <a:defRPr>
+                <a:solidFill>
+                  <a:schemeClr val="tx2"/>
+                </a:solidFill>
+              </a:defRPr>
+            </a:lvl8pPr>
+            <a:lvl9pPr eaLnBrk="1" hangingPunct="1">
+              <a:defRPr>
+                <a:solidFill>
+                  <a:schemeClr val="tx2"/>
+                </a:solidFill>
+              </a:defRPr>
+            </a:lvl9pPr>
+          </a:lstStyle>
+          <a:p>
+            <a:r>
+              <a:rPr lang="en-US" altLang="zh-CN" dirty="0"/>
+              <a:t>Dubbo Api</a:t>
+            </a:r>
+            <a:r>
+              <a:rPr lang="zh-CN" altLang="en-US" dirty="0"/>
+              <a:t>配置分类</a:t>
+            </a:r>
+            <a:endParaRPr lang="zh-CN" altLang="en-US" dirty="0"/>
+          </a:p>
+        </p:txBody>
+      </p:sp>
+      <p:sp>
+        <p:nvSpPr>
+          <p:cNvPr id="2" name="标题 1"/>
+          <p:cNvSpPr>
+            <a:spLocks noGrp="1"/>
+          </p:cNvSpPr>
+          <p:nvPr/>
+        </p:nvSpPr>
+        <p:spPr>
+          <a:xfrm>
+            <a:off x="594995" y="1362075"/>
+            <a:ext cx="6508750" cy="2157095"/>
+          </a:xfrm>
+          <a:prstGeom prst="rect">
+            <a:avLst/>
+          </a:prstGeom>
+        </p:spPr>
+        <p:txBody>
+          <a:bodyPr vert="horz" lIns="91440" tIns="45720" rIns="91440" bIns="45720" rtlCol="0" anchor="b">
+            <a:normAutofit lnSpcReduction="20000"/>
+          </a:bodyPr>
+          <a:lstStyle>
+            <a:lvl1pPr algn="l" defTabSz="457200" rtl="0" eaLnBrk="1" latinLnBrk="0" hangingPunct="1">
+              <a:spcBef>
+                <a:spcPct val="0"/>
+              </a:spcBef>
+              <a:buNone/>
+              <a:defRPr sz="5400" kern="1200">
+                <a:solidFill>
+                  <a:schemeClr val="tx1">
+                    <a:lumMod val="85000"/>
+                    <a:lumOff val="15000"/>
+                  </a:schemeClr>
+                </a:solidFill>
+                <a:latin typeface="+mj-lt"/>
+                <a:ea typeface="+mj-ea"/>
+                <a:cs typeface="+mj-cs"/>
+              </a:defRPr>
+            </a:lvl1pPr>
+            <a:lvl2pPr eaLnBrk="1" hangingPunct="1">
+              <a:defRPr>
+                <a:solidFill>
+                  <a:schemeClr val="tx2"/>
+                </a:solidFill>
+              </a:defRPr>
+            </a:lvl2pPr>
+            <a:lvl3pPr eaLnBrk="1" hangingPunct="1">
+              <a:defRPr>
+                <a:solidFill>
+                  <a:schemeClr val="tx2"/>
+                </a:solidFill>
+              </a:defRPr>
+            </a:lvl3pPr>
+            <a:lvl4pPr eaLnBrk="1" hangingPunct="1">
+              <a:defRPr>
+                <a:solidFill>
+                  <a:schemeClr val="tx2"/>
+                </a:solidFill>
+              </a:defRPr>
+            </a:lvl4pPr>
+            <a:lvl5pPr eaLnBrk="1" hangingPunct="1">
+              <a:defRPr>
+                <a:solidFill>
+                  <a:schemeClr val="tx2"/>
+                </a:solidFill>
+              </a:defRPr>
+            </a:lvl5pPr>
+            <a:lvl6pPr eaLnBrk="1" hangingPunct="1">
+              <a:defRPr>
+                <a:solidFill>
+                  <a:schemeClr val="tx2"/>
+                </a:solidFill>
+              </a:defRPr>
+            </a:lvl6pPr>
+            <a:lvl7pPr eaLnBrk="1" hangingPunct="1">
+              <a:defRPr>
+                <a:solidFill>
+                  <a:schemeClr val="tx2"/>
+                </a:solidFill>
+              </a:defRPr>
+            </a:lvl7pPr>
+            <a:lvl8pPr eaLnBrk="1" hangingPunct="1">
+              <a:defRPr>
+                <a:solidFill>
+                  <a:schemeClr val="tx2"/>
+                </a:solidFill>
+              </a:defRPr>
+            </a:lvl8pPr>
+            <a:lvl9pPr eaLnBrk="1" hangingPunct="1">
+              <a:defRPr>
+                <a:solidFill>
+                  <a:schemeClr val="tx2"/>
+                </a:solidFill>
+              </a:defRPr>
+            </a:lvl9pPr>
+          </a:lstStyle>
+          <a:p>
+            <a:pPr lvl="0" algn="just"/>
+            <a:r>
+              <a:rPr lang="en-US" sz="1800" dirty="0">
+                <a:solidFill>
+                  <a:schemeClr val="tx1">
+                    <a:lumMod val="65000"/>
+                    <a:lumOff val="35000"/>
+                  </a:schemeClr>
+                </a:solidFill>
+                <a:latin typeface="+mn-lt"/>
+                <a:ea typeface="+mn-ea"/>
+                <a:cs typeface="+mn-cs"/>
+              </a:rPr>
+              <a:t>1. </a:t>
+            </a:r>
+            <a:r>
+              <a:rPr sz="1800" dirty="0">
+                <a:solidFill>
+                  <a:schemeClr val="tx1">
+                    <a:lumMod val="65000"/>
+                    <a:lumOff val="35000"/>
+                  </a:schemeClr>
+                </a:solidFill>
+                <a:latin typeface="+mn-lt"/>
+                <a:ea typeface="+mn-ea"/>
+                <a:cs typeface="+mn-cs"/>
+              </a:rPr>
+              <a:t>application-shared</a:t>
+            </a:r>
+            <a:endParaRPr sz="1800" dirty="0">
+              <a:solidFill>
+                <a:schemeClr val="tx1">
+                  <a:lumMod val="65000"/>
+                  <a:lumOff val="35000"/>
+                </a:schemeClr>
+              </a:solidFill>
+              <a:latin typeface="+mn-lt"/>
+              <a:ea typeface="+mn-ea"/>
+              <a:cs typeface="+mn-cs"/>
+            </a:endParaRPr>
+          </a:p>
+          <a:p>
+            <a:pPr lvl="0" algn="just"/>
+            <a:r>
+              <a:rPr lang="en-US" sz="1800" dirty="0">
+                <a:solidFill>
+                  <a:schemeClr val="tx1">
+                    <a:lumMod val="65000"/>
+                    <a:lumOff val="35000"/>
+                  </a:schemeClr>
+                </a:solidFill>
+                <a:latin typeface="+mn-lt"/>
+                <a:ea typeface="+mn-ea"/>
+                <a:cs typeface="+mn-cs"/>
+              </a:rPr>
+              <a:t>	ApplicationConfig, RegistryCondig, MonitorConfig</a:t>
+            </a:r>
+            <a:endParaRPr sz="1800" dirty="0">
+              <a:solidFill>
+                <a:schemeClr val="tx1">
+                  <a:lumMod val="65000"/>
+                  <a:lumOff val="35000"/>
+                </a:schemeClr>
+              </a:solidFill>
+              <a:latin typeface="+mn-lt"/>
+              <a:ea typeface="+mn-ea"/>
+              <a:cs typeface="+mn-cs"/>
+            </a:endParaRPr>
+          </a:p>
+          <a:p>
+            <a:pPr lvl="0" algn="just"/>
+            <a:r>
+              <a:rPr lang="en-US" sz="1800" dirty="0">
+                <a:solidFill>
+                  <a:schemeClr val="tx1">
+                    <a:lumMod val="65000"/>
+                    <a:lumOff val="35000"/>
+                  </a:schemeClr>
+                </a:solidFill>
+                <a:latin typeface="+mn-lt"/>
+                <a:ea typeface="+mn-ea"/>
+                <a:cs typeface="+mn-cs"/>
+              </a:rPr>
+              <a:t>2. </a:t>
+            </a:r>
+            <a:r>
+              <a:rPr sz="1800" dirty="0">
+                <a:solidFill>
+                  <a:schemeClr val="tx1">
+                    <a:lumMod val="65000"/>
+                    <a:lumOff val="35000"/>
+                  </a:schemeClr>
+                </a:solidFill>
+                <a:latin typeface="+mn-lt"/>
+                <a:ea typeface="+mn-ea"/>
+                <a:cs typeface="+mn-cs"/>
+              </a:rPr>
+              <a:t>provider-side</a:t>
+            </a:r>
+            <a:endParaRPr sz="1800" dirty="0">
+              <a:solidFill>
+                <a:schemeClr val="tx1">
+                  <a:lumMod val="65000"/>
+                  <a:lumOff val="35000"/>
+                </a:schemeClr>
+              </a:solidFill>
+              <a:latin typeface="+mn-lt"/>
+              <a:ea typeface="+mn-ea"/>
+              <a:cs typeface="+mn-cs"/>
+            </a:endParaRPr>
+          </a:p>
+          <a:p>
+            <a:pPr lvl="0" algn="just"/>
+            <a:r>
+              <a:rPr lang="en-US" sz="1800" dirty="0">
+                <a:solidFill>
+                  <a:schemeClr val="tx1">
+                    <a:lumMod val="65000"/>
+                    <a:lumOff val="35000"/>
+                  </a:schemeClr>
+                </a:solidFill>
+                <a:latin typeface="+mn-lt"/>
+                <a:ea typeface="+mn-ea"/>
+                <a:cs typeface="+mn-cs"/>
+              </a:rPr>
+              <a:t>	ProtocolConfig, ProviderConfig, ServiceConfig</a:t>
+            </a:r>
+            <a:endParaRPr sz="1800" dirty="0">
+              <a:solidFill>
+                <a:schemeClr val="tx1">
+                  <a:lumMod val="65000"/>
+                  <a:lumOff val="35000"/>
+                </a:schemeClr>
+              </a:solidFill>
+              <a:latin typeface="+mn-lt"/>
+              <a:ea typeface="+mn-ea"/>
+              <a:cs typeface="+mn-cs"/>
+            </a:endParaRPr>
+          </a:p>
+          <a:p>
+            <a:pPr lvl="0" algn="just"/>
+            <a:r>
+              <a:rPr lang="en-US" sz="1800" dirty="0">
+                <a:solidFill>
+                  <a:schemeClr val="tx1">
+                    <a:lumMod val="65000"/>
+                    <a:lumOff val="35000"/>
+                  </a:schemeClr>
+                </a:solidFill>
+                <a:latin typeface="+mn-lt"/>
+                <a:ea typeface="+mn-ea"/>
+                <a:cs typeface="+mn-cs"/>
+              </a:rPr>
+              <a:t>3. </a:t>
+            </a:r>
+            <a:r>
+              <a:rPr sz="1800" dirty="0">
+                <a:solidFill>
+                  <a:schemeClr val="tx1">
+                    <a:lumMod val="65000"/>
+                    <a:lumOff val="35000"/>
+                  </a:schemeClr>
+                </a:solidFill>
+                <a:latin typeface="+mn-lt"/>
+                <a:ea typeface="+mn-ea"/>
+                <a:cs typeface="+mn-cs"/>
+              </a:rPr>
+              <a:t>consumer-side</a:t>
+            </a:r>
+            <a:endParaRPr sz="1800" dirty="0">
+              <a:solidFill>
+                <a:schemeClr val="tx1">
+                  <a:lumMod val="65000"/>
+                  <a:lumOff val="35000"/>
+                </a:schemeClr>
+              </a:solidFill>
+              <a:latin typeface="+mn-lt"/>
+              <a:ea typeface="+mn-ea"/>
+              <a:cs typeface="+mn-cs"/>
+            </a:endParaRPr>
+          </a:p>
+          <a:p>
+            <a:pPr lvl="0" algn="just"/>
+            <a:r>
+              <a:rPr lang="en-US" sz="1800" dirty="0">
+                <a:solidFill>
+                  <a:schemeClr val="tx1">
+                    <a:lumMod val="65000"/>
+                    <a:lumOff val="35000"/>
+                  </a:schemeClr>
+                </a:solidFill>
+                <a:latin typeface="+mn-lt"/>
+                <a:ea typeface="+mn-ea"/>
+                <a:cs typeface="+mn-cs"/>
+              </a:rPr>
+              <a:t>	ConsumerConfig, ReferenceConfig</a:t>
+            </a:r>
+            <a:endParaRPr sz="1800" dirty="0">
+              <a:solidFill>
+                <a:schemeClr val="tx1">
+                  <a:lumMod val="65000"/>
+                  <a:lumOff val="35000"/>
+                </a:schemeClr>
+              </a:solidFill>
+              <a:latin typeface="+mn-lt"/>
+              <a:ea typeface="+mn-ea"/>
+              <a:cs typeface="+mn-cs"/>
+            </a:endParaRPr>
+          </a:p>
+          <a:p>
+            <a:pPr lvl="0" algn="just"/>
+            <a:r>
+              <a:rPr lang="en-US" sz="1800" dirty="0">
+                <a:solidFill>
+                  <a:schemeClr val="tx1">
+                    <a:lumMod val="65000"/>
+                    <a:lumOff val="35000"/>
+                  </a:schemeClr>
+                </a:solidFill>
+                <a:latin typeface="+mn-lt"/>
+                <a:ea typeface="+mn-ea"/>
+                <a:cs typeface="+mn-cs"/>
+              </a:rPr>
+              <a:t>4. </a:t>
+            </a:r>
+            <a:r>
+              <a:rPr sz="1800" dirty="0">
+                <a:solidFill>
+                  <a:schemeClr val="tx1">
+                    <a:lumMod val="65000"/>
+                    <a:lumOff val="35000"/>
+                  </a:schemeClr>
+                </a:solidFill>
+                <a:latin typeface="+mn-lt"/>
+                <a:ea typeface="+mn-ea"/>
+                <a:cs typeface="+mn-cs"/>
+              </a:rPr>
+              <a:t>sub-config</a:t>
+            </a:r>
+            <a:endParaRPr sz="1800" dirty="0">
+              <a:solidFill>
+                <a:schemeClr val="tx1">
+                  <a:lumMod val="65000"/>
+                  <a:lumOff val="35000"/>
+                </a:schemeClr>
+              </a:solidFill>
+              <a:latin typeface="+mn-lt"/>
+              <a:ea typeface="+mn-ea"/>
+              <a:cs typeface="+mn-cs"/>
+            </a:endParaRPr>
+          </a:p>
+          <a:p>
+            <a:pPr lvl="0" algn="just"/>
+            <a:r>
+              <a:rPr lang="en-US" sz="1800" dirty="0">
+                <a:solidFill>
+                  <a:schemeClr val="tx1">
+                    <a:lumMod val="65000"/>
+                    <a:lumOff val="35000"/>
+                  </a:schemeClr>
+                </a:solidFill>
+                <a:latin typeface="+mn-lt"/>
+                <a:ea typeface="+mn-ea"/>
+                <a:cs typeface="+mn-cs"/>
+              </a:rPr>
+              <a:t>	ArgumentConfig, MethodConfig</a:t>
+            </a:r>
+            <a:endParaRPr lang="en-US" sz="1800" dirty="0">
+              <a:solidFill>
+                <a:schemeClr val="tx1">
+                  <a:lumMod val="65000"/>
+                  <a:lumOff val="35000"/>
+                </a:schemeClr>
+              </a:solidFill>
+              <a:latin typeface="+mn-lt"/>
+              <a:ea typeface="+mn-ea"/>
+              <a:cs typeface="+mn-cs"/>
+            </a:endParaRPr>
+          </a:p>
+        </p:txBody>
+      </p:sp>
+      <p:pic>
+        <p:nvPicPr>
+          <p:cNvPr id="3" name="图片 2"/>
+          <p:cNvPicPr>
+            <a:picLocks noChangeAspect="1"/>
+          </p:cNvPicPr>
+          <p:nvPr/>
+        </p:nvPicPr>
+        <p:blipFill>
+          <a:blip r:embed="rId1"/>
+          <a:stretch>
+            <a:fillRect/>
+          </a:stretch>
+        </p:blipFill>
+        <p:spPr>
+          <a:xfrm>
+            <a:off x="6427470" y="2223770"/>
+            <a:ext cx="5457825" cy="4333875"/>
+          </a:xfrm>
+          <a:prstGeom prst="rect">
+            <a:avLst/>
+          </a:prstGeom>
+        </p:spPr>
+      </p:pic>
+    </p:spTree>
+  </p:cSld>
+  <p:clrMapOvr>
+    <a:masterClrMapping/>
+  </p:clrMapOvr>
+</p:sld>
+</file>
+
+<file path=ppt/slides/slide4.xml><?xml version="1.0" encoding="utf-8"?>
+<p:sld xmlns:a="http://schemas.openxmlformats.org/drawingml/2006/main" xmlns:r="http://schemas.openxmlformats.org/officeDocument/2006/relationships" xmlns:p="http://schemas.openxmlformats.org/presentationml/2006/main">
+  <p:cSld>
+    <p:spTree>
+      <p:nvGrpSpPr>
+        <p:cNvPr id="1" name=""/>
+        <p:cNvGrpSpPr/>
+        <p:nvPr/>
+      </p:nvGrpSpPr>
+      <p:grpSpPr>
+        <a:xfrm>
+          <a:off x="0" y="0"/>
+          <a:ext cx="0" cy="0"/>
+          <a:chOff x="0" y="0"/>
+          <a:chExt cx="0" cy="0"/>
+        </a:xfrm>
+      </p:grpSpPr>
+      <p:sp>
+        <p:nvSpPr>
+          <p:cNvPr id="4" name="标题 1"/>
+          <p:cNvSpPr>
+            <a:spLocks noGrp="1"/>
+          </p:cNvSpPr>
+          <p:nvPr/>
+        </p:nvSpPr>
+        <p:spPr>
+          <a:xfrm>
+            <a:off x="432095" y="560041"/>
+            <a:ext cx="8782438" cy="742235"/>
+          </a:xfrm>
+          <a:prstGeom prst="rect">
+            <a:avLst/>
+          </a:prstGeom>
+        </p:spPr>
+        <p:txBody>
+          <a:bodyPr vert="horz" lIns="91440" tIns="45720" rIns="91440" bIns="45720" rtlCol="0" anchor="t">
+            <a:normAutofit fontScale="90000"/>
+          </a:bodyPr>
+          <a:lstStyle>
+            <a:lvl1pPr algn="l" defTabSz="457200" rtl="0" eaLnBrk="1" latinLnBrk="0" hangingPunct="1">
+              <a:spcBef>
+                <a:spcPct val="0"/>
+              </a:spcBef>
+              <a:buNone/>
+              <a:defRPr sz="3600" kern="1200">
+                <a:solidFill>
+                  <a:schemeClr val="tx1">
+                    <a:lumMod val="85000"/>
+                    <a:lumOff val="15000"/>
+                  </a:schemeClr>
+                </a:solidFill>
+                <a:latin typeface="+mj-lt"/>
+                <a:ea typeface="+mj-ea"/>
+                <a:cs typeface="+mj-cs"/>
+              </a:defRPr>
+            </a:lvl1pPr>
+            <a:lvl2pPr eaLnBrk="1" hangingPunct="1">
+              <a:defRPr>
+                <a:solidFill>
+                  <a:schemeClr val="tx2"/>
+                </a:solidFill>
+              </a:defRPr>
+            </a:lvl2pPr>
+            <a:lvl3pPr eaLnBrk="1" hangingPunct="1">
+              <a:defRPr>
+                <a:solidFill>
+                  <a:schemeClr val="tx2"/>
+                </a:solidFill>
+              </a:defRPr>
+            </a:lvl3pPr>
+            <a:lvl4pPr eaLnBrk="1" hangingPunct="1">
+              <a:defRPr>
+                <a:solidFill>
+                  <a:schemeClr val="tx2"/>
+                </a:solidFill>
+              </a:defRPr>
+            </a:lvl4pPr>
+            <a:lvl5pPr eaLnBrk="1" hangingPunct="1">
+              <a:defRPr>
+                <a:solidFill>
+                  <a:schemeClr val="tx2"/>
+                </a:solidFill>
+              </a:defRPr>
+            </a:lvl5pPr>
+            <a:lvl6pPr eaLnBrk="1" hangingPunct="1">
+              <a:defRPr>
+                <a:solidFill>
+                  <a:schemeClr val="tx2"/>
+                </a:solidFill>
+              </a:defRPr>
+            </a:lvl6pPr>
+            <a:lvl7pPr eaLnBrk="1" hangingPunct="1">
+              <a:defRPr>
+                <a:solidFill>
+                  <a:schemeClr val="tx2"/>
+                </a:solidFill>
+              </a:defRPr>
+            </a:lvl7pPr>
+            <a:lvl8pPr eaLnBrk="1" hangingPunct="1">
+              <a:defRPr>
+                <a:solidFill>
+                  <a:schemeClr val="tx2"/>
+                </a:solidFill>
+              </a:defRPr>
+            </a:lvl8pPr>
+            <a:lvl9pPr eaLnBrk="1" hangingPunct="1">
+              <a:defRPr>
+                <a:solidFill>
+                  <a:schemeClr val="tx2"/>
+                </a:solidFill>
+              </a:defRPr>
+            </a:lvl9pPr>
+          </a:lstStyle>
+          <a:p>
+            <a:r>
+              <a:rPr lang="en-US" dirty="0">
+                <a:sym typeface="+mn-ea"/>
+              </a:rPr>
+              <a:t>dubbo config</a:t>
+            </a:r>
+            <a:r>
+              <a:rPr lang="zh-CN" altLang="en-US" dirty="0">
+                <a:sym typeface="+mn-ea"/>
+              </a:rPr>
+              <a:t>类继承关系图</a:t>
+            </a:r>
+            <a:endParaRPr lang="zh-CN" altLang="en-US" dirty="0"/>
+          </a:p>
+          <a:p>
+            <a:endParaRPr lang="zh-CN" altLang="en-US" dirty="0"/>
+          </a:p>
+        </p:txBody>
+      </p:sp>
+      <p:sp>
+        <p:nvSpPr>
+          <p:cNvPr id="3" name="标题 1"/>
+          <p:cNvSpPr>
+            <a:spLocks noGrp="1"/>
+          </p:cNvSpPr>
+          <p:nvPr/>
+        </p:nvSpPr>
+        <p:spPr>
+          <a:xfrm>
+            <a:off x="9214485" y="2258060"/>
+            <a:ext cx="2825750" cy="2703195"/>
+          </a:xfrm>
+          <a:prstGeom prst="rect">
+            <a:avLst/>
+          </a:prstGeom>
+        </p:spPr>
+        <p:txBody>
+          <a:bodyPr vert="horz" lIns="91440" tIns="45720" rIns="91440" bIns="45720" rtlCol="0" anchor="b">
+            <a:normAutofit/>
+          </a:bodyPr>
+          <a:lstStyle>
+            <a:lvl1pPr algn="l" defTabSz="457200" rtl="0" eaLnBrk="1" latinLnBrk="0" hangingPunct="1">
+              <a:spcBef>
+                <a:spcPct val="0"/>
+              </a:spcBef>
+              <a:buNone/>
+              <a:defRPr sz="5400" kern="1200">
+                <a:solidFill>
+                  <a:schemeClr val="tx1">
+                    <a:lumMod val="85000"/>
+                    <a:lumOff val="15000"/>
+                  </a:schemeClr>
+                </a:solidFill>
+                <a:latin typeface="+mj-lt"/>
+                <a:ea typeface="+mj-ea"/>
+                <a:cs typeface="+mj-cs"/>
+              </a:defRPr>
+            </a:lvl1pPr>
+            <a:lvl2pPr eaLnBrk="1" hangingPunct="1">
+              <a:defRPr>
+                <a:solidFill>
+                  <a:schemeClr val="tx2"/>
+                </a:solidFill>
+              </a:defRPr>
+            </a:lvl2pPr>
+            <a:lvl3pPr eaLnBrk="1" hangingPunct="1">
+              <a:defRPr>
+                <a:solidFill>
+                  <a:schemeClr val="tx2"/>
+                </a:solidFill>
+              </a:defRPr>
+            </a:lvl3pPr>
+            <a:lvl4pPr eaLnBrk="1" hangingPunct="1">
+              <a:defRPr>
+                <a:solidFill>
+                  <a:schemeClr val="tx2"/>
+                </a:solidFill>
+              </a:defRPr>
+            </a:lvl4pPr>
+            <a:lvl5pPr eaLnBrk="1" hangingPunct="1">
+              <a:defRPr>
+                <a:solidFill>
+                  <a:schemeClr val="tx2"/>
+                </a:solidFill>
+              </a:defRPr>
+            </a:lvl5pPr>
+            <a:lvl6pPr eaLnBrk="1" hangingPunct="1">
+              <a:defRPr>
+                <a:solidFill>
+                  <a:schemeClr val="tx2"/>
+                </a:solidFill>
+              </a:defRPr>
+            </a:lvl6pPr>
+            <a:lvl7pPr eaLnBrk="1" hangingPunct="1">
+              <a:defRPr>
+                <a:solidFill>
+                  <a:schemeClr val="tx2"/>
+                </a:solidFill>
+              </a:defRPr>
+            </a:lvl7pPr>
+            <a:lvl8pPr eaLnBrk="1" hangingPunct="1">
+              <a:defRPr>
+                <a:solidFill>
+                  <a:schemeClr val="tx2"/>
+                </a:solidFill>
+              </a:defRPr>
+            </a:lvl8pPr>
+            <a:lvl9pPr eaLnBrk="1" hangingPunct="1">
+              <a:defRPr>
+                <a:solidFill>
+                  <a:schemeClr val="tx2"/>
+                </a:solidFill>
+              </a:defRPr>
+            </a:lvl9pPr>
+          </a:lstStyle>
+          <a:p>
+            <a:pPr algn="l"/>
+            <a:r>
+              <a:rPr lang="en-US" sz="1800" dirty="0">
+                <a:solidFill>
+                  <a:schemeClr val="tx1">
+                    <a:lumMod val="65000"/>
+                    <a:lumOff val="35000"/>
+                  </a:schemeClr>
+                </a:solidFill>
+                <a:latin typeface="+mn-lt"/>
+                <a:ea typeface="+mn-ea"/>
+                <a:cs typeface="+mn-cs"/>
+              </a:rPr>
+              <a:t>1. </a:t>
+            </a:r>
+            <a:r>
+              <a:rPr sz="1800" dirty="0">
+                <a:solidFill>
+                  <a:schemeClr val="tx1">
+                    <a:lumMod val="65000"/>
+                    <a:lumOff val="35000"/>
+                  </a:schemeClr>
+                </a:solidFill>
+                <a:latin typeface="+mn-lt"/>
+                <a:ea typeface="+mn-ea"/>
+                <a:cs typeface="+mn-cs"/>
+              </a:rPr>
+              <a:t>红勾部分，application-shared</a:t>
+            </a:r>
+            <a:endParaRPr sz="1800" dirty="0">
+              <a:solidFill>
+                <a:schemeClr val="tx1">
+                  <a:lumMod val="65000"/>
+                  <a:lumOff val="35000"/>
+                </a:schemeClr>
+              </a:solidFill>
+              <a:latin typeface="+mn-lt"/>
+              <a:ea typeface="+mn-ea"/>
+              <a:cs typeface="+mn-cs"/>
+            </a:endParaRPr>
+          </a:p>
+          <a:p>
+            <a:pPr algn="l"/>
+            <a:r>
+              <a:rPr lang="en-US" sz="1800" dirty="0">
+                <a:solidFill>
+                  <a:schemeClr val="tx1">
+                    <a:lumMod val="65000"/>
+                    <a:lumOff val="35000"/>
+                  </a:schemeClr>
+                </a:solidFill>
+                <a:latin typeface="+mn-lt"/>
+                <a:ea typeface="+mn-ea"/>
+                <a:cs typeface="+mn-cs"/>
+              </a:rPr>
+              <a:t>2. 黄框部分，provider-side</a:t>
+            </a:r>
+            <a:endParaRPr lang="en-US" sz="1800" dirty="0">
+              <a:solidFill>
+                <a:schemeClr val="tx1">
+                  <a:lumMod val="65000"/>
+                  <a:lumOff val="35000"/>
+                </a:schemeClr>
+              </a:solidFill>
+              <a:latin typeface="+mn-lt"/>
+              <a:ea typeface="+mn-ea"/>
+              <a:cs typeface="+mn-cs"/>
+            </a:endParaRPr>
+          </a:p>
+          <a:p>
+            <a:pPr algn="l"/>
+            <a:r>
+              <a:rPr lang="en-US" sz="1800" dirty="0">
+                <a:solidFill>
+                  <a:schemeClr val="tx1">
+                    <a:lumMod val="65000"/>
+                    <a:lumOff val="35000"/>
+                  </a:schemeClr>
+                </a:solidFill>
+                <a:latin typeface="+mn-lt"/>
+                <a:ea typeface="+mn-ea"/>
+                <a:cs typeface="+mn-cs"/>
+              </a:rPr>
+              <a:t>3.红框部分，consumer-side</a:t>
+            </a:r>
+            <a:endParaRPr lang="en-US" sz="1800" dirty="0">
+              <a:solidFill>
+                <a:schemeClr val="tx1">
+                  <a:lumMod val="65000"/>
+                  <a:lumOff val="35000"/>
+                </a:schemeClr>
+              </a:solidFill>
+              <a:latin typeface="+mn-lt"/>
+              <a:ea typeface="+mn-ea"/>
+              <a:cs typeface="+mn-cs"/>
+            </a:endParaRPr>
+          </a:p>
+          <a:p>
+            <a:pPr algn="l"/>
+            <a:r>
+              <a:rPr lang="en-US" sz="1800" dirty="0">
+                <a:solidFill>
+                  <a:schemeClr val="tx1">
+                    <a:lumMod val="65000"/>
+                    <a:lumOff val="35000"/>
+                  </a:schemeClr>
+                </a:solidFill>
+                <a:latin typeface="+mn-lt"/>
+                <a:ea typeface="+mn-ea"/>
+                <a:cs typeface="+mn-cs"/>
+              </a:rPr>
+              <a:t>4. 其他部分，sub-config</a:t>
+            </a:r>
+            <a:endParaRPr lang="en-US" sz="1800" dirty="0">
+              <a:solidFill>
+                <a:schemeClr val="tx1">
+                  <a:lumMod val="65000"/>
+                  <a:lumOff val="35000"/>
+                </a:schemeClr>
+              </a:solidFill>
+              <a:latin typeface="+mn-lt"/>
+              <a:ea typeface="+mn-ea"/>
+              <a:cs typeface="+mn-cs"/>
+            </a:endParaRPr>
+          </a:p>
+        </p:txBody>
+      </p:sp>
+      <p:pic>
+        <p:nvPicPr>
+          <p:cNvPr id="6" name="图片 5"/>
+          <p:cNvPicPr>
+            <a:picLocks noChangeAspect="1"/>
+          </p:cNvPicPr>
+          <p:nvPr/>
+        </p:nvPicPr>
+        <p:blipFill>
+          <a:blip r:embed="rId1"/>
+          <a:stretch>
+            <a:fillRect/>
+          </a:stretch>
+        </p:blipFill>
+        <p:spPr>
+          <a:xfrm>
+            <a:off x="594995" y="1446530"/>
+            <a:ext cx="8456295" cy="4801870"/>
+          </a:xfrm>
+          <a:prstGeom prst="rect">
+            <a:avLst/>
+          </a:prstGeom>
+        </p:spPr>
+      </p:pic>
+    </p:spTree>
+  </p:cSld>
+  <p:clrMapOvr>
+    <a:masterClrMapping/>
+  </p:clrMapOvr>
+</p:sld>
+</file>
+
+<file path=ppt/slides/slide5.xml><?xml version="1.0" encoding="utf-8"?>
+<p:sld xmlns:a="http://schemas.openxmlformats.org/drawingml/2006/main" xmlns:r="http://schemas.openxmlformats.org/officeDocument/2006/relationships" xmlns:p="http://schemas.openxmlformats.org/presentationml/2006/main">
+  <p:cSld>
+    <p:spTree>
+      <p:nvGrpSpPr>
+        <p:cNvPr id="1" name=""/>
+        <p:cNvGrpSpPr/>
+        <p:nvPr/>
+      </p:nvGrpSpPr>
+      <p:grpSpPr>
+        <a:xfrm>
+          <a:off x="0" y="0"/>
+          <a:ext cx="0" cy="0"/>
+          <a:chOff x="0" y="0"/>
+          <a:chExt cx="0" cy="0"/>
+        </a:xfrm>
+      </p:grpSpPr>
+      <p:sp>
+        <p:nvSpPr>
+          <p:cNvPr id="4" name="标题 1"/>
+          <p:cNvSpPr>
+            <a:spLocks noGrp="1"/>
+          </p:cNvSpPr>
+          <p:nvPr/>
+        </p:nvSpPr>
+        <p:spPr>
+          <a:xfrm>
+            <a:off x="432095" y="560041"/>
+            <a:ext cx="8782438" cy="742235"/>
+          </a:xfrm>
+          <a:prstGeom prst="rect">
+            <a:avLst/>
+          </a:prstGeom>
+        </p:spPr>
+        <p:txBody>
+          <a:bodyPr vert="horz" lIns="91440" tIns="45720" rIns="91440" bIns="45720" rtlCol="0" anchor="t">
+            <a:normAutofit/>
+          </a:bodyPr>
+          <a:lstStyle>
+            <a:lvl1pPr algn="l" defTabSz="457200" rtl="0" eaLnBrk="1" latinLnBrk="0" hangingPunct="1">
+              <a:spcBef>
+                <a:spcPct val="0"/>
+              </a:spcBef>
+              <a:buNone/>
+              <a:defRPr sz="3600" kern="1200">
+                <a:solidFill>
+                  <a:schemeClr val="tx1">
+                    <a:lumMod val="85000"/>
+                    <a:lumOff val="15000"/>
+                  </a:schemeClr>
+                </a:solidFill>
+                <a:latin typeface="+mj-lt"/>
+                <a:ea typeface="+mj-ea"/>
+                <a:cs typeface="+mj-cs"/>
+              </a:defRPr>
+            </a:lvl1pPr>
+            <a:lvl2pPr eaLnBrk="1" hangingPunct="1">
+              <a:defRPr>
+                <a:solidFill>
+                  <a:schemeClr val="tx2"/>
+                </a:solidFill>
+              </a:defRPr>
+            </a:lvl2pPr>
+            <a:lvl3pPr eaLnBrk="1" hangingPunct="1">
+              <a:defRPr>
+                <a:solidFill>
+                  <a:schemeClr val="tx2"/>
+                </a:solidFill>
+              </a:defRPr>
+            </a:lvl3pPr>
+            <a:lvl4pPr eaLnBrk="1" hangingPunct="1">
+              <a:defRPr>
+                <a:solidFill>
+                  <a:schemeClr val="tx2"/>
+                </a:solidFill>
+              </a:defRPr>
+            </a:lvl4pPr>
+            <a:lvl5pPr eaLnBrk="1" hangingPunct="1">
+              <a:defRPr>
+                <a:solidFill>
+                  <a:schemeClr val="tx2"/>
+                </a:solidFill>
+              </a:defRPr>
+            </a:lvl5pPr>
+            <a:lvl6pPr eaLnBrk="1" hangingPunct="1">
+              <a:defRPr>
+                <a:solidFill>
+                  <a:schemeClr val="tx2"/>
+                </a:solidFill>
+              </a:defRPr>
+            </a:lvl6pPr>
+            <a:lvl7pPr eaLnBrk="1" hangingPunct="1">
+              <a:defRPr>
+                <a:solidFill>
+                  <a:schemeClr val="tx2"/>
+                </a:solidFill>
+              </a:defRPr>
+            </a:lvl7pPr>
+            <a:lvl8pPr eaLnBrk="1" hangingPunct="1">
+              <a:defRPr>
+                <a:solidFill>
+                  <a:schemeClr val="tx2"/>
+                </a:solidFill>
+              </a:defRPr>
+            </a:lvl8pPr>
+            <a:lvl9pPr eaLnBrk="1" hangingPunct="1">
+              <a:defRPr>
+                <a:solidFill>
+                  <a:schemeClr val="tx2"/>
+                </a:solidFill>
+              </a:defRPr>
+            </a:lvl9pPr>
+          </a:lstStyle>
+          <a:p>
+            <a:r>
+              <a:rPr lang="en-US" altLang="zh-CN" dirty="0">
+                <a:sym typeface="+mn-ea"/>
+              </a:rPr>
+              <a:t>	</a:t>
+            </a:r>
+            <a:r>
+              <a:rPr lang="zh-CN" altLang="en-US" dirty="0">
+                <a:sym typeface="+mn-ea"/>
+              </a:rPr>
+              <a:t>目录</a:t>
+            </a:r>
+            <a:endParaRPr lang="zh-CN" altLang="en-US" dirty="0"/>
+          </a:p>
+          <a:p>
+            <a:endParaRPr lang="zh-CN" altLang="en-US" dirty="0"/>
+          </a:p>
+        </p:txBody>
+      </p:sp>
+      <p:grpSp>
+        <p:nvGrpSpPr>
+          <p:cNvPr id="9" name="椭圆 15"/>
+          <p:cNvGrpSpPr/>
+          <p:nvPr/>
+        </p:nvGrpSpPr>
+        <p:grpSpPr>
+          <a:xfrm>
+            <a:off x="2133606" y="2721133"/>
+            <a:ext cx="398354" cy="584773"/>
+            <a:chOff x="0" y="-68864"/>
+            <a:chExt cx="398353" cy="584772"/>
+          </a:xfrm>
+        </p:grpSpPr>
+        <p:sp>
+          <p:nvSpPr>
+            <p:cNvPr id="10" name="圆形"/>
+            <p:cNvSpPr/>
+            <p:nvPr/>
+          </p:nvSpPr>
+          <p:spPr>
+            <a:xfrm>
+              <a:off x="0" y="24343"/>
+              <a:ext cx="398353" cy="398354"/>
+            </a:xfrm>
+            <a:prstGeom prst="ellipse">
+              <a:avLst/>
+            </a:prstGeom>
+            <a:solidFill>
+              <a:srgbClr val="2E8FD4"/>
+            </a:solidFill>
+            <a:ln w="12700" cap="flat">
+              <a:noFill/>
+              <a:miter lim="400000"/>
+            </a:ln>
+            <a:effectLst/>
+          </p:spPr>
+          <p:txBody>
+            <a:bodyPr wrap="square" lIns="45719" tIns="45719" rIns="45719" bIns="45719" numCol="1" anchor="ctr">
+              <a:noAutofit/>
+            </a:bodyPr>
+            <a:lstStyle/>
+            <a:p>
+              <a:pPr algn="ctr">
+                <a:defRPr sz="2400">
+                  <a:solidFill>
+                    <a:srgbClr val="FFFFFF"/>
+                  </a:solidFill>
+                </a:defRPr>
+              </a:pPr>
+              <a:endParaRPr sz="3200" b="1"/>
+            </a:p>
+          </p:txBody>
+        </p:sp>
+        <p:sp>
+          <p:nvSpPr>
+            <p:cNvPr id="11" name="2"/>
+            <p:cNvSpPr txBox="1"/>
+            <p:nvPr/>
+          </p:nvSpPr>
+          <p:spPr>
+            <a:xfrm>
+              <a:off x="58337" y="-68864"/>
+              <a:ext cx="281679" cy="584772"/>
+            </a:xfrm>
+            <a:prstGeom prst="rect">
+              <a:avLst/>
+            </a:prstGeom>
+            <a:noFill/>
+            <a:ln w="12700" cap="flat">
+              <a:noFill/>
+              <a:miter lim="400000"/>
+            </a:ln>
+            <a:effectLst/>
+          </p:spPr>
+          <p:txBody>
+            <a:bodyPr wrap="square" lIns="45719" tIns="45719" rIns="45719" bIns="45719" numCol="1" anchor="ctr">
+              <a:spAutoFit/>
+            </a:bodyPr>
+            <a:lstStyle>
+              <a:lvl1pPr algn="ctr">
+                <a:defRPr sz="2400">
+                  <a:solidFill>
+                    <a:srgbClr val="FFFFFF"/>
+                  </a:solidFill>
+                </a:defRPr>
+              </a:lvl1pPr>
+            </a:lstStyle>
+            <a:p>
+              <a:r>
+                <a:rPr sz="3200" b="1"/>
+                <a:t>2</a:t>
+              </a:r>
+              <a:endParaRPr sz="3200" b="1"/>
+            </a:p>
+          </p:txBody>
+        </p:sp>
+      </p:grpSp>
+      <p:grpSp>
+        <p:nvGrpSpPr>
+          <p:cNvPr id="12" name="椭圆 17"/>
+          <p:cNvGrpSpPr/>
+          <p:nvPr/>
+        </p:nvGrpSpPr>
+        <p:grpSpPr>
+          <a:xfrm>
+            <a:off x="2075821" y="1578977"/>
+            <a:ext cx="398354" cy="584773"/>
+            <a:chOff x="0" y="-68864"/>
+            <a:chExt cx="398353" cy="584772"/>
+          </a:xfrm>
+        </p:grpSpPr>
+        <p:sp>
+          <p:nvSpPr>
+            <p:cNvPr id="13" name="圆形"/>
+            <p:cNvSpPr/>
+            <p:nvPr/>
+          </p:nvSpPr>
+          <p:spPr>
+            <a:xfrm>
+              <a:off x="0" y="24343"/>
+              <a:ext cx="398353" cy="398354"/>
+            </a:xfrm>
+            <a:prstGeom prst="ellipse">
+              <a:avLst/>
+            </a:prstGeom>
+            <a:solidFill>
+              <a:srgbClr val="2E8FD4"/>
+            </a:solidFill>
+            <a:ln w="12700" cap="flat">
+              <a:noFill/>
+              <a:miter lim="400000"/>
+            </a:ln>
+            <a:effectLst/>
+          </p:spPr>
+          <p:txBody>
+            <a:bodyPr wrap="square" lIns="45719" tIns="45719" rIns="45719" bIns="45719" numCol="1" anchor="ctr">
+              <a:noAutofit/>
+            </a:bodyPr>
+            <a:lstStyle/>
+            <a:p>
+              <a:pPr algn="ctr">
+                <a:defRPr sz="2400">
+                  <a:solidFill>
+                    <a:srgbClr val="FFFFFF"/>
+                  </a:solidFill>
+                </a:defRPr>
+              </a:pPr>
+              <a:endParaRPr sz="3200" b="1"/>
+            </a:p>
+          </p:txBody>
+        </p:sp>
+        <p:sp>
+          <p:nvSpPr>
+            <p:cNvPr id="14" name="1"/>
+            <p:cNvSpPr txBox="1"/>
+            <p:nvPr/>
+          </p:nvSpPr>
+          <p:spPr>
+            <a:xfrm>
+              <a:off x="58337" y="-68864"/>
+              <a:ext cx="281679" cy="584772"/>
+            </a:xfrm>
+            <a:prstGeom prst="rect">
+              <a:avLst/>
+            </a:prstGeom>
+            <a:noFill/>
+            <a:ln w="12700" cap="flat">
+              <a:noFill/>
+              <a:miter lim="400000"/>
+            </a:ln>
+            <a:effectLst/>
+          </p:spPr>
+          <p:txBody>
+            <a:bodyPr wrap="square" lIns="45719" tIns="45719" rIns="45719" bIns="45719" numCol="1" anchor="ctr">
+              <a:spAutoFit/>
+            </a:bodyPr>
+            <a:lstStyle>
+              <a:lvl1pPr algn="ctr">
+                <a:defRPr sz="2400">
+                  <a:solidFill>
+                    <a:srgbClr val="FFFFFF"/>
+                  </a:solidFill>
+                </a:defRPr>
+              </a:lvl1pPr>
+            </a:lstStyle>
+            <a:p>
+              <a:r>
+                <a:rPr sz="3200" b="1"/>
+                <a:t>1</a:t>
+              </a:r>
+              <a:endParaRPr sz="3200" b="1"/>
+            </a:p>
+          </p:txBody>
+        </p:sp>
+      </p:grpSp>
+      <p:sp>
+        <p:nvSpPr>
+          <p:cNvPr id="30" name="文本框 26"/>
+          <p:cNvSpPr txBox="1"/>
+          <p:nvPr/>
+        </p:nvSpPr>
+        <p:spPr>
+          <a:xfrm>
+            <a:off x="2705913" y="1635999"/>
+            <a:ext cx="2541270" cy="460375"/>
+          </a:xfrm>
+          <a:prstGeom prst="rect">
+            <a:avLst/>
+          </a:prstGeom>
+          <a:ln w="12700">
+            <a:miter lim="400000"/>
+          </a:ln>
+        </p:spPr>
+        <p:txBody>
+          <a:bodyPr wrap="none" lIns="45719" rIns="45719">
+            <a:spAutoFit/>
+            <a:scene3d>
+              <a:camera prst="orthographicFront"/>
+              <a:lightRig rig="threePt" dir="t"/>
+            </a:scene3d>
+          </a:bodyPr>
+          <a:lstStyle/>
+          <a:p>
+            <a:pPr algn="l">
+              <a:defRPr>
+                <a:solidFill>
+                  <a:srgbClr val="2E8FD4"/>
+                </a:solidFill>
+              </a:defRPr>
+            </a:pPr>
+            <a:r>
+              <a:rPr lang="en-US" altLang="zh-CN" sz="2400" b="1" dirty="0" smtClean="0">
+                <a:ln/>
+                <a:solidFill>
+                  <a:schemeClr val="tx1"/>
+                </a:solidFill>
+                <a:effectLst>
+                  <a:outerShdw blurRad="38100" dist="19050" dir="2700000" algn="tl" rotWithShape="0">
+                    <a:schemeClr val="dk1">
+                      <a:alpha val="40000"/>
+                    </a:schemeClr>
+                  </a:outerShdw>
+                </a:effectLst>
+                <a:latin typeface="微软雅黑" panose="020B0503020204020204" charset="-122"/>
+                <a:ea typeface="微软雅黑" panose="020B0503020204020204" charset="-122"/>
+                <a:cs typeface="微软雅黑" panose="020B0503020204020204" charset="-122"/>
+                <a:sym typeface="微软雅黑" panose="020B0503020204020204" charset="-122"/>
+              </a:rPr>
+              <a:t>API 配置</a:t>
+            </a:r>
+            <a:r>
+              <a:rPr lang="zh-CN" altLang="en-US" sz="2400" b="1" dirty="0" smtClean="0">
+                <a:ln/>
+                <a:solidFill>
+                  <a:schemeClr val="tx1"/>
+                </a:solidFill>
+                <a:effectLst>
+                  <a:outerShdw blurRad="38100" dist="19050" dir="2700000" algn="tl" rotWithShape="0">
+                    <a:schemeClr val="dk1">
+                      <a:alpha val="40000"/>
+                    </a:schemeClr>
+                  </a:outerShdw>
+                </a:effectLst>
+                <a:latin typeface="微软雅黑" panose="020B0503020204020204" charset="-122"/>
+                <a:ea typeface="微软雅黑" panose="020B0503020204020204" charset="-122"/>
+                <a:cs typeface="微软雅黑" panose="020B0503020204020204" charset="-122"/>
+                <a:sym typeface="微软雅黑" panose="020B0503020204020204" charset="-122"/>
+              </a:rPr>
+              <a:t>基本知识</a:t>
+            </a:r>
+            <a:endParaRPr lang="zh-CN" altLang="en-US" sz="2400" b="1" dirty="0" smtClean="0">
+              <a:ln/>
+              <a:solidFill>
+                <a:schemeClr val="tx1"/>
+              </a:solidFill>
+              <a:effectLst>
+                <a:outerShdw blurRad="38100" dist="19050" dir="2700000" algn="tl" rotWithShape="0">
+                  <a:schemeClr val="dk1">
+                    <a:alpha val="40000"/>
+                  </a:schemeClr>
+                </a:outerShdw>
+              </a:effectLst>
+              <a:latin typeface="微软雅黑" panose="020B0503020204020204" charset="-122"/>
+              <a:ea typeface="微软雅黑" panose="020B0503020204020204" charset="-122"/>
+              <a:cs typeface="微软雅黑" panose="020B0503020204020204" charset="-122"/>
+              <a:sym typeface="微软雅黑" panose="020B0503020204020204" charset="-122"/>
+            </a:endParaRPr>
+          </a:p>
+        </p:txBody>
+      </p:sp>
+      <p:sp>
+        <p:nvSpPr>
+          <p:cNvPr id="31" name="文本框 27"/>
+          <p:cNvSpPr txBox="1"/>
+          <p:nvPr/>
+        </p:nvSpPr>
+        <p:spPr>
+          <a:xfrm>
+            <a:off x="2705913" y="2783319"/>
+            <a:ext cx="3973195" cy="460375"/>
+          </a:xfrm>
+          <a:prstGeom prst="rect">
+            <a:avLst/>
+          </a:prstGeom>
+          <a:ln w="12700">
+            <a:miter lim="400000"/>
+          </a:ln>
+        </p:spPr>
+        <p:txBody>
+          <a:bodyPr wrap="none" lIns="45719" rIns="45719">
+            <a:spAutoFit/>
+            <a:scene3d>
+              <a:camera prst="orthographicFront"/>
+              <a:lightRig rig="threePt" dir="t"/>
+            </a:scene3d>
+          </a:bodyPr>
+          <a:lstStyle/>
+          <a:p>
+            <a:pPr>
+              <a:defRPr>
+                <a:solidFill>
+                  <a:srgbClr val="2E8FD4"/>
+                </a:solidFill>
+              </a:defRPr>
+            </a:pPr>
+            <a:r>
+              <a:rPr lang="en-US" altLang="zh-CN" sz="2400" b="1" dirty="0" smtClean="0">
+                <a:ln/>
+                <a:solidFill>
+                  <a:schemeClr val="accent1"/>
+                </a:solidFill>
+                <a:effectLst>
+                  <a:outerShdw blurRad="38100" dist="25400" dir="5400000" algn="ctr" rotWithShape="0">
+                    <a:srgbClr val="6E747A">
+                      <a:alpha val="43000"/>
+                    </a:srgbClr>
+                  </a:outerShdw>
+                </a:effectLst>
+                <a:latin typeface="微软雅黑" panose="020B0503020204020204" charset="-122"/>
+                <a:ea typeface="微软雅黑" panose="020B0503020204020204" charset="-122"/>
+                <a:cs typeface="微软雅黑" panose="020B0503020204020204" charset="-122"/>
+                <a:sym typeface="微软雅黑" panose="020B0503020204020204" charset="-122"/>
+              </a:rPr>
+              <a:t>Dubbo Api </a:t>
+            </a:r>
+            <a:r>
+              <a:rPr lang="zh-CN" altLang="en-US" sz="2400" b="1" dirty="0" smtClean="0">
+                <a:ln/>
+                <a:solidFill>
+                  <a:schemeClr val="accent1"/>
+                </a:solidFill>
+                <a:effectLst>
+                  <a:outerShdw blurRad="38100" dist="25400" dir="5400000" algn="ctr" rotWithShape="0">
+                    <a:srgbClr val="6E747A">
+                      <a:alpha val="43000"/>
+                    </a:srgbClr>
+                  </a:outerShdw>
+                </a:effectLst>
+                <a:latin typeface="微软雅黑" panose="020B0503020204020204" charset="-122"/>
+                <a:ea typeface="微软雅黑" panose="020B0503020204020204" charset="-122"/>
+                <a:cs typeface="微软雅黑" panose="020B0503020204020204" charset="-122"/>
+                <a:sym typeface="微软雅黑" panose="020B0503020204020204" charset="-122"/>
+              </a:rPr>
+              <a:t>服务提供者暴露</a:t>
+            </a:r>
+            <a:endParaRPr lang="zh-CN" altLang="en-US" sz="2400" b="1" dirty="0" smtClean="0">
+              <a:ln/>
+              <a:solidFill>
+                <a:schemeClr val="accent1"/>
+              </a:solidFill>
+              <a:effectLst>
+                <a:outerShdw blurRad="38100" dist="25400" dir="5400000" algn="ctr" rotWithShape="0">
+                  <a:srgbClr val="6E747A">
+                    <a:alpha val="43000"/>
+                  </a:srgbClr>
+                </a:outerShdw>
+              </a:effectLst>
+              <a:latin typeface="微软雅黑" panose="020B0503020204020204" charset="-122"/>
+              <a:ea typeface="微软雅黑" panose="020B0503020204020204" charset="-122"/>
+              <a:cs typeface="微软雅黑" panose="020B0503020204020204" charset="-122"/>
+              <a:sym typeface="微软雅黑" panose="020B0503020204020204" charset="-122"/>
+            </a:endParaRPr>
+          </a:p>
+        </p:txBody>
+      </p:sp>
+      <p:sp>
+        <p:nvSpPr>
+          <p:cNvPr id="7" name="文本框 27"/>
+          <p:cNvSpPr txBox="1"/>
+          <p:nvPr/>
+        </p:nvSpPr>
+        <p:spPr>
+          <a:xfrm>
+            <a:off x="2705913" y="3950449"/>
+            <a:ext cx="3973195" cy="460375"/>
+          </a:xfrm>
+          <a:prstGeom prst="rect">
+            <a:avLst/>
+          </a:prstGeom>
+          <a:ln w="12700">
+            <a:miter lim="400000"/>
+          </a:ln>
+        </p:spPr>
+        <p:txBody>
+          <a:bodyPr wrap="none" lIns="45719" rIns="45719">
+            <a:spAutoFit/>
+            <a:scene3d>
+              <a:camera prst="orthographicFront"/>
+              <a:lightRig rig="threePt" dir="t"/>
+            </a:scene3d>
+          </a:bodyPr>
+          <a:p>
+            <a:pPr>
+              <a:defRPr>
+                <a:solidFill>
+                  <a:srgbClr val="2E8FD4"/>
+                </a:solidFill>
+              </a:defRPr>
+            </a:pPr>
+            <a:r>
+              <a:rPr lang="en-US" altLang="zh-CN" sz="2400" b="1" dirty="0" smtClean="0">
+                <a:solidFill>
+                  <a:schemeClr val="tx1"/>
+                </a:solidFill>
+                <a:effectLst>
+                  <a:outerShdw blurRad="38100" dist="19050" dir="2700000" algn="tl" rotWithShape="0">
+                    <a:schemeClr val="dk1">
+                      <a:alpha val="40000"/>
+                    </a:schemeClr>
+                  </a:outerShdw>
+                </a:effectLst>
+                <a:latin typeface="微软雅黑" panose="020B0503020204020204" charset="-122"/>
+                <a:ea typeface="微软雅黑" panose="020B0503020204020204" charset="-122"/>
+                <a:cs typeface="微软雅黑" panose="020B0503020204020204" charset="-122"/>
+                <a:sym typeface="微软雅黑" panose="020B0503020204020204" charset="-122"/>
+              </a:rPr>
+              <a:t>Dubbo Api </a:t>
+            </a:r>
+            <a:r>
+              <a:rPr lang="zh-CN" altLang="en-US" sz="2400" b="1" dirty="0" smtClean="0">
+                <a:solidFill>
+                  <a:schemeClr val="tx1"/>
+                </a:solidFill>
+                <a:effectLst>
+                  <a:outerShdw blurRad="38100" dist="19050" dir="2700000" algn="tl" rotWithShape="0">
+                    <a:schemeClr val="dk1">
+                      <a:alpha val="40000"/>
+                    </a:schemeClr>
+                  </a:outerShdw>
+                </a:effectLst>
+                <a:latin typeface="微软雅黑" panose="020B0503020204020204" charset="-122"/>
+                <a:ea typeface="微软雅黑" panose="020B0503020204020204" charset="-122"/>
+                <a:cs typeface="微软雅黑" panose="020B0503020204020204" charset="-122"/>
+                <a:sym typeface="微软雅黑" panose="020B0503020204020204" charset="-122"/>
+              </a:rPr>
+              <a:t>服务消费者</a:t>
+            </a:r>
+            <a:r>
+              <a:rPr lang="zh-CN" altLang="en-US" sz="2400" b="1" dirty="0" smtClean="0">
+                <a:solidFill>
+                  <a:schemeClr val="tx1"/>
+                </a:solidFill>
+                <a:effectLst>
+                  <a:outerShdw blurRad="38100" dist="19050" dir="2700000" algn="tl" rotWithShape="0">
+                    <a:schemeClr val="dk1">
+                      <a:alpha val="40000"/>
+                    </a:schemeClr>
+                  </a:outerShdw>
+                </a:effectLst>
+                <a:latin typeface="微软雅黑" panose="020B0503020204020204" charset="-122"/>
+                <a:ea typeface="微软雅黑" panose="020B0503020204020204" charset="-122"/>
+                <a:cs typeface="微软雅黑" panose="020B0503020204020204" charset="-122"/>
+                <a:sym typeface="微软雅黑" panose="020B0503020204020204" charset="-122"/>
+              </a:rPr>
+              <a:t>暴露</a:t>
+            </a:r>
+            <a:endParaRPr lang="zh-CN" altLang="en-US" sz="2400" b="1" dirty="0" smtClean="0">
+              <a:solidFill>
+                <a:schemeClr val="tx1"/>
+              </a:solidFill>
+              <a:effectLst>
+                <a:outerShdw blurRad="38100" dist="19050" dir="2700000" algn="tl" rotWithShape="0">
+                  <a:schemeClr val="dk1">
+                    <a:alpha val="40000"/>
+                  </a:schemeClr>
+                </a:outerShdw>
+              </a:effectLst>
+              <a:latin typeface="微软雅黑" panose="020B0503020204020204" charset="-122"/>
+              <a:ea typeface="微软雅黑" panose="020B0503020204020204" charset="-122"/>
+              <a:cs typeface="微软雅黑" panose="020B0503020204020204" charset="-122"/>
+              <a:sym typeface="微软雅黑" panose="020B0503020204020204" charset="-122"/>
+            </a:endParaRPr>
+          </a:p>
+        </p:txBody>
+      </p:sp>
+      <p:grpSp>
+        <p:nvGrpSpPr>
+          <p:cNvPr id="15" name="椭圆 15"/>
+          <p:cNvGrpSpPr/>
+          <p:nvPr/>
+        </p:nvGrpSpPr>
+        <p:grpSpPr>
+          <a:xfrm>
+            <a:off x="2075821" y="3827272"/>
+            <a:ext cx="398354" cy="582295"/>
+            <a:chOff x="0" y="-67625"/>
+            <a:chExt cx="398353" cy="582294"/>
+          </a:xfrm>
+        </p:grpSpPr>
+        <p:sp>
+          <p:nvSpPr>
+            <p:cNvPr id="16" name="圆形"/>
+            <p:cNvSpPr/>
+            <p:nvPr/>
+          </p:nvSpPr>
+          <p:spPr>
+            <a:xfrm>
+              <a:off x="0" y="24343"/>
+              <a:ext cx="398353" cy="398354"/>
+            </a:xfrm>
+            <a:prstGeom prst="ellipse">
+              <a:avLst/>
+            </a:prstGeom>
+            <a:solidFill>
+              <a:srgbClr val="2E8FD4"/>
+            </a:solidFill>
+            <a:ln w="12700" cap="flat">
+              <a:noFill/>
+              <a:miter lim="400000"/>
+            </a:ln>
+            <a:effectLst/>
+          </p:spPr>
+          <p:txBody>
+            <a:bodyPr wrap="square" lIns="45719" tIns="45719" rIns="45719" bIns="45719" numCol="1" anchor="ctr">
+              <a:noAutofit/>
+            </a:bodyPr>
+            <a:lstStyle/>
+            <a:p>
+              <a:pPr algn="ctr">
+                <a:defRPr sz="2400">
+                  <a:solidFill>
+                    <a:srgbClr val="FFFFFF"/>
+                  </a:solidFill>
+                </a:defRPr>
+              </a:pPr>
+              <a:endParaRPr sz="3200" b="1"/>
+            </a:p>
+          </p:txBody>
+        </p:sp>
+        <p:sp>
+          <p:nvSpPr>
+            <p:cNvPr id="17" name="2"/>
+            <p:cNvSpPr txBox="1"/>
+            <p:nvPr/>
+          </p:nvSpPr>
+          <p:spPr>
+            <a:xfrm>
+              <a:off x="58337" y="-67625"/>
+              <a:ext cx="281679" cy="582294"/>
+            </a:xfrm>
+            <a:prstGeom prst="rect">
+              <a:avLst/>
+            </a:prstGeom>
+            <a:noFill/>
+            <a:ln w="12700" cap="flat">
+              <a:noFill/>
+              <a:miter lim="400000"/>
+            </a:ln>
+            <a:effectLst/>
+          </p:spPr>
+          <p:txBody>
+            <a:bodyPr wrap="square" lIns="45719" tIns="45719" rIns="45719" bIns="45719" numCol="1" anchor="ctr">
+              <a:spAutoFit/>
+            </a:bodyPr>
+            <a:lstStyle>
+              <a:lvl1pPr algn="ctr">
+                <a:defRPr sz="2400">
+                  <a:solidFill>
+                    <a:srgbClr val="FFFFFF"/>
+                  </a:solidFill>
+                </a:defRPr>
+              </a:lvl1pPr>
+            </a:lstStyle>
+            <a:p>
+              <a:r>
+                <a:rPr lang="en-US" sz="3200" b="1"/>
+                <a:t>3</a:t>
+              </a:r>
+              <a:endParaRPr lang="en-US" sz="3200" b="1"/>
+            </a:p>
+          </p:txBody>
+        </p:sp>
+      </p:grpSp>
+      <p:sp>
+        <p:nvSpPr>
+          <p:cNvPr id="18" name="文本框 27"/>
+          <p:cNvSpPr txBox="1"/>
+          <p:nvPr/>
+        </p:nvSpPr>
+        <p:spPr>
+          <a:xfrm>
+            <a:off x="2705913" y="5001374"/>
+            <a:ext cx="3058795" cy="460375"/>
+          </a:xfrm>
+          <a:prstGeom prst="rect">
+            <a:avLst/>
+          </a:prstGeom>
+          <a:ln w="12700">
+            <a:miter lim="400000"/>
+          </a:ln>
+        </p:spPr>
+        <p:txBody>
+          <a:bodyPr wrap="none" lIns="45719" rIns="45719">
+            <a:spAutoFit/>
+            <a:scene3d>
+              <a:camera prst="orthographicFront"/>
+              <a:lightRig rig="threePt" dir="t"/>
+            </a:scene3d>
+          </a:bodyPr>
+          <a:p>
+            <a:pPr>
+              <a:defRPr>
+                <a:solidFill>
+                  <a:srgbClr val="2E8FD4"/>
+                </a:solidFill>
+              </a:defRPr>
+            </a:pPr>
+            <a:r>
+              <a:rPr lang="en-US" altLang="zh-CN" sz="2400" b="1" dirty="0" smtClean="0">
+                <a:solidFill>
+                  <a:schemeClr val="tx1"/>
+                </a:solidFill>
+                <a:effectLst>
+                  <a:outerShdw blurRad="38100" dist="19050" dir="2700000" algn="tl" rotWithShape="0">
+                    <a:schemeClr val="dk1">
+                      <a:alpha val="40000"/>
+                    </a:schemeClr>
+                  </a:outerShdw>
+                </a:effectLst>
+                <a:latin typeface="微软雅黑" panose="020B0503020204020204" charset="-122"/>
+                <a:ea typeface="微软雅黑" panose="020B0503020204020204" charset="-122"/>
+                <a:cs typeface="微软雅黑" panose="020B0503020204020204" charset="-122"/>
+                <a:sym typeface="微软雅黑" panose="020B0503020204020204" charset="-122"/>
+              </a:rPr>
+              <a:t>Dubbo Api </a:t>
+            </a:r>
+            <a:r>
+              <a:rPr lang="zh-CN" altLang="en-US" sz="2400" b="1" dirty="0" smtClean="0">
+                <a:solidFill>
+                  <a:schemeClr val="tx1"/>
+                </a:solidFill>
+                <a:effectLst>
+                  <a:outerShdw blurRad="38100" dist="19050" dir="2700000" algn="tl" rotWithShape="0">
+                    <a:schemeClr val="dk1">
+                      <a:alpha val="40000"/>
+                    </a:schemeClr>
+                  </a:outerShdw>
+                </a:effectLst>
+                <a:latin typeface="微软雅黑" panose="020B0503020204020204" charset="-122"/>
+                <a:ea typeface="微软雅黑" panose="020B0503020204020204" charset="-122"/>
+                <a:cs typeface="微软雅黑" panose="020B0503020204020204" charset="-122"/>
+                <a:sym typeface="微软雅黑" panose="020B0503020204020204" charset="-122"/>
+              </a:rPr>
+              <a:t>服务引用</a:t>
+            </a:r>
+            <a:endParaRPr lang="zh-CN" altLang="en-US" sz="2400" b="1" dirty="0" smtClean="0">
+              <a:solidFill>
+                <a:schemeClr val="tx1"/>
+              </a:solidFill>
+              <a:effectLst>
+                <a:outerShdw blurRad="38100" dist="19050" dir="2700000" algn="tl" rotWithShape="0">
+                  <a:schemeClr val="dk1">
+                    <a:alpha val="40000"/>
+                  </a:schemeClr>
+                </a:outerShdw>
+              </a:effectLst>
+              <a:latin typeface="微软雅黑" panose="020B0503020204020204" charset="-122"/>
+              <a:ea typeface="微软雅黑" panose="020B0503020204020204" charset="-122"/>
+              <a:cs typeface="微软雅黑" panose="020B0503020204020204" charset="-122"/>
+              <a:sym typeface="微软雅黑" panose="020B0503020204020204" charset="-122"/>
+            </a:endParaRPr>
+          </a:p>
+        </p:txBody>
+      </p:sp>
+      <p:grpSp>
+        <p:nvGrpSpPr>
+          <p:cNvPr id="19" name="椭圆 15"/>
+          <p:cNvGrpSpPr/>
+          <p:nvPr/>
+        </p:nvGrpSpPr>
+        <p:grpSpPr>
+          <a:xfrm>
+            <a:off x="2075821" y="4878197"/>
+            <a:ext cx="398354" cy="582295"/>
+            <a:chOff x="0" y="-67625"/>
+            <a:chExt cx="398353" cy="582294"/>
+          </a:xfrm>
+        </p:grpSpPr>
+        <p:sp>
+          <p:nvSpPr>
+            <p:cNvPr id="20" name="圆形"/>
+            <p:cNvSpPr/>
+            <p:nvPr/>
+          </p:nvSpPr>
+          <p:spPr>
+            <a:xfrm>
+              <a:off x="0" y="24343"/>
+              <a:ext cx="398353" cy="398354"/>
+            </a:xfrm>
+            <a:prstGeom prst="ellipse">
+              <a:avLst/>
+            </a:prstGeom>
+            <a:solidFill>
+              <a:srgbClr val="2E8FD4"/>
+            </a:solidFill>
+            <a:ln w="12700" cap="flat">
+              <a:noFill/>
+              <a:miter lim="400000"/>
+            </a:ln>
+            <a:effectLst/>
+          </p:spPr>
+          <p:txBody>
+            <a:bodyPr wrap="square" lIns="45719" tIns="45719" rIns="45719" bIns="45719" numCol="1" anchor="ctr">
+              <a:noAutofit/>
+            </a:bodyPr>
+            <a:lstStyle/>
+            <a:p>
+              <a:pPr algn="ctr">
+                <a:defRPr sz="2400">
+                  <a:solidFill>
+                    <a:srgbClr val="FFFFFF"/>
+                  </a:solidFill>
+                </a:defRPr>
+              </a:pPr>
+              <a:endParaRPr sz="3200" b="1"/>
+            </a:p>
+          </p:txBody>
+        </p:sp>
+        <p:sp>
+          <p:nvSpPr>
+            <p:cNvPr id="21" name="2"/>
+            <p:cNvSpPr txBox="1"/>
+            <p:nvPr/>
+          </p:nvSpPr>
+          <p:spPr>
+            <a:xfrm>
+              <a:off x="58337" y="-67625"/>
+              <a:ext cx="281679" cy="582294"/>
+            </a:xfrm>
+            <a:prstGeom prst="rect">
+              <a:avLst/>
+            </a:prstGeom>
+            <a:noFill/>
+            <a:ln w="12700" cap="flat">
+              <a:noFill/>
+              <a:miter lim="400000"/>
+            </a:ln>
+            <a:effectLst/>
+          </p:spPr>
+          <p:txBody>
+            <a:bodyPr wrap="square" lIns="45719" tIns="45719" rIns="45719" bIns="45719" numCol="1" anchor="ctr">
+              <a:spAutoFit/>
+            </a:bodyPr>
+            <a:lstStyle>
+              <a:lvl1pPr algn="ctr">
+                <a:defRPr sz="2400">
+                  <a:solidFill>
+                    <a:srgbClr val="FFFFFF"/>
+                  </a:solidFill>
+                </a:defRPr>
+              </a:lvl1pPr>
+            </a:lstStyle>
+            <a:p>
+              <a:r>
+                <a:rPr lang="en-US" sz="3200" b="1"/>
+                <a:t>4</a:t>
               </a:r>
               <a:endParaRPr lang="en-US" sz="3200" b="1"/>
             </a:p>

--- a/dubbo/Dubbo 分析之API配置 v1.0 (二).pptx
+++ b/dubbo/Dubbo 分析之API配置 v1.0 (二).pptx
@@ -5,28 +5,29 @@
     <p:sldMasterId id="2147483648" r:id="rId1"/>
   </p:sldMasterIdLst>
   <p:notesMasterIdLst>
-    <p:notesMasterId r:id="rId14"/>
+    <p:notesMasterId r:id="rId15"/>
   </p:notesMasterIdLst>
   <p:sldIdLst>
     <p:sldId id="256" r:id="rId3"/>
     <p:sldId id="375" r:id="rId4"/>
     <p:sldId id="314" r:id="rId5"/>
     <p:sldId id="313" r:id="rId6"/>
-    <p:sldId id="406" r:id="rId7"/>
-    <p:sldId id="316" r:id="rId8"/>
-    <p:sldId id="318" r:id="rId9"/>
-    <p:sldId id="320" r:id="rId10"/>
-    <p:sldId id="321" r:id="rId11"/>
-    <p:sldId id="407" r:id="rId12"/>
-    <p:sldId id="401" r:id="rId13"/>
-    <p:sldId id="402" r:id="rId15"/>
-    <p:sldId id="408" r:id="rId16"/>
-    <p:sldId id="409" r:id="rId17"/>
-    <p:sldId id="410" r:id="rId18"/>
-    <p:sldId id="411" r:id="rId19"/>
-    <p:sldId id="412" r:id="rId20"/>
-    <p:sldId id="413" r:id="rId21"/>
-    <p:sldId id="414" r:id="rId22"/>
+    <p:sldId id="415" r:id="rId7"/>
+    <p:sldId id="406" r:id="rId8"/>
+    <p:sldId id="316" r:id="rId9"/>
+    <p:sldId id="318" r:id="rId10"/>
+    <p:sldId id="320" r:id="rId11"/>
+    <p:sldId id="321" r:id="rId12"/>
+    <p:sldId id="407" r:id="rId13"/>
+    <p:sldId id="401" r:id="rId14"/>
+    <p:sldId id="402" r:id="rId16"/>
+    <p:sldId id="408" r:id="rId17"/>
+    <p:sldId id="409" r:id="rId18"/>
+    <p:sldId id="410" r:id="rId19"/>
+    <p:sldId id="411" r:id="rId20"/>
+    <p:sldId id="412" r:id="rId21"/>
+    <p:sldId id="413" r:id="rId22"/>
+    <p:sldId id="414" r:id="rId23"/>
   </p:sldIdLst>
   <p:sldSz cx="12192000" cy="6858000"/>
   <p:notesSz cx="6858000" cy="9144000"/>
@@ -9633,6 +9634,253 @@
       </p:grpSpPr>
       <p:sp>
         <p:nvSpPr>
+          <p:cNvPr id="2" name="标题 1"/>
+          <p:cNvSpPr>
+            <a:spLocks noGrp="1"/>
+          </p:cNvSpPr>
+          <p:nvPr>
+            <p:ph type="title"/>
+          </p:nvPr>
+        </p:nvSpPr>
+        <p:spPr>
+          <a:xfrm>
+            <a:off x="1769405" y="645131"/>
+            <a:ext cx="8782438" cy="742235"/>
+          </a:xfrm>
+        </p:spPr>
+        <p:txBody>
+          <a:bodyPr>
+            <a:normAutofit fontScale="90000"/>
+          </a:bodyPr>
+          <a:lstStyle/>
+          <a:p>
+            <a:r>
+              <a:rPr lang="en-US" altLang="zh-CN" dirty="0">
+                <a:sym typeface="+mn-ea"/>
+              </a:rPr>
+              <a:t>dubbo Api</a:t>
+            </a:r>
+            <a:r>
+              <a:rPr lang="zh-CN" altLang="en-US" dirty="0">
+                <a:sym typeface="+mn-ea"/>
+              </a:rPr>
+              <a:t>配置之服务提供者</a:t>
+            </a:r>
+            <a:r>
+              <a:rPr lang="en-US" altLang="zh-CN" dirty="0">
+                <a:sym typeface="+mn-ea"/>
+              </a:rPr>
+              <a:t>(</a:t>
+            </a:r>
+            <a:r>
+              <a:rPr lang="zh-CN" altLang="en-US" dirty="0">
+                <a:sym typeface="+mn-ea"/>
+              </a:rPr>
+              <a:t>四</a:t>
+            </a:r>
+            <a:r>
+              <a:rPr lang="en-US" altLang="zh-CN" dirty="0">
+                <a:sym typeface="+mn-ea"/>
+              </a:rPr>
+              <a:t>)</a:t>
+            </a:r>
+            <a:endParaRPr lang="zh-CN" altLang="en-US" dirty="0"/>
+          </a:p>
+        </p:txBody>
+      </p:sp>
+      <p:sp>
+        <p:nvSpPr>
+          <p:cNvPr id="3" name="副标题 2"/>
+          <p:cNvSpPr>
+            <a:spLocks noGrp="1"/>
+          </p:cNvSpPr>
+          <p:nvPr>
+            <p:ph idx="1"/>
+          </p:nvPr>
+        </p:nvSpPr>
+        <p:spPr>
+          <a:xfrm>
+            <a:off x="726440" y="1612265"/>
+            <a:ext cx="5495925" cy="4342130"/>
+          </a:xfrm>
+        </p:spPr>
+        <p:txBody>
+          <a:bodyPr>
+            <a:normAutofit fontScale="90000" lnSpcReduction="20000"/>
+          </a:bodyPr>
+          <a:lstStyle/>
+          <a:p>
+            <a:pPr marL="0" indent="0">
+              <a:buNone/>
+            </a:pPr>
+            <a:r>
+              <a:rPr lang="en-US" altLang="zh-CN" dirty="0"/>
+              <a:t>1. </a:t>
+            </a:r>
+            <a:r>
+              <a:rPr lang="zh-CN" altLang="en-US" dirty="0"/>
+              <a:t>配置协议缺省名</a:t>
+            </a:r>
+            <a:endParaRPr lang="zh-CN" altLang="en-US" dirty="0"/>
+          </a:p>
+          <a:p>
+            <a:pPr marL="0" indent="0">
+              <a:buNone/>
+            </a:pPr>
+            <a:r>
+              <a:rPr lang="en-US" altLang="zh-CN" dirty="0"/>
+              <a:t>2. 创建参数集合 map ，用于下面创建 Dubbo URL 的 parameters 属性</a:t>
+            </a:r>
+            <a:endParaRPr lang="en-US" altLang="zh-CN" dirty="0"/>
+          </a:p>
+          <a:p>
+            <a:pPr marL="0" indent="0">
+              <a:buNone/>
+            </a:pPr>
+            <a:r>
+              <a:rPr lang="en-US" altLang="zh-CN" dirty="0"/>
+              <a:t>3. 将 side dubbo timestamp timestamp pid </a:t>
+            </a:r>
+            <a:r>
+              <a:rPr lang="zh-CN" altLang="en-US" dirty="0"/>
+              <a:t>和各种配置对象</a:t>
+            </a:r>
+            <a:r>
+              <a:rPr lang="en-US" altLang="zh-CN" dirty="0"/>
+              <a:t>添加到 map 中 </a:t>
+            </a:r>
+            <a:endParaRPr lang="en-US" altLang="zh-CN" dirty="0"/>
+          </a:p>
+          <a:p>
+            <a:pPr marL="0" algn="l">
+              <a:buSzTx/>
+              <a:buNone/>
+            </a:pPr>
+            <a:r>
+              <a:rPr lang="en-US" altLang="zh-CN" dirty="0"/>
+              <a:t>4. 将每个 MethodConfig 和其对应的 ArgumentConfig 对象数组，添加到 map 中</a:t>
+            </a:r>
+            <a:endParaRPr lang="en-US" altLang="zh-CN" dirty="0"/>
+          </a:p>
+          <a:p>
+            <a:pPr marL="0" algn="l">
+              <a:buSzTx/>
+              <a:buNone/>
+            </a:pPr>
+            <a:r>
+              <a:rPr lang="en-US" altLang="zh-CN" dirty="0"/>
+              <a:t>5. 将 generic methods revision 到 map 中</a:t>
+            </a:r>
+            <a:endParaRPr lang="en-US" altLang="zh-CN" dirty="0"/>
+          </a:p>
+          <a:p>
+            <a:pPr marL="0" algn="l">
+              <a:buSzTx/>
+              <a:buNone/>
+            </a:pPr>
+            <a:r>
+              <a:rPr lang="en-US" altLang="zh-CN" dirty="0"/>
+              <a:t>6. 当协议为 injvm 时，添加 notify = false 到 map 中，表示不注册，不通知</a:t>
+            </a:r>
+            <a:endParaRPr lang="en-US" altLang="zh-CN" dirty="0"/>
+          </a:p>
+          <a:p>
+            <a:pPr marL="0" algn="l">
+              <a:buSzTx/>
+              <a:buNone/>
+            </a:pPr>
+            <a:r>
+              <a:rPr lang="en-US" altLang="zh-CN" dirty="0"/>
+              <a:t>7. 获得注册到注册中心的服务提供者 Host, PORT</a:t>
+            </a:r>
+            <a:endParaRPr lang="en-US" altLang="zh-CN" dirty="0"/>
+          </a:p>
+          <a:p>
+            <a:pPr marL="0" algn="l">
+              <a:buSzTx/>
+              <a:buNone/>
+            </a:pPr>
+            <a:r>
+              <a:rPr lang="en-US" altLang="zh-CN" dirty="0"/>
+              <a:t>8. 创建Dubbo URL</a:t>
+            </a:r>
+            <a:endParaRPr lang="en-US" altLang="zh-CN" dirty="0"/>
+          </a:p>
+          <a:p>
+            <a:pPr marL="0" algn="l">
+              <a:buSzTx/>
+              <a:buNone/>
+            </a:pPr>
+            <a:r>
+              <a:rPr lang="en-US" altLang="zh-CN" dirty="0"/>
+              <a:t>9. 获取配置规则</a:t>
+            </a:r>
+            <a:endParaRPr lang="en-US" altLang="zh-CN" dirty="0"/>
+          </a:p>
+          <a:p>
+            <a:pPr marL="0" algn="l">
+              <a:buSzTx/>
+              <a:buNone/>
+            </a:pPr>
+            <a:r>
+              <a:rPr lang="en-US" altLang="zh-CN" dirty="0"/>
+              <a:t>10. 进行服务暴露</a:t>
+            </a:r>
+            <a:endParaRPr lang="en-US" altLang="zh-CN" dirty="0"/>
+          </a:p>
+        </p:txBody>
+      </p:sp>
+      <p:pic>
+        <p:nvPicPr>
+          <p:cNvPr id="4" name="图片 3"/>
+          <p:cNvPicPr>
+            <a:picLocks noChangeAspect="1"/>
+          </p:cNvPicPr>
+          <p:nvPr/>
+        </p:nvPicPr>
+        <p:blipFill>
+          <a:blip r:embed="rId1"/>
+          <a:stretch>
+            <a:fillRect/>
+          </a:stretch>
+        </p:blipFill>
+        <p:spPr>
+          <a:xfrm>
+            <a:off x="6222365" y="1145540"/>
+            <a:ext cx="5984875" cy="7004050"/>
+          </a:xfrm>
+          <a:prstGeom prst="rect">
+            <a:avLst/>
+          </a:prstGeom>
+        </p:spPr>
+      </p:pic>
+    </p:spTree>
+  </p:cSld>
+  <p:clrMapOvr>
+    <a:masterClrMapping/>
+  </p:clrMapOvr>
+</p:sld>
+</file>
+
+<file path=ppt/slides/slide11.xml><?xml version="1.0" encoding="utf-8"?>
+<p:sld xmlns:a="http://schemas.openxmlformats.org/drawingml/2006/main" xmlns:r="http://schemas.openxmlformats.org/officeDocument/2006/relationships" xmlns:p="http://schemas.openxmlformats.org/presentationml/2006/main">
+  <p:cSld>
+    <p:spTree>
+      <p:nvGrpSpPr>
+        <p:cNvPr id="1" name=""/>
+        <p:cNvGrpSpPr/>
+        <p:nvPr/>
+      </p:nvGrpSpPr>
+      <p:grpSpPr>
+        <a:xfrm>
+          <a:off x="0" y="0"/>
+          <a:ext cx="0" cy="0"/>
+          <a:chOff x="0" y="0"/>
+          <a:chExt cx="0" cy="0"/>
+        </a:xfrm>
+      </p:grpSpPr>
+      <p:sp>
+        <p:nvSpPr>
           <p:cNvPr id="4" name="标题 1"/>
           <p:cNvSpPr>
             <a:spLocks noGrp="1"/>
@@ -10519,322 +10767,6 @@
 </p:sld>
 </file>
 
-<file path=ppt/slides/slide11.xml><?xml version="1.0" encoding="utf-8"?>
-<p:sld xmlns:a="http://schemas.openxmlformats.org/drawingml/2006/main" xmlns:r="http://schemas.openxmlformats.org/officeDocument/2006/relationships" xmlns:p="http://schemas.openxmlformats.org/presentationml/2006/main">
-  <p:cSld>
-    <p:spTree>
-      <p:nvGrpSpPr>
-        <p:cNvPr id="1" name=""/>
-        <p:cNvGrpSpPr/>
-        <p:nvPr/>
-      </p:nvGrpSpPr>
-      <p:grpSpPr>
-        <a:xfrm>
-          <a:off x="0" y="0"/>
-          <a:ext cx="0" cy="0"/>
-          <a:chOff x="0" y="0"/>
-          <a:chExt cx="0" cy="0"/>
-        </a:xfrm>
-      </p:grpSpPr>
-      <p:sp>
-        <p:nvSpPr>
-          <p:cNvPr id="2" name="标题 1"/>
-          <p:cNvSpPr>
-            <a:spLocks noGrp="1"/>
-          </p:cNvSpPr>
-          <p:nvPr>
-            <p:ph type="title"/>
-          </p:nvPr>
-        </p:nvSpPr>
-        <p:spPr>
-          <a:xfrm>
-            <a:off x="1769405" y="645131"/>
-            <a:ext cx="8782438" cy="742235"/>
-          </a:xfrm>
-        </p:spPr>
-        <p:txBody>
-          <a:bodyPr>
-            <a:normAutofit fontScale="90000"/>
-          </a:bodyPr>
-          <a:lstStyle/>
-          <a:p>
-            <a:r>
-              <a:rPr lang="en-US" altLang="zh-CN" dirty="0">
-                <a:sym typeface="+mn-ea"/>
-              </a:rPr>
-              <a:t>dubbo Api</a:t>
-            </a:r>
-            <a:r>
-              <a:rPr lang="zh-CN" altLang="en-US" dirty="0">
-                <a:sym typeface="+mn-ea"/>
-              </a:rPr>
-              <a:t>配置之服务消费者</a:t>
-            </a:r>
-            <a:r>
-              <a:rPr lang="en-US" altLang="zh-CN" dirty="0">
-                <a:sym typeface="+mn-ea"/>
-              </a:rPr>
-              <a:t>(</a:t>
-            </a:r>
-            <a:r>
-              <a:rPr lang="zh-CN" altLang="en-US" dirty="0">
-                <a:sym typeface="+mn-ea"/>
-              </a:rPr>
-              <a:t>一</a:t>
-            </a:r>
-            <a:r>
-              <a:rPr lang="en-US" altLang="zh-CN" dirty="0">
-                <a:sym typeface="+mn-ea"/>
-              </a:rPr>
-              <a:t>)</a:t>
-            </a:r>
-            <a:endParaRPr lang="zh-CN" altLang="en-US" dirty="0"/>
-          </a:p>
-        </p:txBody>
-      </p:sp>
-      <p:sp>
-        <p:nvSpPr>
-          <p:cNvPr id="3" name="副标题 2"/>
-          <p:cNvSpPr>
-            <a:spLocks noGrp="1"/>
-          </p:cNvSpPr>
-          <p:nvPr>
-            <p:ph idx="1"/>
-          </p:nvPr>
-        </p:nvSpPr>
-        <p:spPr>
-          <a:xfrm>
-            <a:off x="739775" y="1308100"/>
-            <a:ext cx="10049510" cy="5424170"/>
-          </a:xfrm>
-        </p:spPr>
-        <p:txBody>
-          <a:bodyPr>
-            <a:normAutofit fontScale="90000"/>
-          </a:bodyPr>
-          <a:lstStyle/>
-          <a:p>
-            <a:pPr marL="0" indent="0">
-              <a:buNone/>
-            </a:pPr>
-            <a:r>
-              <a:rPr dirty="0"/>
-              <a:t>ApplicationConfig application = new ApplicationConfig(); </a:t>
-            </a:r>
-            <a:r>
-              <a:rPr dirty="0">
-                <a:sym typeface="+mn-ea"/>
-              </a:rPr>
-              <a:t>// 当前应用配置</a:t>
-            </a:r>
-            <a:endParaRPr dirty="0"/>
-          </a:p>
-          <a:p>
-            <a:pPr marL="0" indent="0">
-              <a:buNone/>
-            </a:pPr>
-            <a:r>
-              <a:rPr dirty="0"/>
-              <a:t>application.setName("</a:t>
-            </a:r>
-            <a:r>
-              <a:rPr lang="en-US" dirty="0"/>
-              <a:t>demo-consumer</a:t>
-            </a:r>
-            <a:r>
-              <a:rPr dirty="0"/>
-              <a:t>");</a:t>
-            </a:r>
-            <a:endParaRPr dirty="0"/>
-          </a:p>
-          <a:p>
-            <a:pPr marL="0" indent="0">
-              <a:buNone/>
-            </a:pPr>
-            <a:endParaRPr dirty="0"/>
-          </a:p>
-          <a:p>
-            <a:pPr marL="0" indent="0">
-              <a:buNone/>
-            </a:pPr>
-            <a:r>
-              <a:rPr dirty="0"/>
-              <a:t>RegistryConfig registry = new RegistryConfig();</a:t>
-            </a:r>
-            <a:r>
-              <a:rPr dirty="0">
-                <a:sym typeface="+mn-ea"/>
-              </a:rPr>
-              <a:t>// 连接注册中心配置</a:t>
-            </a:r>
-            <a:endParaRPr dirty="0"/>
-          </a:p>
-          <a:p>
-            <a:pPr marL="0" indent="0">
-              <a:buNone/>
-            </a:pPr>
-            <a:r>
-              <a:rPr dirty="0"/>
-              <a:t>registry.setAddress("10.20.13.23:9090");</a:t>
-            </a:r>
-            <a:endParaRPr dirty="0"/>
-          </a:p>
-          <a:p>
-            <a:pPr marL="0" indent="0">
-              <a:buNone/>
-            </a:pPr>
-            <a:endParaRPr dirty="0"/>
-          </a:p>
-          <a:p>
-            <a:pPr marL="0" indent="0">
-              <a:buNone/>
-            </a:pPr>
-            <a:r>
-              <a:rPr dirty="0"/>
-              <a:t>ReferenceConfig&lt;</a:t>
-            </a:r>
-            <a:r>
-              <a:rPr lang="en-US" dirty="0">
-                <a:sym typeface="+mn-ea"/>
-              </a:rPr>
-              <a:t>Demo</a:t>
-            </a:r>
-            <a:r>
-              <a:rPr dirty="0">
-                <a:sym typeface="+mn-ea"/>
-              </a:rPr>
-              <a:t>Service</a:t>
-            </a:r>
-            <a:r>
-              <a:rPr dirty="0"/>
-              <a:t>&gt; reference = new ReferenceConfig&lt;</a:t>
-            </a:r>
-            <a:r>
-              <a:rPr lang="en-US" dirty="0"/>
-              <a:t>Demo</a:t>
-            </a:r>
-            <a:r>
-              <a:rPr dirty="0"/>
-              <a:t>Service&gt;(); // </a:t>
-            </a:r>
-            <a:r>
-              <a:rPr dirty="0">
-                <a:sym typeface="+mn-ea"/>
-              </a:rPr>
-              <a:t>ReferenceConfig为重对象，内部封装了与注册中心的连接，以及与服务提供方的连接</a:t>
-            </a:r>
-            <a:r>
-              <a:rPr lang="en-US" dirty="0">
-                <a:sym typeface="+mn-ea"/>
-              </a:rPr>
-              <a:t>, </a:t>
-            </a:r>
-            <a:r>
-              <a:rPr dirty="0">
-                <a:sym typeface="+mn-ea"/>
-              </a:rPr>
-              <a:t>引用远程服务</a:t>
-            </a:r>
-            <a:endParaRPr dirty="0"/>
-          </a:p>
-          <a:p>
-            <a:pPr marL="0" indent="0">
-              <a:buNone/>
-            </a:pPr>
-            <a:r>
-              <a:rPr dirty="0"/>
-              <a:t>reference.setApplication(application);</a:t>
-            </a:r>
-            <a:endParaRPr dirty="0"/>
-          </a:p>
-          <a:p>
-            <a:pPr marL="0" indent="0">
-              <a:buNone/>
-            </a:pPr>
-            <a:r>
-              <a:rPr dirty="0"/>
-              <a:t>reference.setRegistry(registry); // 多个注册中心可以用setRegistries()</a:t>
-            </a:r>
-            <a:endParaRPr dirty="0"/>
-          </a:p>
-          <a:p>
-            <a:pPr marL="0" indent="0">
-              <a:buNone/>
-            </a:pPr>
-            <a:r>
-              <a:rPr dirty="0"/>
-              <a:t>reference.setInterface(</a:t>
-            </a:r>
-            <a:r>
-              <a:rPr lang="en-US" dirty="0"/>
-              <a:t>Demo</a:t>
-            </a:r>
-            <a:r>
-              <a:rPr dirty="0"/>
-              <a:t>Service.class);</a:t>
-            </a:r>
-            <a:endParaRPr dirty="0"/>
-          </a:p>
-          <a:p>
-            <a:pPr marL="0" indent="0">
-              <a:buNone/>
-            </a:pPr>
-            <a:r>
-              <a:rPr dirty="0"/>
-              <a:t>reference.setVersion("1.0.0");</a:t>
-            </a:r>
-            <a:endParaRPr dirty="0"/>
-          </a:p>
-          <a:p>
-            <a:pPr marL="0" indent="0">
-              <a:buNone/>
-            </a:pPr>
-            <a:r>
-              <a:rPr dirty="0"/>
-              <a:t>// 和本地bean一样使用</a:t>
-            </a:r>
-            <a:r>
-              <a:rPr lang="en-US" dirty="0"/>
-              <a:t>Demo</a:t>
-            </a:r>
-            <a:r>
-              <a:rPr dirty="0"/>
-              <a:t>Service</a:t>
-            </a:r>
-            <a:endParaRPr dirty="0"/>
-          </a:p>
-          <a:p>
-            <a:pPr marL="0" indent="0">
-              <a:buNone/>
-            </a:pPr>
-            <a:r>
-              <a:rPr lang="en-US" dirty="0"/>
-              <a:t>Demo</a:t>
-            </a:r>
-            <a:r>
-              <a:rPr dirty="0"/>
-              <a:t>Service </a:t>
-            </a:r>
-            <a:r>
-              <a:rPr lang="en-US" dirty="0"/>
-              <a:t>demo</a:t>
-            </a:r>
-            <a:r>
-              <a:rPr dirty="0"/>
-              <a:t>Service = reference.get(); // 注意：此代理对象内部封装了所有通讯细节，对象较重，请缓存复用</a:t>
-            </a:r>
-            <a:endParaRPr dirty="0"/>
-          </a:p>
-        </p:txBody>
-      </p:sp>
-    </p:spTree>
-  </p:cSld>
-  <p:clrMapOvr>
-    <a:masterClrMapping/>
-  </p:clrMapOvr>
-</p:sld>
-</file>
-
 <file path=ppt/slides/slide12.xml><?xml version="1.0" encoding="utf-8"?>
 <p:sld xmlns:a="http://schemas.openxmlformats.org/drawingml/2006/main" xmlns:r="http://schemas.openxmlformats.org/officeDocument/2006/relationships" xmlns:p="http://schemas.openxmlformats.org/presentationml/2006/main">
   <p:cSld>
@@ -10896,6 +10828,322 @@
               <a:rPr lang="zh-CN" altLang="en-US" dirty="0">
                 <a:sym typeface="+mn-ea"/>
               </a:rPr>
+              <a:t>一</a:t>
+            </a:r>
+            <a:r>
+              <a:rPr lang="en-US" altLang="zh-CN" dirty="0">
+                <a:sym typeface="+mn-ea"/>
+              </a:rPr>
+              <a:t>)</a:t>
+            </a:r>
+            <a:endParaRPr lang="zh-CN" altLang="en-US" dirty="0"/>
+          </a:p>
+        </p:txBody>
+      </p:sp>
+      <p:sp>
+        <p:nvSpPr>
+          <p:cNvPr id="3" name="副标题 2"/>
+          <p:cNvSpPr>
+            <a:spLocks noGrp="1"/>
+          </p:cNvSpPr>
+          <p:nvPr>
+            <p:ph idx="1"/>
+          </p:nvPr>
+        </p:nvSpPr>
+        <p:spPr>
+          <a:xfrm>
+            <a:off x="739775" y="1308100"/>
+            <a:ext cx="10049510" cy="5424170"/>
+          </a:xfrm>
+        </p:spPr>
+        <p:txBody>
+          <a:bodyPr>
+            <a:normAutofit fontScale="90000"/>
+          </a:bodyPr>
+          <a:lstStyle/>
+          <a:p>
+            <a:pPr marL="0" indent="0">
+              <a:buNone/>
+            </a:pPr>
+            <a:r>
+              <a:rPr dirty="0"/>
+              <a:t>ApplicationConfig application = new ApplicationConfig(); </a:t>
+            </a:r>
+            <a:r>
+              <a:rPr dirty="0">
+                <a:sym typeface="+mn-ea"/>
+              </a:rPr>
+              <a:t>// 当前应用配置</a:t>
+            </a:r>
+            <a:endParaRPr dirty="0"/>
+          </a:p>
+          <a:p>
+            <a:pPr marL="0" indent="0">
+              <a:buNone/>
+            </a:pPr>
+            <a:r>
+              <a:rPr dirty="0"/>
+              <a:t>application.setName("</a:t>
+            </a:r>
+            <a:r>
+              <a:rPr lang="en-US" dirty="0"/>
+              <a:t>demo-consumer</a:t>
+            </a:r>
+            <a:r>
+              <a:rPr dirty="0"/>
+              <a:t>");</a:t>
+            </a:r>
+            <a:endParaRPr dirty="0"/>
+          </a:p>
+          <a:p>
+            <a:pPr marL="0" indent="0">
+              <a:buNone/>
+            </a:pPr>
+            <a:endParaRPr dirty="0"/>
+          </a:p>
+          <a:p>
+            <a:pPr marL="0" indent="0">
+              <a:buNone/>
+            </a:pPr>
+            <a:r>
+              <a:rPr dirty="0"/>
+              <a:t>RegistryConfig registry = new RegistryConfig();</a:t>
+            </a:r>
+            <a:r>
+              <a:rPr dirty="0">
+                <a:sym typeface="+mn-ea"/>
+              </a:rPr>
+              <a:t>// 连接注册中心配置</a:t>
+            </a:r>
+            <a:endParaRPr dirty="0"/>
+          </a:p>
+          <a:p>
+            <a:pPr marL="0" indent="0">
+              <a:buNone/>
+            </a:pPr>
+            <a:r>
+              <a:rPr dirty="0"/>
+              <a:t>registry.setAddress("10.20.13.23:9090");</a:t>
+            </a:r>
+            <a:endParaRPr dirty="0"/>
+          </a:p>
+          <a:p>
+            <a:pPr marL="0" indent="0">
+              <a:buNone/>
+            </a:pPr>
+            <a:endParaRPr dirty="0"/>
+          </a:p>
+          <a:p>
+            <a:pPr marL="0" indent="0">
+              <a:buNone/>
+            </a:pPr>
+            <a:r>
+              <a:rPr dirty="0"/>
+              <a:t>ReferenceConfig&lt;</a:t>
+            </a:r>
+            <a:r>
+              <a:rPr lang="en-US" dirty="0">
+                <a:sym typeface="+mn-ea"/>
+              </a:rPr>
+              <a:t>Demo</a:t>
+            </a:r>
+            <a:r>
+              <a:rPr dirty="0">
+                <a:sym typeface="+mn-ea"/>
+              </a:rPr>
+              <a:t>Service</a:t>
+            </a:r>
+            <a:r>
+              <a:rPr dirty="0"/>
+              <a:t>&gt; reference = new ReferenceConfig&lt;</a:t>
+            </a:r>
+            <a:r>
+              <a:rPr lang="en-US" dirty="0"/>
+              <a:t>Demo</a:t>
+            </a:r>
+            <a:r>
+              <a:rPr dirty="0"/>
+              <a:t>Service&gt;(); // </a:t>
+            </a:r>
+            <a:r>
+              <a:rPr dirty="0">
+                <a:sym typeface="+mn-ea"/>
+              </a:rPr>
+              <a:t>ReferenceConfig为重对象，内部封装了与注册中心的连接，以及与服务提供方的连接</a:t>
+            </a:r>
+            <a:r>
+              <a:rPr lang="en-US" dirty="0">
+                <a:sym typeface="+mn-ea"/>
+              </a:rPr>
+              <a:t>, </a:t>
+            </a:r>
+            <a:r>
+              <a:rPr dirty="0">
+                <a:sym typeface="+mn-ea"/>
+              </a:rPr>
+              <a:t>引用远程服务</a:t>
+            </a:r>
+            <a:endParaRPr dirty="0"/>
+          </a:p>
+          <a:p>
+            <a:pPr marL="0" indent="0">
+              <a:buNone/>
+            </a:pPr>
+            <a:r>
+              <a:rPr dirty="0"/>
+              <a:t>reference.setApplication(application);</a:t>
+            </a:r>
+            <a:endParaRPr dirty="0"/>
+          </a:p>
+          <a:p>
+            <a:pPr marL="0" indent="0">
+              <a:buNone/>
+            </a:pPr>
+            <a:r>
+              <a:rPr dirty="0"/>
+              <a:t>reference.setRegistry(registry); // 多个注册中心可以用setRegistries()</a:t>
+            </a:r>
+            <a:endParaRPr dirty="0"/>
+          </a:p>
+          <a:p>
+            <a:pPr marL="0" indent="0">
+              <a:buNone/>
+            </a:pPr>
+            <a:r>
+              <a:rPr dirty="0"/>
+              <a:t>reference.setInterface(</a:t>
+            </a:r>
+            <a:r>
+              <a:rPr lang="en-US" dirty="0"/>
+              <a:t>Demo</a:t>
+            </a:r>
+            <a:r>
+              <a:rPr dirty="0"/>
+              <a:t>Service.class);</a:t>
+            </a:r>
+            <a:endParaRPr dirty="0"/>
+          </a:p>
+          <a:p>
+            <a:pPr marL="0" indent="0">
+              <a:buNone/>
+            </a:pPr>
+            <a:r>
+              <a:rPr dirty="0"/>
+              <a:t>reference.setVersion("1.0.0");</a:t>
+            </a:r>
+            <a:endParaRPr dirty="0"/>
+          </a:p>
+          <a:p>
+            <a:pPr marL="0" indent="0">
+              <a:buNone/>
+            </a:pPr>
+            <a:r>
+              <a:rPr dirty="0"/>
+              <a:t>// 和本地bean一样使用</a:t>
+            </a:r>
+            <a:r>
+              <a:rPr lang="en-US" dirty="0"/>
+              <a:t>Demo</a:t>
+            </a:r>
+            <a:r>
+              <a:rPr dirty="0"/>
+              <a:t>Service</a:t>
+            </a:r>
+            <a:endParaRPr dirty="0"/>
+          </a:p>
+          <a:p>
+            <a:pPr marL="0" indent="0">
+              <a:buNone/>
+            </a:pPr>
+            <a:r>
+              <a:rPr lang="en-US" dirty="0"/>
+              <a:t>Demo</a:t>
+            </a:r>
+            <a:r>
+              <a:rPr dirty="0"/>
+              <a:t>Service </a:t>
+            </a:r>
+            <a:r>
+              <a:rPr lang="en-US" dirty="0"/>
+              <a:t>demo</a:t>
+            </a:r>
+            <a:r>
+              <a:rPr dirty="0"/>
+              <a:t>Service = reference.get(); // 注意：此代理对象内部封装了所有通讯细节，对象较重，请缓存复用</a:t>
+            </a:r>
+            <a:endParaRPr dirty="0"/>
+          </a:p>
+        </p:txBody>
+      </p:sp>
+    </p:spTree>
+  </p:cSld>
+  <p:clrMapOvr>
+    <a:masterClrMapping/>
+  </p:clrMapOvr>
+</p:sld>
+</file>
+
+<file path=ppt/slides/slide13.xml><?xml version="1.0" encoding="utf-8"?>
+<p:sld xmlns:a="http://schemas.openxmlformats.org/drawingml/2006/main" xmlns:r="http://schemas.openxmlformats.org/officeDocument/2006/relationships" xmlns:p="http://schemas.openxmlformats.org/presentationml/2006/main">
+  <p:cSld>
+    <p:spTree>
+      <p:nvGrpSpPr>
+        <p:cNvPr id="1" name=""/>
+        <p:cNvGrpSpPr/>
+        <p:nvPr/>
+      </p:nvGrpSpPr>
+      <p:grpSpPr>
+        <a:xfrm>
+          <a:off x="0" y="0"/>
+          <a:ext cx="0" cy="0"/>
+          <a:chOff x="0" y="0"/>
+          <a:chExt cx="0" cy="0"/>
+        </a:xfrm>
+      </p:grpSpPr>
+      <p:sp>
+        <p:nvSpPr>
+          <p:cNvPr id="2" name="标题 1"/>
+          <p:cNvSpPr>
+            <a:spLocks noGrp="1"/>
+          </p:cNvSpPr>
+          <p:nvPr>
+            <p:ph type="title"/>
+          </p:nvPr>
+        </p:nvSpPr>
+        <p:spPr>
+          <a:xfrm>
+            <a:off x="1769405" y="645131"/>
+            <a:ext cx="8782438" cy="742235"/>
+          </a:xfrm>
+        </p:spPr>
+        <p:txBody>
+          <a:bodyPr>
+            <a:normAutofit fontScale="90000"/>
+          </a:bodyPr>
+          <a:lstStyle/>
+          <a:p>
+            <a:r>
+              <a:rPr lang="en-US" altLang="zh-CN" dirty="0">
+                <a:sym typeface="+mn-ea"/>
+              </a:rPr>
+              <a:t>dubbo Api</a:t>
+            </a:r>
+            <a:r>
+              <a:rPr lang="zh-CN" altLang="en-US" dirty="0">
+                <a:sym typeface="+mn-ea"/>
+              </a:rPr>
+              <a:t>配置之服务消费者</a:t>
+            </a:r>
+            <a:r>
+              <a:rPr lang="en-US" altLang="zh-CN" dirty="0">
+                <a:sym typeface="+mn-ea"/>
+              </a:rPr>
+              <a:t>(</a:t>
+            </a:r>
+            <a:r>
+              <a:rPr lang="zh-CN" altLang="en-US" dirty="0">
+                <a:sym typeface="+mn-ea"/>
+              </a:rPr>
               <a:t>二</a:t>
             </a:r>
             <a:r>
@@ -11205,7 +11453,7 @@
 </p:sld>
 </file>
 
-<file path=ppt/slides/slide13.xml><?xml version="1.0" encoding="utf-8"?>
+<file path=ppt/slides/slide14.xml><?xml version="1.0" encoding="utf-8"?>
 <p:sld xmlns:a="http://schemas.openxmlformats.org/drawingml/2006/main" xmlns:r="http://schemas.openxmlformats.org/officeDocument/2006/relationships" xmlns:p="http://schemas.openxmlformats.org/presentationml/2006/main">
   <p:cSld>
     <p:spTree>
@@ -12130,430 +12378,6 @@
 </p:sld>
 </file>
 
-<file path=ppt/slides/slide14.xml><?xml version="1.0" encoding="utf-8"?>
-<p:sld xmlns:a="http://schemas.openxmlformats.org/drawingml/2006/main" xmlns:r="http://schemas.openxmlformats.org/officeDocument/2006/relationships" xmlns:p="http://schemas.openxmlformats.org/presentationml/2006/main">
-  <p:cSld>
-    <p:spTree>
-      <p:nvGrpSpPr>
-        <p:cNvPr id="1" name=""/>
-        <p:cNvGrpSpPr/>
-        <p:nvPr/>
-      </p:nvGrpSpPr>
-      <p:grpSpPr>
-        <a:xfrm>
-          <a:off x="0" y="0"/>
-          <a:ext cx="0" cy="0"/>
-          <a:chOff x="0" y="0"/>
-          <a:chExt cx="0" cy="0"/>
-        </a:xfrm>
-      </p:grpSpPr>
-      <p:sp>
-        <p:nvSpPr>
-          <p:cNvPr id="2" name="标题 1"/>
-          <p:cNvSpPr>
-            <a:spLocks noGrp="1"/>
-          </p:cNvSpPr>
-          <p:nvPr>
-            <p:ph type="title"/>
-          </p:nvPr>
-        </p:nvSpPr>
-        <p:spPr>
-          <a:xfrm>
-            <a:off x="1769110" y="645160"/>
-            <a:ext cx="9894570" cy="627380"/>
-          </a:xfrm>
-        </p:spPr>
-        <p:txBody>
-          <a:bodyPr>
-            <a:normAutofit fontScale="90000"/>
-          </a:bodyPr>
-          <a:lstStyle/>
-          <a:p>
-            <a:r>
-              <a:rPr lang="en-US" altLang="zh-CN" sz="3000" dirty="0">
-                <a:sym typeface="+mn-ea"/>
-              </a:rPr>
-              <a:t>dubbo Api</a:t>
-            </a:r>
-            <a:r>
-              <a:rPr lang="zh-CN" altLang="en-US" sz="3000" dirty="0">
-                <a:sym typeface="+mn-ea"/>
-              </a:rPr>
-              <a:t>本地</a:t>
-            </a:r>
-            <a:r>
-              <a:rPr lang="en-US" altLang="zh-CN" sz="3000" dirty="0">
-                <a:sym typeface="+mn-ea"/>
-              </a:rPr>
-              <a:t>(INJvm)</a:t>
-            </a:r>
-            <a:r>
-              <a:rPr lang="zh-CN" altLang="en-US" sz="3000" dirty="0">
-                <a:sym typeface="+mn-ea"/>
-              </a:rPr>
-              <a:t>暴露服务</a:t>
-            </a:r>
-            <a:endParaRPr lang="zh-CN" altLang="en-US" sz="3000" dirty="0">
-              <a:sym typeface="+mn-ea"/>
-            </a:endParaRPr>
-          </a:p>
-        </p:txBody>
-      </p:sp>
-      <p:sp>
-        <p:nvSpPr>
-          <p:cNvPr id="3" name="副标题 2"/>
-          <p:cNvSpPr>
-            <a:spLocks noGrp="1"/>
-          </p:cNvSpPr>
-          <p:nvPr>
-            <p:ph idx="1"/>
-          </p:nvPr>
-        </p:nvSpPr>
-        <p:spPr>
-          <a:xfrm>
-            <a:off x="726440" y="1272540"/>
-            <a:ext cx="4528820" cy="5403215"/>
-          </a:xfrm>
-        </p:spPr>
-        <p:txBody>
-          <a:bodyPr>
-            <a:normAutofit fontScale="90000"/>
-          </a:bodyPr>
-          <a:lstStyle/>
-          <a:p>
-            <a:pPr marL="0" indent="0">
-              <a:buNone/>
-            </a:pPr>
-            <a:r>
-              <a:rPr lang="en-US" altLang="zh-CN" dirty="0"/>
-              <a:t>1. protocal</a:t>
-            </a:r>
-            <a:r>
-              <a:rPr lang="zh-CN" altLang="en-US" dirty="0"/>
-              <a:t>和</a:t>
-            </a:r>
-            <a:r>
-              <a:rPr lang="en-US" altLang="zh-CN" dirty="0"/>
-              <a:t>proxyFactory</a:t>
-            </a:r>
-            <a:r>
-              <a:rPr lang="zh-CN" altLang="en-US" dirty="0"/>
-              <a:t>都是静态属性</a:t>
-            </a:r>
-            <a:r>
-              <a:rPr lang="en-US" altLang="zh-CN" dirty="0"/>
-              <a:t>, </a:t>
-            </a:r>
-            <a:r>
-              <a:rPr lang="zh-CN" altLang="en-US" dirty="0"/>
-              <a:t>通过</a:t>
-            </a:r>
-            <a:r>
-              <a:rPr lang="en-US" altLang="zh-CN" dirty="0"/>
-              <a:t>dubbo SPI</a:t>
-            </a:r>
-            <a:r>
-              <a:rPr lang="zh-CN" altLang="en-US" dirty="0"/>
-              <a:t>获得对应信息</a:t>
-            </a:r>
-            <a:r>
-              <a:rPr lang="en-US" altLang="zh-CN" dirty="0"/>
-              <a:t>(</a:t>
-            </a:r>
-            <a:r>
-              <a:rPr lang="zh-CN" altLang="en-US" b="1" dirty="0">
-                <a:solidFill>
-                  <a:srgbClr val="FF0000"/>
-                </a:solidFill>
-              </a:rPr>
-              <a:t>实际上是代理对象</a:t>
-            </a:r>
-            <a:r>
-              <a:rPr lang="en-US" altLang="zh-CN" dirty="0"/>
-              <a:t>)</a:t>
-            </a:r>
-            <a:endParaRPr lang="zh-CN" altLang="en-US" dirty="0"/>
-          </a:p>
-          <a:p>
-            <a:pPr marL="0" indent="0">
-              <a:buNone/>
-            </a:pPr>
-            <a:r>
-              <a:rPr lang="en-US" altLang="zh-CN" dirty="0"/>
-              <a:t>2. </a:t>
-            </a:r>
-            <a:r>
-              <a:rPr lang="zh-CN" altLang="en-US" dirty="0"/>
-              <a:t>创建新的本地</a:t>
-            </a:r>
-            <a:r>
-              <a:rPr lang="en-US" altLang="zh-CN" dirty="0"/>
-              <a:t>(local -- InJvm)</a:t>
-            </a:r>
-            <a:r>
-              <a:rPr lang="zh-CN" altLang="en-US" dirty="0"/>
-              <a:t>Dubbo URL 对象</a:t>
-            </a:r>
-            <a:r>
-              <a:rPr lang="en-US" altLang="zh-CN" dirty="0"/>
-              <a:t>, </a:t>
-            </a:r>
-            <a:r>
-              <a:rPr lang="zh-CN" altLang="en-US" dirty="0"/>
-              <a:t>并设置</a:t>
-            </a:r>
-            <a:r>
-              <a:rPr lang="en-US" altLang="zh-CN" dirty="0"/>
-              <a:t>protocol=inJvm</a:t>
-            </a:r>
-            <a:r>
-              <a:rPr lang="zh-CN" altLang="en-US" dirty="0"/>
-              <a:t>、</a:t>
-            </a:r>
-            <a:r>
-              <a:rPr lang="en-US" altLang="zh-CN" dirty="0"/>
-              <a:t> host=127.0.0.1</a:t>
-            </a:r>
-            <a:r>
-              <a:rPr lang="zh-CN" altLang="en-US" dirty="0"/>
-              <a:t>、</a:t>
-            </a:r>
-            <a:r>
-              <a:rPr lang="en-US" altLang="zh-CN" dirty="0"/>
-              <a:t>port=0</a:t>
-            </a:r>
-            <a:r>
-              <a:rPr lang="zh-CN" altLang="en-US" dirty="0"/>
-              <a:t>属性信息</a:t>
-            </a:r>
-            <a:endParaRPr lang="zh-CN" altLang="en-US" dirty="0"/>
-          </a:p>
-          <a:p>
-            <a:pPr marL="0" indent="0">
-              <a:buNone/>
-            </a:pPr>
-            <a:r>
-              <a:rPr lang="en-US" altLang="zh-CN" dirty="0"/>
-              <a:t>3. </a:t>
-            </a:r>
-            <a:r>
-              <a:rPr lang="zh-CN" altLang="en-US" dirty="0"/>
-              <a:t>添加服务的真实类名</a:t>
-            </a:r>
-            <a:r>
-              <a:rPr lang="en-US" altLang="zh-CN" dirty="0"/>
-              <a:t>, </a:t>
-            </a:r>
-            <a:r>
-              <a:rPr lang="zh-CN" altLang="en-US" dirty="0"/>
-              <a:t>比如</a:t>
-            </a:r>
-            <a:r>
-              <a:rPr lang="en-US" altLang="zh-CN" dirty="0"/>
-              <a:t>DemoServiceImpl, </a:t>
-            </a:r>
-            <a:r>
-              <a:rPr lang="zh-CN" altLang="en-US" dirty="0"/>
-              <a:t>用于</a:t>
-            </a:r>
-            <a:r>
-              <a:rPr lang="en-US" altLang="zh-CN" dirty="0"/>
-              <a:t>RestProtocol</a:t>
-            </a:r>
-            <a:r>
-              <a:rPr lang="zh-CN" altLang="en-US" dirty="0"/>
-              <a:t>中</a:t>
-            </a:r>
-            <a:endParaRPr lang="zh-CN" altLang="en-US" dirty="0"/>
-          </a:p>
-          <a:p>
-            <a:pPr marL="0" indent="0">
-              <a:buNone/>
-            </a:pPr>
-            <a:r>
-              <a:rPr lang="en-US" altLang="zh-CN" dirty="0"/>
-              <a:t>4. </a:t>
-            </a:r>
-            <a:r>
-              <a:rPr lang="zh-CN" altLang="en-US" dirty="0"/>
-              <a:t>通过</a:t>
-            </a:r>
-            <a:r>
-              <a:rPr lang="en-US" altLang="zh-CN" dirty="0"/>
-              <a:t>getInvoker</a:t>
-            </a:r>
-            <a:r>
-              <a:rPr lang="zh-CN" altLang="en-US" dirty="0"/>
-              <a:t>创建</a:t>
-            </a:r>
-            <a:r>
-              <a:rPr lang="en-US" altLang="zh-CN" dirty="0"/>
-              <a:t>Invoker</a:t>
-            </a:r>
-            <a:r>
-              <a:rPr lang="zh-CN" altLang="en-US" dirty="0"/>
-              <a:t>对象</a:t>
-            </a:r>
-            <a:r>
-              <a:rPr lang="en-US" altLang="zh-CN" dirty="0"/>
-              <a:t>(invoker.url</a:t>
-            </a:r>
-            <a:r>
-              <a:rPr lang="zh-CN" altLang="en-US" dirty="0"/>
-              <a:t>获得</a:t>
-            </a:r>
-            <a:r>
-              <a:rPr lang="en-US" altLang="zh-CN" dirty="0"/>
-              <a:t>URL</a:t>
-            </a:r>
-            <a:r>
-              <a:rPr lang="zh-CN" altLang="en-US" dirty="0"/>
-              <a:t>信息</a:t>
-            </a:r>
-            <a:r>
-              <a:rPr lang="en-US" altLang="zh-CN" dirty="0"/>
-              <a:t>, </a:t>
-            </a:r>
-            <a:r>
-              <a:rPr lang="zh-CN" altLang="en-US" dirty="0"/>
-              <a:t>在</a:t>
-            </a:r>
-            <a:r>
-              <a:rPr lang="en-US" altLang="zh-CN" dirty="0"/>
-              <a:t>URL</a:t>
-            </a:r>
-            <a:r>
-              <a:rPr lang="zh-CN" altLang="en-US" dirty="0"/>
-              <a:t>中获得</a:t>
-            </a:r>
-            <a:r>
-              <a:rPr lang="en-US" altLang="zh-CN" dirty="0"/>
-              <a:t>Protocol</a:t>
-            </a:r>
-            <a:r>
-              <a:rPr lang="zh-CN" altLang="en-US" dirty="0"/>
-              <a:t>对应拓展实现</a:t>
-            </a:r>
-            <a:r>
-              <a:rPr lang="en-US" altLang="zh-CN" dirty="0"/>
-              <a:t>, </a:t>
-            </a:r>
-            <a:r>
-              <a:rPr lang="zh-CN" altLang="en-US" dirty="0"/>
-              <a:t>比如</a:t>
-            </a:r>
-            <a:r>
-              <a:rPr lang="en-US" altLang="zh-CN" dirty="0"/>
-              <a:t>InJvmProtocol</a:t>
-            </a:r>
-            <a:r>
-              <a:rPr lang="en-US" altLang="zh-CN" dirty="0"/>
-              <a:t>)</a:t>
-            </a:r>
-            <a:endParaRPr lang="zh-CN" altLang="en-US" dirty="0"/>
-          </a:p>
-          <a:p>
-            <a:pPr marL="0" indent="0">
-              <a:buNone/>
-            </a:pPr>
-            <a:r>
-              <a:rPr lang="en-US" altLang="zh-CN" dirty="0"/>
-              <a:t>5. </a:t>
-            </a:r>
-            <a:r>
-              <a:rPr lang="zh-CN" altLang="en-US" dirty="0"/>
-              <a:t>通过</a:t>
-            </a:r>
-            <a:r>
-              <a:rPr lang="en-US" altLang="zh-CN" dirty="0"/>
-              <a:t>export()</a:t>
-            </a:r>
-            <a:r>
-              <a:rPr lang="zh-CN" altLang="en-US" dirty="0"/>
-              <a:t>将服务对外暴露</a:t>
-            </a:r>
-            <a:endParaRPr lang="zh-CN" altLang="en-US" dirty="0"/>
-          </a:p>
-          <a:p>
-            <a:pPr marL="0" indent="0">
-              <a:buNone/>
-            </a:pPr>
-            <a:r>
-              <a:rPr lang="en-US" altLang="zh-CN" dirty="0"/>
-              <a:t>6. </a:t>
-            </a:r>
-            <a:r>
-              <a:rPr lang="zh-CN" altLang="en-US" dirty="0"/>
-              <a:t>将</a:t>
-            </a:r>
-            <a:r>
-              <a:rPr lang="en-US" altLang="zh-CN" dirty="0"/>
-              <a:t>export</a:t>
-            </a:r>
-            <a:r>
-              <a:rPr lang="zh-CN" altLang="en-US" dirty="0"/>
-              <a:t>缓存在exporters中</a:t>
-            </a:r>
-            <a:endParaRPr lang="zh-CN" altLang="en-US" dirty="0"/>
-          </a:p>
-          <a:p>
-            <a:pPr marL="0" indent="0">
-              <a:buNone/>
-            </a:pPr>
-            <a:r>
-              <a:rPr lang="en-US" altLang="zh-CN" dirty="0"/>
-              <a:t>NOTE:</a:t>
-            </a:r>
-            <a:endParaRPr lang="en-US" altLang="zh-CN" dirty="0"/>
-          </a:p>
-          <a:p>
-            <a:pPr marL="0" indent="0">
-              <a:buNone/>
-            </a:pPr>
-            <a:r>
-              <a:rPr lang="en-US" altLang="zh-CN" dirty="0"/>
-              <a:t>export()</a:t>
-            </a:r>
-            <a:r>
-              <a:rPr lang="zh-CN" altLang="en-US" dirty="0"/>
-              <a:t>的调用顺序是Protocol$Adaptive =&gt; ProtocolFilterWrapper =&gt; ProtocolListenerWrapper =&gt; InjvmProtocol </a:t>
-            </a:r>
-            <a:endParaRPr lang="zh-CN" altLang="en-US" dirty="0"/>
-          </a:p>
-        </p:txBody>
-      </p:sp>
-      <p:pic>
-        <p:nvPicPr>
-          <p:cNvPr id="5" name="图片 4"/>
-          <p:cNvPicPr>
-            <a:picLocks noChangeAspect="1"/>
-          </p:cNvPicPr>
-          <p:nvPr/>
-        </p:nvPicPr>
-        <p:blipFill>
-          <a:blip r:embed="rId1"/>
-          <a:stretch>
-            <a:fillRect/>
-          </a:stretch>
-        </p:blipFill>
-        <p:spPr>
-          <a:xfrm>
-            <a:off x="4973320" y="1059815"/>
-            <a:ext cx="7371080" cy="5879465"/>
-          </a:xfrm>
-          <a:prstGeom prst="rect">
-            <a:avLst/>
-          </a:prstGeom>
-        </p:spPr>
-      </p:pic>
-    </p:spTree>
-  </p:cSld>
-  <p:clrMapOvr>
-    <a:masterClrMapping/>
-  </p:clrMapOvr>
-</p:sld>
-</file>
-
 <file path=ppt/slides/slide15.xml><?xml version="1.0" encoding="utf-8"?>
 <p:sld xmlns:a="http://schemas.openxmlformats.org/drawingml/2006/main" xmlns:r="http://schemas.openxmlformats.org/officeDocument/2006/relationships" xmlns:p="http://schemas.openxmlformats.org/presentationml/2006/main">
   <p:cSld>
@@ -12623,9 +12447,332 @@
           </a:p>
         </p:txBody>
       </p:sp>
+      <p:sp>
+        <p:nvSpPr>
+          <p:cNvPr id="3" name="副标题 2"/>
+          <p:cNvSpPr>
+            <a:spLocks noGrp="1"/>
+          </p:cNvSpPr>
+          <p:nvPr>
+            <p:ph idx="1"/>
+          </p:nvPr>
+        </p:nvSpPr>
+        <p:spPr>
+          <a:xfrm>
+            <a:off x="726440" y="1272540"/>
+            <a:ext cx="4528820" cy="5403215"/>
+          </a:xfrm>
+        </p:spPr>
+        <p:txBody>
+          <a:bodyPr>
+            <a:normAutofit fontScale="90000"/>
+          </a:bodyPr>
+          <a:lstStyle/>
+          <a:p>
+            <a:pPr marL="0" indent="0">
+              <a:buNone/>
+            </a:pPr>
+            <a:r>
+              <a:rPr lang="en-US" altLang="zh-CN" dirty="0"/>
+              <a:t>1. protocal</a:t>
+            </a:r>
+            <a:r>
+              <a:rPr lang="zh-CN" altLang="en-US" dirty="0"/>
+              <a:t>和</a:t>
+            </a:r>
+            <a:r>
+              <a:rPr lang="en-US" altLang="zh-CN" dirty="0"/>
+              <a:t>proxyFactory</a:t>
+            </a:r>
+            <a:r>
+              <a:rPr lang="zh-CN" altLang="en-US" dirty="0"/>
+              <a:t>都是静态属性</a:t>
+            </a:r>
+            <a:r>
+              <a:rPr lang="en-US" altLang="zh-CN" dirty="0"/>
+              <a:t>, </a:t>
+            </a:r>
+            <a:r>
+              <a:rPr lang="zh-CN" altLang="en-US" dirty="0"/>
+              <a:t>通过</a:t>
+            </a:r>
+            <a:r>
+              <a:rPr lang="en-US" altLang="zh-CN" dirty="0"/>
+              <a:t>dubbo SPI</a:t>
+            </a:r>
+            <a:r>
+              <a:rPr lang="zh-CN" altLang="en-US" dirty="0"/>
+              <a:t>获得对应信息</a:t>
+            </a:r>
+            <a:r>
+              <a:rPr lang="en-US" altLang="zh-CN" dirty="0"/>
+              <a:t>(</a:t>
+            </a:r>
+            <a:r>
+              <a:rPr lang="zh-CN" altLang="en-US" b="1" dirty="0">
+                <a:solidFill>
+                  <a:srgbClr val="FF0000"/>
+                </a:solidFill>
+              </a:rPr>
+              <a:t>实际上是代理对象</a:t>
+            </a:r>
+            <a:r>
+              <a:rPr lang="en-US" altLang="zh-CN" dirty="0"/>
+              <a:t>)</a:t>
+            </a:r>
+            <a:endParaRPr lang="zh-CN" altLang="en-US" dirty="0"/>
+          </a:p>
+          <a:p>
+            <a:pPr marL="0" indent="0">
+              <a:buNone/>
+            </a:pPr>
+            <a:r>
+              <a:rPr lang="en-US" altLang="zh-CN" dirty="0"/>
+              <a:t>2. </a:t>
+            </a:r>
+            <a:r>
+              <a:rPr lang="zh-CN" altLang="en-US" dirty="0"/>
+              <a:t>创建新的本地</a:t>
+            </a:r>
+            <a:r>
+              <a:rPr lang="en-US" altLang="zh-CN" dirty="0"/>
+              <a:t>(local -- InJvm)</a:t>
+            </a:r>
+            <a:r>
+              <a:rPr lang="zh-CN" altLang="en-US" dirty="0"/>
+              <a:t>Dubbo URL 对象</a:t>
+            </a:r>
+            <a:r>
+              <a:rPr lang="en-US" altLang="zh-CN" dirty="0"/>
+              <a:t>, </a:t>
+            </a:r>
+            <a:r>
+              <a:rPr lang="zh-CN" altLang="en-US" dirty="0"/>
+              <a:t>并设置</a:t>
+            </a:r>
+            <a:r>
+              <a:rPr lang="en-US" altLang="zh-CN" dirty="0"/>
+              <a:t>protocol=inJvm</a:t>
+            </a:r>
+            <a:r>
+              <a:rPr lang="zh-CN" altLang="en-US" dirty="0"/>
+              <a:t>、</a:t>
+            </a:r>
+            <a:r>
+              <a:rPr lang="en-US" altLang="zh-CN" dirty="0"/>
+              <a:t> host=127.0.0.1</a:t>
+            </a:r>
+            <a:r>
+              <a:rPr lang="zh-CN" altLang="en-US" dirty="0"/>
+              <a:t>、</a:t>
+            </a:r>
+            <a:r>
+              <a:rPr lang="en-US" altLang="zh-CN" dirty="0"/>
+              <a:t>port=0</a:t>
+            </a:r>
+            <a:r>
+              <a:rPr lang="zh-CN" altLang="en-US" dirty="0"/>
+              <a:t>属性信息</a:t>
+            </a:r>
+            <a:endParaRPr lang="zh-CN" altLang="en-US" dirty="0"/>
+          </a:p>
+          <a:p>
+            <a:pPr marL="0" indent="0">
+              <a:buNone/>
+            </a:pPr>
+            <a:r>
+              <a:rPr lang="en-US" altLang="zh-CN" dirty="0"/>
+              <a:t>3. </a:t>
+            </a:r>
+            <a:r>
+              <a:rPr lang="zh-CN" altLang="en-US" dirty="0"/>
+              <a:t>添加服务的真实类名</a:t>
+            </a:r>
+            <a:r>
+              <a:rPr lang="en-US" altLang="zh-CN" dirty="0"/>
+              <a:t>, </a:t>
+            </a:r>
+            <a:r>
+              <a:rPr lang="zh-CN" altLang="en-US" dirty="0"/>
+              <a:t>比如</a:t>
+            </a:r>
+            <a:r>
+              <a:rPr lang="en-US" altLang="zh-CN" dirty="0"/>
+              <a:t>DemoServiceImpl, </a:t>
+            </a:r>
+            <a:r>
+              <a:rPr lang="zh-CN" altLang="en-US" dirty="0"/>
+              <a:t>用于</a:t>
+            </a:r>
+            <a:r>
+              <a:rPr lang="en-US" altLang="zh-CN" dirty="0"/>
+              <a:t>RestProtocol</a:t>
+            </a:r>
+            <a:r>
+              <a:rPr lang="zh-CN" altLang="en-US" dirty="0"/>
+              <a:t>中</a:t>
+            </a:r>
+            <a:endParaRPr lang="zh-CN" altLang="en-US" dirty="0"/>
+          </a:p>
+          <a:p>
+            <a:pPr marL="0" indent="0">
+              <a:buNone/>
+            </a:pPr>
+            <a:r>
+              <a:rPr lang="en-US" altLang="zh-CN" dirty="0"/>
+              <a:t>4. </a:t>
+            </a:r>
+            <a:r>
+              <a:rPr lang="zh-CN" altLang="en-US" dirty="0"/>
+              <a:t>通过</a:t>
+            </a:r>
+            <a:r>
+              <a:rPr lang="en-US" altLang="zh-CN" dirty="0"/>
+              <a:t>getInvoker</a:t>
+            </a:r>
+            <a:r>
+              <a:rPr lang="zh-CN" altLang="en-US" dirty="0"/>
+              <a:t>创建</a:t>
+            </a:r>
+            <a:r>
+              <a:rPr lang="en-US" altLang="zh-CN" dirty="0"/>
+              <a:t>Invoker</a:t>
+            </a:r>
+            <a:r>
+              <a:rPr lang="zh-CN" altLang="en-US" dirty="0"/>
+              <a:t>对象</a:t>
+            </a:r>
+            <a:r>
+              <a:rPr lang="en-US" altLang="zh-CN" dirty="0"/>
+              <a:t>(invoker.url</a:t>
+            </a:r>
+            <a:r>
+              <a:rPr lang="zh-CN" altLang="en-US" dirty="0"/>
+              <a:t>获得</a:t>
+            </a:r>
+            <a:r>
+              <a:rPr lang="en-US" altLang="zh-CN" dirty="0"/>
+              <a:t>URL</a:t>
+            </a:r>
+            <a:r>
+              <a:rPr lang="zh-CN" altLang="en-US" dirty="0"/>
+              <a:t>信息</a:t>
+            </a:r>
+            <a:r>
+              <a:rPr lang="en-US" altLang="zh-CN" dirty="0"/>
+              <a:t>, </a:t>
+            </a:r>
+            <a:r>
+              <a:rPr lang="zh-CN" altLang="en-US" dirty="0"/>
+              <a:t>在</a:t>
+            </a:r>
+            <a:r>
+              <a:rPr lang="en-US" altLang="zh-CN" dirty="0"/>
+              <a:t>URL</a:t>
+            </a:r>
+            <a:r>
+              <a:rPr lang="zh-CN" altLang="en-US" dirty="0"/>
+              <a:t>中获得</a:t>
+            </a:r>
+            <a:r>
+              <a:rPr lang="en-US" altLang="zh-CN" dirty="0"/>
+              <a:t>Protocol</a:t>
+            </a:r>
+            <a:r>
+              <a:rPr lang="zh-CN" altLang="en-US" dirty="0"/>
+              <a:t>对应拓展实现</a:t>
+            </a:r>
+            <a:r>
+              <a:rPr lang="en-US" altLang="zh-CN" dirty="0"/>
+              <a:t>, </a:t>
+            </a:r>
+            <a:r>
+              <a:rPr lang="zh-CN" altLang="en-US" dirty="0"/>
+              <a:t>比如</a:t>
+            </a:r>
+            <a:r>
+              <a:rPr lang="en-US" altLang="zh-CN" dirty="0"/>
+              <a:t>InJvmProtocol</a:t>
+            </a:r>
+            <a:r>
+              <a:rPr lang="en-US" altLang="zh-CN" dirty="0"/>
+              <a:t>)</a:t>
+            </a:r>
+            <a:endParaRPr lang="zh-CN" altLang="en-US" dirty="0"/>
+          </a:p>
+          <a:p>
+            <a:pPr marL="0" indent="0">
+              <a:buNone/>
+            </a:pPr>
+            <a:r>
+              <a:rPr lang="en-US" altLang="zh-CN" dirty="0"/>
+              <a:t>5. </a:t>
+            </a:r>
+            <a:r>
+              <a:rPr lang="zh-CN" altLang="en-US" dirty="0"/>
+              <a:t>通过</a:t>
+            </a:r>
+            <a:r>
+              <a:rPr lang="en-US" altLang="zh-CN" dirty="0"/>
+              <a:t>export()</a:t>
+            </a:r>
+            <a:r>
+              <a:rPr lang="zh-CN" altLang="en-US" dirty="0"/>
+              <a:t>将服务对外暴露</a:t>
+            </a:r>
+            <a:endParaRPr lang="zh-CN" altLang="en-US" dirty="0"/>
+          </a:p>
+          <a:p>
+            <a:pPr marL="0" indent="0">
+              <a:buNone/>
+            </a:pPr>
+            <a:r>
+              <a:rPr lang="en-US" altLang="zh-CN" dirty="0"/>
+              <a:t>6. </a:t>
+            </a:r>
+            <a:r>
+              <a:rPr lang="zh-CN" altLang="en-US" dirty="0"/>
+              <a:t>将</a:t>
+            </a:r>
+            <a:r>
+              <a:rPr lang="en-US" altLang="zh-CN" dirty="0"/>
+              <a:t>export</a:t>
+            </a:r>
+            <a:r>
+              <a:rPr lang="zh-CN" altLang="en-US" dirty="0"/>
+              <a:t>缓存在exporters中</a:t>
+            </a:r>
+            <a:endParaRPr lang="zh-CN" altLang="en-US" dirty="0"/>
+          </a:p>
+          <a:p>
+            <a:pPr marL="0" indent="0">
+              <a:buNone/>
+            </a:pPr>
+            <a:r>
+              <a:rPr lang="en-US" altLang="zh-CN" dirty="0"/>
+              <a:t>NOTE:</a:t>
+            </a:r>
+            <a:endParaRPr lang="en-US" altLang="zh-CN" dirty="0"/>
+          </a:p>
+          <a:p>
+            <a:pPr marL="0" indent="0">
+              <a:buNone/>
+            </a:pPr>
+            <a:r>
+              <a:rPr lang="en-US" altLang="zh-CN" dirty="0"/>
+              <a:t>export()</a:t>
+            </a:r>
+            <a:r>
+              <a:rPr lang="zh-CN" altLang="en-US" dirty="0"/>
+              <a:t>的调用顺序是Protocol$Adaptive =&gt; ProtocolFilterWrapper =&gt; ProtocolListenerWrapper =&gt; InjvmProtocol </a:t>
+            </a:r>
+            <a:endParaRPr lang="zh-CN" altLang="en-US" dirty="0"/>
+          </a:p>
+        </p:txBody>
+      </p:sp>
       <p:pic>
         <p:nvPicPr>
-          <p:cNvPr id="7" name="图片 6"/>
+          <p:cNvPr id="5" name="图片 4"/>
           <p:cNvPicPr>
             <a:picLocks noChangeAspect="1"/>
           </p:cNvPicPr>
@@ -12639,8 +12786,8 @@
         </p:blipFill>
         <p:spPr>
           <a:xfrm>
-            <a:off x="871855" y="1238250"/>
-            <a:ext cx="11144250" cy="5552440"/>
+            <a:off x="4973320" y="1059815"/>
+            <a:ext cx="7371080" cy="5879465"/>
           </a:xfrm>
           <a:prstGeom prst="rect">
             <a:avLst/>
@@ -12704,19 +12851,13 @@
               <a:rPr lang="zh-CN" altLang="en-US" sz="3000" dirty="0">
                 <a:sym typeface="+mn-ea"/>
               </a:rPr>
-              <a:t>远程</a:t>
+              <a:t>本地</a:t>
             </a:r>
             <a:r>
               <a:rPr lang="en-US" altLang="zh-CN" sz="3000" dirty="0">
                 <a:sym typeface="+mn-ea"/>
               </a:rPr>
-              <a:t>(Dubbo</a:t>
-            </a:r>
-            <a:r>
-              <a:rPr lang="en-US" altLang="zh-CN" sz="3000" dirty="0">
-                <a:sym typeface="+mn-ea"/>
-              </a:rPr>
-              <a:t>)</a:t>
+              <a:t>(INJvm)</a:t>
             </a:r>
             <a:r>
               <a:rPr lang="zh-CN" altLang="en-US" sz="3000" dirty="0">
@@ -12732,7 +12873,7 @@
       </p:sp>
       <p:pic>
         <p:nvPicPr>
-          <p:cNvPr id="4" name="图片 3"/>
+          <p:cNvPr id="7" name="图片 6"/>
           <p:cNvPicPr>
             <a:picLocks noChangeAspect="1"/>
           </p:cNvPicPr>
@@ -12746,8 +12887,8 @@
         </p:blipFill>
         <p:spPr>
           <a:xfrm>
-            <a:off x="1109980" y="1272540"/>
-            <a:ext cx="10809605" cy="5184140"/>
+            <a:off x="871855" y="1238250"/>
+            <a:ext cx="11144250" cy="5552440"/>
           </a:xfrm>
           <a:prstGeom prst="rect">
             <a:avLst/>
@@ -12811,19 +12952,25 @@
               <a:rPr lang="zh-CN" altLang="en-US" sz="3000" dirty="0">
                 <a:sym typeface="+mn-ea"/>
               </a:rPr>
-              <a:t>本地服务</a:t>
+              <a:t>远程</a:t>
             </a:r>
             <a:r>
               <a:rPr lang="en-US" altLang="zh-CN" sz="3000" dirty="0">
                 <a:sym typeface="+mn-ea"/>
               </a:rPr>
-              <a:t>(INJvm)</a:t>
+              <a:t>(Dubbo</a:t>
+            </a:r>
+            <a:r>
+              <a:rPr lang="en-US" altLang="zh-CN" sz="3000" dirty="0">
+                <a:sym typeface="+mn-ea"/>
+              </a:rPr>
+              <a:t>)</a:t>
             </a:r>
             <a:r>
               <a:rPr lang="zh-CN" altLang="en-US" sz="3000" dirty="0">
                 <a:sym typeface="+mn-ea"/>
               </a:rPr>
-              <a:t>引用</a:t>
+              <a:t>暴露服务</a:t>
             </a:r>
             <a:endParaRPr lang="zh-CN" altLang="en-US" sz="3000" dirty="0">
               <a:sym typeface="+mn-ea"/>
@@ -12847,8 +12994,8 @@
         </p:blipFill>
         <p:spPr>
           <a:xfrm>
-            <a:off x="304800" y="1272540"/>
-            <a:ext cx="11582400" cy="5506720"/>
+            <a:off x="1109980" y="1272540"/>
+            <a:ext cx="10809605" cy="5184140"/>
           </a:xfrm>
           <a:prstGeom prst="rect">
             <a:avLst/>
@@ -12912,19 +13059,13 @@
               <a:rPr lang="zh-CN" altLang="en-US" sz="3000" dirty="0">
                 <a:sym typeface="+mn-ea"/>
               </a:rPr>
-              <a:t>远程服务</a:t>
+              <a:t>本地服务</a:t>
             </a:r>
             <a:r>
               <a:rPr lang="en-US" altLang="zh-CN" sz="3000" dirty="0">
                 <a:sym typeface="+mn-ea"/>
               </a:rPr>
-              <a:t>(Dubbo</a:t>
-            </a:r>
-            <a:r>
-              <a:rPr lang="en-US" altLang="zh-CN" sz="3000" dirty="0">
-                <a:sym typeface="+mn-ea"/>
-              </a:rPr>
-              <a:t>)</a:t>
+              <a:t>(INJvm)</a:t>
             </a:r>
             <a:r>
               <a:rPr lang="zh-CN" altLang="en-US" sz="3000" dirty="0">
@@ -12940,7 +13081,7 @@
       </p:sp>
       <p:pic>
         <p:nvPicPr>
-          <p:cNvPr id="3" name="图片 2"/>
+          <p:cNvPr id="4" name="图片 3"/>
           <p:cNvPicPr>
             <a:picLocks noChangeAspect="1"/>
           </p:cNvPicPr>
@@ -12954,8 +13095,8 @@
         </p:blipFill>
         <p:spPr>
           <a:xfrm>
-            <a:off x="1640840" y="1386840"/>
-            <a:ext cx="7856220" cy="5403215"/>
+            <a:off x="304800" y="1272540"/>
+            <a:ext cx="11582400" cy="5506720"/>
           </a:xfrm>
           <a:prstGeom prst="rect">
             <a:avLst/>
@@ -13019,7 +13160,25 @@
               <a:rPr lang="zh-CN" altLang="en-US" sz="3000" dirty="0">
                 <a:sym typeface="+mn-ea"/>
               </a:rPr>
-              <a:t>服务引用调用链路流程图</a:t>
+              <a:t>远程服务</a:t>
+            </a:r>
+            <a:r>
+              <a:rPr lang="en-US" altLang="zh-CN" sz="3000" dirty="0">
+                <a:sym typeface="+mn-ea"/>
+              </a:rPr>
+              <a:t>(Dubbo</a:t>
+            </a:r>
+            <a:r>
+              <a:rPr lang="en-US" altLang="zh-CN" sz="3000" dirty="0">
+                <a:sym typeface="+mn-ea"/>
+              </a:rPr>
+              <a:t>)</a:t>
+            </a:r>
+            <a:r>
+              <a:rPr lang="zh-CN" altLang="en-US" sz="3000" dirty="0">
+                <a:sym typeface="+mn-ea"/>
+              </a:rPr>
+              <a:t>引用</a:t>
             </a:r>
             <a:endParaRPr lang="zh-CN" altLang="en-US" sz="3000" dirty="0">
               <a:sym typeface="+mn-ea"/>
@@ -13029,7 +13188,7 @@
       </p:sp>
       <p:pic>
         <p:nvPicPr>
-          <p:cNvPr id="4" name="图片 3"/>
+          <p:cNvPr id="3" name="图片 2"/>
           <p:cNvPicPr>
             <a:picLocks noChangeAspect="1"/>
           </p:cNvPicPr>
@@ -13043,8 +13202,8 @@
         </p:blipFill>
         <p:spPr>
           <a:xfrm>
-            <a:off x="1504315" y="1272540"/>
-            <a:ext cx="9183370" cy="5372100"/>
+            <a:off x="1640840" y="1386840"/>
+            <a:ext cx="7856220" cy="5403215"/>
           </a:xfrm>
           <a:prstGeom prst="rect">
             <a:avLst/>
@@ -13992,6 +14151,95 @@
 </p:sld>
 </file>
 
+<file path=ppt/slides/slide20.xml><?xml version="1.0" encoding="utf-8"?>
+<p:sld xmlns:a="http://schemas.openxmlformats.org/drawingml/2006/main" xmlns:r="http://schemas.openxmlformats.org/officeDocument/2006/relationships" xmlns:p="http://schemas.openxmlformats.org/presentationml/2006/main">
+  <p:cSld>
+    <p:spTree>
+      <p:nvGrpSpPr>
+        <p:cNvPr id="1" name=""/>
+        <p:cNvGrpSpPr/>
+        <p:nvPr/>
+      </p:nvGrpSpPr>
+      <p:grpSpPr>
+        <a:xfrm>
+          <a:off x="0" y="0"/>
+          <a:ext cx="0" cy="0"/>
+          <a:chOff x="0" y="0"/>
+          <a:chExt cx="0" cy="0"/>
+        </a:xfrm>
+      </p:grpSpPr>
+      <p:sp>
+        <p:nvSpPr>
+          <p:cNvPr id="2" name="标题 1"/>
+          <p:cNvSpPr>
+            <a:spLocks noGrp="1"/>
+          </p:cNvSpPr>
+          <p:nvPr>
+            <p:ph type="title"/>
+          </p:nvPr>
+        </p:nvSpPr>
+        <p:spPr>
+          <a:xfrm>
+            <a:off x="1769110" y="645160"/>
+            <a:ext cx="9894570" cy="627380"/>
+          </a:xfrm>
+        </p:spPr>
+        <p:txBody>
+          <a:bodyPr>
+            <a:normAutofit fontScale="90000"/>
+          </a:bodyPr>
+          <a:lstStyle/>
+          <a:p>
+            <a:r>
+              <a:rPr lang="en-US" altLang="zh-CN" sz="3000" dirty="0">
+                <a:sym typeface="+mn-ea"/>
+              </a:rPr>
+              <a:t>dubbo Api</a:t>
+            </a:r>
+            <a:r>
+              <a:rPr lang="zh-CN" altLang="en-US" sz="3000" dirty="0">
+                <a:sym typeface="+mn-ea"/>
+              </a:rPr>
+              <a:t>服务引用调用链路流程图</a:t>
+            </a:r>
+            <a:endParaRPr lang="zh-CN" altLang="en-US" sz="3000" dirty="0">
+              <a:sym typeface="+mn-ea"/>
+            </a:endParaRPr>
+          </a:p>
+        </p:txBody>
+      </p:sp>
+      <p:pic>
+        <p:nvPicPr>
+          <p:cNvPr id="4" name="图片 3"/>
+          <p:cNvPicPr>
+            <a:picLocks noChangeAspect="1"/>
+          </p:cNvPicPr>
+          <p:nvPr/>
+        </p:nvPicPr>
+        <p:blipFill>
+          <a:blip r:embed="rId1"/>
+          <a:stretch>
+            <a:fillRect/>
+          </a:stretch>
+        </p:blipFill>
+        <p:spPr>
+          <a:xfrm>
+            <a:off x="1504315" y="1272540"/>
+            <a:ext cx="9183370" cy="5372100"/>
+          </a:xfrm>
+          <a:prstGeom prst="rect">
+            <a:avLst/>
+          </a:prstGeom>
+        </p:spPr>
+      </p:pic>
+    </p:spTree>
+  </p:cSld>
+  <p:clrMapOvr>
+    <a:masterClrMapping/>
+  </p:clrMapOvr>
+</p:sld>
+</file>
+
 <file path=ppt/slides/slide3.xml><?xml version="1.0" encoding="utf-8"?>
 <p:sld xmlns:a="http://schemas.openxmlformats.org/drawingml/2006/main" xmlns:r="http://schemas.openxmlformats.org/officeDocument/2006/relationships" xmlns:p="http://schemas.openxmlformats.org/presentationml/2006/main">
   <p:cSld>
@@ -14918,6 +15166,773 @@
 </file>
 
 <file path=ppt/slides/slide5.xml><?xml version="1.0" encoding="utf-8"?>
+<p:sld xmlns:a="http://schemas.openxmlformats.org/drawingml/2006/main" xmlns:r="http://schemas.openxmlformats.org/officeDocument/2006/relationships" xmlns:p="http://schemas.openxmlformats.org/presentationml/2006/main">
+  <p:cSld>
+    <p:spTree>
+      <p:nvGrpSpPr>
+        <p:cNvPr id="1" name=""/>
+        <p:cNvGrpSpPr/>
+        <p:nvPr/>
+      </p:nvGrpSpPr>
+      <p:grpSpPr>
+        <a:xfrm>
+          <a:off x="0" y="0"/>
+          <a:ext cx="0" cy="0"/>
+          <a:chOff x="0" y="0"/>
+          <a:chExt cx="0" cy="0"/>
+        </a:xfrm>
+      </p:grpSpPr>
+      <p:sp>
+        <p:nvSpPr>
+          <p:cNvPr id="4" name="标题 1"/>
+          <p:cNvSpPr>
+            <a:spLocks noGrp="1"/>
+          </p:cNvSpPr>
+          <p:nvPr/>
+        </p:nvSpPr>
+        <p:spPr>
+          <a:xfrm>
+            <a:off x="432095" y="560041"/>
+            <a:ext cx="8782438" cy="742235"/>
+          </a:xfrm>
+          <a:prstGeom prst="rect">
+            <a:avLst/>
+          </a:prstGeom>
+        </p:spPr>
+        <p:txBody>
+          <a:bodyPr vert="horz" lIns="91440" tIns="45720" rIns="91440" bIns="45720" rtlCol="0" anchor="t">
+            <a:normAutofit fontScale="90000"/>
+          </a:bodyPr>
+          <a:lstStyle>
+            <a:lvl1pPr algn="l" defTabSz="457200" rtl="0" eaLnBrk="1" latinLnBrk="0" hangingPunct="1">
+              <a:spcBef>
+                <a:spcPct val="0"/>
+              </a:spcBef>
+              <a:buNone/>
+              <a:defRPr sz="3600" kern="1200">
+                <a:solidFill>
+                  <a:schemeClr val="tx1">
+                    <a:lumMod val="85000"/>
+                    <a:lumOff val="15000"/>
+                  </a:schemeClr>
+                </a:solidFill>
+                <a:latin typeface="+mj-lt"/>
+                <a:ea typeface="+mj-ea"/>
+                <a:cs typeface="+mj-cs"/>
+              </a:defRPr>
+            </a:lvl1pPr>
+            <a:lvl2pPr eaLnBrk="1" hangingPunct="1">
+              <a:defRPr>
+                <a:solidFill>
+                  <a:schemeClr val="tx2"/>
+                </a:solidFill>
+              </a:defRPr>
+            </a:lvl2pPr>
+            <a:lvl3pPr eaLnBrk="1" hangingPunct="1">
+              <a:defRPr>
+                <a:solidFill>
+                  <a:schemeClr val="tx2"/>
+                </a:solidFill>
+              </a:defRPr>
+            </a:lvl3pPr>
+            <a:lvl4pPr eaLnBrk="1" hangingPunct="1">
+              <a:defRPr>
+                <a:solidFill>
+                  <a:schemeClr val="tx2"/>
+                </a:solidFill>
+              </a:defRPr>
+            </a:lvl4pPr>
+            <a:lvl5pPr eaLnBrk="1" hangingPunct="1">
+              <a:defRPr>
+                <a:solidFill>
+                  <a:schemeClr val="tx2"/>
+                </a:solidFill>
+              </a:defRPr>
+            </a:lvl5pPr>
+            <a:lvl6pPr eaLnBrk="1" hangingPunct="1">
+              <a:defRPr>
+                <a:solidFill>
+                  <a:schemeClr val="tx2"/>
+                </a:solidFill>
+              </a:defRPr>
+            </a:lvl6pPr>
+            <a:lvl7pPr eaLnBrk="1" hangingPunct="1">
+              <a:defRPr>
+                <a:solidFill>
+                  <a:schemeClr val="tx2"/>
+                </a:solidFill>
+              </a:defRPr>
+            </a:lvl7pPr>
+            <a:lvl8pPr eaLnBrk="1" hangingPunct="1">
+              <a:defRPr>
+                <a:solidFill>
+                  <a:schemeClr val="tx2"/>
+                </a:solidFill>
+              </a:defRPr>
+            </a:lvl8pPr>
+            <a:lvl9pPr eaLnBrk="1" hangingPunct="1">
+              <a:defRPr>
+                <a:solidFill>
+                  <a:schemeClr val="tx2"/>
+                </a:solidFill>
+              </a:defRPr>
+            </a:lvl9pPr>
+          </a:lstStyle>
+          <a:p>
+            <a:r>
+              <a:rPr lang="en-US" dirty="0">
+                <a:sym typeface="+mn-ea"/>
+              </a:rPr>
+              <a:t>dubbo </a:t>
+            </a:r>
+            <a:r>
+              <a:rPr lang="zh-CN" altLang="en-US" dirty="0">
+                <a:sym typeface="+mn-ea"/>
+              </a:rPr>
+              <a:t>服务调用流程</a:t>
+            </a:r>
+            <a:endParaRPr lang="zh-CN" altLang="en-US" dirty="0"/>
+          </a:p>
+          <a:p>
+            <a:endParaRPr lang="zh-CN" altLang="en-US" dirty="0"/>
+          </a:p>
+        </p:txBody>
+      </p:sp>
+      <p:sp>
+        <p:nvSpPr>
+          <p:cNvPr id="3" name="标题 1"/>
+          <p:cNvSpPr>
+            <a:spLocks noGrp="1"/>
+          </p:cNvSpPr>
+          <p:nvPr/>
+        </p:nvSpPr>
+        <p:spPr>
+          <a:xfrm>
+            <a:off x="1515745" y="5711825"/>
+            <a:ext cx="9376410" cy="1061720"/>
+          </a:xfrm>
+          <a:prstGeom prst="rect">
+            <a:avLst/>
+          </a:prstGeom>
+        </p:spPr>
+        <p:txBody>
+          <a:bodyPr vert="horz" lIns="91440" tIns="45720" rIns="91440" bIns="45720" rtlCol="0" anchor="b">
+            <a:normAutofit fontScale="80000"/>
+          </a:bodyPr>
+          <a:lstStyle>
+            <a:lvl1pPr algn="l" defTabSz="457200" rtl="0" eaLnBrk="1" latinLnBrk="0" hangingPunct="1">
+              <a:spcBef>
+                <a:spcPct val="0"/>
+              </a:spcBef>
+              <a:buNone/>
+              <a:defRPr sz="5400" kern="1200">
+                <a:solidFill>
+                  <a:schemeClr val="tx1">
+                    <a:lumMod val="85000"/>
+                    <a:lumOff val="15000"/>
+                  </a:schemeClr>
+                </a:solidFill>
+                <a:latin typeface="+mj-lt"/>
+                <a:ea typeface="+mj-ea"/>
+                <a:cs typeface="+mj-cs"/>
+              </a:defRPr>
+            </a:lvl1pPr>
+            <a:lvl2pPr eaLnBrk="1" hangingPunct="1">
+              <a:defRPr>
+                <a:solidFill>
+                  <a:schemeClr val="tx2"/>
+                </a:solidFill>
+              </a:defRPr>
+            </a:lvl2pPr>
+            <a:lvl3pPr eaLnBrk="1" hangingPunct="1">
+              <a:defRPr>
+                <a:solidFill>
+                  <a:schemeClr val="tx2"/>
+                </a:solidFill>
+              </a:defRPr>
+            </a:lvl3pPr>
+            <a:lvl4pPr eaLnBrk="1" hangingPunct="1">
+              <a:defRPr>
+                <a:solidFill>
+                  <a:schemeClr val="tx2"/>
+                </a:solidFill>
+              </a:defRPr>
+            </a:lvl4pPr>
+            <a:lvl5pPr eaLnBrk="1" hangingPunct="1">
+              <a:defRPr>
+                <a:solidFill>
+                  <a:schemeClr val="tx2"/>
+                </a:solidFill>
+              </a:defRPr>
+            </a:lvl5pPr>
+            <a:lvl6pPr eaLnBrk="1" hangingPunct="1">
+              <a:defRPr>
+                <a:solidFill>
+                  <a:schemeClr val="tx2"/>
+                </a:solidFill>
+              </a:defRPr>
+            </a:lvl6pPr>
+            <a:lvl7pPr eaLnBrk="1" hangingPunct="1">
+              <a:defRPr>
+                <a:solidFill>
+                  <a:schemeClr val="tx2"/>
+                </a:solidFill>
+              </a:defRPr>
+            </a:lvl7pPr>
+            <a:lvl8pPr eaLnBrk="1" hangingPunct="1">
+              <a:defRPr>
+                <a:solidFill>
+                  <a:schemeClr val="tx2"/>
+                </a:solidFill>
+              </a:defRPr>
+            </a:lvl8pPr>
+            <a:lvl9pPr eaLnBrk="1" hangingPunct="1">
+              <a:defRPr>
+                <a:solidFill>
+                  <a:schemeClr val="tx2"/>
+                </a:solidFill>
+              </a:defRPr>
+            </a:lvl9pPr>
+          </a:lstStyle>
+          <a:p>
+            <a:pPr algn="l"/>
+            <a:r>
+              <a:rPr lang="en-US" sz="1800" dirty="0">
+                <a:solidFill>
+                  <a:schemeClr val="tx1">
+                    <a:lumMod val="65000"/>
+                    <a:lumOff val="35000"/>
+                  </a:schemeClr>
+                </a:solidFill>
+                <a:latin typeface="+mn-lt"/>
+                <a:ea typeface="+mn-ea"/>
+                <a:cs typeface="+mn-cs"/>
+              </a:rPr>
+              <a:t>1. provider</a:t>
+            </a:r>
+            <a:r>
+              <a:rPr lang="zh-CN" altLang="en-US" sz="1800" dirty="0">
+                <a:solidFill>
+                  <a:schemeClr val="tx1">
+                    <a:lumMod val="65000"/>
+                    <a:lumOff val="35000"/>
+                  </a:schemeClr>
+                </a:solidFill>
+                <a:latin typeface="+mn-lt"/>
+                <a:ea typeface="+mn-ea"/>
+                <a:cs typeface="+mn-cs"/>
+              </a:rPr>
+              <a:t>将服务注册到注册中心</a:t>
+            </a:r>
+            <a:r>
+              <a:rPr lang="en-US" altLang="zh-CN" sz="1800" dirty="0">
+                <a:solidFill>
+                  <a:schemeClr val="tx1">
+                    <a:lumMod val="65000"/>
+                    <a:lumOff val="35000"/>
+                  </a:schemeClr>
+                </a:solidFill>
+                <a:latin typeface="+mn-lt"/>
+                <a:ea typeface="+mn-ea"/>
+                <a:cs typeface="+mn-cs"/>
+              </a:rPr>
+              <a:t>, </a:t>
+            </a:r>
+            <a:r>
+              <a:rPr lang="zh-CN" altLang="en-US" sz="1800" dirty="0">
+                <a:solidFill>
+                  <a:schemeClr val="tx1">
+                    <a:lumMod val="65000"/>
+                    <a:lumOff val="35000"/>
+                  </a:schemeClr>
+                </a:solidFill>
+                <a:latin typeface="+mn-lt"/>
+                <a:ea typeface="+mn-ea"/>
+                <a:cs typeface="+mn-cs"/>
+              </a:rPr>
+              <a:t>比如</a:t>
+            </a:r>
+            <a:r>
+              <a:rPr lang="en-US" altLang="zh-CN" sz="1800" dirty="0">
+                <a:solidFill>
+                  <a:schemeClr val="tx1">
+                    <a:lumMod val="65000"/>
+                    <a:lumOff val="35000"/>
+                  </a:schemeClr>
+                </a:solidFill>
+                <a:latin typeface="+mn-lt"/>
+                <a:ea typeface="+mn-ea"/>
+                <a:cs typeface="+mn-cs"/>
+              </a:rPr>
+              <a:t>zookeeper/nacos</a:t>
+            </a:r>
+            <a:endParaRPr lang="en-US" sz="1800" dirty="0">
+              <a:solidFill>
+                <a:schemeClr val="tx1">
+                  <a:lumMod val="65000"/>
+                  <a:lumOff val="35000"/>
+                </a:schemeClr>
+              </a:solidFill>
+              <a:latin typeface="+mn-lt"/>
+              <a:ea typeface="+mn-ea"/>
+              <a:cs typeface="+mn-cs"/>
+            </a:endParaRPr>
+          </a:p>
+          <a:p>
+            <a:pPr algn="l"/>
+            <a:r>
+              <a:rPr lang="en-US" sz="1800" dirty="0">
+                <a:solidFill>
+                  <a:schemeClr val="tx1">
+                    <a:lumMod val="65000"/>
+                    <a:lumOff val="35000"/>
+                  </a:schemeClr>
+                </a:solidFill>
+                <a:latin typeface="+mn-lt"/>
+                <a:ea typeface="+mn-ea"/>
+                <a:cs typeface="+mn-cs"/>
+              </a:rPr>
+              <a:t>2. </a:t>
+            </a:r>
+            <a:r>
+              <a:rPr lang="zh-CN" altLang="en-US" sz="1800" dirty="0">
+                <a:solidFill>
+                  <a:schemeClr val="tx1">
+                    <a:lumMod val="65000"/>
+                    <a:lumOff val="35000"/>
+                  </a:schemeClr>
+                </a:solidFill>
+                <a:latin typeface="+mn-lt"/>
+                <a:ea typeface="+mn-ea"/>
+                <a:cs typeface="+mn-cs"/>
+              </a:rPr>
+              <a:t>用户发起请求</a:t>
+            </a:r>
+            <a:r>
+              <a:rPr lang="en-US" altLang="zh-CN" sz="1800" dirty="0">
+                <a:solidFill>
+                  <a:schemeClr val="tx1">
+                    <a:lumMod val="65000"/>
+                    <a:lumOff val="35000"/>
+                  </a:schemeClr>
+                </a:solidFill>
+                <a:latin typeface="+mn-lt"/>
+                <a:ea typeface="+mn-ea"/>
+                <a:cs typeface="+mn-cs"/>
+              </a:rPr>
+              <a:t>, </a:t>
+            </a:r>
+            <a:r>
+              <a:rPr lang="zh-CN" altLang="en-US" sz="1800" dirty="0">
+                <a:solidFill>
+                  <a:schemeClr val="tx1">
+                    <a:lumMod val="65000"/>
+                    <a:lumOff val="35000"/>
+                  </a:schemeClr>
+                </a:solidFill>
+                <a:latin typeface="+mn-lt"/>
+                <a:ea typeface="+mn-ea"/>
+                <a:cs typeface="+mn-cs"/>
+              </a:rPr>
+              <a:t>消费者向注册中心获取提供者的信息</a:t>
+            </a:r>
+            <a:r>
+              <a:rPr lang="en-US" altLang="zh-CN" sz="1800" dirty="0">
+                <a:solidFill>
+                  <a:schemeClr val="tx1">
+                    <a:lumMod val="65000"/>
+                    <a:lumOff val="35000"/>
+                  </a:schemeClr>
+                </a:solidFill>
+                <a:latin typeface="+mn-lt"/>
+                <a:ea typeface="+mn-ea"/>
+                <a:cs typeface="+mn-cs"/>
+              </a:rPr>
+              <a:t>(</a:t>
+            </a:r>
+            <a:r>
+              <a:rPr lang="zh-CN" altLang="en-US" sz="1800" dirty="0">
+                <a:solidFill>
+                  <a:schemeClr val="tx1">
+                    <a:lumMod val="65000"/>
+                    <a:lumOff val="35000"/>
+                  </a:schemeClr>
+                </a:solidFill>
+                <a:latin typeface="+mn-lt"/>
+                <a:ea typeface="+mn-ea"/>
+                <a:cs typeface="+mn-cs"/>
+              </a:rPr>
+              <a:t>这里暂时忽略消费者向注册中心的注册和消息订阅</a:t>
+            </a:r>
+            <a:r>
+              <a:rPr lang="en-US" altLang="zh-CN" sz="1800" dirty="0">
+                <a:solidFill>
+                  <a:schemeClr val="tx1">
+                    <a:lumMod val="65000"/>
+                    <a:lumOff val="35000"/>
+                  </a:schemeClr>
+                </a:solidFill>
+                <a:latin typeface="+mn-lt"/>
+                <a:ea typeface="+mn-ea"/>
+                <a:cs typeface="+mn-cs"/>
+              </a:rPr>
+              <a:t>)</a:t>
+            </a:r>
+            <a:endParaRPr lang="en-US" sz="1800" dirty="0">
+              <a:solidFill>
+                <a:schemeClr val="tx1">
+                  <a:lumMod val="65000"/>
+                  <a:lumOff val="35000"/>
+                </a:schemeClr>
+              </a:solidFill>
+              <a:latin typeface="+mn-lt"/>
+              <a:ea typeface="+mn-ea"/>
+              <a:cs typeface="+mn-cs"/>
+            </a:endParaRPr>
+          </a:p>
+          <a:p>
+            <a:pPr algn="l"/>
+            <a:r>
+              <a:rPr lang="en-US" sz="1800" dirty="0">
+                <a:solidFill>
+                  <a:schemeClr val="tx1">
+                    <a:lumMod val="65000"/>
+                    <a:lumOff val="35000"/>
+                  </a:schemeClr>
+                </a:solidFill>
+                <a:latin typeface="+mn-lt"/>
+                <a:ea typeface="+mn-ea"/>
+                <a:cs typeface="+mn-cs"/>
+              </a:rPr>
+              <a:t>3. </a:t>
+            </a:r>
+            <a:r>
+              <a:rPr lang="zh-CN" altLang="en-US" sz="1800" dirty="0">
+                <a:solidFill>
+                  <a:schemeClr val="tx1">
+                    <a:lumMod val="65000"/>
+                    <a:lumOff val="35000"/>
+                  </a:schemeClr>
+                </a:solidFill>
+                <a:latin typeface="+mn-lt"/>
+                <a:ea typeface="+mn-ea"/>
+                <a:cs typeface="+mn-cs"/>
+              </a:rPr>
+              <a:t>消费者经过</a:t>
+            </a:r>
+            <a:r>
+              <a:rPr lang="en-US" altLang="zh-CN" sz="1800" dirty="0">
+                <a:solidFill>
+                  <a:schemeClr val="tx1">
+                    <a:lumMod val="65000"/>
+                    <a:lumOff val="35000"/>
+                  </a:schemeClr>
+                </a:solidFill>
+                <a:latin typeface="+mn-lt"/>
+                <a:ea typeface="+mn-ea"/>
+                <a:cs typeface="+mn-cs"/>
+              </a:rPr>
+              <a:t>proxy(</a:t>
+            </a:r>
+            <a:r>
+              <a:rPr lang="zh-CN" altLang="en-US" sz="1800" b="1" dirty="0">
+                <a:solidFill>
+                  <a:schemeClr val="tx1">
+                    <a:lumMod val="65000"/>
+                    <a:lumOff val="35000"/>
+                  </a:schemeClr>
+                </a:solidFill>
+                <a:latin typeface="+mn-lt"/>
+                <a:ea typeface="+mn-ea"/>
+                <a:cs typeface="+mn-cs"/>
+              </a:rPr>
+              <a:t>图中的代理</a:t>
+            </a:r>
+            <a:r>
+              <a:rPr lang="en-US" altLang="zh-CN" sz="1800" dirty="0">
+                <a:solidFill>
+                  <a:schemeClr val="tx1">
+                    <a:lumMod val="65000"/>
+                    <a:lumOff val="35000"/>
+                  </a:schemeClr>
+                </a:solidFill>
+                <a:latin typeface="+mn-lt"/>
+                <a:ea typeface="+mn-ea"/>
+                <a:cs typeface="+mn-cs"/>
+              </a:rPr>
+              <a:t>)</a:t>
+            </a:r>
+            <a:r>
+              <a:rPr lang="zh-CN" altLang="en-US" sz="1800" dirty="0">
+                <a:solidFill>
+                  <a:schemeClr val="tx1">
+                    <a:lumMod val="65000"/>
+                    <a:lumOff val="35000"/>
+                  </a:schemeClr>
+                </a:solidFill>
+                <a:latin typeface="+mn-lt"/>
+                <a:ea typeface="+mn-ea"/>
+                <a:cs typeface="+mn-cs"/>
+              </a:rPr>
+              <a:t>和</a:t>
+            </a:r>
+            <a:r>
+              <a:rPr lang="en-US" altLang="zh-CN" sz="1800" dirty="0">
+                <a:solidFill>
+                  <a:schemeClr val="tx1">
+                    <a:lumMod val="65000"/>
+                    <a:lumOff val="35000"/>
+                  </a:schemeClr>
+                </a:solidFill>
+                <a:latin typeface="+mn-lt"/>
+                <a:ea typeface="+mn-ea"/>
+                <a:cs typeface="+mn-cs"/>
+              </a:rPr>
+              <a:t>loadBalance(</a:t>
+            </a:r>
+            <a:r>
+              <a:rPr lang="zh-CN" altLang="en-US" sz="1800" b="1" dirty="0">
+                <a:solidFill>
+                  <a:schemeClr val="tx1">
+                    <a:lumMod val="65000"/>
+                    <a:lumOff val="35000"/>
+                  </a:schemeClr>
+                </a:solidFill>
+                <a:latin typeface="+mn-lt"/>
+                <a:ea typeface="+mn-ea"/>
+                <a:cs typeface="+mn-cs"/>
+              </a:rPr>
+              <a:t>图中的负载均衡</a:t>
+            </a:r>
+            <a:r>
+              <a:rPr lang="en-US" altLang="zh-CN" sz="1800" dirty="0">
+                <a:solidFill>
+                  <a:schemeClr val="tx1">
+                    <a:lumMod val="65000"/>
+                    <a:lumOff val="35000"/>
+                  </a:schemeClr>
+                </a:solidFill>
+                <a:latin typeface="+mn-lt"/>
+                <a:ea typeface="+mn-ea"/>
+                <a:cs typeface="+mn-cs"/>
+              </a:rPr>
+              <a:t>)</a:t>
+            </a:r>
+            <a:r>
+              <a:rPr lang="zh-CN" altLang="en-US" sz="1800" dirty="0">
+                <a:solidFill>
+                  <a:schemeClr val="tx1">
+                    <a:lumMod val="65000"/>
+                    <a:lumOff val="35000"/>
+                  </a:schemeClr>
+                </a:solidFill>
+                <a:latin typeface="+mn-lt"/>
+                <a:ea typeface="+mn-ea"/>
+                <a:cs typeface="+mn-cs"/>
+              </a:rPr>
+              <a:t>等条件过滤后</a:t>
+            </a:r>
+            <a:r>
+              <a:rPr lang="en-US" altLang="zh-CN" sz="1800" dirty="0">
+                <a:solidFill>
+                  <a:schemeClr val="tx1">
+                    <a:lumMod val="65000"/>
+                    <a:lumOff val="35000"/>
+                  </a:schemeClr>
+                </a:solidFill>
+                <a:latin typeface="+mn-lt"/>
+                <a:ea typeface="+mn-ea"/>
+                <a:cs typeface="+mn-cs"/>
+              </a:rPr>
+              <a:t>, </a:t>
+            </a:r>
+            <a:r>
+              <a:rPr lang="zh-CN" altLang="en-US" sz="1800" dirty="0">
+                <a:solidFill>
+                  <a:schemeClr val="tx1">
+                    <a:lumMod val="65000"/>
+                    <a:lumOff val="35000"/>
+                  </a:schemeClr>
+                </a:solidFill>
+                <a:latin typeface="+mn-lt"/>
+                <a:ea typeface="+mn-ea"/>
+                <a:cs typeface="+mn-cs"/>
+              </a:rPr>
+              <a:t>寻找分配的</a:t>
+            </a:r>
+            <a:r>
+              <a:rPr lang="en-US" altLang="zh-CN" sz="1800" dirty="0">
+                <a:solidFill>
+                  <a:schemeClr val="tx1">
+                    <a:lumMod val="65000"/>
+                    <a:lumOff val="35000"/>
+                  </a:schemeClr>
+                </a:solidFill>
+                <a:latin typeface="+mn-lt"/>
+                <a:ea typeface="+mn-ea"/>
+                <a:cs typeface="+mn-cs"/>
+              </a:rPr>
+              <a:t>provider</a:t>
+            </a:r>
+            <a:endParaRPr lang="en-US" sz="1800" dirty="0">
+              <a:solidFill>
+                <a:schemeClr val="tx1">
+                  <a:lumMod val="65000"/>
+                  <a:lumOff val="35000"/>
+                </a:schemeClr>
+              </a:solidFill>
+              <a:latin typeface="+mn-lt"/>
+              <a:ea typeface="+mn-ea"/>
+              <a:cs typeface="+mn-cs"/>
+            </a:endParaRPr>
+          </a:p>
+          <a:p>
+            <a:pPr algn="l"/>
+            <a:r>
+              <a:rPr lang="en-US" sz="1800" dirty="0">
+                <a:solidFill>
+                  <a:schemeClr val="tx1">
+                    <a:lumMod val="65000"/>
+                    <a:lumOff val="35000"/>
+                  </a:schemeClr>
+                </a:solidFill>
+                <a:latin typeface="+mn-lt"/>
+                <a:ea typeface="+mn-ea"/>
+                <a:cs typeface="+mn-cs"/>
+              </a:rPr>
+              <a:t>4. provider</a:t>
+            </a:r>
+            <a:r>
+              <a:rPr lang="zh-CN" altLang="en-US" sz="1800" dirty="0">
+                <a:solidFill>
+                  <a:schemeClr val="tx1">
+                    <a:lumMod val="65000"/>
+                    <a:lumOff val="35000"/>
+                  </a:schemeClr>
+                </a:solidFill>
+                <a:latin typeface="+mn-lt"/>
+                <a:ea typeface="+mn-ea"/>
+                <a:cs typeface="+mn-cs"/>
+              </a:rPr>
+              <a:t>经过处理后返回结果</a:t>
+            </a:r>
+            <a:r>
+              <a:rPr lang="en-US" altLang="zh-CN" sz="1800" dirty="0">
+                <a:solidFill>
+                  <a:schemeClr val="tx1">
+                    <a:lumMod val="65000"/>
+                    <a:lumOff val="35000"/>
+                  </a:schemeClr>
+                </a:solidFill>
+                <a:latin typeface="+mn-lt"/>
+                <a:ea typeface="+mn-ea"/>
+                <a:cs typeface="+mn-cs"/>
+              </a:rPr>
+              <a:t>, consumer</a:t>
+            </a:r>
+            <a:r>
+              <a:rPr lang="zh-CN" altLang="en-US" sz="1800" dirty="0">
+                <a:solidFill>
+                  <a:schemeClr val="tx1">
+                    <a:lumMod val="65000"/>
+                    <a:lumOff val="35000"/>
+                  </a:schemeClr>
+                </a:solidFill>
+                <a:latin typeface="+mn-lt"/>
+                <a:ea typeface="+mn-ea"/>
+                <a:cs typeface="+mn-cs"/>
+              </a:rPr>
+              <a:t>接收到处理结果之后</a:t>
+            </a:r>
+            <a:r>
+              <a:rPr lang="en-US" altLang="zh-CN" sz="1800" dirty="0">
+                <a:solidFill>
+                  <a:schemeClr val="tx1">
+                    <a:lumMod val="65000"/>
+                    <a:lumOff val="35000"/>
+                  </a:schemeClr>
+                </a:solidFill>
+                <a:latin typeface="+mn-lt"/>
+                <a:ea typeface="+mn-ea"/>
+                <a:cs typeface="+mn-cs"/>
+              </a:rPr>
+              <a:t>, </a:t>
+            </a:r>
+            <a:r>
+              <a:rPr lang="zh-CN" altLang="en-US" sz="1800" dirty="0">
+                <a:solidFill>
+                  <a:schemeClr val="tx1">
+                    <a:lumMod val="65000"/>
+                    <a:lumOff val="35000"/>
+                  </a:schemeClr>
+                </a:solidFill>
+                <a:latin typeface="+mn-lt"/>
+                <a:ea typeface="+mn-ea"/>
+                <a:cs typeface="+mn-cs"/>
+              </a:rPr>
+              <a:t>再将结果返回给请求方</a:t>
+            </a:r>
+            <a:r>
+              <a:rPr lang="zh-CN" altLang="en-US" sz="1800" b="1" dirty="0">
+                <a:solidFill>
+                  <a:schemeClr val="tx1">
+                    <a:lumMod val="65000"/>
+                    <a:lumOff val="35000"/>
+                  </a:schemeClr>
+                </a:solidFill>
+                <a:latin typeface="+mn-lt"/>
+                <a:ea typeface="+mn-ea"/>
+                <a:cs typeface="+mn-cs"/>
+              </a:rPr>
+              <a:t>用户</a:t>
+            </a:r>
+            <a:endParaRPr lang="zh-CN" altLang="en-US" sz="1800" b="1" dirty="0">
+              <a:solidFill>
+                <a:schemeClr val="tx1">
+                  <a:lumMod val="65000"/>
+                  <a:lumOff val="35000"/>
+                </a:schemeClr>
+              </a:solidFill>
+              <a:latin typeface="+mn-lt"/>
+              <a:ea typeface="+mn-ea"/>
+              <a:cs typeface="+mn-cs"/>
+            </a:endParaRPr>
+          </a:p>
+        </p:txBody>
+      </p:sp>
+      <p:pic>
+        <p:nvPicPr>
+          <p:cNvPr id="2" name="图片 1"/>
+          <p:cNvPicPr>
+            <a:picLocks noChangeAspect="1"/>
+          </p:cNvPicPr>
+          <p:nvPr/>
+        </p:nvPicPr>
+        <p:blipFill>
+          <a:blip r:embed="rId1"/>
+          <a:stretch>
+            <a:fillRect/>
+          </a:stretch>
+        </p:blipFill>
+        <p:spPr>
+          <a:xfrm>
+            <a:off x="661670" y="1178560"/>
+            <a:ext cx="11420475" cy="4314825"/>
+          </a:xfrm>
+          <a:prstGeom prst="rect">
+            <a:avLst/>
+          </a:prstGeom>
+        </p:spPr>
+      </p:pic>
+    </p:spTree>
+  </p:cSld>
+  <p:clrMapOvr>
+    <a:masterClrMapping/>
+  </p:clrMapOvr>
+</p:sld>
+</file>
+
+<file path=ppt/slides/slide6.xml><?xml version="1.0" encoding="utf-8"?>
 <p:sld xmlns:a="http://schemas.openxmlformats.org/drawingml/2006/main" xmlns:r="http://schemas.openxmlformats.org/officeDocument/2006/relationships" xmlns:p="http://schemas.openxmlformats.org/presentationml/2006/main">
   <p:cSld>
     <p:spTree>
@@ -15841,7 +16856,7 @@
 </p:sld>
 </file>
 
-<file path=ppt/slides/slide6.xml><?xml version="1.0" encoding="utf-8"?>
+<file path=ppt/slides/slide7.xml><?xml version="1.0" encoding="utf-8"?>
 <p:sld xmlns:a="http://schemas.openxmlformats.org/drawingml/2006/main" xmlns:r="http://schemas.openxmlformats.org/officeDocument/2006/relationships" xmlns:p="http://schemas.openxmlformats.org/presentationml/2006/main">
   <p:cSld>
     <p:spTree>
@@ -16920,7 +17935,7 @@
 </p:sld>
 </file>
 
-<file path=ppt/slides/slide7.xml><?xml version="1.0" encoding="utf-8"?>
+<file path=ppt/slides/slide8.xml><?xml version="1.0" encoding="utf-8"?>
 <p:sld xmlns:a="http://schemas.openxmlformats.org/drawingml/2006/main" xmlns:r="http://schemas.openxmlformats.org/officeDocument/2006/relationships" xmlns:p="http://schemas.openxmlformats.org/presentationml/2006/main">
   <p:cSld>
     <p:spTree>
@@ -16950,7 +17965,7 @@
         <p:spPr>
           <a:xfrm>
             <a:off x="1074420" y="1745615"/>
-            <a:ext cx="5354955" cy="3685540"/>
+            <a:ext cx="5629910" cy="3685540"/>
           </a:xfrm>
         </p:spPr>
         <p:txBody>
@@ -17095,7 +18110,7 @@
                 <a:ea typeface="+mn-ea"/>
                 <a:cs typeface="+mn-cs"/>
               </a:rPr>
-              <a:t>如果是否暴露配置</a:t>
+              <a:t>如果暴露配置</a:t>
             </a:r>
             <a:r>
               <a:rPr lang="en-US" altLang="zh-CN" sz="1800" dirty="0">
@@ -17192,7 +18207,7 @@
                 <a:ea typeface="+mn-ea"/>
                 <a:cs typeface="+mn-cs"/>
               </a:rPr>
-              <a:t>如果是否延迟创建配置</a:t>
+              <a:t>如果延迟配置</a:t>
             </a:r>
             <a:r>
               <a:rPr lang="en-US" altLang="zh-CN" sz="1800" dirty="0">
@@ -17648,1376 +18663,6 @@
           <a:xfrm>
             <a:off x="6704965" y="447675"/>
             <a:ext cx="5137150" cy="6212840"/>
-          </a:xfrm>
-          <a:prstGeom prst="rect">
-            <a:avLst/>
-          </a:prstGeom>
-        </p:spPr>
-      </p:pic>
-    </p:spTree>
-  </p:cSld>
-  <p:clrMapOvr>
-    <a:masterClrMapping/>
-  </p:clrMapOvr>
-</p:sld>
-</file>
-
-<file path=ppt/slides/slide8.xml><?xml version="1.0" encoding="utf-8"?>
-<p:sld xmlns:a="http://schemas.openxmlformats.org/drawingml/2006/main" xmlns:r="http://schemas.openxmlformats.org/officeDocument/2006/relationships" xmlns:p="http://schemas.openxmlformats.org/presentationml/2006/main">
-  <p:cSld>
-    <p:spTree>
-      <p:nvGrpSpPr>
-        <p:cNvPr id="1" name=""/>
-        <p:cNvGrpSpPr/>
-        <p:nvPr/>
-      </p:nvGrpSpPr>
-      <p:grpSpPr>
-        <a:xfrm>
-          <a:off x="0" y="0"/>
-          <a:ext cx="0" cy="0"/>
-          <a:chOff x="0" y="0"/>
-          <a:chExt cx="0" cy="0"/>
-        </a:xfrm>
-      </p:grpSpPr>
-      <p:sp>
-        <p:nvSpPr>
-          <p:cNvPr id="2" name="标题 1"/>
-          <p:cNvSpPr>
-            <a:spLocks noGrp="1"/>
-          </p:cNvSpPr>
-          <p:nvPr>
-            <p:ph type="ctrTitle"/>
-          </p:nvPr>
-        </p:nvSpPr>
-        <p:spPr>
-          <a:xfrm>
-            <a:off x="929005" y="1062990"/>
-            <a:ext cx="5667375" cy="5643245"/>
-          </a:xfrm>
-        </p:spPr>
-        <p:txBody>
-          <a:bodyPr>
-            <a:normAutofit fontScale="90000"/>
-          </a:bodyPr>
-          <a:lstStyle/>
-          <a:p>
-            <a:pPr algn="l"/>
-            <a:br>
-              <a:rPr sz="1800" dirty="0">
-                <a:solidFill>
-                  <a:schemeClr val="tx1">
-                    <a:lumMod val="65000"/>
-                    <a:lumOff val="35000"/>
-                  </a:schemeClr>
-                </a:solidFill>
-                <a:latin typeface="+mn-lt"/>
-                <a:ea typeface="+mn-ea"/>
-                <a:cs typeface="+mn-cs"/>
-              </a:rPr>
-            </a:br>
-            <a:r>
-              <a:rPr lang="en-US" sz="1800" dirty="0">
-                <a:solidFill>
-                  <a:schemeClr val="tx1">
-                    <a:lumMod val="65000"/>
-                    <a:lumOff val="35000"/>
-                  </a:schemeClr>
-                </a:solidFill>
-                <a:latin typeface="+mn-lt"/>
-                <a:ea typeface="+mn-ea"/>
-                <a:cs typeface="+mn-cs"/>
-              </a:rPr>
-              <a:t>Note: </a:t>
-            </a:r>
-            <a:br>
-              <a:rPr lang="en-US" sz="1800" dirty="0">
-                <a:solidFill>
-                  <a:schemeClr val="tx1">
-                    <a:lumMod val="65000"/>
-                    <a:lumOff val="35000"/>
-                  </a:schemeClr>
-                </a:solidFill>
-                <a:latin typeface="+mn-lt"/>
-                <a:ea typeface="+mn-ea"/>
-                <a:cs typeface="+mn-cs"/>
-              </a:rPr>
-            </a:br>
-            <a:r>
-              <a:rPr lang="en-US" sz="1800" dirty="0">
-                <a:solidFill>
-                  <a:schemeClr val="tx1">
-                    <a:lumMod val="65000"/>
-                    <a:lumOff val="35000"/>
-                  </a:schemeClr>
-                </a:solidFill>
-                <a:latin typeface="+mn-lt"/>
-                <a:ea typeface="+mn-ea"/>
-                <a:cs typeface="+mn-cs"/>
-              </a:rPr>
-              <a:t>1. </a:t>
-            </a:r>
-            <a:r>
-              <a:rPr lang="zh-CN" altLang="en-US" sz="1800" dirty="0">
-                <a:solidFill>
-                  <a:schemeClr val="tx1">
-                    <a:lumMod val="65000"/>
-                    <a:lumOff val="35000"/>
-                  </a:schemeClr>
-                </a:solidFill>
-                <a:latin typeface="+mn-lt"/>
-                <a:ea typeface="+mn-ea"/>
-                <a:cs typeface="+mn-cs"/>
-              </a:rPr>
-              <a:t>检查是否可以暴露服务</a:t>
-            </a:r>
-            <a:r>
-              <a:rPr lang="en-US" altLang="zh-CN" sz="1800" dirty="0">
-                <a:solidFill>
-                  <a:schemeClr val="tx1">
-                    <a:lumMod val="65000"/>
-                    <a:lumOff val="35000"/>
-                  </a:schemeClr>
-                </a:solidFill>
-                <a:latin typeface="+mn-lt"/>
-                <a:ea typeface="+mn-ea"/>
-                <a:cs typeface="+mn-cs"/>
-              </a:rPr>
-              <a:t>, </a:t>
-            </a:r>
-            <a:r>
-              <a:rPr lang="zh-CN" altLang="en-US" sz="1800" dirty="0">
-                <a:solidFill>
-                  <a:schemeClr val="tx1">
-                    <a:lumMod val="65000"/>
-                    <a:lumOff val="35000"/>
-                  </a:schemeClr>
-                </a:solidFill>
-                <a:latin typeface="+mn-lt"/>
-                <a:ea typeface="+mn-ea"/>
-                <a:cs typeface="+mn-cs"/>
-              </a:rPr>
-              <a:t>如果已经暴露过则返回或抛出异常</a:t>
-            </a:r>
-            <a:r>
-              <a:rPr lang="en-US" altLang="zh-CN" sz="1800" dirty="0">
-                <a:solidFill>
-                  <a:schemeClr val="tx1">
-                    <a:lumMod val="65000"/>
-                    <a:lumOff val="35000"/>
-                  </a:schemeClr>
-                </a:solidFill>
-                <a:latin typeface="+mn-lt"/>
-                <a:ea typeface="+mn-ea"/>
-                <a:cs typeface="+mn-cs"/>
-              </a:rPr>
-              <a:t>, </a:t>
-            </a:r>
-            <a:r>
-              <a:rPr lang="zh-CN" altLang="en-US" sz="1800" dirty="0">
-                <a:solidFill>
-                  <a:schemeClr val="tx1">
-                    <a:lumMod val="65000"/>
-                    <a:lumOff val="35000"/>
-                  </a:schemeClr>
-                </a:solidFill>
-                <a:latin typeface="+mn-lt"/>
-                <a:ea typeface="+mn-ea"/>
-                <a:cs typeface="+mn-cs"/>
-              </a:rPr>
-              <a:t>否则标记已经暴露服务</a:t>
-            </a:r>
-            <a:r>
-              <a:rPr lang="en-US" altLang="zh-CN" sz="1800" dirty="0">
-                <a:solidFill>
-                  <a:schemeClr val="tx1">
-                    <a:lumMod val="65000"/>
-                    <a:lumOff val="35000"/>
-                  </a:schemeClr>
-                </a:solidFill>
-                <a:latin typeface="+mn-lt"/>
-                <a:ea typeface="+mn-ea"/>
-                <a:cs typeface="+mn-cs"/>
-              </a:rPr>
-              <a:t>exported=true</a:t>
-            </a:r>
-            <a:br>
-              <a:rPr lang="en-US" altLang="zh-CN" sz="1800" dirty="0">
-                <a:solidFill>
-                  <a:schemeClr val="tx1">
-                    <a:lumMod val="65000"/>
-                    <a:lumOff val="35000"/>
-                  </a:schemeClr>
-                </a:solidFill>
-                <a:latin typeface="+mn-lt"/>
-                <a:ea typeface="+mn-ea"/>
-                <a:cs typeface="+mn-cs"/>
-              </a:rPr>
-            </a:br>
-            <a:r>
-              <a:rPr lang="en-US" altLang="zh-CN" sz="1800" dirty="0">
-                <a:solidFill>
-                  <a:schemeClr val="tx1">
-                    <a:lumMod val="65000"/>
-                    <a:lumOff val="35000"/>
-                  </a:schemeClr>
-                </a:solidFill>
-                <a:latin typeface="+mn-lt"/>
-                <a:ea typeface="+mn-ea"/>
-                <a:cs typeface="+mn-cs"/>
-              </a:rPr>
-              <a:t>2. </a:t>
-            </a:r>
-            <a:r>
-              <a:rPr lang="zh-CN" altLang="en-US" sz="1800" dirty="0">
-                <a:solidFill>
-                  <a:schemeClr val="tx1">
-                    <a:lumMod val="65000"/>
-                    <a:lumOff val="35000"/>
-                  </a:schemeClr>
-                </a:solidFill>
-                <a:latin typeface="+mn-lt"/>
-                <a:ea typeface="+mn-ea"/>
-                <a:cs typeface="+mn-cs"/>
-              </a:rPr>
-              <a:t>读取属性配置</a:t>
-            </a:r>
-            <a:r>
-              <a:rPr lang="en-US" altLang="zh-CN" sz="1800" dirty="0">
-                <a:solidFill>
-                  <a:schemeClr val="tx1">
-                    <a:lumMod val="65000"/>
-                    <a:lumOff val="35000"/>
-                  </a:schemeClr>
-                </a:solidFill>
-                <a:latin typeface="+mn-lt"/>
-                <a:ea typeface="+mn-ea"/>
-                <a:cs typeface="+mn-cs"/>
-              </a:rPr>
-              <a:t>(</a:t>
-            </a:r>
-            <a:r>
-              <a:rPr lang="zh-CN" altLang="en-US" sz="1800" dirty="0">
-                <a:solidFill>
-                  <a:schemeClr val="tx1">
-                    <a:lumMod val="65000"/>
-                    <a:lumOff val="35000"/>
-                  </a:schemeClr>
-                </a:solidFill>
-                <a:latin typeface="+mn-lt"/>
-                <a:ea typeface="+mn-ea"/>
-                <a:cs typeface="+mn-cs"/>
-              </a:rPr>
-              <a:t>环境变量</a:t>
-            </a:r>
-            <a:r>
-              <a:rPr lang="en-US" altLang="zh-CN" sz="1800" dirty="0">
-                <a:solidFill>
-                  <a:schemeClr val="tx1">
-                    <a:lumMod val="65000"/>
-                    <a:lumOff val="35000"/>
-                  </a:schemeClr>
-                </a:solidFill>
-                <a:latin typeface="+mn-lt"/>
-                <a:ea typeface="+mn-ea"/>
-                <a:cs typeface="+mn-cs"/>
-              </a:rPr>
-              <a:t>+properties</a:t>
-            </a:r>
-            <a:r>
-              <a:rPr lang="zh-CN" altLang="en-US" sz="1800" dirty="0">
-                <a:solidFill>
-                  <a:schemeClr val="tx1">
-                    <a:lumMod val="65000"/>
-                    <a:lumOff val="35000"/>
-                  </a:schemeClr>
-                </a:solidFill>
-                <a:latin typeface="+mn-lt"/>
-                <a:ea typeface="+mn-ea"/>
-                <a:cs typeface="+mn-cs"/>
-              </a:rPr>
-              <a:t>属性</a:t>
-            </a:r>
-            <a:r>
-              <a:rPr lang="en-US" altLang="zh-CN" sz="1800" dirty="0">
-                <a:solidFill>
-                  <a:schemeClr val="tx1">
-                    <a:lumMod val="65000"/>
-                    <a:lumOff val="35000"/>
-                  </a:schemeClr>
-                </a:solidFill>
-                <a:latin typeface="+mn-lt"/>
-                <a:ea typeface="+mn-ea"/>
-                <a:cs typeface="+mn-cs"/>
-              </a:rPr>
-              <a:t>)</a:t>
-            </a:r>
-            <a:r>
-              <a:rPr lang="zh-CN" altLang="en-US" sz="1800" dirty="0">
-                <a:solidFill>
-                  <a:schemeClr val="tx1">
-                    <a:lumMod val="65000"/>
-                    <a:lumOff val="35000"/>
-                  </a:schemeClr>
-                </a:solidFill>
-                <a:latin typeface="+mn-lt"/>
-                <a:ea typeface="+mn-ea"/>
-                <a:cs typeface="+mn-cs"/>
-              </a:rPr>
-              <a:t>到</a:t>
-            </a:r>
-            <a:r>
-              <a:rPr lang="en-US" altLang="zh-CN" sz="1800" dirty="0">
-                <a:solidFill>
-                  <a:schemeClr val="tx1">
-                    <a:lumMod val="65000"/>
-                    <a:lumOff val="35000"/>
-                  </a:schemeClr>
-                </a:solidFill>
-                <a:latin typeface="+mn-lt"/>
-                <a:ea typeface="+mn-ea"/>
-                <a:cs typeface="+mn-cs"/>
-              </a:rPr>
-              <a:t>ProviderConfig</a:t>
-            </a:r>
-            <a:r>
-              <a:rPr lang="zh-CN" altLang="en-US" sz="1800" dirty="0">
-                <a:solidFill>
-                  <a:schemeClr val="tx1">
-                    <a:lumMod val="65000"/>
-                    <a:lumOff val="35000"/>
-                  </a:schemeClr>
-                </a:solidFill>
-                <a:latin typeface="+mn-lt"/>
-                <a:ea typeface="+mn-ea"/>
-                <a:cs typeface="+mn-cs"/>
-              </a:rPr>
-              <a:t>中</a:t>
-            </a:r>
-            <a:br>
-              <a:rPr lang="zh-CN" altLang="en-US" sz="1800" dirty="0">
-                <a:solidFill>
-                  <a:schemeClr val="tx1">
-                    <a:lumMod val="65000"/>
-                    <a:lumOff val="35000"/>
-                  </a:schemeClr>
-                </a:solidFill>
-                <a:latin typeface="+mn-lt"/>
-                <a:ea typeface="+mn-ea"/>
-                <a:cs typeface="+mn-cs"/>
-              </a:rPr>
-            </a:br>
-            <a:r>
-              <a:rPr lang="en-US" altLang="zh-CN" sz="1800" dirty="0">
-                <a:solidFill>
-                  <a:schemeClr val="tx1">
-                    <a:lumMod val="65000"/>
-                    <a:lumOff val="35000"/>
-                  </a:schemeClr>
-                </a:solidFill>
-                <a:latin typeface="+mn-lt"/>
-                <a:ea typeface="+mn-ea"/>
-                <a:cs typeface="+mn-cs"/>
-              </a:rPr>
-              <a:t>3. </a:t>
-            </a:r>
-            <a:r>
-              <a:rPr lang="zh-CN" altLang="en-US" sz="1800" dirty="0">
-                <a:solidFill>
-                  <a:schemeClr val="tx1">
-                    <a:lumMod val="65000"/>
-                    <a:lumOff val="35000"/>
-                  </a:schemeClr>
-                </a:solidFill>
-                <a:latin typeface="+mn-lt"/>
-                <a:ea typeface="+mn-ea"/>
-                <a:cs typeface="+mn-cs"/>
-              </a:rPr>
-              <a:t>按照</a:t>
-            </a:r>
-            <a:r>
-              <a:rPr lang="en-US" altLang="zh-CN" sz="1800" dirty="0">
-                <a:solidFill>
-                  <a:schemeClr val="tx1">
-                    <a:lumMod val="65000"/>
-                    <a:lumOff val="35000"/>
-                  </a:schemeClr>
-                </a:solidFill>
-                <a:latin typeface="+mn-lt"/>
-                <a:ea typeface="+mn-ea"/>
-                <a:cs typeface="+mn-cs"/>
-              </a:rPr>
-              <a:t>ProviderConfig --&gt; ModuleConfig --&gt; ApplicationConfig</a:t>
-            </a:r>
-            <a:r>
-              <a:rPr lang="zh-CN" altLang="en-US" sz="1800" dirty="0">
-                <a:solidFill>
-                  <a:schemeClr val="tx1">
-                    <a:lumMod val="65000"/>
-                    <a:lumOff val="35000"/>
-                  </a:schemeClr>
-                </a:solidFill>
-                <a:latin typeface="+mn-lt"/>
-                <a:ea typeface="+mn-ea"/>
-                <a:cs typeface="+mn-cs"/>
-              </a:rPr>
-              <a:t>的顺序读取相关的属性配置</a:t>
-            </a:r>
-            <a:br>
-              <a:rPr lang="zh-CN" altLang="en-US" sz="1800" dirty="0">
-                <a:solidFill>
-                  <a:schemeClr val="tx1">
-                    <a:lumMod val="65000"/>
-                    <a:lumOff val="35000"/>
-                  </a:schemeClr>
-                </a:solidFill>
-                <a:latin typeface="+mn-lt"/>
-                <a:ea typeface="+mn-ea"/>
-                <a:cs typeface="+mn-cs"/>
-              </a:rPr>
-            </a:br>
-            <a:r>
-              <a:rPr lang="en-US" altLang="zh-CN" sz="1800" dirty="0">
-                <a:solidFill>
-                  <a:schemeClr val="tx1">
-                    <a:lumMod val="65000"/>
-                    <a:lumOff val="35000"/>
-                  </a:schemeClr>
-                </a:solidFill>
-                <a:latin typeface="+mn-lt"/>
-                <a:ea typeface="+mn-ea"/>
-                <a:cs typeface="+mn-cs"/>
-              </a:rPr>
-              <a:t>4.  </a:t>
-            </a:r>
-            <a:r>
-              <a:rPr lang="zh-CN" altLang="en-US" sz="1800" dirty="0">
-                <a:solidFill>
-                  <a:schemeClr val="tx1">
-                    <a:lumMod val="65000"/>
-                    <a:lumOff val="35000"/>
-                  </a:schemeClr>
-                </a:solidFill>
-                <a:latin typeface="+mn-lt"/>
-                <a:ea typeface="+mn-ea"/>
-                <a:cs typeface="+mn-cs"/>
-              </a:rPr>
-              <a:t>如果是</a:t>
-            </a:r>
-            <a:r>
-              <a:rPr lang="zh-CN" altLang="en-US" sz="1800" b="1" dirty="0">
-                <a:solidFill>
-                  <a:srgbClr val="FF0000"/>
-                </a:solidFill>
-                <a:latin typeface="+mn-lt"/>
-                <a:ea typeface="+mn-ea"/>
-                <a:cs typeface="+mn-cs"/>
-              </a:rPr>
-              <a:t>泛化接口</a:t>
-            </a:r>
-            <a:r>
-              <a:rPr lang="zh-CN" altLang="en-US" sz="1800" dirty="0">
-                <a:solidFill>
-                  <a:schemeClr val="tx1">
-                    <a:lumMod val="65000"/>
-                    <a:lumOff val="35000"/>
-                  </a:schemeClr>
-                </a:solidFill>
-                <a:latin typeface="+mn-lt"/>
-                <a:ea typeface="+mn-ea"/>
-                <a:cs typeface="+mn-cs"/>
-              </a:rPr>
-              <a:t>的实现</a:t>
-            </a:r>
-            <a:r>
-              <a:rPr lang="en-US" altLang="zh-CN" sz="1800" dirty="0">
-                <a:solidFill>
-                  <a:schemeClr val="tx1">
-                    <a:lumMod val="65000"/>
-                    <a:lumOff val="35000"/>
-                  </a:schemeClr>
-                </a:solidFill>
-                <a:latin typeface="+mn-lt"/>
-                <a:ea typeface="+mn-ea"/>
-                <a:cs typeface="+mn-cs"/>
-              </a:rPr>
-              <a:t>, </a:t>
-            </a:r>
-            <a:r>
-              <a:rPr lang="zh-CN" altLang="en-US" sz="1800" dirty="0">
-                <a:solidFill>
-                  <a:schemeClr val="tx1">
-                    <a:lumMod val="65000"/>
-                    <a:lumOff val="35000"/>
-                  </a:schemeClr>
-                </a:solidFill>
-                <a:latin typeface="+mn-lt"/>
-                <a:ea typeface="+mn-ea"/>
-                <a:cs typeface="+mn-cs"/>
-              </a:rPr>
-              <a:t>按照泛化接口处理</a:t>
-            </a:r>
-            <a:r>
-              <a:rPr lang="en-US" altLang="zh-CN" sz="1800" dirty="0">
-                <a:solidFill>
-                  <a:schemeClr val="tx1">
-                    <a:lumMod val="65000"/>
-                    <a:lumOff val="35000"/>
-                  </a:schemeClr>
-                </a:solidFill>
-                <a:latin typeface="+mn-lt"/>
-                <a:ea typeface="+mn-ea"/>
-                <a:cs typeface="+mn-cs"/>
-              </a:rPr>
-              <a:t>interfaceClass, </a:t>
-            </a:r>
-            <a:r>
-              <a:rPr lang="zh-CN" altLang="en-US" sz="1800" dirty="0">
-                <a:solidFill>
-                  <a:schemeClr val="tx1">
-                    <a:lumMod val="65000"/>
-                    <a:lumOff val="35000"/>
-                  </a:schemeClr>
-                </a:solidFill>
-                <a:latin typeface="+mn-lt"/>
-                <a:ea typeface="+mn-ea"/>
-                <a:cs typeface="+mn-cs"/>
-                <a:sym typeface="+mn-ea"/>
-              </a:rPr>
-              <a:t>标记泛化</a:t>
-            </a:r>
-            <a:r>
-              <a:rPr lang="zh-CN" altLang="en-US" sz="1800" b="1" dirty="0">
-                <a:solidFill>
-                  <a:srgbClr val="FF0000"/>
-                </a:solidFill>
-                <a:latin typeface="+mn-lt"/>
-                <a:ea typeface="+mn-ea"/>
-                <a:cs typeface="+mn-cs"/>
-                <a:sym typeface="+mn-ea"/>
-              </a:rPr>
-              <a:t>generic</a:t>
-            </a:r>
-            <a:r>
-              <a:rPr lang="zh-CN" altLang="en-US" sz="1800" dirty="0">
-                <a:solidFill>
-                  <a:schemeClr val="tx1">
-                    <a:lumMod val="65000"/>
-                    <a:lumOff val="35000"/>
-                  </a:schemeClr>
-                </a:solidFill>
-                <a:latin typeface="+mn-lt"/>
-                <a:ea typeface="+mn-ea"/>
-                <a:cs typeface="+mn-cs"/>
-                <a:sym typeface="+mn-ea"/>
-              </a:rPr>
-              <a:t>为</a:t>
-            </a:r>
-            <a:r>
-              <a:rPr lang="en-US" altLang="zh-CN" sz="1800" dirty="0">
-                <a:solidFill>
-                  <a:schemeClr val="tx1">
-                    <a:lumMod val="65000"/>
-                    <a:lumOff val="35000"/>
-                  </a:schemeClr>
-                </a:solidFill>
-                <a:latin typeface="+mn-lt"/>
-                <a:ea typeface="+mn-ea"/>
-                <a:cs typeface="+mn-cs"/>
-                <a:sym typeface="+mn-ea"/>
-              </a:rPr>
-              <a:t>true</a:t>
-            </a:r>
-            <a:r>
-              <a:rPr lang="en-US" altLang="zh-CN" sz="1800" dirty="0">
-                <a:solidFill>
-                  <a:schemeClr val="tx1">
-                    <a:lumMod val="65000"/>
-                    <a:lumOff val="35000"/>
-                  </a:schemeClr>
-                </a:solidFill>
-                <a:latin typeface="+mn-lt"/>
-                <a:ea typeface="+mn-ea"/>
-                <a:cs typeface="+mn-cs"/>
-              </a:rPr>
-              <a:t>; </a:t>
-            </a:r>
-            <a:r>
-              <a:rPr lang="zh-CN" altLang="en-US" sz="1800" dirty="0">
-                <a:solidFill>
-                  <a:schemeClr val="tx1">
-                    <a:lumMod val="65000"/>
-                    <a:lumOff val="35000"/>
-                  </a:schemeClr>
-                </a:solidFill>
-                <a:latin typeface="+mn-lt"/>
-                <a:ea typeface="+mn-ea"/>
-                <a:cs typeface="+mn-cs"/>
-              </a:rPr>
-              <a:t>如果是</a:t>
-            </a:r>
-            <a:r>
-              <a:rPr lang="zh-CN" altLang="en-US" sz="1800" b="1" dirty="0">
-                <a:solidFill>
-                  <a:srgbClr val="FF0000"/>
-                </a:solidFill>
-                <a:latin typeface="+mn-lt"/>
-                <a:ea typeface="+mn-ea"/>
-                <a:cs typeface="+mn-cs"/>
-              </a:rPr>
-              <a:t>普通接口</a:t>
-            </a:r>
-            <a:r>
-              <a:rPr lang="en-US" altLang="zh-CN" sz="1800" dirty="0">
-                <a:solidFill>
-                  <a:schemeClr val="tx1">
-                    <a:lumMod val="65000"/>
-                    <a:lumOff val="35000"/>
-                  </a:schemeClr>
-                </a:solidFill>
-                <a:latin typeface="+mn-lt"/>
-                <a:ea typeface="+mn-ea"/>
-                <a:cs typeface="+mn-cs"/>
-              </a:rPr>
-              <a:t>, </a:t>
-            </a:r>
-            <a:r>
-              <a:rPr lang="zh-CN" altLang="en-US" sz="1800" dirty="0">
-                <a:solidFill>
-                  <a:schemeClr val="tx1">
-                    <a:lumMod val="65000"/>
-                    <a:lumOff val="35000"/>
-                  </a:schemeClr>
-                </a:solidFill>
-                <a:latin typeface="+mn-lt"/>
-                <a:ea typeface="+mn-ea"/>
-                <a:cs typeface="+mn-cs"/>
-              </a:rPr>
-              <a:t>通过反射的方式获取</a:t>
-            </a:r>
-            <a:r>
-              <a:rPr lang="en-US" altLang="zh-CN" sz="1800" dirty="0">
-                <a:solidFill>
-                  <a:schemeClr val="tx1">
-                    <a:lumMod val="65000"/>
-                    <a:lumOff val="35000"/>
-                  </a:schemeClr>
-                </a:solidFill>
-                <a:latin typeface="+mn-lt"/>
-                <a:ea typeface="+mn-ea"/>
-                <a:cs typeface="+mn-cs"/>
-              </a:rPr>
-              <a:t>interfaceClass, </a:t>
-            </a:r>
-            <a:r>
-              <a:rPr lang="zh-CN" altLang="en-US" sz="1800" dirty="0">
-                <a:solidFill>
-                  <a:schemeClr val="tx1">
-                    <a:lumMod val="65000"/>
-                    <a:lumOff val="35000"/>
-                  </a:schemeClr>
-                </a:solidFill>
-                <a:latin typeface="+mn-lt"/>
-                <a:ea typeface="+mn-ea"/>
-                <a:cs typeface="+mn-cs"/>
-              </a:rPr>
-              <a:t>并校验接口和方法、校验指向的</a:t>
-            </a:r>
-            <a:r>
-              <a:rPr lang="en-US" altLang="zh-CN" sz="1800" dirty="0">
-                <a:solidFill>
-                  <a:schemeClr val="tx1">
-                    <a:lumMod val="65000"/>
-                    <a:lumOff val="35000"/>
-                  </a:schemeClr>
-                </a:solidFill>
-                <a:latin typeface="+mn-lt"/>
-                <a:ea typeface="+mn-ea"/>
-                <a:cs typeface="+mn-cs"/>
-              </a:rPr>
-              <a:t>service</a:t>
-            </a:r>
-            <a:r>
-              <a:rPr lang="zh-CN" altLang="en-US" sz="1800" dirty="0">
-                <a:solidFill>
-                  <a:schemeClr val="tx1">
-                    <a:lumMod val="65000"/>
-                    <a:lumOff val="35000"/>
-                  </a:schemeClr>
-                </a:solidFill>
-                <a:latin typeface="+mn-lt"/>
-                <a:ea typeface="+mn-ea"/>
-                <a:cs typeface="+mn-cs"/>
-              </a:rPr>
-              <a:t>对象</a:t>
-            </a:r>
-            <a:r>
-              <a:rPr lang="en-US" altLang="zh-CN" sz="1800" dirty="0">
-                <a:solidFill>
-                  <a:schemeClr val="tx1">
-                    <a:lumMod val="65000"/>
-                    <a:lumOff val="35000"/>
-                  </a:schemeClr>
-                </a:solidFill>
-                <a:latin typeface="+mn-lt"/>
-                <a:ea typeface="+mn-ea"/>
-                <a:cs typeface="+mn-cs"/>
-              </a:rPr>
-              <a:t>, </a:t>
-            </a:r>
-            <a:r>
-              <a:rPr lang="zh-CN" altLang="en-US" sz="1800" dirty="0">
-                <a:solidFill>
-                  <a:schemeClr val="tx1">
-                    <a:lumMod val="65000"/>
-                    <a:lumOff val="35000"/>
-                  </a:schemeClr>
-                </a:solidFill>
-                <a:latin typeface="+mn-lt"/>
-                <a:ea typeface="+mn-ea"/>
-                <a:cs typeface="+mn-cs"/>
-              </a:rPr>
-              <a:t>标记泛化</a:t>
-            </a:r>
-            <a:r>
-              <a:rPr lang="zh-CN" altLang="en-US" sz="1800" b="1" dirty="0">
-                <a:solidFill>
-                  <a:srgbClr val="FF0000"/>
-                </a:solidFill>
-                <a:latin typeface="+mn-lt"/>
-                <a:ea typeface="+mn-ea"/>
-                <a:cs typeface="+mn-cs"/>
-              </a:rPr>
-              <a:t>generic</a:t>
-            </a:r>
-            <a:r>
-              <a:rPr lang="zh-CN" altLang="en-US" sz="1800" dirty="0">
-                <a:solidFill>
-                  <a:schemeClr val="tx1">
-                    <a:lumMod val="65000"/>
-                    <a:lumOff val="35000"/>
-                  </a:schemeClr>
-                </a:solidFill>
-                <a:latin typeface="+mn-lt"/>
-                <a:ea typeface="+mn-ea"/>
-                <a:cs typeface="+mn-cs"/>
-              </a:rPr>
-              <a:t>为</a:t>
-            </a:r>
-            <a:r>
-              <a:rPr lang="en-US" altLang="zh-CN" sz="1800" dirty="0">
-                <a:solidFill>
-                  <a:schemeClr val="tx1">
-                    <a:lumMod val="65000"/>
-                    <a:lumOff val="35000"/>
-                  </a:schemeClr>
-                </a:solidFill>
-                <a:latin typeface="+mn-lt"/>
-                <a:ea typeface="+mn-ea"/>
-                <a:cs typeface="+mn-cs"/>
-              </a:rPr>
-              <a:t>false</a:t>
-            </a:r>
-            <a:br>
-              <a:rPr lang="en-US" altLang="zh-CN" sz="1800" dirty="0">
-                <a:solidFill>
-                  <a:schemeClr val="tx1">
-                    <a:lumMod val="65000"/>
-                    <a:lumOff val="35000"/>
-                  </a:schemeClr>
-                </a:solidFill>
-                <a:latin typeface="+mn-lt"/>
-                <a:ea typeface="+mn-ea"/>
-                <a:cs typeface="+mn-cs"/>
-              </a:rPr>
-            </a:br>
-            <a:r>
-              <a:rPr lang="en-US" altLang="zh-CN" sz="1800" dirty="0">
-                <a:solidFill>
-                  <a:schemeClr val="tx1">
-                    <a:lumMod val="65000"/>
-                    <a:lumOff val="35000"/>
-                  </a:schemeClr>
-                </a:solidFill>
-                <a:latin typeface="+mn-lt"/>
-                <a:ea typeface="+mn-ea"/>
-                <a:cs typeface="+mn-cs"/>
-              </a:rPr>
-              <a:t>5.</a:t>
-            </a:r>
-            <a:r>
-              <a:rPr lang="zh-CN" altLang="en-US" sz="1800" dirty="0">
-                <a:solidFill>
-                  <a:schemeClr val="tx1">
-                    <a:lumMod val="65000"/>
-                    <a:lumOff val="35000"/>
-                  </a:schemeClr>
-                </a:solidFill>
-                <a:latin typeface="+mn-lt"/>
-                <a:ea typeface="+mn-ea"/>
-                <a:cs typeface="+mn-cs"/>
-              </a:rPr>
-              <a:t>处理服务接口客户端本地代理</a:t>
-            </a:r>
-            <a:r>
-              <a:rPr lang="en-US" altLang="zh-CN" sz="1800" dirty="0">
-                <a:solidFill>
-                  <a:schemeClr val="tx1">
-                    <a:lumMod val="65000"/>
-                    <a:lumOff val="35000"/>
-                  </a:schemeClr>
-                </a:solidFill>
-                <a:latin typeface="+mn-lt"/>
-                <a:ea typeface="+mn-ea"/>
-                <a:cs typeface="+mn-cs"/>
-              </a:rPr>
-              <a:t>local/stub</a:t>
-            </a:r>
-            <a:r>
-              <a:rPr lang="zh-CN" altLang="en-US" sz="1800" dirty="0">
-                <a:solidFill>
-                  <a:schemeClr val="tx1">
-                    <a:lumMod val="65000"/>
-                    <a:lumOff val="35000"/>
-                  </a:schemeClr>
-                </a:solidFill>
-                <a:latin typeface="+mn-lt"/>
-                <a:ea typeface="+mn-ea"/>
-                <a:cs typeface="+mn-cs"/>
-              </a:rPr>
-              <a:t>相关</a:t>
-            </a:r>
-            <a:r>
-              <a:rPr lang="en-US" altLang="zh-CN" sz="1800" dirty="0">
-                <a:solidFill>
-                  <a:schemeClr val="tx1">
-                    <a:lumMod val="65000"/>
-                    <a:lumOff val="35000"/>
-                  </a:schemeClr>
-                </a:solidFill>
-                <a:latin typeface="+mn-lt"/>
-                <a:ea typeface="+mn-ea"/>
-                <a:cs typeface="+mn-cs"/>
-              </a:rPr>
-              <a:t>, </a:t>
-            </a:r>
-            <a:r>
-              <a:rPr lang="zh-CN" altLang="en-US" sz="1800" dirty="0">
-                <a:solidFill>
-                  <a:schemeClr val="tx1">
-                    <a:lumMod val="65000"/>
-                    <a:lumOff val="35000"/>
-                  </a:schemeClr>
-                </a:solidFill>
-                <a:latin typeface="+mn-lt"/>
-                <a:ea typeface="+mn-ea"/>
-                <a:cs typeface="+mn-cs"/>
-              </a:rPr>
-              <a:t>其中</a:t>
-            </a:r>
-            <a:r>
-              <a:rPr lang="en-US" altLang="zh-CN" sz="1800" dirty="0">
-                <a:solidFill>
-                  <a:schemeClr val="tx1">
-                    <a:lumMod val="65000"/>
-                    <a:lumOff val="35000"/>
-                  </a:schemeClr>
-                </a:solidFill>
-                <a:latin typeface="+mn-lt"/>
-                <a:ea typeface="+mn-ea"/>
-                <a:cs typeface="+mn-cs"/>
-              </a:rPr>
-              <a:t>local</a:t>
-            </a:r>
-            <a:r>
-              <a:rPr lang="zh-CN" altLang="en-US" sz="1800" dirty="0">
-                <a:solidFill>
-                  <a:schemeClr val="tx1">
-                    <a:lumMod val="65000"/>
-                    <a:lumOff val="35000"/>
-                  </a:schemeClr>
-                </a:solidFill>
-                <a:latin typeface="+mn-lt"/>
-                <a:ea typeface="+mn-ea"/>
-                <a:cs typeface="+mn-cs"/>
-              </a:rPr>
-              <a:t>目前已经废除</a:t>
-            </a:r>
-            <a:r>
-              <a:rPr lang="en-US" altLang="zh-CN" sz="1800" dirty="0">
-                <a:solidFill>
-                  <a:schemeClr val="tx1">
-                    <a:lumMod val="65000"/>
-                    <a:lumOff val="35000"/>
-                  </a:schemeClr>
-                </a:solidFill>
-                <a:latin typeface="+mn-lt"/>
-                <a:ea typeface="+mn-ea"/>
-                <a:cs typeface="+mn-cs"/>
-              </a:rPr>
-              <a:t>, </a:t>
-            </a:r>
-            <a:r>
-              <a:rPr lang="zh-CN" altLang="en-US" sz="1800" dirty="0">
-                <a:solidFill>
-                  <a:schemeClr val="tx1">
-                    <a:lumMod val="65000"/>
-                    <a:lumOff val="35000"/>
-                  </a:schemeClr>
-                </a:solidFill>
-                <a:latin typeface="+mn-lt"/>
-                <a:ea typeface="+mn-ea"/>
-                <a:cs typeface="+mn-cs"/>
-              </a:rPr>
-              <a:t>这里是为了兼容历史版本</a:t>
-            </a:r>
-            <a:br>
-              <a:rPr lang="zh-CN" altLang="en-US" sz="1800" dirty="0">
-                <a:solidFill>
-                  <a:schemeClr val="tx1">
-                    <a:lumMod val="65000"/>
-                    <a:lumOff val="35000"/>
-                  </a:schemeClr>
-                </a:solidFill>
-                <a:latin typeface="+mn-lt"/>
-                <a:ea typeface="+mn-ea"/>
-                <a:cs typeface="+mn-cs"/>
-              </a:rPr>
-            </a:br>
-            <a:r>
-              <a:rPr lang="zh-CN" altLang="en-US" sz="1800" dirty="0">
-                <a:solidFill>
-                  <a:schemeClr val="tx1">
-                    <a:lumMod val="65000"/>
-                    <a:lumOff val="35000"/>
-                  </a:schemeClr>
-                </a:solidFill>
-                <a:latin typeface="+mn-lt"/>
-                <a:ea typeface="+mn-ea"/>
-                <a:cs typeface="+mn-cs"/>
-              </a:rPr>
-              <a:t>6</a:t>
-            </a:r>
-            <a:r>
-              <a:rPr lang="en-US" altLang="zh-CN" sz="1800" dirty="0">
-                <a:solidFill>
-                  <a:schemeClr val="tx1">
-                    <a:lumMod val="65000"/>
-                    <a:lumOff val="35000"/>
-                  </a:schemeClr>
-                </a:solidFill>
-                <a:latin typeface="+mn-lt"/>
-                <a:ea typeface="+mn-ea"/>
-                <a:cs typeface="+mn-cs"/>
-              </a:rPr>
-              <a:t>. </a:t>
-            </a:r>
-            <a:r>
-              <a:rPr lang="zh-CN" altLang="en-US" sz="1800" dirty="0">
-                <a:solidFill>
-                  <a:schemeClr val="tx1">
-                    <a:lumMod val="65000"/>
-                    <a:lumOff val="35000"/>
-                  </a:schemeClr>
-                </a:solidFill>
-                <a:latin typeface="+mn-lt"/>
-                <a:ea typeface="+mn-ea"/>
-                <a:cs typeface="+mn-cs"/>
-              </a:rPr>
-              <a:t>执行</a:t>
-            </a:r>
-            <a:r>
-              <a:rPr lang="en-US" altLang="zh-CN" sz="1800" dirty="0">
-                <a:solidFill>
-                  <a:schemeClr val="tx1">
-                    <a:lumMod val="65000"/>
-                    <a:lumOff val="35000"/>
-                  </a:schemeClr>
-                </a:solidFill>
-                <a:latin typeface="+mn-lt"/>
-                <a:ea typeface="+mn-ea"/>
-                <a:cs typeface="+mn-cs"/>
-              </a:rPr>
-              <a:t>checkApplication() 方法，校验 ApplicationConfig 配置</a:t>
-            </a:r>
-            <a:br>
-              <a:rPr lang="en-US" altLang="zh-CN" sz="1800" dirty="0">
-                <a:solidFill>
-                  <a:schemeClr val="tx1">
-                    <a:lumMod val="65000"/>
-                    <a:lumOff val="35000"/>
-                  </a:schemeClr>
-                </a:solidFill>
-                <a:latin typeface="+mn-lt"/>
-                <a:ea typeface="+mn-ea"/>
-                <a:cs typeface="+mn-cs"/>
-              </a:rPr>
-            </a:br>
-            <a:r>
-              <a:rPr lang="en-US" altLang="zh-CN" sz="1800" dirty="0">
-                <a:solidFill>
-                  <a:schemeClr val="tx1">
-                    <a:lumMod val="65000"/>
-                    <a:lumOff val="35000"/>
-                  </a:schemeClr>
-                </a:solidFill>
-                <a:latin typeface="+mn-lt"/>
-                <a:ea typeface="+mn-ea"/>
-                <a:cs typeface="+mn-cs"/>
-              </a:rPr>
-              <a:t>7. </a:t>
-            </a:r>
-            <a:r>
-              <a:rPr lang="zh-CN" altLang="en-US" sz="1800" dirty="0">
-                <a:solidFill>
-                  <a:schemeClr val="tx1">
-                    <a:lumMod val="65000"/>
-                    <a:lumOff val="35000"/>
-                  </a:schemeClr>
-                </a:solidFill>
-                <a:latin typeface="+mn-lt"/>
-                <a:ea typeface="+mn-ea"/>
-                <a:cs typeface="+mn-cs"/>
-              </a:rPr>
-              <a:t>执行checkRegistry() 方法，校验 RegistryConfig 配置</a:t>
-            </a:r>
-            <a:br>
-              <a:rPr lang="zh-CN" altLang="en-US" sz="1800" dirty="0">
-                <a:solidFill>
-                  <a:schemeClr val="tx1">
-                    <a:lumMod val="65000"/>
-                    <a:lumOff val="35000"/>
-                  </a:schemeClr>
-                </a:solidFill>
-                <a:latin typeface="+mn-lt"/>
-                <a:ea typeface="+mn-ea"/>
-                <a:cs typeface="+mn-cs"/>
-              </a:rPr>
-            </a:br>
-            <a:r>
-              <a:rPr lang="en-US" altLang="zh-CN" sz="1800" dirty="0">
-                <a:solidFill>
-                  <a:schemeClr val="tx1">
-                    <a:lumMod val="65000"/>
-                    <a:lumOff val="35000"/>
-                  </a:schemeClr>
-                </a:solidFill>
-                <a:latin typeface="+mn-lt"/>
-                <a:ea typeface="+mn-ea"/>
-                <a:cs typeface="+mn-cs"/>
-              </a:rPr>
-              <a:t>8. </a:t>
-            </a:r>
-            <a:r>
-              <a:rPr lang="zh-CN" altLang="en-US" sz="1800" dirty="0">
-                <a:solidFill>
-                  <a:schemeClr val="tx1">
-                    <a:lumMod val="65000"/>
-                    <a:lumOff val="35000"/>
-                  </a:schemeClr>
-                </a:solidFill>
-                <a:latin typeface="+mn-lt"/>
-                <a:ea typeface="+mn-ea"/>
-                <a:cs typeface="+mn-cs"/>
-              </a:rPr>
-              <a:t>执行checkProtocol() 方法，校验 ProtocolConfig 配置数组</a:t>
-            </a:r>
-            <a:br>
-              <a:rPr lang="zh-CN" altLang="en-US" sz="1800" dirty="0">
-                <a:solidFill>
-                  <a:schemeClr val="tx1">
-                    <a:lumMod val="65000"/>
-                    <a:lumOff val="35000"/>
-                  </a:schemeClr>
-                </a:solidFill>
-                <a:latin typeface="+mn-lt"/>
-                <a:ea typeface="+mn-ea"/>
-                <a:cs typeface="+mn-cs"/>
-              </a:rPr>
-            </a:br>
-            <a:r>
-              <a:rPr lang="en-US" altLang="zh-CN" sz="1800" dirty="0">
-                <a:solidFill>
-                  <a:schemeClr val="tx1">
-                    <a:lumMod val="65000"/>
-                    <a:lumOff val="35000"/>
-                  </a:schemeClr>
-                </a:solidFill>
-                <a:latin typeface="+mn-lt"/>
-                <a:ea typeface="+mn-ea"/>
-                <a:cs typeface="+mn-cs"/>
-              </a:rPr>
-              <a:t>9. </a:t>
-            </a:r>
-            <a:r>
-              <a:rPr lang="zh-CN" altLang="en-US" sz="1800" dirty="0">
-                <a:solidFill>
-                  <a:schemeClr val="tx1">
-                    <a:lumMod val="65000"/>
-                    <a:lumOff val="35000"/>
-                  </a:schemeClr>
-                </a:solidFill>
-                <a:latin typeface="+mn-lt"/>
-                <a:ea typeface="+mn-ea"/>
-                <a:cs typeface="+mn-cs"/>
-              </a:rPr>
-              <a:t>执行appendProperties(config) 方法，读取属性配置( 环境变量 + properties 属性 )到 ServiceConfig 对象</a:t>
-            </a:r>
-            <a:br>
-              <a:rPr lang="zh-CN" altLang="en-US" sz="1800" dirty="0">
-                <a:solidFill>
-                  <a:schemeClr val="tx1">
-                    <a:lumMod val="65000"/>
-                    <a:lumOff val="35000"/>
-                  </a:schemeClr>
-                </a:solidFill>
-                <a:latin typeface="+mn-lt"/>
-                <a:ea typeface="+mn-ea"/>
-                <a:cs typeface="+mn-cs"/>
-              </a:rPr>
-            </a:br>
-            <a:r>
-              <a:rPr lang="en-US" altLang="zh-CN" sz="1800" dirty="0">
-                <a:solidFill>
-                  <a:schemeClr val="tx1">
-                    <a:lumMod val="65000"/>
-                    <a:lumOff val="35000"/>
-                  </a:schemeClr>
-                </a:solidFill>
-                <a:latin typeface="+mn-lt"/>
-                <a:ea typeface="+mn-ea"/>
-                <a:cs typeface="+mn-cs"/>
-              </a:rPr>
-              <a:t>10. </a:t>
-            </a:r>
-            <a:r>
-              <a:rPr lang="zh-CN" altLang="en-US" sz="1800" dirty="0">
-                <a:solidFill>
-                  <a:schemeClr val="tx1">
-                    <a:lumMod val="65000"/>
-                    <a:lumOff val="35000"/>
-                  </a:schemeClr>
-                </a:solidFill>
-                <a:latin typeface="+mn-lt"/>
-                <a:ea typeface="+mn-ea"/>
-                <a:cs typeface="+mn-cs"/>
-              </a:rPr>
-              <a:t>执行checkStubAndMock(interfaceClass) 方法，校验 Stub 和 Mock 相关的配置</a:t>
-            </a:r>
-            <a:br>
-              <a:rPr lang="zh-CN" altLang="en-US" sz="1800" dirty="0">
-                <a:solidFill>
-                  <a:schemeClr val="tx1">
-                    <a:lumMod val="65000"/>
-                    <a:lumOff val="35000"/>
-                  </a:schemeClr>
-                </a:solidFill>
-                <a:latin typeface="+mn-lt"/>
-                <a:ea typeface="+mn-ea"/>
-                <a:cs typeface="+mn-cs"/>
-              </a:rPr>
-            </a:br>
-            <a:r>
-              <a:rPr lang="en-US" altLang="zh-CN" sz="1800" dirty="0">
-                <a:solidFill>
-                  <a:schemeClr val="tx1">
-                    <a:lumMod val="65000"/>
-                    <a:lumOff val="35000"/>
-                  </a:schemeClr>
-                </a:solidFill>
-                <a:latin typeface="+mn-lt"/>
-                <a:ea typeface="+mn-ea"/>
-                <a:cs typeface="+mn-cs"/>
-              </a:rPr>
-              <a:t>11. 调用 #doExportUrls() 方法，暴露服务(</a:t>
-            </a:r>
-            <a:r>
-              <a:rPr lang="zh-CN" altLang="en-US" sz="1800" b="1" dirty="0">
-                <a:solidFill>
-                  <a:srgbClr val="FF0000"/>
-                </a:solidFill>
-                <a:latin typeface="+mn-lt"/>
-                <a:ea typeface="+mn-ea"/>
-                <a:cs typeface="+mn-cs"/>
-              </a:rPr>
-              <a:t>核心</a:t>
-            </a:r>
-            <a:r>
-              <a:rPr lang="en-US" altLang="zh-CN" sz="1800" dirty="0">
-                <a:solidFill>
-                  <a:schemeClr val="tx1">
-                    <a:lumMod val="65000"/>
-                    <a:lumOff val="35000"/>
-                  </a:schemeClr>
-                </a:solidFill>
-                <a:latin typeface="+mn-lt"/>
-                <a:ea typeface="+mn-ea"/>
-                <a:cs typeface="+mn-cs"/>
-              </a:rPr>
-              <a:t>)</a:t>
-            </a:r>
-            <a:endParaRPr lang="en-US" altLang="zh-CN" sz="1800" dirty="0">
-              <a:solidFill>
-                <a:schemeClr val="tx1">
-                  <a:lumMod val="65000"/>
-                  <a:lumOff val="35000"/>
-                </a:schemeClr>
-              </a:solidFill>
-              <a:latin typeface="+mn-lt"/>
-              <a:ea typeface="+mn-ea"/>
-              <a:cs typeface="+mn-cs"/>
-            </a:endParaRPr>
-          </a:p>
-        </p:txBody>
-      </p:sp>
-      <p:sp>
-        <p:nvSpPr>
-          <p:cNvPr id="4" name="标题 1"/>
-          <p:cNvSpPr>
-            <a:spLocks noGrp="1"/>
-          </p:cNvSpPr>
-          <p:nvPr/>
-        </p:nvSpPr>
-        <p:spPr>
-          <a:xfrm>
-            <a:off x="432095" y="560041"/>
-            <a:ext cx="8782438" cy="742235"/>
-          </a:xfrm>
-          <a:prstGeom prst="rect">
-            <a:avLst/>
-          </a:prstGeom>
-        </p:spPr>
-        <p:txBody>
-          <a:bodyPr vert="horz" lIns="91440" tIns="45720" rIns="91440" bIns="45720" rtlCol="0" anchor="t">
-            <a:normAutofit fontScale="90000"/>
-          </a:bodyPr>
-          <a:lstStyle>
-            <a:lvl1pPr algn="l" defTabSz="457200" rtl="0" eaLnBrk="1" latinLnBrk="0" hangingPunct="1">
-              <a:spcBef>
-                <a:spcPct val="0"/>
-              </a:spcBef>
-              <a:buNone/>
-              <a:defRPr sz="3600" kern="1200">
-                <a:solidFill>
-                  <a:schemeClr val="tx1">
-                    <a:lumMod val="85000"/>
-                    <a:lumOff val="15000"/>
-                  </a:schemeClr>
-                </a:solidFill>
-                <a:latin typeface="+mj-lt"/>
-                <a:ea typeface="+mj-ea"/>
-                <a:cs typeface="+mj-cs"/>
-              </a:defRPr>
-            </a:lvl1pPr>
-            <a:lvl2pPr eaLnBrk="1" hangingPunct="1">
-              <a:defRPr>
-                <a:solidFill>
-                  <a:schemeClr val="tx2"/>
-                </a:solidFill>
-              </a:defRPr>
-            </a:lvl2pPr>
-            <a:lvl3pPr eaLnBrk="1" hangingPunct="1">
-              <a:defRPr>
-                <a:solidFill>
-                  <a:schemeClr val="tx2"/>
-                </a:solidFill>
-              </a:defRPr>
-            </a:lvl3pPr>
-            <a:lvl4pPr eaLnBrk="1" hangingPunct="1">
-              <a:defRPr>
-                <a:solidFill>
-                  <a:schemeClr val="tx2"/>
-                </a:solidFill>
-              </a:defRPr>
-            </a:lvl4pPr>
-            <a:lvl5pPr eaLnBrk="1" hangingPunct="1">
-              <a:defRPr>
-                <a:solidFill>
-                  <a:schemeClr val="tx2"/>
-                </a:solidFill>
-              </a:defRPr>
-            </a:lvl5pPr>
-            <a:lvl6pPr eaLnBrk="1" hangingPunct="1">
-              <a:defRPr>
-                <a:solidFill>
-                  <a:schemeClr val="tx2"/>
-                </a:solidFill>
-              </a:defRPr>
-            </a:lvl6pPr>
-            <a:lvl7pPr eaLnBrk="1" hangingPunct="1">
-              <a:defRPr>
-                <a:solidFill>
-                  <a:schemeClr val="tx2"/>
-                </a:solidFill>
-              </a:defRPr>
-            </a:lvl7pPr>
-            <a:lvl8pPr eaLnBrk="1" hangingPunct="1">
-              <a:defRPr>
-                <a:solidFill>
-                  <a:schemeClr val="tx2"/>
-                </a:solidFill>
-              </a:defRPr>
-            </a:lvl8pPr>
-            <a:lvl9pPr eaLnBrk="1" hangingPunct="1">
-              <a:defRPr>
-                <a:solidFill>
-                  <a:schemeClr val="tx2"/>
-                </a:solidFill>
-              </a:defRPr>
-            </a:lvl9pPr>
-          </a:lstStyle>
-          <a:p>
-            <a:r>
-              <a:rPr lang="en-US" altLang="zh-CN" dirty="0">
-                <a:sym typeface="+mn-ea"/>
-              </a:rPr>
-              <a:t>dubbo Api</a:t>
-            </a:r>
-            <a:r>
-              <a:rPr lang="zh-CN" altLang="en-US" dirty="0">
-                <a:sym typeface="+mn-ea"/>
-              </a:rPr>
-              <a:t>配置之服务提供者</a:t>
-            </a:r>
-            <a:r>
-              <a:rPr lang="en-US" altLang="zh-CN" dirty="0">
-                <a:sym typeface="+mn-ea"/>
-              </a:rPr>
-              <a:t>(</a:t>
-            </a:r>
-            <a:r>
-              <a:rPr lang="zh-CN" altLang="en-US" dirty="0">
-                <a:sym typeface="+mn-ea"/>
-              </a:rPr>
-              <a:t>三</a:t>
-            </a:r>
-            <a:r>
-              <a:rPr lang="en-US" altLang="zh-CN" dirty="0">
-                <a:sym typeface="+mn-ea"/>
-              </a:rPr>
-              <a:t>)</a:t>
-            </a:r>
-            <a:endParaRPr lang="zh-CN" altLang="en-US" dirty="0"/>
-          </a:p>
-        </p:txBody>
-      </p:sp>
-      <p:pic>
-        <p:nvPicPr>
-          <p:cNvPr id="5" name="图片 4"/>
-          <p:cNvPicPr>
-            <a:picLocks noChangeAspect="1"/>
-          </p:cNvPicPr>
-          <p:nvPr/>
-        </p:nvPicPr>
-        <p:blipFill>
-          <a:blip r:embed="rId1"/>
-          <a:stretch>
-            <a:fillRect/>
-          </a:stretch>
-        </p:blipFill>
-        <p:spPr>
-          <a:xfrm>
-            <a:off x="6274435" y="22225"/>
-            <a:ext cx="6188710" cy="7181850"/>
           </a:xfrm>
           <a:prstGeom prst="rect">
             <a:avLst/>
@@ -19056,13 +18701,13 @@
             <a:spLocks noGrp="1"/>
           </p:cNvSpPr>
           <p:nvPr>
-            <p:ph type="title"/>
+            <p:ph type="ctrTitle"/>
           </p:nvPr>
         </p:nvSpPr>
         <p:spPr>
           <a:xfrm>
-            <a:off x="1769405" y="645131"/>
-            <a:ext cx="8782438" cy="742235"/>
+            <a:off x="929005" y="1062990"/>
+            <a:ext cx="5667375" cy="5643245"/>
           </a:xfrm>
         </p:spPr>
         <p:txBody>
@@ -19071,185 +18716,1308 @@
           </a:bodyPr>
           <a:lstStyle/>
           <a:p>
-            <a:r>
-              <a:rPr lang="en-US" altLang="zh-CN" dirty="0">
+            <a:pPr algn="l"/>
+            <a:br>
+              <a:rPr sz="1800" dirty="0">
+                <a:solidFill>
+                  <a:schemeClr val="tx1">
+                    <a:lumMod val="65000"/>
+                    <a:lumOff val="35000"/>
+                  </a:schemeClr>
+                </a:solidFill>
+                <a:latin typeface="+mn-lt"/>
+                <a:ea typeface="+mn-ea"/>
+                <a:cs typeface="+mn-cs"/>
+              </a:rPr>
+            </a:br>
+            <a:r>
+              <a:rPr lang="en-US" sz="1800" dirty="0">
+                <a:solidFill>
+                  <a:schemeClr val="tx1">
+                    <a:lumMod val="65000"/>
+                    <a:lumOff val="35000"/>
+                  </a:schemeClr>
+                </a:solidFill>
+                <a:latin typeface="+mn-lt"/>
+                <a:ea typeface="+mn-ea"/>
+                <a:cs typeface="+mn-cs"/>
+              </a:rPr>
+              <a:t>Note: </a:t>
+            </a:r>
+            <a:br>
+              <a:rPr lang="en-US" sz="1800" dirty="0">
+                <a:solidFill>
+                  <a:schemeClr val="tx1">
+                    <a:lumMod val="65000"/>
+                    <a:lumOff val="35000"/>
+                  </a:schemeClr>
+                </a:solidFill>
+                <a:latin typeface="+mn-lt"/>
+                <a:ea typeface="+mn-ea"/>
+                <a:cs typeface="+mn-cs"/>
+              </a:rPr>
+            </a:br>
+            <a:r>
+              <a:rPr lang="en-US" sz="1800" dirty="0">
+                <a:solidFill>
+                  <a:schemeClr val="tx1">
+                    <a:lumMod val="65000"/>
+                    <a:lumOff val="35000"/>
+                  </a:schemeClr>
+                </a:solidFill>
+                <a:latin typeface="+mn-lt"/>
+                <a:ea typeface="+mn-ea"/>
+                <a:cs typeface="+mn-cs"/>
+              </a:rPr>
+              <a:t>1. </a:t>
+            </a:r>
+            <a:r>
+              <a:rPr lang="zh-CN" altLang="en-US" sz="1800" dirty="0">
+                <a:solidFill>
+                  <a:schemeClr val="tx1">
+                    <a:lumMod val="65000"/>
+                    <a:lumOff val="35000"/>
+                  </a:schemeClr>
+                </a:solidFill>
+                <a:latin typeface="+mn-lt"/>
+                <a:ea typeface="+mn-ea"/>
+                <a:cs typeface="+mn-cs"/>
+              </a:rPr>
+              <a:t>检查是否可以暴露服务</a:t>
+            </a:r>
+            <a:r>
+              <a:rPr lang="en-US" altLang="zh-CN" sz="1800" dirty="0">
+                <a:solidFill>
+                  <a:schemeClr val="tx1">
+                    <a:lumMod val="65000"/>
+                    <a:lumOff val="35000"/>
+                  </a:schemeClr>
+                </a:solidFill>
+                <a:latin typeface="+mn-lt"/>
+                <a:ea typeface="+mn-ea"/>
+                <a:cs typeface="+mn-cs"/>
+              </a:rPr>
+              <a:t>, </a:t>
+            </a:r>
+            <a:r>
+              <a:rPr lang="zh-CN" altLang="en-US" sz="1800" dirty="0">
+                <a:solidFill>
+                  <a:schemeClr val="tx1">
+                    <a:lumMod val="65000"/>
+                    <a:lumOff val="35000"/>
+                  </a:schemeClr>
+                </a:solidFill>
+                <a:latin typeface="+mn-lt"/>
+                <a:ea typeface="+mn-ea"/>
+                <a:cs typeface="+mn-cs"/>
+              </a:rPr>
+              <a:t>如果已经暴露过则返回或抛出异常</a:t>
+            </a:r>
+            <a:r>
+              <a:rPr lang="en-US" altLang="zh-CN" sz="1800" dirty="0">
+                <a:solidFill>
+                  <a:schemeClr val="tx1">
+                    <a:lumMod val="65000"/>
+                    <a:lumOff val="35000"/>
+                  </a:schemeClr>
+                </a:solidFill>
+                <a:latin typeface="+mn-lt"/>
+                <a:ea typeface="+mn-ea"/>
+                <a:cs typeface="+mn-cs"/>
+              </a:rPr>
+              <a:t>, </a:t>
+            </a:r>
+            <a:r>
+              <a:rPr lang="zh-CN" altLang="en-US" sz="1800" dirty="0">
+                <a:solidFill>
+                  <a:schemeClr val="tx1">
+                    <a:lumMod val="65000"/>
+                    <a:lumOff val="35000"/>
+                  </a:schemeClr>
+                </a:solidFill>
+                <a:latin typeface="+mn-lt"/>
+                <a:ea typeface="+mn-ea"/>
+                <a:cs typeface="+mn-cs"/>
+              </a:rPr>
+              <a:t>否则标记已经暴露服务</a:t>
+            </a:r>
+            <a:r>
+              <a:rPr lang="en-US" altLang="zh-CN" sz="1800" dirty="0">
+                <a:solidFill>
+                  <a:schemeClr val="tx1">
+                    <a:lumMod val="65000"/>
+                    <a:lumOff val="35000"/>
+                  </a:schemeClr>
+                </a:solidFill>
+                <a:latin typeface="+mn-lt"/>
+                <a:ea typeface="+mn-ea"/>
+                <a:cs typeface="+mn-cs"/>
+              </a:rPr>
+              <a:t>exported=true</a:t>
+            </a:r>
+            <a:br>
+              <a:rPr lang="en-US" altLang="zh-CN" sz="1800" dirty="0">
+                <a:solidFill>
+                  <a:schemeClr val="tx1">
+                    <a:lumMod val="65000"/>
+                    <a:lumOff val="35000"/>
+                  </a:schemeClr>
+                </a:solidFill>
+                <a:latin typeface="+mn-lt"/>
+                <a:ea typeface="+mn-ea"/>
+                <a:cs typeface="+mn-cs"/>
+              </a:rPr>
+            </a:br>
+            <a:r>
+              <a:rPr lang="en-US" altLang="zh-CN" sz="1800" dirty="0">
+                <a:solidFill>
+                  <a:schemeClr val="tx1">
+                    <a:lumMod val="65000"/>
+                    <a:lumOff val="35000"/>
+                  </a:schemeClr>
+                </a:solidFill>
+                <a:latin typeface="+mn-lt"/>
+                <a:ea typeface="+mn-ea"/>
+                <a:cs typeface="+mn-cs"/>
+              </a:rPr>
+              <a:t>2. </a:t>
+            </a:r>
+            <a:r>
+              <a:rPr lang="zh-CN" altLang="en-US" sz="1800" dirty="0">
+                <a:solidFill>
+                  <a:schemeClr val="tx1">
+                    <a:lumMod val="65000"/>
+                    <a:lumOff val="35000"/>
+                  </a:schemeClr>
+                </a:solidFill>
+                <a:latin typeface="+mn-lt"/>
+                <a:ea typeface="+mn-ea"/>
+                <a:cs typeface="+mn-cs"/>
+              </a:rPr>
+              <a:t>读取属性配置</a:t>
+            </a:r>
+            <a:r>
+              <a:rPr lang="en-US" altLang="zh-CN" sz="1800" dirty="0">
+                <a:solidFill>
+                  <a:schemeClr val="tx1">
+                    <a:lumMod val="65000"/>
+                    <a:lumOff val="35000"/>
+                  </a:schemeClr>
+                </a:solidFill>
+                <a:latin typeface="+mn-lt"/>
+                <a:ea typeface="+mn-ea"/>
+                <a:cs typeface="+mn-cs"/>
+              </a:rPr>
+              <a:t>(</a:t>
+            </a:r>
+            <a:r>
+              <a:rPr lang="zh-CN" altLang="en-US" sz="1800" dirty="0">
+                <a:solidFill>
+                  <a:schemeClr val="tx1">
+                    <a:lumMod val="65000"/>
+                    <a:lumOff val="35000"/>
+                  </a:schemeClr>
+                </a:solidFill>
+                <a:latin typeface="+mn-lt"/>
+                <a:ea typeface="+mn-ea"/>
+                <a:cs typeface="+mn-cs"/>
+              </a:rPr>
+              <a:t>环境变量</a:t>
+            </a:r>
+            <a:r>
+              <a:rPr lang="en-US" altLang="zh-CN" sz="1800" dirty="0">
+                <a:solidFill>
+                  <a:schemeClr val="tx1">
+                    <a:lumMod val="65000"/>
+                    <a:lumOff val="35000"/>
+                  </a:schemeClr>
+                </a:solidFill>
+                <a:latin typeface="+mn-lt"/>
+                <a:ea typeface="+mn-ea"/>
+                <a:cs typeface="+mn-cs"/>
+              </a:rPr>
+              <a:t>+properties</a:t>
+            </a:r>
+            <a:r>
+              <a:rPr lang="zh-CN" altLang="en-US" sz="1800" dirty="0">
+                <a:solidFill>
+                  <a:schemeClr val="tx1">
+                    <a:lumMod val="65000"/>
+                    <a:lumOff val="35000"/>
+                  </a:schemeClr>
+                </a:solidFill>
+                <a:latin typeface="+mn-lt"/>
+                <a:ea typeface="+mn-ea"/>
+                <a:cs typeface="+mn-cs"/>
+              </a:rPr>
+              <a:t>属性</a:t>
+            </a:r>
+            <a:r>
+              <a:rPr lang="en-US" altLang="zh-CN" sz="1800" dirty="0">
+                <a:solidFill>
+                  <a:schemeClr val="tx1">
+                    <a:lumMod val="65000"/>
+                    <a:lumOff val="35000"/>
+                  </a:schemeClr>
+                </a:solidFill>
+                <a:latin typeface="+mn-lt"/>
+                <a:ea typeface="+mn-ea"/>
+                <a:cs typeface="+mn-cs"/>
+              </a:rPr>
+              <a:t>)</a:t>
+            </a:r>
+            <a:r>
+              <a:rPr lang="zh-CN" altLang="en-US" sz="1800" dirty="0">
+                <a:solidFill>
+                  <a:schemeClr val="tx1">
+                    <a:lumMod val="65000"/>
+                    <a:lumOff val="35000"/>
+                  </a:schemeClr>
+                </a:solidFill>
+                <a:latin typeface="+mn-lt"/>
+                <a:ea typeface="+mn-ea"/>
+                <a:cs typeface="+mn-cs"/>
+              </a:rPr>
+              <a:t>到</a:t>
+            </a:r>
+            <a:r>
+              <a:rPr lang="en-US" altLang="zh-CN" sz="1800" dirty="0">
+                <a:solidFill>
+                  <a:schemeClr val="tx1">
+                    <a:lumMod val="65000"/>
+                    <a:lumOff val="35000"/>
+                  </a:schemeClr>
+                </a:solidFill>
+                <a:latin typeface="+mn-lt"/>
+                <a:ea typeface="+mn-ea"/>
+                <a:cs typeface="+mn-cs"/>
+              </a:rPr>
+              <a:t>ProviderConfig</a:t>
+            </a:r>
+            <a:r>
+              <a:rPr lang="zh-CN" altLang="en-US" sz="1800" dirty="0">
+                <a:solidFill>
+                  <a:schemeClr val="tx1">
+                    <a:lumMod val="65000"/>
+                    <a:lumOff val="35000"/>
+                  </a:schemeClr>
+                </a:solidFill>
+                <a:latin typeface="+mn-lt"/>
+                <a:ea typeface="+mn-ea"/>
+                <a:cs typeface="+mn-cs"/>
+              </a:rPr>
+              <a:t>中</a:t>
+            </a:r>
+            <a:br>
+              <a:rPr lang="zh-CN" altLang="en-US" sz="1800" dirty="0">
+                <a:solidFill>
+                  <a:schemeClr val="tx1">
+                    <a:lumMod val="65000"/>
+                    <a:lumOff val="35000"/>
+                  </a:schemeClr>
+                </a:solidFill>
+                <a:latin typeface="+mn-lt"/>
+                <a:ea typeface="+mn-ea"/>
+                <a:cs typeface="+mn-cs"/>
+              </a:rPr>
+            </a:br>
+            <a:r>
+              <a:rPr lang="en-US" altLang="zh-CN" sz="1800" dirty="0">
+                <a:solidFill>
+                  <a:schemeClr val="tx1">
+                    <a:lumMod val="65000"/>
+                    <a:lumOff val="35000"/>
+                  </a:schemeClr>
+                </a:solidFill>
+                <a:latin typeface="+mn-lt"/>
+                <a:ea typeface="+mn-ea"/>
+                <a:cs typeface="+mn-cs"/>
+              </a:rPr>
+              <a:t>3. </a:t>
+            </a:r>
+            <a:r>
+              <a:rPr lang="zh-CN" altLang="en-US" sz="1800" dirty="0">
+                <a:solidFill>
+                  <a:schemeClr val="tx1">
+                    <a:lumMod val="65000"/>
+                    <a:lumOff val="35000"/>
+                  </a:schemeClr>
+                </a:solidFill>
+                <a:latin typeface="+mn-lt"/>
+                <a:ea typeface="+mn-ea"/>
+                <a:cs typeface="+mn-cs"/>
+              </a:rPr>
+              <a:t>按照</a:t>
+            </a:r>
+            <a:r>
+              <a:rPr lang="en-US" altLang="zh-CN" sz="1800" dirty="0">
+                <a:solidFill>
+                  <a:schemeClr val="tx1">
+                    <a:lumMod val="65000"/>
+                    <a:lumOff val="35000"/>
+                  </a:schemeClr>
+                </a:solidFill>
+                <a:latin typeface="+mn-lt"/>
+                <a:ea typeface="+mn-ea"/>
+                <a:cs typeface="+mn-cs"/>
+              </a:rPr>
+              <a:t>ProviderConfig --&gt; ModuleConfig --&gt; ApplicationConfig</a:t>
+            </a:r>
+            <a:r>
+              <a:rPr lang="zh-CN" altLang="en-US" sz="1800" dirty="0">
+                <a:solidFill>
+                  <a:schemeClr val="tx1">
+                    <a:lumMod val="65000"/>
+                    <a:lumOff val="35000"/>
+                  </a:schemeClr>
+                </a:solidFill>
+                <a:latin typeface="+mn-lt"/>
+                <a:ea typeface="+mn-ea"/>
+                <a:cs typeface="+mn-cs"/>
+              </a:rPr>
+              <a:t>的顺序读取相关的属性配置</a:t>
+            </a:r>
+            <a:br>
+              <a:rPr lang="zh-CN" altLang="en-US" sz="1800" dirty="0">
+                <a:solidFill>
+                  <a:schemeClr val="tx1">
+                    <a:lumMod val="65000"/>
+                    <a:lumOff val="35000"/>
+                  </a:schemeClr>
+                </a:solidFill>
+                <a:latin typeface="+mn-lt"/>
+                <a:ea typeface="+mn-ea"/>
+                <a:cs typeface="+mn-cs"/>
+              </a:rPr>
+            </a:br>
+            <a:r>
+              <a:rPr lang="en-US" altLang="zh-CN" sz="1800" dirty="0">
+                <a:solidFill>
+                  <a:schemeClr val="tx1">
+                    <a:lumMod val="65000"/>
+                    <a:lumOff val="35000"/>
+                  </a:schemeClr>
+                </a:solidFill>
+                <a:latin typeface="+mn-lt"/>
+                <a:ea typeface="+mn-ea"/>
+                <a:cs typeface="+mn-cs"/>
+              </a:rPr>
+              <a:t>4.  </a:t>
+            </a:r>
+            <a:r>
+              <a:rPr lang="zh-CN" altLang="en-US" sz="1800" dirty="0">
+                <a:solidFill>
+                  <a:schemeClr val="tx1">
+                    <a:lumMod val="65000"/>
+                    <a:lumOff val="35000"/>
+                  </a:schemeClr>
+                </a:solidFill>
+                <a:latin typeface="+mn-lt"/>
+                <a:ea typeface="+mn-ea"/>
+                <a:cs typeface="+mn-cs"/>
+              </a:rPr>
+              <a:t>如果是</a:t>
+            </a:r>
+            <a:r>
+              <a:rPr lang="zh-CN" altLang="en-US" sz="1800" b="1" dirty="0">
+                <a:solidFill>
+                  <a:srgbClr val="FF0000"/>
+                </a:solidFill>
+                <a:latin typeface="+mn-lt"/>
+                <a:ea typeface="+mn-ea"/>
+                <a:cs typeface="+mn-cs"/>
+              </a:rPr>
+              <a:t>泛化接口</a:t>
+            </a:r>
+            <a:r>
+              <a:rPr lang="zh-CN" altLang="en-US" sz="1800" dirty="0">
+                <a:solidFill>
+                  <a:schemeClr val="tx1">
+                    <a:lumMod val="65000"/>
+                    <a:lumOff val="35000"/>
+                  </a:schemeClr>
+                </a:solidFill>
+                <a:latin typeface="+mn-lt"/>
+                <a:ea typeface="+mn-ea"/>
+                <a:cs typeface="+mn-cs"/>
+              </a:rPr>
+              <a:t>的实现</a:t>
+            </a:r>
+            <a:r>
+              <a:rPr lang="en-US" altLang="zh-CN" sz="1800" dirty="0">
+                <a:solidFill>
+                  <a:schemeClr val="tx1">
+                    <a:lumMod val="65000"/>
+                    <a:lumOff val="35000"/>
+                  </a:schemeClr>
+                </a:solidFill>
+                <a:latin typeface="+mn-lt"/>
+                <a:ea typeface="+mn-ea"/>
+                <a:cs typeface="+mn-cs"/>
+              </a:rPr>
+              <a:t>, </a:t>
+            </a:r>
+            <a:r>
+              <a:rPr lang="zh-CN" altLang="en-US" sz="1800" dirty="0">
+                <a:solidFill>
+                  <a:schemeClr val="tx1">
+                    <a:lumMod val="65000"/>
+                    <a:lumOff val="35000"/>
+                  </a:schemeClr>
+                </a:solidFill>
+                <a:latin typeface="+mn-lt"/>
+                <a:ea typeface="+mn-ea"/>
+                <a:cs typeface="+mn-cs"/>
+              </a:rPr>
+              <a:t>按照泛化接口处理</a:t>
+            </a:r>
+            <a:r>
+              <a:rPr lang="en-US" altLang="zh-CN" sz="1800" dirty="0">
+                <a:solidFill>
+                  <a:schemeClr val="tx1">
+                    <a:lumMod val="65000"/>
+                    <a:lumOff val="35000"/>
+                  </a:schemeClr>
+                </a:solidFill>
+                <a:latin typeface="+mn-lt"/>
+                <a:ea typeface="+mn-ea"/>
+                <a:cs typeface="+mn-cs"/>
+              </a:rPr>
+              <a:t>interfaceClass, </a:t>
+            </a:r>
+            <a:r>
+              <a:rPr lang="zh-CN" altLang="en-US" sz="1800" dirty="0">
+                <a:solidFill>
+                  <a:schemeClr val="tx1">
+                    <a:lumMod val="65000"/>
+                    <a:lumOff val="35000"/>
+                  </a:schemeClr>
+                </a:solidFill>
+                <a:latin typeface="+mn-lt"/>
+                <a:ea typeface="+mn-ea"/>
+                <a:cs typeface="+mn-cs"/>
                 <a:sym typeface="+mn-ea"/>
               </a:rPr>
-              <a:t>dubbo Api</a:t>
-            </a:r>
-            <a:r>
-              <a:rPr lang="zh-CN" altLang="en-US" dirty="0">
+              <a:t>标记泛化</a:t>
+            </a:r>
+            <a:r>
+              <a:rPr lang="zh-CN" altLang="en-US" sz="1800" b="1" dirty="0">
+                <a:solidFill>
+                  <a:srgbClr val="FF0000"/>
+                </a:solidFill>
+                <a:latin typeface="+mn-lt"/>
+                <a:ea typeface="+mn-ea"/>
+                <a:cs typeface="+mn-cs"/>
                 <a:sym typeface="+mn-ea"/>
               </a:rPr>
-              <a:t>配置之服务提供者</a:t>
-            </a:r>
-            <a:r>
-              <a:rPr lang="en-US" altLang="zh-CN" dirty="0">
+              <a:t>generic</a:t>
+            </a:r>
+            <a:r>
+              <a:rPr lang="zh-CN" altLang="en-US" sz="1800" dirty="0">
+                <a:solidFill>
+                  <a:schemeClr val="tx1">
+                    <a:lumMod val="65000"/>
+                    <a:lumOff val="35000"/>
+                  </a:schemeClr>
+                </a:solidFill>
+                <a:latin typeface="+mn-lt"/>
+                <a:ea typeface="+mn-ea"/>
+                <a:cs typeface="+mn-cs"/>
                 <a:sym typeface="+mn-ea"/>
               </a:rPr>
-              <a:t>(</a:t>
-            </a:r>
-            <a:r>
-              <a:rPr lang="zh-CN" altLang="en-US" dirty="0">
+              <a:t>为</a:t>
+            </a:r>
+            <a:r>
+              <a:rPr lang="en-US" altLang="zh-CN" sz="1800" dirty="0">
+                <a:solidFill>
+                  <a:schemeClr val="tx1">
+                    <a:lumMod val="65000"/>
+                    <a:lumOff val="35000"/>
+                  </a:schemeClr>
+                </a:solidFill>
+                <a:latin typeface="+mn-lt"/>
+                <a:ea typeface="+mn-ea"/>
+                <a:cs typeface="+mn-cs"/>
                 <a:sym typeface="+mn-ea"/>
               </a:rPr>
-              <a:t>四</a:t>
-            </a:r>
-            <a:r>
-              <a:rPr lang="en-US" altLang="zh-CN" dirty="0">
-                <a:sym typeface="+mn-ea"/>
+              <a:t>true</a:t>
+            </a:r>
+            <a:r>
+              <a:rPr lang="en-US" altLang="zh-CN" sz="1800" dirty="0">
+                <a:solidFill>
+                  <a:schemeClr val="tx1">
+                    <a:lumMod val="65000"/>
+                    <a:lumOff val="35000"/>
+                  </a:schemeClr>
+                </a:solidFill>
+                <a:latin typeface="+mn-lt"/>
+                <a:ea typeface="+mn-ea"/>
+                <a:cs typeface="+mn-cs"/>
+              </a:rPr>
+              <a:t>; </a:t>
+            </a:r>
+            <a:r>
+              <a:rPr lang="zh-CN" altLang="en-US" sz="1800" dirty="0">
+                <a:solidFill>
+                  <a:schemeClr val="tx1">
+                    <a:lumMod val="65000"/>
+                    <a:lumOff val="35000"/>
+                  </a:schemeClr>
+                </a:solidFill>
+                <a:latin typeface="+mn-lt"/>
+                <a:ea typeface="+mn-ea"/>
+                <a:cs typeface="+mn-cs"/>
+              </a:rPr>
+              <a:t>如果是</a:t>
+            </a:r>
+            <a:r>
+              <a:rPr lang="zh-CN" altLang="en-US" sz="1800" b="1" dirty="0">
+                <a:solidFill>
+                  <a:srgbClr val="FF0000"/>
+                </a:solidFill>
+                <a:latin typeface="+mn-lt"/>
+                <a:ea typeface="+mn-ea"/>
+                <a:cs typeface="+mn-cs"/>
+              </a:rPr>
+              <a:t>普通接口</a:t>
+            </a:r>
+            <a:r>
+              <a:rPr lang="en-US" altLang="zh-CN" sz="1800" dirty="0">
+                <a:solidFill>
+                  <a:schemeClr val="tx1">
+                    <a:lumMod val="65000"/>
+                    <a:lumOff val="35000"/>
+                  </a:schemeClr>
+                </a:solidFill>
+                <a:latin typeface="+mn-lt"/>
+                <a:ea typeface="+mn-ea"/>
+                <a:cs typeface="+mn-cs"/>
+              </a:rPr>
+              <a:t>, </a:t>
+            </a:r>
+            <a:r>
+              <a:rPr lang="zh-CN" altLang="en-US" sz="1800" dirty="0">
+                <a:solidFill>
+                  <a:schemeClr val="tx1">
+                    <a:lumMod val="65000"/>
+                    <a:lumOff val="35000"/>
+                  </a:schemeClr>
+                </a:solidFill>
+                <a:latin typeface="+mn-lt"/>
+                <a:ea typeface="+mn-ea"/>
+                <a:cs typeface="+mn-cs"/>
+              </a:rPr>
+              <a:t>通过反射的方式获取</a:t>
+            </a:r>
+            <a:r>
+              <a:rPr lang="en-US" altLang="zh-CN" sz="1800" dirty="0">
+                <a:solidFill>
+                  <a:schemeClr val="tx1">
+                    <a:lumMod val="65000"/>
+                    <a:lumOff val="35000"/>
+                  </a:schemeClr>
+                </a:solidFill>
+                <a:latin typeface="+mn-lt"/>
+                <a:ea typeface="+mn-ea"/>
+                <a:cs typeface="+mn-cs"/>
+              </a:rPr>
+              <a:t>interfaceClass, </a:t>
+            </a:r>
+            <a:r>
+              <a:rPr lang="zh-CN" altLang="en-US" sz="1800" dirty="0">
+                <a:solidFill>
+                  <a:schemeClr val="tx1">
+                    <a:lumMod val="65000"/>
+                    <a:lumOff val="35000"/>
+                  </a:schemeClr>
+                </a:solidFill>
+                <a:latin typeface="+mn-lt"/>
+                <a:ea typeface="+mn-ea"/>
+                <a:cs typeface="+mn-cs"/>
+              </a:rPr>
+              <a:t>并校验接口和方法、校验指向的</a:t>
+            </a:r>
+            <a:r>
+              <a:rPr lang="en-US" altLang="zh-CN" sz="1800" dirty="0">
+                <a:solidFill>
+                  <a:schemeClr val="tx1">
+                    <a:lumMod val="65000"/>
+                    <a:lumOff val="35000"/>
+                  </a:schemeClr>
+                </a:solidFill>
+                <a:latin typeface="+mn-lt"/>
+                <a:ea typeface="+mn-ea"/>
+                <a:cs typeface="+mn-cs"/>
+              </a:rPr>
+              <a:t>service</a:t>
+            </a:r>
+            <a:r>
+              <a:rPr lang="zh-CN" altLang="en-US" sz="1800" dirty="0">
+                <a:solidFill>
+                  <a:schemeClr val="tx1">
+                    <a:lumMod val="65000"/>
+                    <a:lumOff val="35000"/>
+                  </a:schemeClr>
+                </a:solidFill>
+                <a:latin typeface="+mn-lt"/>
+                <a:ea typeface="+mn-ea"/>
+                <a:cs typeface="+mn-cs"/>
+              </a:rPr>
+              <a:t>对象</a:t>
+            </a:r>
+            <a:r>
+              <a:rPr lang="en-US" altLang="zh-CN" sz="1800" dirty="0">
+                <a:solidFill>
+                  <a:schemeClr val="tx1">
+                    <a:lumMod val="65000"/>
+                    <a:lumOff val="35000"/>
+                  </a:schemeClr>
+                </a:solidFill>
+                <a:latin typeface="+mn-lt"/>
+                <a:ea typeface="+mn-ea"/>
+                <a:cs typeface="+mn-cs"/>
+              </a:rPr>
+              <a:t>, </a:t>
+            </a:r>
+            <a:r>
+              <a:rPr lang="zh-CN" altLang="en-US" sz="1800" dirty="0">
+                <a:solidFill>
+                  <a:schemeClr val="tx1">
+                    <a:lumMod val="65000"/>
+                    <a:lumOff val="35000"/>
+                  </a:schemeClr>
+                </a:solidFill>
+                <a:latin typeface="+mn-lt"/>
+                <a:ea typeface="+mn-ea"/>
+                <a:cs typeface="+mn-cs"/>
+              </a:rPr>
+              <a:t>标记泛化</a:t>
+            </a:r>
+            <a:r>
+              <a:rPr lang="zh-CN" altLang="en-US" sz="1800" b="1" dirty="0">
+                <a:solidFill>
+                  <a:srgbClr val="FF0000"/>
+                </a:solidFill>
+                <a:latin typeface="+mn-lt"/>
+                <a:ea typeface="+mn-ea"/>
+                <a:cs typeface="+mn-cs"/>
+              </a:rPr>
+              <a:t>generic</a:t>
+            </a:r>
+            <a:r>
+              <a:rPr lang="zh-CN" altLang="en-US" sz="1800" dirty="0">
+                <a:solidFill>
+                  <a:schemeClr val="tx1">
+                    <a:lumMod val="65000"/>
+                    <a:lumOff val="35000"/>
+                  </a:schemeClr>
+                </a:solidFill>
+                <a:latin typeface="+mn-lt"/>
+                <a:ea typeface="+mn-ea"/>
+                <a:cs typeface="+mn-cs"/>
+              </a:rPr>
+              <a:t>为</a:t>
+            </a:r>
+            <a:r>
+              <a:rPr lang="en-US" altLang="zh-CN" sz="1800" dirty="0">
+                <a:solidFill>
+                  <a:schemeClr val="tx1">
+                    <a:lumMod val="65000"/>
+                    <a:lumOff val="35000"/>
+                  </a:schemeClr>
+                </a:solidFill>
+                <a:latin typeface="+mn-lt"/>
+                <a:ea typeface="+mn-ea"/>
+                <a:cs typeface="+mn-cs"/>
+              </a:rPr>
+              <a:t>false</a:t>
+            </a:r>
+            <a:br>
+              <a:rPr lang="en-US" altLang="zh-CN" sz="1800" dirty="0">
+                <a:solidFill>
+                  <a:schemeClr val="tx1">
+                    <a:lumMod val="65000"/>
+                    <a:lumOff val="35000"/>
+                  </a:schemeClr>
+                </a:solidFill>
+                <a:latin typeface="+mn-lt"/>
+                <a:ea typeface="+mn-ea"/>
+                <a:cs typeface="+mn-cs"/>
+              </a:rPr>
+            </a:br>
+            <a:r>
+              <a:rPr lang="en-US" altLang="zh-CN" sz="1800" dirty="0">
+                <a:solidFill>
+                  <a:schemeClr val="tx1">
+                    <a:lumMod val="65000"/>
+                    <a:lumOff val="35000"/>
+                  </a:schemeClr>
+                </a:solidFill>
+                <a:latin typeface="+mn-lt"/>
+                <a:ea typeface="+mn-ea"/>
+                <a:cs typeface="+mn-cs"/>
+              </a:rPr>
+              <a:t>5.</a:t>
+            </a:r>
+            <a:r>
+              <a:rPr lang="zh-CN" altLang="en-US" sz="1800" dirty="0">
+                <a:solidFill>
+                  <a:schemeClr val="tx1">
+                    <a:lumMod val="65000"/>
+                    <a:lumOff val="35000"/>
+                  </a:schemeClr>
+                </a:solidFill>
+                <a:latin typeface="+mn-lt"/>
+                <a:ea typeface="+mn-ea"/>
+                <a:cs typeface="+mn-cs"/>
+              </a:rPr>
+              <a:t>处理服务接口客户端本地代理</a:t>
+            </a:r>
+            <a:r>
+              <a:rPr lang="en-US" altLang="zh-CN" sz="1800" dirty="0">
+                <a:solidFill>
+                  <a:schemeClr val="tx1">
+                    <a:lumMod val="65000"/>
+                    <a:lumOff val="35000"/>
+                  </a:schemeClr>
+                </a:solidFill>
+                <a:latin typeface="+mn-lt"/>
+                <a:ea typeface="+mn-ea"/>
+                <a:cs typeface="+mn-cs"/>
+              </a:rPr>
+              <a:t>local/stub</a:t>
+            </a:r>
+            <a:r>
+              <a:rPr lang="zh-CN" altLang="en-US" sz="1800" dirty="0">
+                <a:solidFill>
+                  <a:schemeClr val="tx1">
+                    <a:lumMod val="65000"/>
+                    <a:lumOff val="35000"/>
+                  </a:schemeClr>
+                </a:solidFill>
+                <a:latin typeface="+mn-lt"/>
+                <a:ea typeface="+mn-ea"/>
+                <a:cs typeface="+mn-cs"/>
+              </a:rPr>
+              <a:t>相关</a:t>
+            </a:r>
+            <a:r>
+              <a:rPr lang="en-US" altLang="zh-CN" sz="1800" dirty="0">
+                <a:solidFill>
+                  <a:schemeClr val="tx1">
+                    <a:lumMod val="65000"/>
+                    <a:lumOff val="35000"/>
+                  </a:schemeClr>
+                </a:solidFill>
+                <a:latin typeface="+mn-lt"/>
+                <a:ea typeface="+mn-ea"/>
+                <a:cs typeface="+mn-cs"/>
+              </a:rPr>
+              <a:t>, </a:t>
+            </a:r>
+            <a:r>
+              <a:rPr lang="zh-CN" altLang="en-US" sz="1800" dirty="0">
+                <a:solidFill>
+                  <a:schemeClr val="tx1">
+                    <a:lumMod val="65000"/>
+                    <a:lumOff val="35000"/>
+                  </a:schemeClr>
+                </a:solidFill>
+                <a:latin typeface="+mn-lt"/>
+                <a:ea typeface="+mn-ea"/>
+                <a:cs typeface="+mn-cs"/>
+              </a:rPr>
+              <a:t>其中</a:t>
+            </a:r>
+            <a:r>
+              <a:rPr lang="en-US" altLang="zh-CN" sz="1800" dirty="0">
+                <a:solidFill>
+                  <a:schemeClr val="tx1">
+                    <a:lumMod val="65000"/>
+                    <a:lumOff val="35000"/>
+                  </a:schemeClr>
+                </a:solidFill>
+                <a:latin typeface="+mn-lt"/>
+                <a:ea typeface="+mn-ea"/>
+                <a:cs typeface="+mn-cs"/>
+              </a:rPr>
+              <a:t>local</a:t>
+            </a:r>
+            <a:r>
+              <a:rPr lang="zh-CN" altLang="en-US" sz="1800" dirty="0">
+                <a:solidFill>
+                  <a:schemeClr val="tx1">
+                    <a:lumMod val="65000"/>
+                    <a:lumOff val="35000"/>
+                  </a:schemeClr>
+                </a:solidFill>
+                <a:latin typeface="+mn-lt"/>
+                <a:ea typeface="+mn-ea"/>
+                <a:cs typeface="+mn-cs"/>
+              </a:rPr>
+              <a:t>目前已经废除</a:t>
+            </a:r>
+            <a:r>
+              <a:rPr lang="en-US" altLang="zh-CN" sz="1800" dirty="0">
+                <a:solidFill>
+                  <a:schemeClr val="tx1">
+                    <a:lumMod val="65000"/>
+                    <a:lumOff val="35000"/>
+                  </a:schemeClr>
+                </a:solidFill>
+                <a:latin typeface="+mn-lt"/>
+                <a:ea typeface="+mn-ea"/>
+                <a:cs typeface="+mn-cs"/>
+              </a:rPr>
+              <a:t>, </a:t>
+            </a:r>
+            <a:r>
+              <a:rPr lang="zh-CN" altLang="en-US" sz="1800" dirty="0">
+                <a:solidFill>
+                  <a:schemeClr val="tx1">
+                    <a:lumMod val="65000"/>
+                    <a:lumOff val="35000"/>
+                  </a:schemeClr>
+                </a:solidFill>
+                <a:latin typeface="+mn-lt"/>
+                <a:ea typeface="+mn-ea"/>
+                <a:cs typeface="+mn-cs"/>
+              </a:rPr>
+              <a:t>这里是为了兼容历史版本</a:t>
+            </a:r>
+            <a:br>
+              <a:rPr lang="zh-CN" altLang="en-US" sz="1800" dirty="0">
+                <a:solidFill>
+                  <a:schemeClr val="tx1">
+                    <a:lumMod val="65000"/>
+                    <a:lumOff val="35000"/>
+                  </a:schemeClr>
+                </a:solidFill>
+                <a:latin typeface="+mn-lt"/>
+                <a:ea typeface="+mn-ea"/>
+                <a:cs typeface="+mn-cs"/>
+              </a:rPr>
+            </a:br>
+            <a:r>
+              <a:rPr lang="zh-CN" altLang="en-US" sz="1800" dirty="0">
+                <a:solidFill>
+                  <a:schemeClr val="tx1">
+                    <a:lumMod val="65000"/>
+                    <a:lumOff val="35000"/>
+                  </a:schemeClr>
+                </a:solidFill>
+                <a:latin typeface="+mn-lt"/>
+                <a:ea typeface="+mn-ea"/>
+                <a:cs typeface="+mn-cs"/>
+              </a:rPr>
+              <a:t>6</a:t>
+            </a:r>
+            <a:r>
+              <a:rPr lang="en-US" altLang="zh-CN" sz="1800" dirty="0">
+                <a:solidFill>
+                  <a:schemeClr val="tx1">
+                    <a:lumMod val="65000"/>
+                    <a:lumOff val="35000"/>
+                  </a:schemeClr>
+                </a:solidFill>
+                <a:latin typeface="+mn-lt"/>
+                <a:ea typeface="+mn-ea"/>
+                <a:cs typeface="+mn-cs"/>
+              </a:rPr>
+              <a:t>. </a:t>
+            </a:r>
+            <a:r>
+              <a:rPr lang="zh-CN" altLang="en-US" sz="1800" dirty="0">
+                <a:solidFill>
+                  <a:schemeClr val="tx1">
+                    <a:lumMod val="65000"/>
+                    <a:lumOff val="35000"/>
+                  </a:schemeClr>
+                </a:solidFill>
+                <a:latin typeface="+mn-lt"/>
+                <a:ea typeface="+mn-ea"/>
+                <a:cs typeface="+mn-cs"/>
+              </a:rPr>
+              <a:t>执行</a:t>
+            </a:r>
+            <a:r>
+              <a:rPr lang="en-US" altLang="zh-CN" sz="1800" dirty="0">
+                <a:solidFill>
+                  <a:schemeClr val="tx1">
+                    <a:lumMod val="65000"/>
+                    <a:lumOff val="35000"/>
+                  </a:schemeClr>
+                </a:solidFill>
+                <a:latin typeface="+mn-lt"/>
+                <a:ea typeface="+mn-ea"/>
+                <a:cs typeface="+mn-cs"/>
+              </a:rPr>
+              <a:t>checkApplication() 方法，校验 ApplicationConfig 配置</a:t>
+            </a:r>
+            <a:br>
+              <a:rPr lang="en-US" altLang="zh-CN" sz="1800" dirty="0">
+                <a:solidFill>
+                  <a:schemeClr val="tx1">
+                    <a:lumMod val="65000"/>
+                    <a:lumOff val="35000"/>
+                  </a:schemeClr>
+                </a:solidFill>
+                <a:latin typeface="+mn-lt"/>
+                <a:ea typeface="+mn-ea"/>
+                <a:cs typeface="+mn-cs"/>
+              </a:rPr>
+            </a:br>
+            <a:r>
+              <a:rPr lang="en-US" altLang="zh-CN" sz="1800" dirty="0">
+                <a:solidFill>
+                  <a:schemeClr val="tx1">
+                    <a:lumMod val="65000"/>
+                    <a:lumOff val="35000"/>
+                  </a:schemeClr>
+                </a:solidFill>
+                <a:latin typeface="+mn-lt"/>
+                <a:ea typeface="+mn-ea"/>
+                <a:cs typeface="+mn-cs"/>
+              </a:rPr>
+              <a:t>7. </a:t>
+            </a:r>
+            <a:r>
+              <a:rPr lang="zh-CN" altLang="en-US" sz="1800" dirty="0">
+                <a:solidFill>
+                  <a:schemeClr val="tx1">
+                    <a:lumMod val="65000"/>
+                    <a:lumOff val="35000"/>
+                  </a:schemeClr>
+                </a:solidFill>
+                <a:latin typeface="+mn-lt"/>
+                <a:ea typeface="+mn-ea"/>
+                <a:cs typeface="+mn-cs"/>
+              </a:rPr>
+              <a:t>执行checkRegistry() 方法，校验 RegistryConfig 配置</a:t>
+            </a:r>
+            <a:br>
+              <a:rPr lang="zh-CN" altLang="en-US" sz="1800" dirty="0">
+                <a:solidFill>
+                  <a:schemeClr val="tx1">
+                    <a:lumMod val="65000"/>
+                    <a:lumOff val="35000"/>
+                  </a:schemeClr>
+                </a:solidFill>
+                <a:latin typeface="+mn-lt"/>
+                <a:ea typeface="+mn-ea"/>
+                <a:cs typeface="+mn-cs"/>
+              </a:rPr>
+            </a:br>
+            <a:r>
+              <a:rPr lang="en-US" altLang="zh-CN" sz="1800" dirty="0">
+                <a:solidFill>
+                  <a:schemeClr val="tx1">
+                    <a:lumMod val="65000"/>
+                    <a:lumOff val="35000"/>
+                  </a:schemeClr>
+                </a:solidFill>
+                <a:latin typeface="+mn-lt"/>
+                <a:ea typeface="+mn-ea"/>
+                <a:cs typeface="+mn-cs"/>
+              </a:rPr>
+              <a:t>8. </a:t>
+            </a:r>
+            <a:r>
+              <a:rPr lang="zh-CN" altLang="en-US" sz="1800" dirty="0">
+                <a:solidFill>
+                  <a:schemeClr val="tx1">
+                    <a:lumMod val="65000"/>
+                    <a:lumOff val="35000"/>
+                  </a:schemeClr>
+                </a:solidFill>
+                <a:latin typeface="+mn-lt"/>
+                <a:ea typeface="+mn-ea"/>
+                <a:cs typeface="+mn-cs"/>
+              </a:rPr>
+              <a:t>执行checkProtocol() 方法，校验 ProtocolConfig 配置数组</a:t>
+            </a:r>
+            <a:br>
+              <a:rPr lang="zh-CN" altLang="en-US" sz="1800" dirty="0">
+                <a:solidFill>
+                  <a:schemeClr val="tx1">
+                    <a:lumMod val="65000"/>
+                    <a:lumOff val="35000"/>
+                  </a:schemeClr>
+                </a:solidFill>
+                <a:latin typeface="+mn-lt"/>
+                <a:ea typeface="+mn-ea"/>
+                <a:cs typeface="+mn-cs"/>
+              </a:rPr>
+            </a:br>
+            <a:r>
+              <a:rPr lang="en-US" altLang="zh-CN" sz="1800" dirty="0">
+                <a:solidFill>
+                  <a:schemeClr val="tx1">
+                    <a:lumMod val="65000"/>
+                    <a:lumOff val="35000"/>
+                  </a:schemeClr>
+                </a:solidFill>
+                <a:latin typeface="+mn-lt"/>
+                <a:ea typeface="+mn-ea"/>
+                <a:cs typeface="+mn-cs"/>
+              </a:rPr>
+              <a:t>9. </a:t>
+            </a:r>
+            <a:r>
+              <a:rPr lang="zh-CN" altLang="en-US" sz="1800" dirty="0">
+                <a:solidFill>
+                  <a:schemeClr val="tx1">
+                    <a:lumMod val="65000"/>
+                    <a:lumOff val="35000"/>
+                  </a:schemeClr>
+                </a:solidFill>
+                <a:latin typeface="+mn-lt"/>
+                <a:ea typeface="+mn-ea"/>
+                <a:cs typeface="+mn-cs"/>
+              </a:rPr>
+              <a:t>执行appendProperties(config) 方法，读取属性配置( 环境变量 + properties 属性 )到 ServiceConfig 对象</a:t>
+            </a:r>
+            <a:br>
+              <a:rPr lang="zh-CN" altLang="en-US" sz="1800" dirty="0">
+                <a:solidFill>
+                  <a:schemeClr val="tx1">
+                    <a:lumMod val="65000"/>
+                    <a:lumOff val="35000"/>
+                  </a:schemeClr>
+                </a:solidFill>
+                <a:latin typeface="+mn-lt"/>
+                <a:ea typeface="+mn-ea"/>
+                <a:cs typeface="+mn-cs"/>
+              </a:rPr>
+            </a:br>
+            <a:r>
+              <a:rPr lang="en-US" altLang="zh-CN" sz="1800" dirty="0">
+                <a:solidFill>
+                  <a:schemeClr val="tx1">
+                    <a:lumMod val="65000"/>
+                    <a:lumOff val="35000"/>
+                  </a:schemeClr>
+                </a:solidFill>
+                <a:latin typeface="+mn-lt"/>
+                <a:ea typeface="+mn-ea"/>
+                <a:cs typeface="+mn-cs"/>
+              </a:rPr>
+              <a:t>10. </a:t>
+            </a:r>
+            <a:r>
+              <a:rPr lang="zh-CN" altLang="en-US" sz="1800" dirty="0">
+                <a:solidFill>
+                  <a:schemeClr val="tx1">
+                    <a:lumMod val="65000"/>
+                    <a:lumOff val="35000"/>
+                  </a:schemeClr>
+                </a:solidFill>
+                <a:latin typeface="+mn-lt"/>
+                <a:ea typeface="+mn-ea"/>
+                <a:cs typeface="+mn-cs"/>
+              </a:rPr>
+              <a:t>执行checkStubAndMock(interfaceClass) 方法，校验 Stub 和 Mock 相关的配置</a:t>
+            </a:r>
+            <a:br>
+              <a:rPr lang="zh-CN" altLang="en-US" sz="1800" dirty="0">
+                <a:solidFill>
+                  <a:schemeClr val="tx1">
+                    <a:lumMod val="65000"/>
+                    <a:lumOff val="35000"/>
+                  </a:schemeClr>
+                </a:solidFill>
+                <a:latin typeface="+mn-lt"/>
+                <a:ea typeface="+mn-ea"/>
+                <a:cs typeface="+mn-cs"/>
+              </a:rPr>
+            </a:br>
+            <a:r>
+              <a:rPr lang="en-US" altLang="zh-CN" sz="1800" dirty="0">
+                <a:solidFill>
+                  <a:schemeClr val="tx1">
+                    <a:lumMod val="65000"/>
+                    <a:lumOff val="35000"/>
+                  </a:schemeClr>
+                </a:solidFill>
+                <a:latin typeface="+mn-lt"/>
+                <a:ea typeface="+mn-ea"/>
+                <a:cs typeface="+mn-cs"/>
+              </a:rPr>
+              <a:t>11. 调用 #doExportUrls() 方法，暴露服务(</a:t>
+            </a:r>
+            <a:r>
+              <a:rPr lang="zh-CN" altLang="en-US" sz="1800" b="1" dirty="0">
+                <a:solidFill>
+                  <a:srgbClr val="FF0000"/>
+                </a:solidFill>
+                <a:latin typeface="+mn-lt"/>
+                <a:ea typeface="+mn-ea"/>
+                <a:cs typeface="+mn-cs"/>
+              </a:rPr>
+              <a:t>核心</a:t>
+            </a:r>
+            <a:r>
+              <a:rPr lang="en-US" altLang="zh-CN" sz="1800" dirty="0">
+                <a:solidFill>
+                  <a:schemeClr val="tx1">
+                    <a:lumMod val="65000"/>
+                    <a:lumOff val="35000"/>
+                  </a:schemeClr>
+                </a:solidFill>
+                <a:latin typeface="+mn-lt"/>
+                <a:ea typeface="+mn-ea"/>
+                <a:cs typeface="+mn-cs"/>
               </a:rPr>
               <a:t>)</a:t>
             </a:r>
-            <a:endParaRPr lang="zh-CN" altLang="en-US" dirty="0"/>
+            <a:endParaRPr lang="en-US" altLang="zh-CN" sz="1800" dirty="0">
+              <a:solidFill>
+                <a:schemeClr val="tx1">
+                  <a:lumMod val="65000"/>
+                  <a:lumOff val="35000"/>
+                </a:schemeClr>
+              </a:solidFill>
+              <a:latin typeface="+mn-lt"/>
+              <a:ea typeface="+mn-ea"/>
+              <a:cs typeface="+mn-cs"/>
+            </a:endParaRPr>
           </a:p>
         </p:txBody>
       </p:sp>
       <p:sp>
         <p:nvSpPr>
-          <p:cNvPr id="3" name="副标题 2"/>
+          <p:cNvPr id="4" name="标题 1"/>
           <p:cNvSpPr>
             <a:spLocks noGrp="1"/>
           </p:cNvSpPr>
-          <p:nvPr>
-            <p:ph idx="1"/>
-          </p:nvPr>
+          <p:nvPr/>
         </p:nvSpPr>
         <p:spPr>
           <a:xfrm>
-            <a:off x="726440" y="1612265"/>
-            <a:ext cx="5495925" cy="4342130"/>
+            <a:off x="432095" y="560041"/>
+            <a:ext cx="8782438" cy="742235"/>
           </a:xfrm>
+          <a:prstGeom prst="rect">
+            <a:avLst/>
+          </a:prstGeom>
         </p:spPr>
         <p:txBody>
-          <a:bodyPr>
-            <a:normAutofit fontScale="90000" lnSpcReduction="20000"/>
+          <a:bodyPr vert="horz" lIns="91440" tIns="45720" rIns="91440" bIns="45720" rtlCol="0" anchor="t">
+            <a:normAutofit fontScale="90000"/>
           </a:bodyPr>
-          <a:lstStyle/>
-          <a:p>
-            <a:pPr marL="0" indent="0">
+          <a:lstStyle>
+            <a:lvl1pPr algn="l" defTabSz="457200" rtl="0" eaLnBrk="1" latinLnBrk="0" hangingPunct="1">
+              <a:spcBef>
+                <a:spcPct val="0"/>
+              </a:spcBef>
               <a:buNone/>
-            </a:pPr>
-            <a:r>
-              <a:rPr lang="en-US" altLang="zh-CN" dirty="0"/>
-              <a:t>1. </a:t>
-            </a:r>
-            <a:r>
-              <a:rPr lang="zh-CN" altLang="en-US" dirty="0"/>
-              <a:t>配置协议缺省名</a:t>
+              <a:defRPr sz="3600" kern="1200">
+                <a:solidFill>
+                  <a:schemeClr val="tx1">
+                    <a:lumMod val="85000"/>
+                    <a:lumOff val="15000"/>
+                  </a:schemeClr>
+                </a:solidFill>
+                <a:latin typeface="+mj-lt"/>
+                <a:ea typeface="+mj-ea"/>
+                <a:cs typeface="+mj-cs"/>
+              </a:defRPr>
+            </a:lvl1pPr>
+            <a:lvl2pPr eaLnBrk="1" hangingPunct="1">
+              <a:defRPr>
+                <a:solidFill>
+                  <a:schemeClr val="tx2"/>
+                </a:solidFill>
+              </a:defRPr>
+            </a:lvl2pPr>
+            <a:lvl3pPr eaLnBrk="1" hangingPunct="1">
+              <a:defRPr>
+                <a:solidFill>
+                  <a:schemeClr val="tx2"/>
+                </a:solidFill>
+              </a:defRPr>
+            </a:lvl3pPr>
+            <a:lvl4pPr eaLnBrk="1" hangingPunct="1">
+              <a:defRPr>
+                <a:solidFill>
+                  <a:schemeClr val="tx2"/>
+                </a:solidFill>
+              </a:defRPr>
+            </a:lvl4pPr>
+            <a:lvl5pPr eaLnBrk="1" hangingPunct="1">
+              <a:defRPr>
+                <a:solidFill>
+                  <a:schemeClr val="tx2"/>
+                </a:solidFill>
+              </a:defRPr>
+            </a:lvl5pPr>
+            <a:lvl6pPr eaLnBrk="1" hangingPunct="1">
+              <a:defRPr>
+                <a:solidFill>
+                  <a:schemeClr val="tx2"/>
+                </a:solidFill>
+              </a:defRPr>
+            </a:lvl6pPr>
+            <a:lvl7pPr eaLnBrk="1" hangingPunct="1">
+              <a:defRPr>
+                <a:solidFill>
+                  <a:schemeClr val="tx2"/>
+                </a:solidFill>
+              </a:defRPr>
+            </a:lvl7pPr>
+            <a:lvl8pPr eaLnBrk="1" hangingPunct="1">
+              <a:defRPr>
+                <a:solidFill>
+                  <a:schemeClr val="tx2"/>
+                </a:solidFill>
+              </a:defRPr>
+            </a:lvl8pPr>
+            <a:lvl9pPr eaLnBrk="1" hangingPunct="1">
+              <a:defRPr>
+                <a:solidFill>
+                  <a:schemeClr val="tx2"/>
+                </a:solidFill>
+              </a:defRPr>
+            </a:lvl9pPr>
+          </a:lstStyle>
+          <a:p>
+            <a:r>
+              <a:rPr lang="en-US" altLang="zh-CN" dirty="0">
+                <a:sym typeface="+mn-ea"/>
+              </a:rPr>
+              <a:t>dubbo Api</a:t>
+            </a:r>
+            <a:r>
+              <a:rPr lang="zh-CN" altLang="en-US" dirty="0">
+                <a:sym typeface="+mn-ea"/>
+              </a:rPr>
+              <a:t>配置之服务提供者</a:t>
+            </a:r>
+            <a:r>
+              <a:rPr lang="en-US" altLang="zh-CN" dirty="0">
+                <a:sym typeface="+mn-ea"/>
+              </a:rPr>
+              <a:t>(</a:t>
+            </a:r>
+            <a:r>
+              <a:rPr lang="zh-CN" altLang="en-US" dirty="0">
+                <a:sym typeface="+mn-ea"/>
+              </a:rPr>
+              <a:t>三</a:t>
+            </a:r>
+            <a:r>
+              <a:rPr lang="en-US" altLang="zh-CN" dirty="0">
+                <a:sym typeface="+mn-ea"/>
+              </a:rPr>
+              <a:t>)</a:t>
             </a:r>
             <a:endParaRPr lang="zh-CN" altLang="en-US" dirty="0"/>
-          </a:p>
-          <a:p>
-            <a:pPr marL="0" indent="0">
-              <a:buNone/>
-            </a:pPr>
-            <a:r>
-              <a:rPr lang="en-US" altLang="zh-CN" dirty="0"/>
-              <a:t>2. 创建参数集合 map ，用于下面创建 Dubbo URL 的 parameters 属性</a:t>
-            </a:r>
-            <a:endParaRPr lang="en-US" altLang="zh-CN" dirty="0"/>
-          </a:p>
-          <a:p>
-            <a:pPr marL="0" indent="0">
-              <a:buNone/>
-            </a:pPr>
-            <a:r>
-              <a:rPr lang="en-US" altLang="zh-CN" dirty="0"/>
-              <a:t>3. 将 side dubbo timestamp timestamp pid </a:t>
-            </a:r>
-            <a:r>
-              <a:rPr lang="zh-CN" altLang="en-US" dirty="0"/>
-              <a:t>和各种配置对象</a:t>
-            </a:r>
-            <a:r>
-              <a:rPr lang="en-US" altLang="zh-CN" dirty="0"/>
-              <a:t>添加到 map 中 </a:t>
-            </a:r>
-            <a:endParaRPr lang="en-US" altLang="zh-CN" dirty="0"/>
-          </a:p>
-          <a:p>
-            <a:pPr marL="0" algn="l">
-              <a:buSzTx/>
-              <a:buNone/>
-            </a:pPr>
-            <a:r>
-              <a:rPr lang="en-US" altLang="zh-CN" dirty="0"/>
-              <a:t>4. 将每个 MethodConfig 和其对应的 ArgumentConfig 对象数组，添加到 map 中</a:t>
-            </a:r>
-            <a:endParaRPr lang="en-US" altLang="zh-CN" dirty="0"/>
-          </a:p>
-          <a:p>
-            <a:pPr marL="0" algn="l">
-              <a:buSzTx/>
-              <a:buNone/>
-            </a:pPr>
-            <a:r>
-              <a:rPr lang="en-US" altLang="zh-CN" dirty="0"/>
-              <a:t>5. 将 generic methods revision 到 map 中</a:t>
-            </a:r>
-            <a:endParaRPr lang="en-US" altLang="zh-CN" dirty="0"/>
-          </a:p>
-          <a:p>
-            <a:pPr marL="0" algn="l">
-              <a:buSzTx/>
-              <a:buNone/>
-            </a:pPr>
-            <a:r>
-              <a:rPr lang="en-US" altLang="zh-CN" dirty="0"/>
-              <a:t>6. 当协议为 injvm 时，添加 notify = false 到 map 中，表示不注册，不通知</a:t>
-            </a:r>
-            <a:endParaRPr lang="en-US" altLang="zh-CN" dirty="0"/>
-          </a:p>
-          <a:p>
-            <a:pPr marL="0" algn="l">
-              <a:buSzTx/>
-              <a:buNone/>
-            </a:pPr>
-            <a:r>
-              <a:rPr lang="en-US" altLang="zh-CN" dirty="0"/>
-              <a:t>7. 获得注册到注册中心的服务提供者 Host, PORT</a:t>
-            </a:r>
-            <a:endParaRPr lang="en-US" altLang="zh-CN" dirty="0"/>
-          </a:p>
-          <a:p>
-            <a:pPr marL="0" algn="l">
-              <a:buSzTx/>
-              <a:buNone/>
-            </a:pPr>
-            <a:r>
-              <a:rPr lang="en-US" altLang="zh-CN" dirty="0"/>
-              <a:t>8. 创建Dubbo URL</a:t>
-            </a:r>
-            <a:endParaRPr lang="en-US" altLang="zh-CN" dirty="0"/>
-          </a:p>
-          <a:p>
-            <a:pPr marL="0" algn="l">
-              <a:buSzTx/>
-              <a:buNone/>
-            </a:pPr>
-            <a:r>
-              <a:rPr lang="en-US" altLang="zh-CN" dirty="0"/>
-              <a:t>9. 获取配置规则</a:t>
-            </a:r>
-            <a:endParaRPr lang="en-US" altLang="zh-CN" dirty="0"/>
-          </a:p>
-          <a:p>
-            <a:pPr marL="0" algn="l">
-              <a:buSzTx/>
-              <a:buNone/>
-            </a:pPr>
-            <a:r>
-              <a:rPr lang="en-US" altLang="zh-CN" dirty="0"/>
-              <a:t>10. 进行服务暴露</a:t>
-            </a:r>
-            <a:endParaRPr lang="en-US" altLang="zh-CN" dirty="0"/>
           </a:p>
         </p:txBody>
       </p:sp>
       <p:pic>
         <p:nvPicPr>
-          <p:cNvPr id="4" name="图片 3"/>
+          <p:cNvPr id="5" name="图片 4"/>
           <p:cNvPicPr>
             <a:picLocks noChangeAspect="1"/>
           </p:cNvPicPr>
@@ -19263,8 +20031,8 @@
         </p:blipFill>
         <p:spPr>
           <a:xfrm>
-            <a:off x="6222365" y="1145540"/>
-            <a:ext cx="5984875" cy="7004050"/>
+            <a:off x="6274435" y="22225"/>
+            <a:ext cx="6188710" cy="7181850"/>
           </a:xfrm>
           <a:prstGeom prst="rect">
             <a:avLst/>
